--- a/SH365ポスターテンプレート（A0).pptx
+++ b/SH365ポスターテンプレート（A0).pptx
@@ -257,7 +257,7 @@
           <a:p>
             <a:fld id="{9824D048-2932-4938-B209-F74D77CC75C5}" type="datetimeFigureOut">
               <a:rPr kumimoji="1" lang="ja-JP" altLang="en-US" smtClean="0"/>
-              <a:t>2023/9/19</a:t>
+              <a:t>2025/2/13</a:t>
             </a:fld>
             <a:endParaRPr kumimoji="1" lang="ja-JP" altLang="en-US"/>
           </a:p>
@@ -596,7 +596,7 @@
             <a:fld id="{9824D048-2932-4938-B209-F74D77CC75C5}" type="datetimeFigureOut">
               <a:rPr kumimoji="1" lang="ja-JP" altLang="en-US" sz="2806" smtClean="0"/>
               <a:pPr/>
-              <a:t>2023/9/19</a:t>
+              <a:t>2025/2/13</a:t>
             </a:fld>
             <a:endParaRPr kumimoji="1" lang="ja-JP" altLang="en-US" sz="2806"/>
           </a:p>
@@ -1038,7 +1038,7 @@
           <a:p>
             <a:fld id="{9824D048-2932-4938-B209-F74D77CC75C5}" type="datetimeFigureOut">
               <a:rPr kumimoji="1" lang="ja-JP" altLang="en-US" smtClean="0"/>
-              <a:t>2023/9/19</a:t>
+              <a:t>2025/2/13</a:t>
             </a:fld>
             <a:endParaRPr kumimoji="1" lang="ja-JP" altLang="en-US"/>
           </a:p>
@@ -1280,7 +1280,7 @@
           <a:p>
             <a:fld id="{9824D048-2932-4938-B209-F74D77CC75C5}" type="datetimeFigureOut">
               <a:rPr kumimoji="1" lang="ja-JP" altLang="en-US" smtClean="0"/>
-              <a:t>2023/9/19</a:t>
+              <a:t>2025/2/13</a:t>
             </a:fld>
             <a:endParaRPr kumimoji="1" lang="ja-JP" altLang="en-US"/>
           </a:p>
@@ -1759,7 +1759,7 @@
           <a:p>
             <a:fld id="{9824D048-2932-4938-B209-F74D77CC75C5}" type="datetimeFigureOut">
               <a:rPr kumimoji="1" lang="ja-JP" altLang="en-US" smtClean="0"/>
-              <a:t>2023/9/19</a:t>
+              <a:t>2025/2/13</a:t>
             </a:fld>
             <a:endParaRPr kumimoji="1" lang="ja-JP" altLang="en-US"/>
           </a:p>
@@ -2093,7 +2093,7 @@
           <a:p>
             <a:fld id="{9824D048-2932-4938-B209-F74D77CC75C5}" type="datetimeFigureOut">
               <a:rPr kumimoji="1" lang="ja-JP" altLang="en-US" smtClean="0"/>
-              <a:t>2023/9/19</a:t>
+              <a:t>2025/2/13</a:t>
             </a:fld>
             <a:endParaRPr kumimoji="1" lang="ja-JP" altLang="en-US"/>
           </a:p>
@@ -2563,7 +2563,7 @@
           <a:p>
             <a:fld id="{9824D048-2932-4938-B209-F74D77CC75C5}" type="datetimeFigureOut">
               <a:rPr kumimoji="1" lang="ja-JP" altLang="en-US" smtClean="0"/>
-              <a:t>2023/9/19</a:t>
+              <a:t>2025/2/13</a:t>
             </a:fld>
             <a:endParaRPr kumimoji="1" lang="ja-JP" altLang="en-US"/>
           </a:p>
@@ -2713,7 +2713,7 @@
           <a:p>
             <a:fld id="{9824D048-2932-4938-B209-F74D77CC75C5}" type="datetimeFigureOut">
               <a:rPr kumimoji="1" lang="ja-JP" altLang="en-US" smtClean="0"/>
-              <a:t>2023/9/19</a:t>
+              <a:t>2025/2/13</a:t>
             </a:fld>
             <a:endParaRPr kumimoji="1" lang="ja-JP" altLang="en-US"/>
           </a:p>
@@ -2832,7 +2832,7 @@
           <a:p>
             <a:fld id="{9824D048-2932-4938-B209-F74D77CC75C5}" type="datetimeFigureOut">
               <a:rPr kumimoji="1" lang="ja-JP" altLang="en-US" smtClean="0"/>
-              <a:t>2023/9/19</a:t>
+              <a:t>2025/2/13</a:t>
             </a:fld>
             <a:endParaRPr kumimoji="1" lang="ja-JP" altLang="en-US"/>
           </a:p>
@@ -3174,7 +3174,7 @@
           <a:p>
             <a:fld id="{9824D048-2932-4938-B209-F74D77CC75C5}" type="datetimeFigureOut">
               <a:rPr kumimoji="1" lang="ja-JP" altLang="en-US" smtClean="0"/>
-              <a:t>2023/9/19</a:t>
+              <a:t>2025/2/13</a:t>
             </a:fld>
             <a:endParaRPr kumimoji="1" lang="ja-JP" altLang="en-US"/>
           </a:p>
@@ -3464,7 +3464,7 @@
           <a:p>
             <a:fld id="{9824D048-2932-4938-B209-F74D77CC75C5}" type="datetimeFigureOut">
               <a:rPr kumimoji="1" lang="ja-JP" altLang="en-US" smtClean="0"/>
-              <a:t>2023/9/19</a:t>
+              <a:t>2025/2/13</a:t>
             </a:fld>
             <a:endParaRPr kumimoji="1" lang="ja-JP" altLang="en-US"/>
           </a:p>
@@ -3884,6 +3884,1123 @@
           <a:chExt cx="0" cy="0"/>
         </a:xfrm>
       </p:grpSpPr>
+      <p:sp>
+        <p:nvSpPr>
+          <p:cNvPr id="2" name="テキスト ボックス 1">
+            <a:extLst>
+              <a:ext uri="{FF2B5EF4-FFF2-40B4-BE49-F238E27FC236}">
+                <a16:creationId xmlns:a16="http://schemas.microsoft.com/office/drawing/2014/main" id="{C22A76F0-ED78-23E8-B021-1CA94FBF607B}"/>
+              </a:ext>
+            </a:extLst>
+          </p:cNvPr>
+          <p:cNvSpPr txBox="1"/>
+          <p:nvPr/>
+        </p:nvSpPr>
+        <p:spPr>
+          <a:xfrm>
+            <a:off x="12344689" y="4349578"/>
+            <a:ext cx="5585833" cy="1938992"/>
+          </a:xfrm>
+          <a:prstGeom prst="rect">
+            <a:avLst/>
+          </a:prstGeom>
+          <a:noFill/>
+        </p:spPr>
+        <p:txBody>
+          <a:bodyPr wrap="square" rtlCol="0">
+            <a:spAutoFit/>
+          </a:bodyPr>
+          <a:lstStyle/>
+          <a:p>
+            <a:pPr algn="ctr"/>
+            <a:r>
+              <a:rPr kumimoji="1" lang="en-US" altLang="ja-JP" sz="12000" b="1" i="1" dirty="0">
+                <a:latin typeface="メイリオ" panose="020B0604030504040204" pitchFamily="50" charset="-128"/>
+                <a:ea typeface="メイリオ" panose="020B0604030504040204" pitchFamily="50" charset="-128"/>
+              </a:rPr>
+              <a:t>S</a:t>
+            </a:r>
+            <a:r>
+              <a:rPr kumimoji="1" lang="en-US" altLang="ja-JP" sz="12000" b="1" i="1" dirty="0">
+                <a:solidFill>
+                  <a:srgbClr val="FF0000"/>
+                </a:solidFill>
+                <a:latin typeface="メイリオ" panose="020B0604030504040204" pitchFamily="50" charset="-128"/>
+                <a:ea typeface="メイリオ" panose="020B0604030504040204" pitchFamily="50" charset="-128"/>
+              </a:rPr>
+              <a:t>4</a:t>
+            </a:r>
+            <a:r>
+              <a:rPr kumimoji="1" lang="en-US" altLang="ja-JP" sz="12000" b="1" i="1" dirty="0">
+                <a:latin typeface="メイリオ" panose="020B0604030504040204" pitchFamily="50" charset="-128"/>
+                <a:ea typeface="メイリオ" panose="020B0604030504040204" pitchFamily="50" charset="-128"/>
+              </a:rPr>
+              <a:t>FE</a:t>
+            </a:r>
+            <a:endParaRPr kumimoji="1" lang="ja-JP" altLang="en-US" sz="12000" b="1" i="1" dirty="0">
+              <a:latin typeface="メイリオ" panose="020B0604030504040204" pitchFamily="50" charset="-128"/>
+              <a:ea typeface="メイリオ" panose="020B0604030504040204" pitchFamily="50" charset="-128"/>
+            </a:endParaRPr>
+          </a:p>
+        </p:txBody>
+      </p:sp>
+      <p:sp>
+        <p:nvSpPr>
+          <p:cNvPr id="5" name="テキスト ボックス 4">
+            <a:extLst>
+              <a:ext uri="{FF2B5EF4-FFF2-40B4-BE49-F238E27FC236}">
+                <a16:creationId xmlns:a16="http://schemas.microsoft.com/office/drawing/2014/main" id="{B4EDCE1B-A857-2F7F-49AD-EF6FDCFCE9FD}"/>
+              </a:ext>
+            </a:extLst>
+          </p:cNvPr>
+          <p:cNvSpPr txBox="1"/>
+          <p:nvPr/>
+        </p:nvSpPr>
+        <p:spPr>
+          <a:xfrm>
+            <a:off x="20311354" y="4349578"/>
+            <a:ext cx="9163454" cy="1569660"/>
+          </a:xfrm>
+          <a:prstGeom prst="rect">
+            <a:avLst/>
+          </a:prstGeom>
+          <a:noFill/>
+        </p:spPr>
+        <p:txBody>
+          <a:bodyPr wrap="square" rtlCol="0">
+            <a:spAutoFit/>
+          </a:bodyPr>
+          <a:lstStyle/>
+          <a:p>
+            <a:pPr algn="ctr"/>
+            <a:r>
+              <a:rPr kumimoji="1" lang="ja-JP" altLang="en-US" sz="4800" dirty="0">
+                <a:latin typeface="メイリオ" panose="020B0604030504040204" pitchFamily="50" charset="-128"/>
+                <a:ea typeface="メイリオ" panose="020B0604030504040204" pitchFamily="50" charset="-128"/>
+              </a:rPr>
+              <a:t>学習駆動コース コンテンツゼミ</a:t>
+            </a:r>
+            <a:endParaRPr kumimoji="1" lang="en-US" altLang="ja-JP" sz="4800" dirty="0">
+              <a:latin typeface="メイリオ" panose="020B0604030504040204" pitchFamily="50" charset="-128"/>
+              <a:ea typeface="メイリオ" panose="020B0604030504040204" pitchFamily="50" charset="-128"/>
+            </a:endParaRPr>
+          </a:p>
+          <a:p>
+            <a:pPr algn="ctr"/>
+            <a:r>
+              <a:rPr kumimoji="1" lang="ja-JP" altLang="en-US" sz="4800" dirty="0">
+                <a:latin typeface="メイリオ" panose="020B0604030504040204" pitchFamily="50" charset="-128"/>
+                <a:ea typeface="メイリオ" panose="020B0604030504040204" pitchFamily="50" charset="-128"/>
+              </a:rPr>
+              <a:t>伊藤駿介</a:t>
+            </a:r>
+          </a:p>
+        </p:txBody>
+      </p:sp>
+      <p:sp>
+        <p:nvSpPr>
+          <p:cNvPr id="6" name="テキスト ボックス 5">
+            <a:extLst>
+              <a:ext uri="{FF2B5EF4-FFF2-40B4-BE49-F238E27FC236}">
+                <a16:creationId xmlns:a16="http://schemas.microsoft.com/office/drawing/2014/main" id="{1C32A1FC-E58A-59C3-0E22-E672D088F2AE}"/>
+              </a:ext>
+            </a:extLst>
+          </p:cNvPr>
+          <p:cNvSpPr txBox="1"/>
+          <p:nvPr/>
+        </p:nvSpPr>
+        <p:spPr>
+          <a:xfrm>
+            <a:off x="1400783" y="6556443"/>
+            <a:ext cx="27665464" cy="769441"/>
+          </a:xfrm>
+          <a:prstGeom prst="rect">
+            <a:avLst/>
+          </a:prstGeom>
+          <a:noFill/>
+        </p:spPr>
+        <p:txBody>
+          <a:bodyPr wrap="square" rtlCol="0">
+            <a:spAutoFit/>
+          </a:bodyPr>
+          <a:lstStyle/>
+          <a:p>
+            <a:pPr algn="ctr"/>
+            <a:r>
+              <a:rPr kumimoji="1" lang="en-US" altLang="ja-JP" sz="4400" dirty="0">
+                <a:latin typeface="メイリオ" panose="020B0604030504040204" pitchFamily="50" charset="-128"/>
+                <a:ea typeface="メイリオ" panose="020B0604030504040204" pitchFamily="50" charset="-128"/>
+              </a:rPr>
+              <a:t>- Security </a:t>
+            </a:r>
+            <a:r>
+              <a:rPr kumimoji="1" lang="en-US" altLang="ja-JP" sz="4400" dirty="0">
+                <a:solidFill>
+                  <a:srgbClr val="FF0000"/>
+                </a:solidFill>
+                <a:latin typeface="メイリオ" panose="020B0604030504040204" pitchFamily="50" charset="-128"/>
+                <a:ea typeface="メイリオ" panose="020B0604030504040204" pitchFamily="50" charset="-128"/>
+              </a:rPr>
+              <a:t>4</a:t>
+            </a:r>
+            <a:r>
+              <a:rPr kumimoji="1" lang="en-US" altLang="ja-JP" sz="4400" dirty="0">
+                <a:latin typeface="メイリオ" panose="020B0604030504040204" pitchFamily="50" charset="-128"/>
+                <a:ea typeface="メイリオ" panose="020B0604030504040204" pitchFamily="50" charset="-128"/>
+              </a:rPr>
+              <a:t>cknowledgment For Everyone -</a:t>
+            </a:r>
+            <a:endParaRPr kumimoji="1" lang="ja-JP" altLang="en-US" sz="4400" dirty="0">
+              <a:latin typeface="メイリオ" panose="020B0604030504040204" pitchFamily="50" charset="-128"/>
+              <a:ea typeface="メイリオ" panose="020B0604030504040204" pitchFamily="50" charset="-128"/>
+            </a:endParaRPr>
+          </a:p>
+        </p:txBody>
+      </p:sp>
+      <p:sp>
+        <p:nvSpPr>
+          <p:cNvPr id="7" name="テキスト ボックス 6">
+            <a:extLst>
+              <a:ext uri="{FF2B5EF4-FFF2-40B4-BE49-F238E27FC236}">
+                <a16:creationId xmlns:a16="http://schemas.microsoft.com/office/drawing/2014/main" id="{ACD05F5D-E4D3-04D7-611B-FB42BB464ED8}"/>
+              </a:ext>
+            </a:extLst>
+          </p:cNvPr>
+          <p:cNvSpPr txBox="1"/>
+          <p:nvPr/>
+        </p:nvSpPr>
+        <p:spPr>
+          <a:xfrm>
+            <a:off x="2091448" y="3797529"/>
+            <a:ext cx="9669293" cy="1107996"/>
+          </a:xfrm>
+          <a:prstGeom prst="rect">
+            <a:avLst/>
+          </a:prstGeom>
+          <a:noFill/>
+        </p:spPr>
+        <p:txBody>
+          <a:bodyPr wrap="square" rtlCol="0">
+            <a:spAutoFit/>
+          </a:bodyPr>
+          <a:lstStyle/>
+          <a:p>
+            <a:pPr algn="ctr"/>
+            <a:r>
+              <a:rPr kumimoji="1" lang="ja-JP" altLang="en-US" sz="6600" dirty="0">
+                <a:latin typeface="メイリオ" panose="020B0604030504040204" pitchFamily="50" charset="-128"/>
+                <a:ea typeface="メイリオ" panose="020B0604030504040204" pitchFamily="50" charset="-128"/>
+              </a:rPr>
+              <a:t>セキュリティ学習ゲーム</a:t>
+            </a:r>
+          </a:p>
+        </p:txBody>
+      </p:sp>
+      <p:sp>
+        <p:nvSpPr>
+          <p:cNvPr id="9" name="正方形/長方形 8">
+            <a:extLst>
+              <a:ext uri="{FF2B5EF4-FFF2-40B4-BE49-F238E27FC236}">
+                <a16:creationId xmlns:a16="http://schemas.microsoft.com/office/drawing/2014/main" id="{1CF06033-9265-71E9-DDC7-4EF8EBFEE192}"/>
+              </a:ext>
+            </a:extLst>
+          </p:cNvPr>
+          <p:cNvSpPr/>
+          <p:nvPr/>
+        </p:nvSpPr>
+        <p:spPr>
+          <a:xfrm>
+            <a:off x="15467015" y="9786550"/>
+            <a:ext cx="12975282" cy="8600303"/>
+          </a:xfrm>
+          <a:prstGeom prst="rect">
+            <a:avLst/>
+          </a:prstGeom>
+        </p:spPr>
+        <p:style>
+          <a:lnRef idx="2">
+            <a:schemeClr val="accent1">
+              <a:shade val="15000"/>
+            </a:schemeClr>
+          </a:lnRef>
+          <a:fillRef idx="1">
+            <a:schemeClr val="accent1"/>
+          </a:fillRef>
+          <a:effectRef idx="0">
+            <a:schemeClr val="accent1"/>
+          </a:effectRef>
+          <a:fontRef idx="minor">
+            <a:schemeClr val="lt1"/>
+          </a:fontRef>
+        </p:style>
+        <p:txBody>
+          <a:bodyPr rtlCol="0" anchor="ctr"/>
+          <a:lstStyle/>
+          <a:p>
+            <a:pPr algn="ctr"/>
+            <a:endParaRPr kumimoji="1" lang="ja-JP" altLang="en-US"/>
+          </a:p>
+        </p:txBody>
+      </p:sp>
+      <p:sp>
+        <p:nvSpPr>
+          <p:cNvPr id="10" name="正方形/長方形 9">
+            <a:extLst>
+              <a:ext uri="{FF2B5EF4-FFF2-40B4-BE49-F238E27FC236}">
+                <a16:creationId xmlns:a16="http://schemas.microsoft.com/office/drawing/2014/main" id="{BC137E10-0CEF-D89B-C8CF-688BA816FB7E}"/>
+              </a:ext>
+            </a:extLst>
+          </p:cNvPr>
+          <p:cNvSpPr/>
+          <p:nvPr/>
+        </p:nvSpPr>
+        <p:spPr>
+          <a:xfrm>
+            <a:off x="1832918" y="9786550"/>
+            <a:ext cx="12975282" cy="8600303"/>
+          </a:xfrm>
+          <a:prstGeom prst="rect">
+            <a:avLst/>
+          </a:prstGeom>
+        </p:spPr>
+        <p:style>
+          <a:lnRef idx="2">
+            <a:schemeClr val="accent1">
+              <a:shade val="15000"/>
+            </a:schemeClr>
+          </a:lnRef>
+          <a:fillRef idx="1">
+            <a:schemeClr val="accent1"/>
+          </a:fillRef>
+          <a:effectRef idx="0">
+            <a:schemeClr val="accent1"/>
+          </a:effectRef>
+          <a:fontRef idx="minor">
+            <a:schemeClr val="lt1"/>
+          </a:fontRef>
+        </p:style>
+        <p:txBody>
+          <a:bodyPr rtlCol="0" anchor="ctr"/>
+          <a:lstStyle/>
+          <a:p>
+            <a:pPr algn="ctr"/>
+            <a:endParaRPr kumimoji="1" lang="ja-JP" altLang="en-US"/>
+          </a:p>
+        </p:txBody>
+      </p:sp>
+      <p:sp>
+        <p:nvSpPr>
+          <p:cNvPr id="11" name="正方形/長方形 10">
+            <a:extLst>
+              <a:ext uri="{FF2B5EF4-FFF2-40B4-BE49-F238E27FC236}">
+                <a16:creationId xmlns:a16="http://schemas.microsoft.com/office/drawing/2014/main" id="{98D5E616-50A2-3E63-5B3F-4DAF8E27247B}"/>
+              </a:ext>
+            </a:extLst>
+          </p:cNvPr>
+          <p:cNvSpPr/>
+          <p:nvPr/>
+        </p:nvSpPr>
+        <p:spPr>
+          <a:xfrm>
+            <a:off x="1832918" y="19651362"/>
+            <a:ext cx="12975280" cy="8600303"/>
+          </a:xfrm>
+          <a:prstGeom prst="rect">
+            <a:avLst/>
+          </a:prstGeom>
+        </p:spPr>
+        <p:style>
+          <a:lnRef idx="2">
+            <a:schemeClr val="accent1">
+              <a:shade val="15000"/>
+            </a:schemeClr>
+          </a:lnRef>
+          <a:fillRef idx="1">
+            <a:schemeClr val="accent1"/>
+          </a:fillRef>
+          <a:effectRef idx="0">
+            <a:schemeClr val="accent1"/>
+          </a:effectRef>
+          <a:fontRef idx="minor">
+            <a:schemeClr val="lt1"/>
+          </a:fontRef>
+        </p:style>
+        <p:txBody>
+          <a:bodyPr rtlCol="0" anchor="ctr"/>
+          <a:lstStyle/>
+          <a:p>
+            <a:pPr algn="ctr"/>
+            <a:endParaRPr kumimoji="1" lang="ja-JP" altLang="en-US"/>
+          </a:p>
+        </p:txBody>
+      </p:sp>
+      <p:sp>
+        <p:nvSpPr>
+          <p:cNvPr id="12" name="正方形/長方形 11">
+            <a:extLst>
+              <a:ext uri="{FF2B5EF4-FFF2-40B4-BE49-F238E27FC236}">
+                <a16:creationId xmlns:a16="http://schemas.microsoft.com/office/drawing/2014/main" id="{43AC4494-D725-6C5C-2750-58377043CF6E}"/>
+              </a:ext>
+            </a:extLst>
+          </p:cNvPr>
+          <p:cNvSpPr/>
+          <p:nvPr/>
+        </p:nvSpPr>
+        <p:spPr>
+          <a:xfrm>
+            <a:off x="15467015" y="19651361"/>
+            <a:ext cx="12975281" cy="8600303"/>
+          </a:xfrm>
+          <a:prstGeom prst="rect">
+            <a:avLst/>
+          </a:prstGeom>
+        </p:spPr>
+        <p:style>
+          <a:lnRef idx="2">
+            <a:schemeClr val="accent1">
+              <a:shade val="15000"/>
+            </a:schemeClr>
+          </a:lnRef>
+          <a:fillRef idx="1">
+            <a:schemeClr val="accent1"/>
+          </a:fillRef>
+          <a:effectRef idx="0">
+            <a:schemeClr val="accent1"/>
+          </a:effectRef>
+          <a:fontRef idx="minor">
+            <a:schemeClr val="lt1"/>
+          </a:fontRef>
+        </p:style>
+        <p:txBody>
+          <a:bodyPr rtlCol="0" anchor="ctr"/>
+          <a:lstStyle/>
+          <a:p>
+            <a:pPr algn="ctr"/>
+            <a:endParaRPr kumimoji="1" lang="ja-JP" altLang="en-US"/>
+          </a:p>
+        </p:txBody>
+      </p:sp>
+      <p:sp>
+        <p:nvSpPr>
+          <p:cNvPr id="13" name="正方形/長方形 12">
+            <a:extLst>
+              <a:ext uri="{FF2B5EF4-FFF2-40B4-BE49-F238E27FC236}">
+                <a16:creationId xmlns:a16="http://schemas.microsoft.com/office/drawing/2014/main" id="{9C325265-5783-1F83-731F-5D034866EE39}"/>
+              </a:ext>
+            </a:extLst>
+          </p:cNvPr>
+          <p:cNvSpPr/>
+          <p:nvPr/>
+        </p:nvSpPr>
+        <p:spPr>
+          <a:xfrm>
+            <a:off x="1832918" y="29516170"/>
+            <a:ext cx="12975280" cy="8600303"/>
+          </a:xfrm>
+          <a:prstGeom prst="rect">
+            <a:avLst/>
+          </a:prstGeom>
+        </p:spPr>
+        <p:style>
+          <a:lnRef idx="2">
+            <a:schemeClr val="accent1">
+              <a:shade val="15000"/>
+            </a:schemeClr>
+          </a:lnRef>
+          <a:fillRef idx="1">
+            <a:schemeClr val="accent1"/>
+          </a:fillRef>
+          <a:effectRef idx="0">
+            <a:schemeClr val="accent1"/>
+          </a:effectRef>
+          <a:fontRef idx="minor">
+            <a:schemeClr val="lt1"/>
+          </a:fontRef>
+        </p:style>
+        <p:txBody>
+          <a:bodyPr rtlCol="0" anchor="ctr"/>
+          <a:lstStyle/>
+          <a:p>
+            <a:pPr algn="ctr"/>
+            <a:endParaRPr kumimoji="1" lang="ja-JP" altLang="en-US"/>
+          </a:p>
+        </p:txBody>
+      </p:sp>
+      <p:sp>
+        <p:nvSpPr>
+          <p:cNvPr id="14" name="正方形/長方形 13">
+            <a:extLst>
+              <a:ext uri="{FF2B5EF4-FFF2-40B4-BE49-F238E27FC236}">
+                <a16:creationId xmlns:a16="http://schemas.microsoft.com/office/drawing/2014/main" id="{6A5D0FAC-DD6D-4C2D-6C42-8A4887E6DF4A}"/>
+              </a:ext>
+            </a:extLst>
+          </p:cNvPr>
+          <p:cNvSpPr/>
+          <p:nvPr/>
+        </p:nvSpPr>
+        <p:spPr>
+          <a:xfrm>
+            <a:off x="15467015" y="29516170"/>
+            <a:ext cx="12975281" cy="8600303"/>
+          </a:xfrm>
+          <a:prstGeom prst="rect">
+            <a:avLst/>
+          </a:prstGeom>
+        </p:spPr>
+        <p:style>
+          <a:lnRef idx="2">
+            <a:schemeClr val="accent1">
+              <a:shade val="15000"/>
+            </a:schemeClr>
+          </a:lnRef>
+          <a:fillRef idx="1">
+            <a:schemeClr val="accent1"/>
+          </a:fillRef>
+          <a:effectRef idx="0">
+            <a:schemeClr val="accent1"/>
+          </a:effectRef>
+          <a:fontRef idx="minor">
+            <a:schemeClr val="lt1"/>
+          </a:fontRef>
+        </p:style>
+        <p:txBody>
+          <a:bodyPr rtlCol="0" anchor="ctr"/>
+          <a:lstStyle/>
+          <a:p>
+            <a:pPr algn="ctr"/>
+            <a:endParaRPr kumimoji="1" lang="ja-JP" altLang="en-US"/>
+          </a:p>
+        </p:txBody>
+      </p:sp>
+      <p:sp>
+        <p:nvSpPr>
+          <p:cNvPr id="15" name="テキスト ボックス 14">
+            <a:extLst>
+              <a:ext uri="{FF2B5EF4-FFF2-40B4-BE49-F238E27FC236}">
+                <a16:creationId xmlns:a16="http://schemas.microsoft.com/office/drawing/2014/main" id="{E6AD19E9-41EC-F760-CDE2-8A80BA54BCD8}"/>
+              </a:ext>
+            </a:extLst>
+          </p:cNvPr>
+          <p:cNvSpPr txBox="1"/>
+          <p:nvPr/>
+        </p:nvSpPr>
+        <p:spPr>
+          <a:xfrm>
+            <a:off x="3608626" y="40550704"/>
+            <a:ext cx="9593024" cy="215444"/>
+          </a:xfrm>
+          <a:prstGeom prst="rect">
+            <a:avLst/>
+          </a:prstGeom>
+          <a:noFill/>
+        </p:spPr>
+        <p:txBody>
+          <a:bodyPr wrap="square" rtlCol="0">
+            <a:spAutoFit/>
+          </a:bodyPr>
+          <a:lstStyle/>
+          <a:p>
+            <a:r>
+              <a:rPr lang="en-US" altLang="ja-JP" sz="800" b="0" i="0" dirty="0">
+                <a:effectLst/>
+                <a:latin typeface="Inter"/>
+              </a:rPr>
+              <a:t>SAFE uses Unreal® Engine. Unreal® is a trademark or registered trademark of Epic Games, Inc. in the United States of America and elsewhere. Unreal® Engine, Copyright 1998 – 2025, Epic Games, Inc. All rights reserved.</a:t>
+            </a:r>
+            <a:endParaRPr kumimoji="1" lang="ja-JP" altLang="en-US" sz="800" dirty="0">
+              <a:latin typeface="Source Code Pro" panose="020B0309030403020204" pitchFamily="49" charset="0"/>
+            </a:endParaRPr>
+          </a:p>
+        </p:txBody>
+      </p:sp>
+      <p:sp>
+        <p:nvSpPr>
+          <p:cNvPr id="16" name="テキスト ボックス 15">
+            <a:extLst>
+              <a:ext uri="{FF2B5EF4-FFF2-40B4-BE49-F238E27FC236}">
+                <a16:creationId xmlns:a16="http://schemas.microsoft.com/office/drawing/2014/main" id="{90800866-D88C-4294-10DF-7631A463BFCF}"/>
+              </a:ext>
+            </a:extLst>
+          </p:cNvPr>
+          <p:cNvSpPr txBox="1"/>
+          <p:nvPr/>
+        </p:nvSpPr>
+        <p:spPr>
+          <a:xfrm>
+            <a:off x="3608626" y="40768608"/>
+            <a:ext cx="1525349" cy="461665"/>
+          </a:xfrm>
+          <a:prstGeom prst="rect">
+            <a:avLst/>
+          </a:prstGeom>
+          <a:noFill/>
+        </p:spPr>
+        <p:txBody>
+          <a:bodyPr wrap="square" rtlCol="0">
+            <a:spAutoFit/>
+          </a:bodyPr>
+          <a:lstStyle/>
+          <a:p>
+            <a:r>
+              <a:rPr lang="en-US" altLang="ja-JP" sz="800" dirty="0" err="1">
+                <a:latin typeface="Inter"/>
+              </a:rPr>
+              <a:t>zxcvbn</a:t>
+            </a:r>
+            <a:r>
+              <a:rPr lang="en-US" altLang="ja-JP" sz="800" dirty="0">
+                <a:latin typeface="Inter"/>
+              </a:rPr>
+              <a:t>-c library by </a:t>
+            </a:r>
+            <a:r>
+              <a:rPr lang="en-US" altLang="ja-JP" sz="800" dirty="0" err="1">
+                <a:latin typeface="Inter"/>
+              </a:rPr>
+              <a:t>Tsyrogit</a:t>
+            </a:r>
+            <a:endParaRPr lang="en-US" altLang="ja-JP" sz="800" dirty="0">
+              <a:latin typeface="Inter"/>
+            </a:endParaRPr>
+          </a:p>
+          <a:p>
+            <a:r>
+              <a:rPr lang="en-US" altLang="ja-JP" sz="800" dirty="0">
+                <a:latin typeface="Inter"/>
+              </a:rPr>
+              <a:t>https://github.com/tsyrogit/	</a:t>
+            </a:r>
+            <a:br>
+              <a:rPr lang="en-US" altLang="ja-JP" sz="800" dirty="0">
+                <a:latin typeface="Inter"/>
+              </a:rPr>
+            </a:br>
+            <a:r>
+              <a:rPr lang="en-US" altLang="ja-JP" sz="800" dirty="0">
+                <a:latin typeface="Inter"/>
+              </a:rPr>
+              <a:t>Licensed under the MIT License</a:t>
+            </a:r>
+            <a:endParaRPr kumimoji="1" lang="ja-JP" altLang="en-US" sz="800" dirty="0">
+              <a:latin typeface="Inter"/>
+            </a:endParaRPr>
+          </a:p>
+        </p:txBody>
+      </p:sp>
+      <p:sp>
+        <p:nvSpPr>
+          <p:cNvPr id="17" name="テキスト ボックス 16">
+            <a:extLst>
+              <a:ext uri="{FF2B5EF4-FFF2-40B4-BE49-F238E27FC236}">
+                <a16:creationId xmlns:a16="http://schemas.microsoft.com/office/drawing/2014/main" id="{9A244379-284A-7832-05D6-8A0025170961}"/>
+              </a:ext>
+            </a:extLst>
+          </p:cNvPr>
+          <p:cNvSpPr txBox="1"/>
+          <p:nvPr/>
+        </p:nvSpPr>
+        <p:spPr>
+          <a:xfrm>
+            <a:off x="5034201" y="40768606"/>
+            <a:ext cx="2582624" cy="461665"/>
+          </a:xfrm>
+          <a:prstGeom prst="rect">
+            <a:avLst/>
+          </a:prstGeom>
+          <a:noFill/>
+        </p:spPr>
+        <p:txBody>
+          <a:bodyPr wrap="square" rtlCol="0">
+            <a:spAutoFit/>
+          </a:bodyPr>
+          <a:lstStyle/>
+          <a:p>
+            <a:r>
+              <a:rPr lang="en-US" altLang="ja-JP" sz="800" b="0" i="0" dirty="0">
+                <a:solidFill>
+                  <a:srgbClr val="3E3E3E"/>
+                </a:solidFill>
+                <a:effectLst/>
+                <a:latin typeface="Inter"/>
+              </a:rPr>
+              <a:t>SQL injection payload list</a:t>
+            </a:r>
+            <a:r>
+              <a:rPr lang="en-US" altLang="ja-JP" sz="800" dirty="0">
+                <a:latin typeface="Inter"/>
+              </a:rPr>
+              <a:t> by </a:t>
+            </a:r>
+            <a:r>
+              <a:rPr lang="en-US" altLang="ja-JP" sz="800" dirty="0" err="1">
+                <a:latin typeface="Inter"/>
+              </a:rPr>
+              <a:t>payloadbox</a:t>
+            </a:r>
+            <a:endParaRPr lang="en-US" altLang="ja-JP" sz="800" dirty="0">
+              <a:latin typeface="Inter"/>
+            </a:endParaRPr>
+          </a:p>
+          <a:p>
+            <a:r>
+              <a:rPr lang="en-US" altLang="ja-JP" sz="800" b="0" i="0" dirty="0">
+                <a:solidFill>
+                  <a:srgbClr val="3E3E3E"/>
+                </a:solidFill>
+                <a:effectLst/>
+                <a:latin typeface="Inter"/>
+              </a:rPr>
+              <a:t>https://github.com/payloadbox/sql-injection-payload-list</a:t>
+            </a:r>
+            <a:br>
+              <a:rPr lang="en-US" altLang="ja-JP" sz="800" dirty="0">
+                <a:latin typeface="Inter"/>
+              </a:rPr>
+            </a:br>
+            <a:r>
+              <a:rPr lang="en-US" altLang="ja-JP" sz="800" dirty="0">
+                <a:latin typeface="Inter"/>
+              </a:rPr>
+              <a:t>Licensed under the MIT License</a:t>
+            </a:r>
+            <a:endParaRPr kumimoji="1" lang="ja-JP" altLang="en-US" sz="800" dirty="0">
+              <a:latin typeface="Inter"/>
+            </a:endParaRPr>
+          </a:p>
+        </p:txBody>
+      </p:sp>
+      <p:sp>
+        <p:nvSpPr>
+          <p:cNvPr id="20" name="テキスト ボックス 19">
+            <a:extLst>
+              <a:ext uri="{FF2B5EF4-FFF2-40B4-BE49-F238E27FC236}">
+                <a16:creationId xmlns:a16="http://schemas.microsoft.com/office/drawing/2014/main" id="{0E9248FA-6E55-856C-3378-772238F49357}"/>
+              </a:ext>
+            </a:extLst>
+          </p:cNvPr>
+          <p:cNvSpPr txBox="1"/>
+          <p:nvPr/>
+        </p:nvSpPr>
+        <p:spPr>
+          <a:xfrm>
+            <a:off x="7616825" y="40766148"/>
+            <a:ext cx="2582623" cy="461665"/>
+          </a:xfrm>
+          <a:prstGeom prst="rect">
+            <a:avLst/>
+          </a:prstGeom>
+          <a:noFill/>
+        </p:spPr>
+        <p:txBody>
+          <a:bodyPr wrap="square" rtlCol="0">
+            <a:spAutoFit/>
+          </a:bodyPr>
+          <a:lstStyle/>
+          <a:p>
+            <a:r>
+              <a:rPr lang="en-US" altLang="ja-JP" sz="800" b="0" i="0" dirty="0">
+                <a:solidFill>
+                  <a:srgbClr val="3E3E3E"/>
+                </a:solidFill>
+                <a:effectLst/>
+                <a:latin typeface="Menlo"/>
+              </a:rPr>
+              <a:t>SQL injection payload list by </a:t>
+            </a:r>
+            <a:r>
+              <a:rPr lang="en-US" altLang="ja-JP" sz="800" b="0" i="0" dirty="0" err="1">
+                <a:solidFill>
+                  <a:srgbClr val="3E3E3E"/>
+                </a:solidFill>
+                <a:effectLst/>
+                <a:latin typeface="Menlo"/>
+              </a:rPr>
+              <a:t>payloadbox</a:t>
+            </a:r>
+            <a:endParaRPr lang="en-US" altLang="ja-JP" sz="800" b="0" i="0" dirty="0">
+              <a:solidFill>
+                <a:srgbClr val="3E3E3E"/>
+              </a:solidFill>
+              <a:effectLst/>
+              <a:latin typeface="Menlo"/>
+            </a:endParaRPr>
+          </a:p>
+          <a:p>
+            <a:r>
+              <a:rPr lang="en-US" altLang="ja-JP" sz="800" b="0" i="0" dirty="0">
+                <a:solidFill>
+                  <a:srgbClr val="3E3E3E"/>
+                </a:solidFill>
+                <a:effectLst/>
+                <a:latin typeface="Menlo"/>
+              </a:rPr>
+              <a:t>https://github.com/payloadbox/sql-injection-payload-list</a:t>
+            </a:r>
+            <a:br>
+              <a:rPr lang="en-US" altLang="ja-JP" sz="800" dirty="0">
+                <a:latin typeface="Inter"/>
+              </a:rPr>
+            </a:br>
+            <a:r>
+              <a:rPr lang="en-US" altLang="ja-JP" sz="800" dirty="0">
+                <a:latin typeface="Inter"/>
+              </a:rPr>
+              <a:t>Licensed under the MIT License</a:t>
+            </a:r>
+            <a:endParaRPr kumimoji="1" lang="ja-JP" altLang="en-US" sz="800" dirty="0">
+              <a:latin typeface="Inter"/>
+            </a:endParaRPr>
+          </a:p>
+        </p:txBody>
+      </p:sp>
+      <p:sp>
+        <p:nvSpPr>
+          <p:cNvPr id="21" name="テキスト ボックス 20">
+            <a:extLst>
+              <a:ext uri="{FF2B5EF4-FFF2-40B4-BE49-F238E27FC236}">
+                <a16:creationId xmlns:a16="http://schemas.microsoft.com/office/drawing/2014/main" id="{7677C21F-59E6-C709-E384-201731ADB111}"/>
+              </a:ext>
+            </a:extLst>
+          </p:cNvPr>
+          <p:cNvSpPr txBox="1"/>
+          <p:nvPr/>
+        </p:nvSpPr>
+        <p:spPr>
+          <a:xfrm>
+            <a:off x="10199448" y="40766148"/>
+            <a:ext cx="1992842" cy="461665"/>
+          </a:xfrm>
+          <a:prstGeom prst="rect">
+            <a:avLst/>
+          </a:prstGeom>
+          <a:noFill/>
+        </p:spPr>
+        <p:txBody>
+          <a:bodyPr wrap="square" rtlCol="0">
+            <a:spAutoFit/>
+          </a:bodyPr>
+          <a:lstStyle/>
+          <a:p>
+            <a:r>
+              <a:rPr lang="en-US" altLang="ja-JP" sz="800" dirty="0">
+                <a:solidFill>
+                  <a:srgbClr val="3E3E3E"/>
+                </a:solidFill>
+                <a:latin typeface="Inter"/>
+              </a:rPr>
+              <a:t>500 worst passwords by </a:t>
+            </a:r>
+            <a:r>
+              <a:rPr lang="en-US" altLang="ja-JP" sz="800" dirty="0" err="1">
+                <a:solidFill>
+                  <a:srgbClr val="3E3E3E"/>
+                </a:solidFill>
+                <a:latin typeface="Inter"/>
+              </a:rPr>
+              <a:t>danielmiessler</a:t>
+            </a:r>
+            <a:endParaRPr lang="en-US" altLang="ja-JP" sz="800" b="0" i="0" dirty="0">
+              <a:solidFill>
+                <a:srgbClr val="3E3E3E"/>
+              </a:solidFill>
+              <a:effectLst/>
+              <a:latin typeface="Inter"/>
+            </a:endParaRPr>
+          </a:p>
+          <a:p>
+            <a:r>
+              <a:rPr lang="en-US" altLang="ja-JP" sz="800" b="0" i="0" dirty="0">
+                <a:solidFill>
+                  <a:srgbClr val="3E3E3E"/>
+                </a:solidFill>
+                <a:effectLst/>
+                <a:latin typeface="Inter"/>
+              </a:rPr>
+              <a:t>https://github.com/danielmiessler/SecLists</a:t>
+            </a:r>
+            <a:br>
+              <a:rPr lang="en-US" altLang="ja-JP" sz="800" dirty="0">
+                <a:latin typeface="Inter"/>
+              </a:rPr>
+            </a:br>
+            <a:r>
+              <a:rPr lang="en-US" altLang="ja-JP" sz="800" dirty="0">
+                <a:latin typeface="Inter"/>
+              </a:rPr>
+              <a:t>Licensed under the MIT License</a:t>
+            </a:r>
+            <a:endParaRPr kumimoji="1" lang="ja-JP" altLang="en-US" sz="800" dirty="0">
+              <a:latin typeface="Inter"/>
+            </a:endParaRPr>
+          </a:p>
+        </p:txBody>
+      </p:sp>
+      <p:sp>
+        <p:nvSpPr>
+          <p:cNvPr id="22" name="テキスト ボックス 21">
+            <a:extLst>
+              <a:ext uri="{FF2B5EF4-FFF2-40B4-BE49-F238E27FC236}">
+                <a16:creationId xmlns:a16="http://schemas.microsoft.com/office/drawing/2014/main" id="{F54BC49D-76D4-1DFB-2265-7B3F9D9540D5}"/>
+              </a:ext>
+            </a:extLst>
+          </p:cNvPr>
+          <p:cNvSpPr txBox="1"/>
+          <p:nvPr/>
+        </p:nvSpPr>
+        <p:spPr>
+          <a:xfrm>
+            <a:off x="2091448" y="10202448"/>
+            <a:ext cx="9669293" cy="1107996"/>
+          </a:xfrm>
+          <a:prstGeom prst="rect">
+            <a:avLst/>
+          </a:prstGeom>
+          <a:noFill/>
+        </p:spPr>
+        <p:txBody>
+          <a:bodyPr wrap="square" rtlCol="0">
+            <a:spAutoFit/>
+          </a:bodyPr>
+          <a:lstStyle/>
+          <a:p>
+            <a:pPr algn="ctr"/>
+            <a:r>
+              <a:rPr kumimoji="1" lang="ja-JP" altLang="en-US" sz="6600" dirty="0">
+                <a:latin typeface="メイリオ" panose="020B0604030504040204" pitchFamily="50" charset="-128"/>
+                <a:ea typeface="メイリオ" panose="020B0604030504040204" pitchFamily="50" charset="-128"/>
+              </a:rPr>
+              <a:t>現代社会の問題点</a:t>
+            </a:r>
+          </a:p>
+        </p:txBody>
+      </p:sp>
+      <p:sp>
+        <p:nvSpPr>
+          <p:cNvPr id="23" name="テキスト ボックス 22">
+            <a:extLst>
+              <a:ext uri="{FF2B5EF4-FFF2-40B4-BE49-F238E27FC236}">
+                <a16:creationId xmlns:a16="http://schemas.microsoft.com/office/drawing/2014/main" id="{095CFDF5-34A4-7A45-440C-9DDEFFE5DF8D}"/>
+              </a:ext>
+            </a:extLst>
+          </p:cNvPr>
+          <p:cNvSpPr txBox="1"/>
+          <p:nvPr/>
+        </p:nvSpPr>
+        <p:spPr>
+          <a:xfrm>
+            <a:off x="15860994" y="10191234"/>
+            <a:ext cx="9669293" cy="1107996"/>
+          </a:xfrm>
+          <a:prstGeom prst="rect">
+            <a:avLst/>
+          </a:prstGeom>
+          <a:noFill/>
+        </p:spPr>
+        <p:txBody>
+          <a:bodyPr wrap="square" rtlCol="0">
+            <a:spAutoFit/>
+          </a:bodyPr>
+          <a:lstStyle/>
+          <a:p>
+            <a:pPr algn="ctr"/>
+            <a:r>
+              <a:rPr kumimoji="1" lang="ja-JP" altLang="en-US" sz="6600" dirty="0">
+                <a:latin typeface="メイリオ" panose="020B0604030504040204" pitchFamily="50" charset="-128"/>
+                <a:ea typeface="メイリオ" panose="020B0604030504040204" pitchFamily="50" charset="-128"/>
+              </a:rPr>
+              <a:t>技術構成？</a:t>
+            </a:r>
+          </a:p>
+        </p:txBody>
+      </p:sp>
+      <p:sp>
+        <p:nvSpPr>
+          <p:cNvPr id="24" name="テキスト ボックス 23">
+            <a:extLst>
+              <a:ext uri="{FF2B5EF4-FFF2-40B4-BE49-F238E27FC236}">
+                <a16:creationId xmlns:a16="http://schemas.microsoft.com/office/drawing/2014/main" id="{791E2F42-C6C8-8C38-BA6F-EBE569DF5191}"/>
+              </a:ext>
+            </a:extLst>
+          </p:cNvPr>
+          <p:cNvSpPr txBox="1"/>
+          <p:nvPr/>
+        </p:nvSpPr>
+        <p:spPr>
+          <a:xfrm>
+            <a:off x="2091447" y="20216220"/>
+            <a:ext cx="10463559" cy="1107996"/>
+          </a:xfrm>
+          <a:prstGeom prst="rect">
+            <a:avLst/>
+          </a:prstGeom>
+          <a:noFill/>
+        </p:spPr>
+        <p:txBody>
+          <a:bodyPr wrap="square" rtlCol="0">
+            <a:spAutoFit/>
+          </a:bodyPr>
+          <a:lstStyle/>
+          <a:p>
+            <a:pPr algn="ctr"/>
+            <a:r>
+              <a:rPr kumimoji="1" lang="ja-JP" altLang="en-US" sz="6600" dirty="0">
+                <a:latin typeface="メイリオ" panose="020B0604030504040204" pitchFamily="50" charset="-128"/>
+                <a:ea typeface="メイリオ" panose="020B0604030504040204" pitchFamily="50" charset="-128"/>
+              </a:rPr>
+              <a:t>脆弱なパスワード</a:t>
+            </a:r>
+          </a:p>
+        </p:txBody>
+      </p:sp>
+      <p:sp>
+        <p:nvSpPr>
+          <p:cNvPr id="25" name="テキスト ボックス 24">
+            <a:extLst>
+              <a:ext uri="{FF2B5EF4-FFF2-40B4-BE49-F238E27FC236}">
+                <a16:creationId xmlns:a16="http://schemas.microsoft.com/office/drawing/2014/main" id="{B871D9CB-F3C8-08D8-1310-552026E76D6D}"/>
+              </a:ext>
+            </a:extLst>
+          </p:cNvPr>
+          <p:cNvSpPr txBox="1"/>
+          <p:nvPr/>
+        </p:nvSpPr>
+        <p:spPr>
+          <a:xfrm>
+            <a:off x="15860994" y="20246849"/>
+            <a:ext cx="9669293" cy="1107996"/>
+          </a:xfrm>
+          <a:prstGeom prst="rect">
+            <a:avLst/>
+          </a:prstGeom>
+          <a:noFill/>
+        </p:spPr>
+        <p:txBody>
+          <a:bodyPr wrap="square" rtlCol="0">
+            <a:spAutoFit/>
+          </a:bodyPr>
+          <a:lstStyle/>
+          <a:p>
+            <a:pPr algn="ctr"/>
+            <a:r>
+              <a:rPr kumimoji="1" lang="en-US" altLang="ja-JP" sz="6600" dirty="0">
+                <a:latin typeface="メイリオ" panose="020B0604030504040204" pitchFamily="50" charset="-128"/>
+                <a:ea typeface="メイリオ" panose="020B0604030504040204" pitchFamily="50" charset="-128"/>
+              </a:rPr>
+              <a:t>USB</a:t>
+            </a:r>
+            <a:r>
+              <a:rPr kumimoji="1" lang="ja-JP" altLang="en-US" sz="6600" dirty="0">
+                <a:latin typeface="メイリオ" panose="020B0604030504040204" pitchFamily="50" charset="-128"/>
+                <a:ea typeface="メイリオ" panose="020B0604030504040204" pitchFamily="50" charset="-128"/>
+              </a:rPr>
+              <a:t>の取り扱い</a:t>
+            </a:r>
+          </a:p>
+        </p:txBody>
+      </p:sp>
+      <p:sp>
+        <p:nvSpPr>
+          <p:cNvPr id="27" name="テキスト ボックス 26">
+            <a:extLst>
+              <a:ext uri="{FF2B5EF4-FFF2-40B4-BE49-F238E27FC236}">
+                <a16:creationId xmlns:a16="http://schemas.microsoft.com/office/drawing/2014/main" id="{490BCF16-80A8-D3A9-DBAF-373964A5DBD8}"/>
+              </a:ext>
+            </a:extLst>
+          </p:cNvPr>
+          <p:cNvSpPr txBox="1"/>
+          <p:nvPr/>
+        </p:nvSpPr>
+        <p:spPr>
+          <a:xfrm>
+            <a:off x="15860994" y="30038079"/>
+            <a:ext cx="9669293" cy="1107996"/>
+          </a:xfrm>
+          <a:prstGeom prst="rect">
+            <a:avLst/>
+          </a:prstGeom>
+          <a:noFill/>
+        </p:spPr>
+        <p:txBody>
+          <a:bodyPr wrap="square" rtlCol="0">
+            <a:spAutoFit/>
+          </a:bodyPr>
+          <a:lstStyle/>
+          <a:p>
+            <a:pPr algn="ctr"/>
+            <a:r>
+              <a:rPr kumimoji="1" lang="ja-JP" altLang="en-US" sz="6600" dirty="0">
+                <a:latin typeface="メイリオ" panose="020B0604030504040204" pitchFamily="50" charset="-128"/>
+                <a:ea typeface="メイリオ" panose="020B0604030504040204" pitchFamily="50" charset="-128"/>
+              </a:rPr>
+              <a:t>レビュー</a:t>
+            </a:r>
+          </a:p>
+        </p:txBody>
+      </p:sp>
+      <p:sp>
+        <p:nvSpPr>
+          <p:cNvPr id="28" name="テキスト ボックス 27">
+            <a:extLst>
+              <a:ext uri="{FF2B5EF4-FFF2-40B4-BE49-F238E27FC236}">
+                <a16:creationId xmlns:a16="http://schemas.microsoft.com/office/drawing/2014/main" id="{91E5A0DF-58DB-8099-16DD-8624BD013307}"/>
+              </a:ext>
+            </a:extLst>
+          </p:cNvPr>
+          <p:cNvSpPr txBox="1"/>
+          <p:nvPr/>
+        </p:nvSpPr>
+        <p:spPr>
+          <a:xfrm>
+            <a:off x="2091447" y="30019849"/>
+            <a:ext cx="9669293" cy="1107996"/>
+          </a:xfrm>
+          <a:prstGeom prst="rect">
+            <a:avLst/>
+          </a:prstGeom>
+          <a:noFill/>
+        </p:spPr>
+        <p:txBody>
+          <a:bodyPr wrap="square" rtlCol="0">
+            <a:spAutoFit/>
+          </a:bodyPr>
+          <a:lstStyle/>
+          <a:p>
+            <a:pPr algn="ctr"/>
+            <a:r>
+              <a:rPr kumimoji="1" lang="ja-JP" altLang="en-US" sz="6600" dirty="0">
+                <a:latin typeface="メイリオ" panose="020B0604030504040204" pitchFamily="50" charset="-128"/>
+                <a:ea typeface="メイリオ" panose="020B0604030504040204" pitchFamily="50" charset="-128"/>
+              </a:rPr>
+              <a:t>セキュリティ</a:t>
+            </a:r>
+            <a:r>
+              <a:rPr kumimoji="1" lang="en-US" altLang="ja-JP" sz="6600" dirty="0">
+                <a:latin typeface="メイリオ" panose="020B0604030504040204" pitchFamily="50" charset="-128"/>
+                <a:ea typeface="メイリオ" panose="020B0604030504040204" pitchFamily="50" charset="-128"/>
+              </a:rPr>
+              <a:t>$</a:t>
+            </a:r>
+            <a:r>
+              <a:rPr kumimoji="1" lang="ja-JP" altLang="en-US" sz="6600" dirty="0">
+                <a:latin typeface="メイリオ" panose="020B0604030504040204" pitchFamily="50" charset="-128"/>
+                <a:ea typeface="メイリオ" panose="020B0604030504040204" pitchFamily="50" charset="-128"/>
+              </a:rPr>
+              <a:t>クイズ</a:t>
+            </a:r>
+            <a:r>
+              <a:rPr kumimoji="1" lang="en-US" altLang="ja-JP" sz="6600" dirty="0">
+                <a:latin typeface="メイリオ" panose="020B0604030504040204" pitchFamily="50" charset="-128"/>
+                <a:ea typeface="メイリオ" panose="020B0604030504040204" pitchFamily="50" charset="-128"/>
+              </a:rPr>
+              <a:t>$</a:t>
+            </a:r>
+            <a:endParaRPr kumimoji="1" lang="ja-JP" altLang="en-US" sz="6600" dirty="0">
+              <a:latin typeface="メイリオ" panose="020B0604030504040204" pitchFamily="50" charset="-128"/>
+              <a:ea typeface="メイリオ" panose="020B0604030504040204" pitchFamily="50" charset="-128"/>
+            </a:endParaRPr>
+          </a:p>
+        </p:txBody>
+      </p:sp>
     </p:spTree>
     <p:extLst>
       <p:ext uri="{BB962C8B-B14F-4D97-AF65-F5344CB8AC3E}">

--- a/SH365ポスターテンプレート（A0).pptx
+++ b/SH365ポスターテンプレート（A0).pptx
@@ -257,7 +257,7 @@
           <a:p>
             <a:fld id="{9824D048-2932-4938-B209-F74D77CC75C5}" type="datetimeFigureOut">
               <a:rPr kumimoji="1" lang="ja-JP" altLang="en-US" smtClean="0"/>
-              <a:t>2023/9/19</a:t>
+              <a:t>2025/2/14</a:t>
             </a:fld>
             <a:endParaRPr kumimoji="1" lang="ja-JP" altLang="en-US"/>
           </a:p>
@@ -596,7 +596,7 @@
             <a:fld id="{9824D048-2932-4938-B209-F74D77CC75C5}" type="datetimeFigureOut">
               <a:rPr kumimoji="1" lang="ja-JP" altLang="en-US" sz="2806" smtClean="0"/>
               <a:pPr/>
-              <a:t>2023/9/19</a:t>
+              <a:t>2025/2/14</a:t>
             </a:fld>
             <a:endParaRPr kumimoji="1" lang="ja-JP" altLang="en-US" sz="2806"/>
           </a:p>
@@ -1038,7 +1038,7 @@
           <a:p>
             <a:fld id="{9824D048-2932-4938-B209-F74D77CC75C5}" type="datetimeFigureOut">
               <a:rPr kumimoji="1" lang="ja-JP" altLang="en-US" smtClean="0"/>
-              <a:t>2023/9/19</a:t>
+              <a:t>2025/2/14</a:t>
             </a:fld>
             <a:endParaRPr kumimoji="1" lang="ja-JP" altLang="en-US"/>
           </a:p>
@@ -1280,7 +1280,7 @@
           <a:p>
             <a:fld id="{9824D048-2932-4938-B209-F74D77CC75C5}" type="datetimeFigureOut">
               <a:rPr kumimoji="1" lang="ja-JP" altLang="en-US" smtClean="0"/>
-              <a:t>2023/9/19</a:t>
+              <a:t>2025/2/14</a:t>
             </a:fld>
             <a:endParaRPr kumimoji="1" lang="ja-JP" altLang="en-US"/>
           </a:p>
@@ -1759,7 +1759,7 @@
           <a:p>
             <a:fld id="{9824D048-2932-4938-B209-F74D77CC75C5}" type="datetimeFigureOut">
               <a:rPr kumimoji="1" lang="ja-JP" altLang="en-US" smtClean="0"/>
-              <a:t>2023/9/19</a:t>
+              <a:t>2025/2/14</a:t>
             </a:fld>
             <a:endParaRPr kumimoji="1" lang="ja-JP" altLang="en-US"/>
           </a:p>
@@ -2093,7 +2093,7 @@
           <a:p>
             <a:fld id="{9824D048-2932-4938-B209-F74D77CC75C5}" type="datetimeFigureOut">
               <a:rPr kumimoji="1" lang="ja-JP" altLang="en-US" smtClean="0"/>
-              <a:t>2023/9/19</a:t>
+              <a:t>2025/2/14</a:t>
             </a:fld>
             <a:endParaRPr kumimoji="1" lang="ja-JP" altLang="en-US"/>
           </a:p>
@@ -2563,7 +2563,7 @@
           <a:p>
             <a:fld id="{9824D048-2932-4938-B209-F74D77CC75C5}" type="datetimeFigureOut">
               <a:rPr kumimoji="1" lang="ja-JP" altLang="en-US" smtClean="0"/>
-              <a:t>2023/9/19</a:t>
+              <a:t>2025/2/14</a:t>
             </a:fld>
             <a:endParaRPr kumimoji="1" lang="ja-JP" altLang="en-US"/>
           </a:p>
@@ -2713,7 +2713,7 @@
           <a:p>
             <a:fld id="{9824D048-2932-4938-B209-F74D77CC75C5}" type="datetimeFigureOut">
               <a:rPr kumimoji="1" lang="ja-JP" altLang="en-US" smtClean="0"/>
-              <a:t>2023/9/19</a:t>
+              <a:t>2025/2/14</a:t>
             </a:fld>
             <a:endParaRPr kumimoji="1" lang="ja-JP" altLang="en-US"/>
           </a:p>
@@ -2832,7 +2832,7 @@
           <a:p>
             <a:fld id="{9824D048-2932-4938-B209-F74D77CC75C5}" type="datetimeFigureOut">
               <a:rPr kumimoji="1" lang="ja-JP" altLang="en-US" smtClean="0"/>
-              <a:t>2023/9/19</a:t>
+              <a:t>2025/2/14</a:t>
             </a:fld>
             <a:endParaRPr kumimoji="1" lang="ja-JP" altLang="en-US"/>
           </a:p>
@@ -3174,7 +3174,7 @@
           <a:p>
             <a:fld id="{9824D048-2932-4938-B209-F74D77CC75C5}" type="datetimeFigureOut">
               <a:rPr kumimoji="1" lang="ja-JP" altLang="en-US" smtClean="0"/>
-              <a:t>2023/9/19</a:t>
+              <a:t>2025/2/14</a:t>
             </a:fld>
             <a:endParaRPr kumimoji="1" lang="ja-JP" altLang="en-US"/>
           </a:p>
@@ -3464,7 +3464,7 @@
           <a:p>
             <a:fld id="{9824D048-2932-4938-B209-F74D77CC75C5}" type="datetimeFigureOut">
               <a:rPr kumimoji="1" lang="ja-JP" altLang="en-US" smtClean="0"/>
-              <a:t>2023/9/19</a:t>
+              <a:t>2025/2/14</a:t>
             </a:fld>
             <a:endParaRPr kumimoji="1" lang="ja-JP" altLang="en-US"/>
           </a:p>
@@ -3884,6 +3884,4324 @@
           <a:chExt cx="0" cy="0"/>
         </a:xfrm>
       </p:grpSpPr>
+      <p:pic>
+        <p:nvPicPr>
+          <p:cNvPr id="79" name="Picture 4">
+            <a:extLst>
+              <a:ext uri="{FF2B5EF4-FFF2-40B4-BE49-F238E27FC236}">
+                <a16:creationId xmlns:a16="http://schemas.microsoft.com/office/drawing/2014/main" id="{54CBD651-ACE0-58F5-AF50-0A8A15874E58}"/>
+              </a:ext>
+            </a:extLst>
+          </p:cNvPr>
+          <p:cNvPicPr>
+            <a:picLocks noChangeAspect="1" noChangeArrowheads="1"/>
+          </p:cNvPicPr>
+          <p:nvPr/>
+        </p:nvPicPr>
+        <p:blipFill>
+          <a:blip r:embed="rId2">
+            <a:extLst>
+              <a:ext uri="{28A0092B-C50C-407E-A947-70E740481C1C}">
+                <a14:useLocalDpi xmlns:a14="http://schemas.microsoft.com/office/drawing/2010/main" val="0"/>
+              </a:ext>
+            </a:extLst>
+          </a:blip>
+          <a:srcRect/>
+          <a:stretch>
+            <a:fillRect/>
+          </a:stretch>
+        </p:blipFill>
+        <p:spPr bwMode="auto">
+          <a:xfrm>
+            <a:off x="12940643" y="25713979"/>
+            <a:ext cx="1816608" cy="1816608"/>
+          </a:xfrm>
+          <a:prstGeom prst="rect">
+            <a:avLst/>
+          </a:prstGeom>
+          <a:noFill/>
+          <a:extLst>
+            <a:ext uri="{909E8E84-426E-40DD-AFC4-6F175D3DCCD1}">
+              <a14:hiddenFill xmlns:a14="http://schemas.microsoft.com/office/drawing/2010/main">
+                <a:solidFill>
+                  <a:srgbClr val="FFFFFF"/>
+                </a:solidFill>
+              </a14:hiddenFill>
+            </a:ext>
+          </a:extLst>
+        </p:spPr>
+      </p:pic>
+      <p:pic>
+        <p:nvPicPr>
+          <p:cNvPr id="1028" name="Picture 4">
+            <a:extLst>
+              <a:ext uri="{FF2B5EF4-FFF2-40B4-BE49-F238E27FC236}">
+                <a16:creationId xmlns:a16="http://schemas.microsoft.com/office/drawing/2014/main" id="{FF769369-80F6-E1CA-C485-8BD0A4F6CEA9}"/>
+              </a:ext>
+            </a:extLst>
+          </p:cNvPr>
+          <p:cNvPicPr>
+            <a:picLocks noChangeAspect="1" noChangeArrowheads="1"/>
+          </p:cNvPicPr>
+          <p:nvPr/>
+        </p:nvPicPr>
+        <p:blipFill>
+          <a:blip r:embed="rId2">
+            <a:extLst>
+              <a:ext uri="{28A0092B-C50C-407E-A947-70E740481C1C}">
+                <a14:useLocalDpi xmlns:a14="http://schemas.microsoft.com/office/drawing/2010/main" val="0"/>
+              </a:ext>
+            </a:extLst>
+          </a:blip>
+          <a:srcRect/>
+          <a:stretch>
+            <a:fillRect/>
+          </a:stretch>
+        </p:blipFill>
+        <p:spPr bwMode="auto">
+          <a:xfrm>
+            <a:off x="15467015" y="29960549"/>
+            <a:ext cx="21036022" cy="21036022"/>
+          </a:xfrm>
+          <a:prstGeom prst="rect">
+            <a:avLst/>
+          </a:prstGeom>
+          <a:noFill/>
+          <a:extLst>
+            <a:ext uri="{909E8E84-426E-40DD-AFC4-6F175D3DCCD1}">
+              <a14:hiddenFill xmlns:a14="http://schemas.microsoft.com/office/drawing/2010/main">
+                <a:solidFill>
+                  <a:srgbClr val="FFFFFF"/>
+                </a:solidFill>
+              </a14:hiddenFill>
+            </a:ext>
+          </a:extLst>
+        </p:spPr>
+      </p:pic>
+      <p:sp>
+        <p:nvSpPr>
+          <p:cNvPr id="2" name="テキスト ボックス 1">
+            <a:extLst>
+              <a:ext uri="{FF2B5EF4-FFF2-40B4-BE49-F238E27FC236}">
+                <a16:creationId xmlns:a16="http://schemas.microsoft.com/office/drawing/2014/main" id="{C22A76F0-ED78-23E8-B021-1CA94FBF607B}"/>
+              </a:ext>
+            </a:extLst>
+          </p:cNvPr>
+          <p:cNvSpPr txBox="1"/>
+          <p:nvPr/>
+        </p:nvSpPr>
+        <p:spPr>
+          <a:xfrm>
+            <a:off x="11040380" y="4395072"/>
+            <a:ext cx="8386270" cy="2754600"/>
+          </a:xfrm>
+          <a:prstGeom prst="rect">
+            <a:avLst/>
+          </a:prstGeom>
+          <a:noFill/>
+        </p:spPr>
+        <p:txBody>
+          <a:bodyPr wrap="square" rtlCol="0">
+            <a:spAutoFit/>
+          </a:bodyPr>
+          <a:lstStyle/>
+          <a:p>
+            <a:pPr algn="ctr"/>
+            <a:r>
+              <a:rPr kumimoji="1" lang="en-US" altLang="ja-JP" sz="17300" b="1" i="1" dirty="0">
+                <a:latin typeface="メイリオ" panose="020B0604030504040204" pitchFamily="50" charset="-128"/>
+                <a:ea typeface="メイリオ" panose="020B0604030504040204" pitchFamily="50" charset="-128"/>
+              </a:rPr>
+              <a:t>S</a:t>
+            </a:r>
+            <a:r>
+              <a:rPr kumimoji="1" lang="en-US" altLang="ja-JP" sz="17300" b="1" i="1" dirty="0">
+                <a:solidFill>
+                  <a:srgbClr val="FF0000"/>
+                </a:solidFill>
+                <a:latin typeface="メイリオ" panose="020B0604030504040204" pitchFamily="50" charset="-128"/>
+                <a:ea typeface="メイリオ" panose="020B0604030504040204" pitchFamily="50" charset="-128"/>
+              </a:rPr>
+              <a:t>4</a:t>
+            </a:r>
+            <a:r>
+              <a:rPr kumimoji="1" lang="en-US" altLang="ja-JP" sz="17300" b="1" i="1" dirty="0">
+                <a:latin typeface="メイリオ" panose="020B0604030504040204" pitchFamily="50" charset="-128"/>
+                <a:ea typeface="メイリオ" panose="020B0604030504040204" pitchFamily="50" charset="-128"/>
+              </a:rPr>
+              <a:t>FE</a:t>
+            </a:r>
+            <a:endParaRPr kumimoji="1" lang="ja-JP" altLang="en-US" sz="17300" b="1" i="1" dirty="0">
+              <a:latin typeface="メイリオ" panose="020B0604030504040204" pitchFamily="50" charset="-128"/>
+              <a:ea typeface="メイリオ" panose="020B0604030504040204" pitchFamily="50" charset="-128"/>
+            </a:endParaRPr>
+          </a:p>
+        </p:txBody>
+      </p:sp>
+      <p:sp>
+        <p:nvSpPr>
+          <p:cNvPr id="6" name="テキスト ボックス 5">
+            <a:extLst>
+              <a:ext uri="{FF2B5EF4-FFF2-40B4-BE49-F238E27FC236}">
+                <a16:creationId xmlns:a16="http://schemas.microsoft.com/office/drawing/2014/main" id="{1C32A1FC-E58A-59C3-0E22-E672D088F2AE}"/>
+              </a:ext>
+            </a:extLst>
+          </p:cNvPr>
+          <p:cNvSpPr txBox="1"/>
+          <p:nvPr/>
+        </p:nvSpPr>
+        <p:spPr>
+          <a:xfrm>
+            <a:off x="1400783" y="6556443"/>
+            <a:ext cx="27665464" cy="769441"/>
+          </a:xfrm>
+          <a:prstGeom prst="rect">
+            <a:avLst/>
+          </a:prstGeom>
+          <a:noFill/>
+        </p:spPr>
+        <p:txBody>
+          <a:bodyPr wrap="square" rtlCol="0">
+            <a:spAutoFit/>
+          </a:bodyPr>
+          <a:lstStyle/>
+          <a:p>
+            <a:pPr algn="ctr"/>
+            <a:r>
+              <a:rPr kumimoji="1" lang="en-US" altLang="ja-JP" sz="4400" dirty="0">
+                <a:latin typeface="メイリオ" panose="020B0604030504040204" pitchFamily="50" charset="-128"/>
+                <a:ea typeface="メイリオ" panose="020B0604030504040204" pitchFamily="50" charset="-128"/>
+              </a:rPr>
+              <a:t>- Security </a:t>
+            </a:r>
+            <a:r>
+              <a:rPr kumimoji="1" lang="en-US" altLang="ja-JP" sz="4400" dirty="0">
+                <a:solidFill>
+                  <a:srgbClr val="FF0000"/>
+                </a:solidFill>
+                <a:latin typeface="メイリオ" panose="020B0604030504040204" pitchFamily="50" charset="-128"/>
+                <a:ea typeface="メイリオ" panose="020B0604030504040204" pitchFamily="50" charset="-128"/>
+              </a:rPr>
+              <a:t>4</a:t>
+            </a:r>
+            <a:r>
+              <a:rPr kumimoji="1" lang="en-US" altLang="ja-JP" sz="4400" dirty="0">
+                <a:latin typeface="メイリオ" panose="020B0604030504040204" pitchFamily="50" charset="-128"/>
+                <a:ea typeface="メイリオ" panose="020B0604030504040204" pitchFamily="50" charset="-128"/>
+              </a:rPr>
+              <a:t>cknowledgment For Everyone -</a:t>
+            </a:r>
+            <a:endParaRPr kumimoji="1" lang="ja-JP" altLang="en-US" sz="4400" dirty="0">
+              <a:latin typeface="メイリオ" panose="020B0604030504040204" pitchFamily="50" charset="-128"/>
+              <a:ea typeface="メイリオ" panose="020B0604030504040204" pitchFamily="50" charset="-128"/>
+            </a:endParaRPr>
+          </a:p>
+        </p:txBody>
+      </p:sp>
+      <p:sp>
+        <p:nvSpPr>
+          <p:cNvPr id="15" name="テキスト ボックス 14">
+            <a:extLst>
+              <a:ext uri="{FF2B5EF4-FFF2-40B4-BE49-F238E27FC236}">
+                <a16:creationId xmlns:a16="http://schemas.microsoft.com/office/drawing/2014/main" id="{E6AD19E9-41EC-F760-CDE2-8A80BA54BCD8}"/>
+              </a:ext>
+            </a:extLst>
+          </p:cNvPr>
+          <p:cNvSpPr txBox="1"/>
+          <p:nvPr/>
+        </p:nvSpPr>
+        <p:spPr>
+          <a:xfrm>
+            <a:off x="3608626" y="40550704"/>
+            <a:ext cx="9593024" cy="338554"/>
+          </a:xfrm>
+          <a:prstGeom prst="rect">
+            <a:avLst/>
+          </a:prstGeom>
+          <a:noFill/>
+        </p:spPr>
+        <p:txBody>
+          <a:bodyPr wrap="square" rtlCol="0">
+            <a:spAutoFit/>
+          </a:bodyPr>
+          <a:lstStyle/>
+          <a:p>
+            <a:r>
+              <a:rPr lang="en-US" altLang="ja-JP" sz="800" b="0" i="0" dirty="0">
+                <a:effectLst/>
+                <a:latin typeface="メイリオ" panose="020B0604030504040204" pitchFamily="50" charset="-128"/>
+                <a:ea typeface="メイリオ" panose="020B0604030504040204" pitchFamily="50" charset="-128"/>
+              </a:rPr>
+              <a:t>SAFE uses Unreal® Engine. Unreal® is a trademark or registered trademark of Epic Games, Inc. in the United States of America and elsewhere. Unreal® Engine, Copyright 1998 – 2025, Epic Games, Inc. All rights reserved.</a:t>
+            </a:r>
+            <a:endParaRPr kumimoji="1" lang="ja-JP" altLang="en-US" sz="800" dirty="0">
+              <a:latin typeface="メイリオ" panose="020B0604030504040204" pitchFamily="50" charset="-128"/>
+              <a:ea typeface="メイリオ" panose="020B0604030504040204" pitchFamily="50" charset="-128"/>
+            </a:endParaRPr>
+          </a:p>
+        </p:txBody>
+      </p:sp>
+      <p:sp>
+        <p:nvSpPr>
+          <p:cNvPr id="16" name="テキスト ボックス 15">
+            <a:extLst>
+              <a:ext uri="{FF2B5EF4-FFF2-40B4-BE49-F238E27FC236}">
+                <a16:creationId xmlns:a16="http://schemas.microsoft.com/office/drawing/2014/main" id="{90800866-D88C-4294-10DF-7631A463BFCF}"/>
+              </a:ext>
+            </a:extLst>
+          </p:cNvPr>
+          <p:cNvSpPr txBox="1"/>
+          <p:nvPr/>
+        </p:nvSpPr>
+        <p:spPr>
+          <a:xfrm>
+            <a:off x="3608626" y="40768608"/>
+            <a:ext cx="1525349" cy="830997"/>
+          </a:xfrm>
+          <a:prstGeom prst="rect">
+            <a:avLst/>
+          </a:prstGeom>
+          <a:noFill/>
+        </p:spPr>
+        <p:txBody>
+          <a:bodyPr wrap="square" rtlCol="0">
+            <a:spAutoFit/>
+          </a:bodyPr>
+          <a:lstStyle/>
+          <a:p>
+            <a:r>
+              <a:rPr lang="en-US" altLang="ja-JP" sz="800" dirty="0" err="1">
+                <a:latin typeface="メイリオ" panose="020B0604030504040204" pitchFamily="50" charset="-128"/>
+                <a:ea typeface="メイリオ" panose="020B0604030504040204" pitchFamily="50" charset="-128"/>
+              </a:rPr>
+              <a:t>zxcvbn</a:t>
+            </a:r>
+            <a:r>
+              <a:rPr lang="en-US" altLang="ja-JP" sz="800" dirty="0">
+                <a:latin typeface="メイリオ" panose="020B0604030504040204" pitchFamily="50" charset="-128"/>
+                <a:ea typeface="メイリオ" panose="020B0604030504040204" pitchFamily="50" charset="-128"/>
+              </a:rPr>
+              <a:t>-c library by </a:t>
+            </a:r>
+            <a:r>
+              <a:rPr lang="en-US" altLang="ja-JP" sz="800" dirty="0" err="1">
+                <a:latin typeface="メイリオ" panose="020B0604030504040204" pitchFamily="50" charset="-128"/>
+                <a:ea typeface="メイリオ" panose="020B0604030504040204" pitchFamily="50" charset="-128"/>
+              </a:rPr>
+              <a:t>Tsyrogit</a:t>
+            </a:r>
+            <a:endParaRPr lang="en-US" altLang="ja-JP" sz="800" dirty="0">
+              <a:latin typeface="メイリオ" panose="020B0604030504040204" pitchFamily="50" charset="-128"/>
+              <a:ea typeface="メイリオ" panose="020B0604030504040204" pitchFamily="50" charset="-128"/>
+            </a:endParaRPr>
+          </a:p>
+          <a:p>
+            <a:r>
+              <a:rPr lang="en-US" altLang="ja-JP" sz="800" dirty="0">
+                <a:latin typeface="メイリオ" panose="020B0604030504040204" pitchFamily="50" charset="-128"/>
+                <a:ea typeface="メイリオ" panose="020B0604030504040204" pitchFamily="50" charset="-128"/>
+              </a:rPr>
+              <a:t>https://github.com/tsyrogit/	</a:t>
+            </a:r>
+            <a:br>
+              <a:rPr lang="en-US" altLang="ja-JP" sz="800" dirty="0">
+                <a:latin typeface="メイリオ" panose="020B0604030504040204" pitchFamily="50" charset="-128"/>
+                <a:ea typeface="メイリオ" panose="020B0604030504040204" pitchFamily="50" charset="-128"/>
+              </a:rPr>
+            </a:br>
+            <a:r>
+              <a:rPr lang="en-US" altLang="ja-JP" sz="800" dirty="0">
+                <a:latin typeface="メイリオ" panose="020B0604030504040204" pitchFamily="50" charset="-128"/>
+                <a:ea typeface="メイリオ" panose="020B0604030504040204" pitchFamily="50" charset="-128"/>
+              </a:rPr>
+              <a:t>Licensed under the MIT License</a:t>
+            </a:r>
+            <a:endParaRPr kumimoji="1" lang="ja-JP" altLang="en-US" sz="800" dirty="0">
+              <a:latin typeface="メイリオ" panose="020B0604030504040204" pitchFamily="50" charset="-128"/>
+              <a:ea typeface="メイリオ" panose="020B0604030504040204" pitchFamily="50" charset="-128"/>
+            </a:endParaRPr>
+          </a:p>
+        </p:txBody>
+      </p:sp>
+      <p:sp>
+        <p:nvSpPr>
+          <p:cNvPr id="17" name="テキスト ボックス 16">
+            <a:extLst>
+              <a:ext uri="{FF2B5EF4-FFF2-40B4-BE49-F238E27FC236}">
+                <a16:creationId xmlns:a16="http://schemas.microsoft.com/office/drawing/2014/main" id="{9A244379-284A-7832-05D6-8A0025170961}"/>
+              </a:ext>
+            </a:extLst>
+          </p:cNvPr>
+          <p:cNvSpPr txBox="1"/>
+          <p:nvPr/>
+        </p:nvSpPr>
+        <p:spPr>
+          <a:xfrm>
+            <a:off x="5034201" y="40768606"/>
+            <a:ext cx="2582624" cy="584775"/>
+          </a:xfrm>
+          <a:prstGeom prst="rect">
+            <a:avLst/>
+          </a:prstGeom>
+          <a:noFill/>
+        </p:spPr>
+        <p:txBody>
+          <a:bodyPr wrap="square" rtlCol="0">
+            <a:spAutoFit/>
+          </a:bodyPr>
+          <a:lstStyle/>
+          <a:p>
+            <a:r>
+              <a:rPr lang="en-US" altLang="ja-JP" sz="800" b="0" i="0" dirty="0">
+                <a:solidFill>
+                  <a:srgbClr val="3E3E3E"/>
+                </a:solidFill>
+                <a:effectLst/>
+                <a:latin typeface="メイリオ" panose="020B0604030504040204" pitchFamily="50" charset="-128"/>
+                <a:ea typeface="メイリオ" panose="020B0604030504040204" pitchFamily="50" charset="-128"/>
+              </a:rPr>
+              <a:t>SQL injection payload list</a:t>
+            </a:r>
+            <a:r>
+              <a:rPr lang="en-US" altLang="ja-JP" sz="800" dirty="0">
+                <a:latin typeface="メイリオ" panose="020B0604030504040204" pitchFamily="50" charset="-128"/>
+                <a:ea typeface="メイリオ" panose="020B0604030504040204" pitchFamily="50" charset="-128"/>
+              </a:rPr>
+              <a:t> by </a:t>
+            </a:r>
+            <a:r>
+              <a:rPr lang="en-US" altLang="ja-JP" sz="800" dirty="0" err="1">
+                <a:latin typeface="メイリオ" panose="020B0604030504040204" pitchFamily="50" charset="-128"/>
+                <a:ea typeface="メイリオ" panose="020B0604030504040204" pitchFamily="50" charset="-128"/>
+              </a:rPr>
+              <a:t>payloadbox</a:t>
+            </a:r>
+            <a:endParaRPr lang="en-US" altLang="ja-JP" sz="800" dirty="0">
+              <a:latin typeface="メイリオ" panose="020B0604030504040204" pitchFamily="50" charset="-128"/>
+              <a:ea typeface="メイリオ" panose="020B0604030504040204" pitchFamily="50" charset="-128"/>
+            </a:endParaRPr>
+          </a:p>
+          <a:p>
+            <a:r>
+              <a:rPr lang="en-US" altLang="ja-JP" sz="800" b="0" i="0" dirty="0">
+                <a:solidFill>
+                  <a:srgbClr val="3E3E3E"/>
+                </a:solidFill>
+                <a:effectLst/>
+                <a:latin typeface="メイリオ" panose="020B0604030504040204" pitchFamily="50" charset="-128"/>
+                <a:ea typeface="メイリオ" panose="020B0604030504040204" pitchFamily="50" charset="-128"/>
+              </a:rPr>
+              <a:t>https://github.com/payloadbox/sql-injection-payload-list</a:t>
+            </a:r>
+            <a:br>
+              <a:rPr lang="en-US" altLang="ja-JP" sz="800" dirty="0">
+                <a:latin typeface="メイリオ" panose="020B0604030504040204" pitchFamily="50" charset="-128"/>
+                <a:ea typeface="メイリオ" panose="020B0604030504040204" pitchFamily="50" charset="-128"/>
+              </a:rPr>
+            </a:br>
+            <a:r>
+              <a:rPr lang="en-US" altLang="ja-JP" sz="800" dirty="0">
+                <a:latin typeface="メイリオ" panose="020B0604030504040204" pitchFamily="50" charset="-128"/>
+                <a:ea typeface="メイリオ" panose="020B0604030504040204" pitchFamily="50" charset="-128"/>
+              </a:rPr>
+              <a:t>Licensed under the MIT License</a:t>
+            </a:r>
+            <a:endParaRPr kumimoji="1" lang="ja-JP" altLang="en-US" sz="800" dirty="0">
+              <a:latin typeface="メイリオ" panose="020B0604030504040204" pitchFamily="50" charset="-128"/>
+              <a:ea typeface="メイリオ" panose="020B0604030504040204" pitchFamily="50" charset="-128"/>
+            </a:endParaRPr>
+          </a:p>
+        </p:txBody>
+      </p:sp>
+      <p:sp>
+        <p:nvSpPr>
+          <p:cNvPr id="20" name="テキスト ボックス 19">
+            <a:extLst>
+              <a:ext uri="{FF2B5EF4-FFF2-40B4-BE49-F238E27FC236}">
+                <a16:creationId xmlns:a16="http://schemas.microsoft.com/office/drawing/2014/main" id="{0E9248FA-6E55-856C-3378-772238F49357}"/>
+              </a:ext>
+            </a:extLst>
+          </p:cNvPr>
+          <p:cNvSpPr txBox="1"/>
+          <p:nvPr/>
+        </p:nvSpPr>
+        <p:spPr>
+          <a:xfrm>
+            <a:off x="7616825" y="40766148"/>
+            <a:ext cx="3051175" cy="461665"/>
+          </a:xfrm>
+          <a:prstGeom prst="rect">
+            <a:avLst/>
+          </a:prstGeom>
+          <a:noFill/>
+        </p:spPr>
+        <p:txBody>
+          <a:bodyPr wrap="square" rtlCol="0">
+            <a:spAutoFit/>
+          </a:bodyPr>
+          <a:lstStyle/>
+          <a:p>
+            <a:r>
+              <a:rPr lang="en-US" altLang="ja-JP" sz="800" b="0" i="0" dirty="0">
+                <a:solidFill>
+                  <a:srgbClr val="3E3E3E"/>
+                </a:solidFill>
+                <a:effectLst/>
+                <a:latin typeface="メイリオ" panose="020B0604030504040204" pitchFamily="50" charset="-128"/>
+                <a:ea typeface="メイリオ" panose="020B0604030504040204" pitchFamily="50" charset="-128"/>
+              </a:rPr>
+              <a:t>SQL injection payload list by </a:t>
+            </a:r>
+            <a:r>
+              <a:rPr lang="en-US" altLang="ja-JP" sz="800" b="0" i="0" dirty="0" err="1">
+                <a:solidFill>
+                  <a:srgbClr val="3E3E3E"/>
+                </a:solidFill>
+                <a:effectLst/>
+                <a:latin typeface="メイリオ" panose="020B0604030504040204" pitchFamily="50" charset="-128"/>
+                <a:ea typeface="メイリオ" panose="020B0604030504040204" pitchFamily="50" charset="-128"/>
+              </a:rPr>
+              <a:t>payloadbox</a:t>
+            </a:r>
+            <a:endParaRPr lang="en-US" altLang="ja-JP" sz="800" b="0" i="0" dirty="0">
+              <a:solidFill>
+                <a:srgbClr val="3E3E3E"/>
+              </a:solidFill>
+              <a:effectLst/>
+              <a:latin typeface="メイリオ" panose="020B0604030504040204" pitchFamily="50" charset="-128"/>
+              <a:ea typeface="メイリオ" panose="020B0604030504040204" pitchFamily="50" charset="-128"/>
+            </a:endParaRPr>
+          </a:p>
+          <a:p>
+            <a:r>
+              <a:rPr lang="en-US" altLang="ja-JP" sz="800" b="0" i="0" dirty="0">
+                <a:solidFill>
+                  <a:srgbClr val="3E3E3E"/>
+                </a:solidFill>
+                <a:effectLst/>
+                <a:latin typeface="メイリオ" panose="020B0604030504040204" pitchFamily="50" charset="-128"/>
+                <a:ea typeface="メイリオ" panose="020B0604030504040204" pitchFamily="50" charset="-128"/>
+              </a:rPr>
+              <a:t>https://github.com/payloadbox/sql-injection-payload-list</a:t>
+            </a:r>
+            <a:br>
+              <a:rPr lang="en-US" altLang="ja-JP" sz="800" dirty="0">
+                <a:latin typeface="メイリオ" panose="020B0604030504040204" pitchFamily="50" charset="-128"/>
+                <a:ea typeface="メイリオ" panose="020B0604030504040204" pitchFamily="50" charset="-128"/>
+              </a:rPr>
+            </a:br>
+            <a:r>
+              <a:rPr lang="en-US" altLang="ja-JP" sz="800" dirty="0">
+                <a:latin typeface="メイリオ" panose="020B0604030504040204" pitchFamily="50" charset="-128"/>
+                <a:ea typeface="メイリオ" panose="020B0604030504040204" pitchFamily="50" charset="-128"/>
+              </a:rPr>
+              <a:t>Licensed under the MIT License</a:t>
+            </a:r>
+            <a:endParaRPr kumimoji="1" lang="ja-JP" altLang="en-US" sz="800" dirty="0">
+              <a:latin typeface="メイリオ" panose="020B0604030504040204" pitchFamily="50" charset="-128"/>
+              <a:ea typeface="メイリオ" panose="020B0604030504040204" pitchFamily="50" charset="-128"/>
+            </a:endParaRPr>
+          </a:p>
+        </p:txBody>
+      </p:sp>
+      <p:sp>
+        <p:nvSpPr>
+          <p:cNvPr id="21" name="テキスト ボックス 20">
+            <a:extLst>
+              <a:ext uri="{FF2B5EF4-FFF2-40B4-BE49-F238E27FC236}">
+                <a16:creationId xmlns:a16="http://schemas.microsoft.com/office/drawing/2014/main" id="{7677C21F-59E6-C709-E384-201731ADB111}"/>
+              </a:ext>
+            </a:extLst>
+          </p:cNvPr>
+          <p:cNvSpPr txBox="1"/>
+          <p:nvPr/>
+        </p:nvSpPr>
+        <p:spPr>
+          <a:xfrm>
+            <a:off x="10612797" y="40752596"/>
+            <a:ext cx="2640252" cy="461665"/>
+          </a:xfrm>
+          <a:prstGeom prst="rect">
+            <a:avLst/>
+          </a:prstGeom>
+          <a:noFill/>
+        </p:spPr>
+        <p:txBody>
+          <a:bodyPr wrap="square" rtlCol="0">
+            <a:spAutoFit/>
+          </a:bodyPr>
+          <a:lstStyle/>
+          <a:p>
+            <a:r>
+              <a:rPr lang="en-US" altLang="ja-JP" sz="800" dirty="0">
+                <a:solidFill>
+                  <a:srgbClr val="3E3E3E"/>
+                </a:solidFill>
+                <a:latin typeface="メイリオ" panose="020B0604030504040204" pitchFamily="50" charset="-128"/>
+                <a:ea typeface="メイリオ" panose="020B0604030504040204" pitchFamily="50" charset="-128"/>
+              </a:rPr>
+              <a:t>500 worst passwords by </a:t>
+            </a:r>
+            <a:r>
+              <a:rPr lang="en-US" altLang="ja-JP" sz="800" dirty="0" err="1">
+                <a:solidFill>
+                  <a:srgbClr val="3E3E3E"/>
+                </a:solidFill>
+                <a:latin typeface="メイリオ" panose="020B0604030504040204" pitchFamily="50" charset="-128"/>
+                <a:ea typeface="メイリオ" panose="020B0604030504040204" pitchFamily="50" charset="-128"/>
+              </a:rPr>
+              <a:t>danielmiessler</a:t>
+            </a:r>
+            <a:endParaRPr lang="en-US" altLang="ja-JP" sz="800" b="0" i="0" dirty="0">
+              <a:solidFill>
+                <a:srgbClr val="3E3E3E"/>
+              </a:solidFill>
+              <a:effectLst/>
+              <a:latin typeface="メイリオ" panose="020B0604030504040204" pitchFamily="50" charset="-128"/>
+              <a:ea typeface="メイリオ" panose="020B0604030504040204" pitchFamily="50" charset="-128"/>
+            </a:endParaRPr>
+          </a:p>
+          <a:p>
+            <a:r>
+              <a:rPr lang="en-US" altLang="ja-JP" sz="800" b="0" i="0" dirty="0">
+                <a:solidFill>
+                  <a:srgbClr val="3E3E3E"/>
+                </a:solidFill>
+                <a:effectLst/>
+                <a:latin typeface="メイリオ" panose="020B0604030504040204" pitchFamily="50" charset="-128"/>
+                <a:ea typeface="メイリオ" panose="020B0604030504040204" pitchFamily="50" charset="-128"/>
+              </a:rPr>
+              <a:t>https://github.com/danielmiessler/SecLists</a:t>
+            </a:r>
+            <a:br>
+              <a:rPr lang="en-US" altLang="ja-JP" sz="800" dirty="0">
+                <a:latin typeface="メイリオ" panose="020B0604030504040204" pitchFamily="50" charset="-128"/>
+                <a:ea typeface="メイリオ" panose="020B0604030504040204" pitchFamily="50" charset="-128"/>
+              </a:rPr>
+            </a:br>
+            <a:r>
+              <a:rPr lang="en-US" altLang="ja-JP" sz="800" dirty="0">
+                <a:latin typeface="メイリオ" panose="020B0604030504040204" pitchFamily="50" charset="-128"/>
+                <a:ea typeface="メイリオ" panose="020B0604030504040204" pitchFamily="50" charset="-128"/>
+              </a:rPr>
+              <a:t>Licensed under the MIT License</a:t>
+            </a:r>
+            <a:endParaRPr kumimoji="1" lang="ja-JP" altLang="en-US" sz="800" dirty="0">
+              <a:latin typeface="メイリオ" panose="020B0604030504040204" pitchFamily="50" charset="-128"/>
+              <a:ea typeface="メイリオ" panose="020B0604030504040204" pitchFamily="50" charset="-128"/>
+            </a:endParaRPr>
+          </a:p>
+        </p:txBody>
+      </p:sp>
+      <p:sp>
+        <p:nvSpPr>
+          <p:cNvPr id="22" name="テキスト ボックス 21">
+            <a:extLst>
+              <a:ext uri="{FF2B5EF4-FFF2-40B4-BE49-F238E27FC236}">
+                <a16:creationId xmlns:a16="http://schemas.microsoft.com/office/drawing/2014/main" id="{F54BC49D-76D4-1DFB-2265-7B3F9D9540D5}"/>
+              </a:ext>
+            </a:extLst>
+          </p:cNvPr>
+          <p:cNvSpPr txBox="1"/>
+          <p:nvPr/>
+        </p:nvSpPr>
+        <p:spPr>
+          <a:xfrm>
+            <a:off x="1832916" y="9979144"/>
+            <a:ext cx="7105532" cy="1107996"/>
+          </a:xfrm>
+          <a:prstGeom prst="rect">
+            <a:avLst/>
+          </a:prstGeom>
+          <a:noFill/>
+        </p:spPr>
+        <p:txBody>
+          <a:bodyPr wrap="square" rtlCol="0">
+            <a:spAutoFit/>
+          </a:bodyPr>
+          <a:lstStyle/>
+          <a:p>
+            <a:pPr algn="ctr"/>
+            <a:r>
+              <a:rPr kumimoji="1" lang="ja-JP" altLang="en-US" sz="6600" dirty="0">
+                <a:latin typeface="メイリオ" panose="020B0604030504040204" pitchFamily="50" charset="-128"/>
+                <a:ea typeface="メイリオ" panose="020B0604030504040204" pitchFamily="50" charset="-128"/>
+              </a:rPr>
+              <a:t>現代社会の問題点</a:t>
+            </a:r>
+          </a:p>
+        </p:txBody>
+      </p:sp>
+      <p:sp>
+        <p:nvSpPr>
+          <p:cNvPr id="23" name="テキスト ボックス 22">
+            <a:extLst>
+              <a:ext uri="{FF2B5EF4-FFF2-40B4-BE49-F238E27FC236}">
+                <a16:creationId xmlns:a16="http://schemas.microsoft.com/office/drawing/2014/main" id="{095CFDF5-34A4-7A45-440C-9DDEFFE5DF8D}"/>
+              </a:ext>
+            </a:extLst>
+          </p:cNvPr>
+          <p:cNvSpPr txBox="1"/>
+          <p:nvPr/>
+        </p:nvSpPr>
+        <p:spPr>
+          <a:xfrm>
+            <a:off x="14965889" y="10579391"/>
+            <a:ext cx="4195676" cy="1107996"/>
+          </a:xfrm>
+          <a:prstGeom prst="rect">
+            <a:avLst/>
+          </a:prstGeom>
+          <a:noFill/>
+        </p:spPr>
+        <p:txBody>
+          <a:bodyPr wrap="square" rtlCol="0">
+            <a:spAutoFit/>
+          </a:bodyPr>
+          <a:lstStyle/>
+          <a:p>
+            <a:pPr algn="ctr"/>
+            <a:r>
+              <a:rPr kumimoji="1" lang="ja-JP" altLang="en-US" sz="6600" b="1" u="sng" dirty="0">
+                <a:latin typeface="メイリオ" panose="020B0604030504040204" pitchFamily="50" charset="-128"/>
+                <a:ea typeface="メイリオ" panose="020B0604030504040204" pitchFamily="50" charset="-128"/>
+              </a:rPr>
+              <a:t>技術構成</a:t>
+            </a:r>
+          </a:p>
+        </p:txBody>
+      </p:sp>
+      <p:sp>
+        <p:nvSpPr>
+          <p:cNvPr id="24" name="テキスト ボックス 23">
+            <a:extLst>
+              <a:ext uri="{FF2B5EF4-FFF2-40B4-BE49-F238E27FC236}">
+                <a16:creationId xmlns:a16="http://schemas.microsoft.com/office/drawing/2014/main" id="{791E2F42-C6C8-8C38-BA6F-EBE569DF5191}"/>
+              </a:ext>
+            </a:extLst>
+          </p:cNvPr>
+          <p:cNvSpPr txBox="1"/>
+          <p:nvPr/>
+        </p:nvSpPr>
+        <p:spPr>
+          <a:xfrm>
+            <a:off x="0" y="19343119"/>
+            <a:ext cx="10463559" cy="1107996"/>
+          </a:xfrm>
+          <a:prstGeom prst="rect">
+            <a:avLst/>
+          </a:prstGeom>
+          <a:noFill/>
+        </p:spPr>
+        <p:txBody>
+          <a:bodyPr wrap="square" rtlCol="0">
+            <a:spAutoFit/>
+          </a:bodyPr>
+          <a:lstStyle/>
+          <a:p>
+            <a:pPr algn="ctr"/>
+            <a:r>
+              <a:rPr kumimoji="1" lang="en-US" altLang="ja-JP" sz="6600" b="1" u="sng" dirty="0">
+                <a:latin typeface="メイリオ" panose="020B0604030504040204" pitchFamily="50" charset="-128"/>
+                <a:ea typeface="メイリオ" panose="020B0604030504040204" pitchFamily="50" charset="-128"/>
+              </a:rPr>
+              <a:t>1.</a:t>
+            </a:r>
+            <a:r>
+              <a:rPr kumimoji="1" lang="ja-JP" altLang="en-US" sz="6600" b="1" u="sng" dirty="0">
+                <a:latin typeface="メイリオ" panose="020B0604030504040204" pitchFamily="50" charset="-128"/>
+                <a:ea typeface="メイリオ" panose="020B0604030504040204" pitchFamily="50" charset="-128"/>
+              </a:rPr>
+              <a:t>脆弱なパスワード</a:t>
+            </a:r>
+          </a:p>
+        </p:txBody>
+      </p:sp>
+      <p:sp>
+        <p:nvSpPr>
+          <p:cNvPr id="25" name="テキスト ボックス 24">
+            <a:extLst>
+              <a:ext uri="{FF2B5EF4-FFF2-40B4-BE49-F238E27FC236}">
+                <a16:creationId xmlns:a16="http://schemas.microsoft.com/office/drawing/2014/main" id="{B871D9CB-F3C8-08D8-1310-552026E76D6D}"/>
+              </a:ext>
+            </a:extLst>
+          </p:cNvPr>
+          <p:cNvSpPr txBox="1"/>
+          <p:nvPr/>
+        </p:nvSpPr>
+        <p:spPr>
+          <a:xfrm>
+            <a:off x="15467015" y="19343119"/>
+            <a:ext cx="7123410" cy="1107996"/>
+          </a:xfrm>
+          <a:prstGeom prst="rect">
+            <a:avLst/>
+          </a:prstGeom>
+          <a:noFill/>
+        </p:spPr>
+        <p:txBody>
+          <a:bodyPr wrap="square" rtlCol="0">
+            <a:spAutoFit/>
+          </a:bodyPr>
+          <a:lstStyle/>
+          <a:p>
+            <a:pPr algn="ctr"/>
+            <a:r>
+              <a:rPr kumimoji="1" lang="en-US" altLang="ja-JP" sz="6600" b="1" u="sng" dirty="0">
+                <a:latin typeface="メイリオ" panose="020B0604030504040204" pitchFamily="50" charset="-128"/>
+                <a:ea typeface="メイリオ" panose="020B0604030504040204" pitchFamily="50" charset="-128"/>
+              </a:rPr>
+              <a:t>2.USB</a:t>
+            </a:r>
+            <a:r>
+              <a:rPr kumimoji="1" lang="ja-JP" altLang="en-US" sz="6600" b="1" u="sng" dirty="0">
+                <a:latin typeface="メイリオ" panose="020B0604030504040204" pitchFamily="50" charset="-128"/>
+                <a:ea typeface="メイリオ" panose="020B0604030504040204" pitchFamily="50" charset="-128"/>
+              </a:rPr>
+              <a:t>の取り扱い</a:t>
+            </a:r>
+          </a:p>
+        </p:txBody>
+      </p:sp>
+      <p:sp>
+        <p:nvSpPr>
+          <p:cNvPr id="27" name="テキスト ボックス 26">
+            <a:extLst>
+              <a:ext uri="{FF2B5EF4-FFF2-40B4-BE49-F238E27FC236}">
+                <a16:creationId xmlns:a16="http://schemas.microsoft.com/office/drawing/2014/main" id="{490BCF16-80A8-D3A9-DBAF-373964A5DBD8}"/>
+              </a:ext>
+            </a:extLst>
+          </p:cNvPr>
+          <p:cNvSpPr txBox="1"/>
+          <p:nvPr/>
+        </p:nvSpPr>
+        <p:spPr>
+          <a:xfrm>
+            <a:off x="15860994" y="30038079"/>
+            <a:ext cx="9669293" cy="1107996"/>
+          </a:xfrm>
+          <a:prstGeom prst="rect">
+            <a:avLst/>
+          </a:prstGeom>
+          <a:noFill/>
+        </p:spPr>
+        <p:txBody>
+          <a:bodyPr wrap="square" rtlCol="0">
+            <a:spAutoFit/>
+          </a:bodyPr>
+          <a:lstStyle/>
+          <a:p>
+            <a:pPr algn="ctr"/>
+            <a:r>
+              <a:rPr kumimoji="1" lang="ja-JP" altLang="en-US" sz="6600" dirty="0">
+                <a:latin typeface="メイリオ" panose="020B0604030504040204" pitchFamily="50" charset="-128"/>
+                <a:ea typeface="メイリオ" panose="020B0604030504040204" pitchFamily="50" charset="-128"/>
+              </a:rPr>
+              <a:t>レビュー</a:t>
+            </a:r>
+          </a:p>
+        </p:txBody>
+      </p:sp>
+      <p:sp>
+        <p:nvSpPr>
+          <p:cNvPr id="28" name="テキスト ボックス 27">
+            <a:extLst>
+              <a:ext uri="{FF2B5EF4-FFF2-40B4-BE49-F238E27FC236}">
+                <a16:creationId xmlns:a16="http://schemas.microsoft.com/office/drawing/2014/main" id="{91E5A0DF-58DB-8099-16DD-8624BD013307}"/>
+              </a:ext>
+            </a:extLst>
+          </p:cNvPr>
+          <p:cNvSpPr txBox="1"/>
+          <p:nvPr/>
+        </p:nvSpPr>
+        <p:spPr>
+          <a:xfrm>
+            <a:off x="1077295" y="29219833"/>
+            <a:ext cx="10463559" cy="1107996"/>
+          </a:xfrm>
+          <a:prstGeom prst="rect">
+            <a:avLst/>
+          </a:prstGeom>
+          <a:noFill/>
+        </p:spPr>
+        <p:txBody>
+          <a:bodyPr wrap="square" rtlCol="0">
+            <a:spAutoFit/>
+          </a:bodyPr>
+          <a:lstStyle/>
+          <a:p>
+            <a:pPr algn="ctr"/>
+            <a:r>
+              <a:rPr kumimoji="1" lang="en-US" altLang="ja-JP" sz="6600" b="1" u="sng" dirty="0">
+                <a:latin typeface="メイリオ" panose="020B0604030504040204" pitchFamily="50" charset="-128"/>
+                <a:ea typeface="メイリオ" panose="020B0604030504040204" pitchFamily="50" charset="-128"/>
+              </a:rPr>
+              <a:t>3.</a:t>
+            </a:r>
+            <a:r>
+              <a:rPr kumimoji="1" lang="ja-JP" altLang="en-US" sz="6600" b="1" u="sng" dirty="0">
+                <a:latin typeface="メイリオ" panose="020B0604030504040204" pitchFamily="50" charset="-128"/>
+                <a:ea typeface="メイリオ" panose="020B0604030504040204" pitchFamily="50" charset="-128"/>
+              </a:rPr>
+              <a:t>セキュリティ</a:t>
+            </a:r>
+            <a:r>
+              <a:rPr kumimoji="1" lang="en-US" altLang="ja-JP" sz="6600" b="1" u="sng" dirty="0">
+                <a:latin typeface="メイリオ" panose="020B0604030504040204" pitchFamily="50" charset="-128"/>
+                <a:ea typeface="メイリオ" panose="020B0604030504040204" pitchFamily="50" charset="-128"/>
+              </a:rPr>
+              <a:t>$</a:t>
+            </a:r>
+            <a:r>
+              <a:rPr kumimoji="1" lang="ja-JP" altLang="en-US" sz="6600" b="1" u="sng" dirty="0">
+                <a:latin typeface="メイリオ" panose="020B0604030504040204" pitchFamily="50" charset="-128"/>
+                <a:ea typeface="メイリオ" panose="020B0604030504040204" pitchFamily="50" charset="-128"/>
+              </a:rPr>
+              <a:t>クイズ</a:t>
+            </a:r>
+            <a:r>
+              <a:rPr kumimoji="1" lang="en-US" altLang="ja-JP" sz="6600" b="1" u="sng" dirty="0">
+                <a:latin typeface="メイリオ" panose="020B0604030504040204" pitchFamily="50" charset="-128"/>
+                <a:ea typeface="メイリオ" panose="020B0604030504040204" pitchFamily="50" charset="-128"/>
+              </a:rPr>
+              <a:t>$</a:t>
+            </a:r>
+            <a:endParaRPr kumimoji="1" lang="ja-JP" altLang="en-US" sz="6600" b="1" u="sng" dirty="0">
+              <a:latin typeface="メイリオ" panose="020B0604030504040204" pitchFamily="50" charset="-128"/>
+              <a:ea typeface="メイリオ" panose="020B0604030504040204" pitchFamily="50" charset="-128"/>
+            </a:endParaRPr>
+          </a:p>
+        </p:txBody>
+      </p:sp>
+      <p:sp>
+        <p:nvSpPr>
+          <p:cNvPr id="3" name="テキスト ボックス 2">
+            <a:extLst>
+              <a:ext uri="{FF2B5EF4-FFF2-40B4-BE49-F238E27FC236}">
+                <a16:creationId xmlns:a16="http://schemas.microsoft.com/office/drawing/2014/main" id="{CE0F5EF3-73E7-FBF7-84B7-39965304B161}"/>
+              </a:ext>
+            </a:extLst>
+          </p:cNvPr>
+          <p:cNvSpPr txBox="1"/>
+          <p:nvPr/>
+        </p:nvSpPr>
+        <p:spPr>
+          <a:xfrm>
+            <a:off x="1680734" y="14286246"/>
+            <a:ext cx="12585448" cy="4399025"/>
+          </a:xfrm>
+          <a:prstGeom prst="rect">
+            <a:avLst/>
+          </a:prstGeom>
+          <a:noFill/>
+        </p:spPr>
+        <p:txBody>
+          <a:bodyPr wrap="square" rtlCol="0">
+            <a:spAutoFit/>
+          </a:bodyPr>
+          <a:lstStyle/>
+          <a:p>
+            <a:r>
+              <a:rPr kumimoji="1" lang="ja-JP" altLang="en-US" dirty="0">
+                <a:latin typeface="メイリオ" panose="020B0604030504040204" pitchFamily="50" charset="-128"/>
+                <a:ea typeface="メイリオ" panose="020B0604030504040204" pitchFamily="50" charset="-128"/>
+              </a:rPr>
+              <a:t>・「</a:t>
+            </a:r>
+            <a:r>
+              <a:rPr kumimoji="1" lang="en-US" altLang="ja-JP" dirty="0" err="1">
+                <a:latin typeface="メイリオ" panose="020B0604030504040204" pitchFamily="50" charset="-128"/>
+                <a:ea typeface="メイリオ" panose="020B0604030504040204" pitchFamily="50" charset="-128"/>
+              </a:rPr>
+              <a:t>p@ssword</a:t>
+            </a:r>
+            <a:r>
+              <a:rPr kumimoji="1" lang="ja-JP" altLang="en-US" dirty="0">
+                <a:latin typeface="メイリオ" panose="020B0604030504040204" pitchFamily="50" charset="-128"/>
+                <a:ea typeface="メイリオ" panose="020B0604030504040204" pitchFamily="50" charset="-128"/>
+              </a:rPr>
+              <a:t>」は記号を含んでいるから安全なパスワードだね</a:t>
+            </a:r>
+            <a:endParaRPr kumimoji="1" lang="en-US" altLang="ja-JP" dirty="0">
+              <a:latin typeface="メイリオ" panose="020B0604030504040204" pitchFamily="50" charset="-128"/>
+              <a:ea typeface="メイリオ" panose="020B0604030504040204" pitchFamily="50" charset="-128"/>
+            </a:endParaRPr>
+          </a:p>
+          <a:p>
+            <a:r>
+              <a:rPr kumimoji="1" lang="ja-JP" altLang="en-US" dirty="0">
+                <a:latin typeface="メイリオ" panose="020B0604030504040204" pitchFamily="50" charset="-128"/>
+                <a:ea typeface="メイリオ" panose="020B0604030504040204" pitchFamily="50" charset="-128"/>
+              </a:rPr>
+              <a:t>安全だと思い込んでいても，安全ではないことがある</a:t>
+            </a:r>
+            <a:endParaRPr kumimoji="1" lang="en-US" altLang="ja-JP" dirty="0">
+              <a:latin typeface="メイリオ" panose="020B0604030504040204" pitchFamily="50" charset="-128"/>
+              <a:ea typeface="メイリオ" panose="020B0604030504040204" pitchFamily="50" charset="-128"/>
+            </a:endParaRPr>
+          </a:p>
+          <a:p>
+            <a:endParaRPr kumimoji="1" lang="en-US" altLang="ja-JP" dirty="0">
+              <a:latin typeface="メイリオ" panose="020B0604030504040204" pitchFamily="50" charset="-128"/>
+              <a:ea typeface="メイリオ" panose="020B0604030504040204" pitchFamily="50" charset="-128"/>
+            </a:endParaRPr>
+          </a:p>
+          <a:p>
+            <a:r>
+              <a:rPr kumimoji="1" lang="ja-JP" altLang="en-US" dirty="0">
+                <a:latin typeface="メイリオ" panose="020B0604030504040204" pitchFamily="50" charset="-128"/>
+                <a:ea typeface="メイリオ" panose="020B0604030504040204" pitchFamily="50" charset="-128"/>
+              </a:rPr>
+              <a:t>・出所不明の</a:t>
+            </a:r>
+            <a:r>
+              <a:rPr kumimoji="1" lang="en-US" altLang="ja-JP" dirty="0">
+                <a:latin typeface="メイリオ" panose="020B0604030504040204" pitchFamily="50" charset="-128"/>
+                <a:ea typeface="メイリオ" panose="020B0604030504040204" pitchFamily="50" charset="-128"/>
+              </a:rPr>
+              <a:t>USB</a:t>
+            </a:r>
+            <a:r>
+              <a:rPr kumimoji="1" lang="ja-JP" altLang="en-US" dirty="0">
+                <a:latin typeface="メイリオ" panose="020B0604030504040204" pitchFamily="50" charset="-128"/>
+                <a:ea typeface="メイリオ" panose="020B0604030504040204" pitchFamily="50" charset="-128"/>
+              </a:rPr>
+              <a:t>を差し込む</a:t>
+            </a:r>
+            <a:endParaRPr kumimoji="1" lang="en-US" altLang="ja-JP" dirty="0">
+              <a:latin typeface="メイリオ" panose="020B0604030504040204" pitchFamily="50" charset="-128"/>
+              <a:ea typeface="メイリオ" panose="020B0604030504040204" pitchFamily="50" charset="-128"/>
+            </a:endParaRPr>
+          </a:p>
+          <a:p>
+            <a:r>
+              <a:rPr kumimoji="1" lang="en-US" altLang="ja-JP" dirty="0">
+                <a:latin typeface="メイリオ" panose="020B0604030504040204" pitchFamily="50" charset="-128"/>
+                <a:ea typeface="メイリオ" panose="020B0604030504040204" pitchFamily="50" charset="-128"/>
+              </a:rPr>
+              <a:t>USB</a:t>
+            </a:r>
+            <a:r>
+              <a:rPr kumimoji="1" lang="ja-JP" altLang="en-US" dirty="0">
+                <a:latin typeface="メイリオ" panose="020B0604030504040204" pitchFamily="50" charset="-128"/>
+                <a:ea typeface="メイリオ" panose="020B0604030504040204" pitchFamily="50" charset="-128"/>
+              </a:rPr>
+              <a:t>に仕組まれたランサムウェアに感染し，ファイルを暗号化され，身代金を要求される</a:t>
+            </a:r>
+            <a:endParaRPr kumimoji="1" lang="en-US" altLang="ja-JP" dirty="0">
+              <a:latin typeface="メイリオ" panose="020B0604030504040204" pitchFamily="50" charset="-128"/>
+              <a:ea typeface="メイリオ" panose="020B0604030504040204" pitchFamily="50" charset="-128"/>
+            </a:endParaRPr>
+          </a:p>
+          <a:p>
+            <a:endParaRPr kumimoji="1" lang="en-US" altLang="ja-JP" dirty="0">
+              <a:latin typeface="メイリオ" panose="020B0604030504040204" pitchFamily="50" charset="-128"/>
+              <a:ea typeface="メイリオ" panose="020B0604030504040204" pitchFamily="50" charset="-128"/>
+            </a:endParaRPr>
+          </a:p>
+          <a:p>
+            <a:r>
+              <a:rPr kumimoji="1" lang="ja-JP" altLang="en-US" dirty="0">
+                <a:latin typeface="メイリオ" panose="020B0604030504040204" pitchFamily="50" charset="-128"/>
+                <a:ea typeface="メイリオ" panose="020B0604030504040204" pitchFamily="50" charset="-128"/>
+              </a:rPr>
+              <a:t>・複雑なパスワードは覚えるのが大変だから使いまわしちゃおう！</a:t>
+            </a:r>
+            <a:endParaRPr kumimoji="1" lang="en-US" altLang="ja-JP" dirty="0">
+              <a:latin typeface="メイリオ" panose="020B0604030504040204" pitchFamily="50" charset="-128"/>
+              <a:ea typeface="メイリオ" panose="020B0604030504040204" pitchFamily="50" charset="-128"/>
+            </a:endParaRPr>
+          </a:p>
+          <a:p>
+            <a:r>
+              <a:rPr kumimoji="1" lang="ja-JP" altLang="en-US" dirty="0">
+                <a:latin typeface="メイリオ" panose="020B0604030504040204" pitchFamily="50" charset="-128"/>
+                <a:ea typeface="メイリオ" panose="020B0604030504040204" pitchFamily="50" charset="-128"/>
+              </a:rPr>
+              <a:t>一つのサービスから流出すると，芋づる式にほかのサービスが乗っ取られる可能性が</a:t>
+            </a:r>
+            <a:endParaRPr kumimoji="1" lang="en-US" altLang="ja-JP" dirty="0">
+              <a:latin typeface="メイリオ" panose="020B0604030504040204" pitchFamily="50" charset="-128"/>
+              <a:ea typeface="メイリオ" panose="020B0604030504040204" pitchFamily="50" charset="-128"/>
+            </a:endParaRPr>
+          </a:p>
+          <a:p>
+            <a:endParaRPr kumimoji="1" lang="en-US" altLang="ja-JP" dirty="0">
+              <a:latin typeface="メイリオ" panose="020B0604030504040204" pitchFamily="50" charset="-128"/>
+              <a:ea typeface="メイリオ" panose="020B0604030504040204" pitchFamily="50" charset="-128"/>
+            </a:endParaRPr>
+          </a:p>
+          <a:p>
+            <a:r>
+              <a:rPr kumimoji="1" lang="ja-JP" altLang="en-US" dirty="0">
+                <a:latin typeface="メイリオ" panose="020B0604030504040204" pitchFamily="50" charset="-128"/>
+                <a:ea typeface="メイリオ" panose="020B0604030504040204" pitchFamily="50" charset="-128"/>
+              </a:rPr>
+              <a:t>基本的なセキュリティ知識があれば防ぐことができる事故が多い！</a:t>
+            </a:r>
+            <a:endParaRPr kumimoji="1" lang="en-US" altLang="ja-JP" dirty="0">
+              <a:latin typeface="メイリオ" panose="020B0604030504040204" pitchFamily="50" charset="-128"/>
+              <a:ea typeface="メイリオ" panose="020B0604030504040204" pitchFamily="50" charset="-128"/>
+            </a:endParaRPr>
+          </a:p>
+        </p:txBody>
+      </p:sp>
+      <p:sp>
+        <p:nvSpPr>
+          <p:cNvPr id="18" name="四角形: 角を丸くする 17">
+            <a:extLst>
+              <a:ext uri="{FF2B5EF4-FFF2-40B4-BE49-F238E27FC236}">
+                <a16:creationId xmlns:a16="http://schemas.microsoft.com/office/drawing/2014/main" id="{7335F8F6-1E6E-9B38-FD8B-1055FFF006D3}"/>
+              </a:ext>
+            </a:extLst>
+          </p:cNvPr>
+          <p:cNvSpPr/>
+          <p:nvPr/>
+        </p:nvSpPr>
+        <p:spPr>
+          <a:xfrm>
+            <a:off x="1272732" y="26714528"/>
+            <a:ext cx="1788681" cy="495554"/>
+          </a:xfrm>
+          <a:prstGeom prst="roundRect">
+            <a:avLst>
+              <a:gd name="adj" fmla="val 8865"/>
+            </a:avLst>
+          </a:prstGeom>
+          <a:solidFill>
+            <a:schemeClr val="bg1"/>
+          </a:solidFill>
+          <a:ln w="38100">
+            <a:solidFill>
+              <a:schemeClr val="accent2"/>
+            </a:solidFill>
+          </a:ln>
+        </p:spPr>
+        <p:style>
+          <a:lnRef idx="2">
+            <a:schemeClr val="accent4"/>
+          </a:lnRef>
+          <a:fillRef idx="1">
+            <a:schemeClr val="lt1"/>
+          </a:fillRef>
+          <a:effectRef idx="0">
+            <a:schemeClr val="accent4"/>
+          </a:effectRef>
+          <a:fontRef idx="minor">
+            <a:schemeClr val="dk1"/>
+          </a:fontRef>
+        </p:style>
+        <p:txBody>
+          <a:bodyPr vert="horz" tIns="72000" rIns="144000" rtlCol="0" anchor="t"/>
+          <a:lstStyle/>
+          <a:p>
+            <a:pPr algn="ctr"/>
+            <a:r>
+              <a:rPr kumimoji="1" lang="ja-JP" altLang="en-US" sz="2400" b="1" dirty="0">
+                <a:solidFill>
+                  <a:schemeClr val="accent2"/>
+                </a:solidFill>
+                <a:latin typeface="メイリオ" panose="020B0604030504040204" pitchFamily="50" charset="-128"/>
+                <a:ea typeface="メイリオ" panose="020B0604030504040204" pitchFamily="50" charset="-128"/>
+              </a:rPr>
+              <a:t>入力</a:t>
+            </a:r>
+          </a:p>
+        </p:txBody>
+      </p:sp>
+      <p:sp>
+        <p:nvSpPr>
+          <p:cNvPr id="57" name="楕円 56">
+            <a:extLst>
+              <a:ext uri="{FF2B5EF4-FFF2-40B4-BE49-F238E27FC236}">
+                <a16:creationId xmlns:a16="http://schemas.microsoft.com/office/drawing/2014/main" id="{419D625D-5438-7A90-F99E-E95647194555}"/>
+              </a:ext>
+            </a:extLst>
+          </p:cNvPr>
+          <p:cNvSpPr>
+            <a:spLocks noChangeAspect="1"/>
+          </p:cNvSpPr>
+          <p:nvPr/>
+        </p:nvSpPr>
+        <p:spPr>
+          <a:xfrm>
+            <a:off x="4140555" y="25235057"/>
+            <a:ext cx="112183" cy="112183"/>
+          </a:xfrm>
+          <a:prstGeom prst="ellipse">
+            <a:avLst/>
+          </a:prstGeom>
+          <a:noFill/>
+          <a:ln>
+            <a:noFill/>
+          </a:ln>
+        </p:spPr>
+        <p:style>
+          <a:lnRef idx="2">
+            <a:schemeClr val="accent1">
+              <a:shade val="50000"/>
+            </a:schemeClr>
+          </a:lnRef>
+          <a:fillRef idx="1">
+            <a:schemeClr val="accent1"/>
+          </a:fillRef>
+          <a:effectRef idx="0">
+            <a:schemeClr val="accent1"/>
+          </a:effectRef>
+          <a:fontRef idx="minor">
+            <a:schemeClr val="lt1"/>
+          </a:fontRef>
+        </p:style>
+        <p:txBody>
+          <a:bodyPr rtlCol="0" anchor="ctr"/>
+          <a:lstStyle/>
+          <a:p>
+            <a:pPr algn="ctr"/>
+            <a:endParaRPr kumimoji="1" lang="ja-JP" altLang="en-US">
+              <a:latin typeface="メイリオ" panose="020B0604030504040204" pitchFamily="50" charset="-128"/>
+              <a:ea typeface="メイリオ" panose="020B0604030504040204" pitchFamily="50" charset="-128"/>
+            </a:endParaRPr>
+          </a:p>
+        </p:txBody>
+      </p:sp>
+      <p:sp>
+        <p:nvSpPr>
+          <p:cNvPr id="58" name="楕円 57">
+            <a:extLst>
+              <a:ext uri="{FF2B5EF4-FFF2-40B4-BE49-F238E27FC236}">
+                <a16:creationId xmlns:a16="http://schemas.microsoft.com/office/drawing/2014/main" id="{16754F53-B215-A53D-B984-39734C66B08E}"/>
+              </a:ext>
+            </a:extLst>
+          </p:cNvPr>
+          <p:cNvSpPr>
+            <a:spLocks noChangeAspect="1"/>
+          </p:cNvSpPr>
+          <p:nvPr/>
+        </p:nvSpPr>
+        <p:spPr>
+          <a:xfrm>
+            <a:off x="4138713" y="25365462"/>
+            <a:ext cx="112183" cy="112183"/>
+          </a:xfrm>
+          <a:prstGeom prst="ellipse">
+            <a:avLst/>
+          </a:prstGeom>
+          <a:noFill/>
+          <a:ln>
+            <a:noFill/>
+          </a:ln>
+        </p:spPr>
+        <p:style>
+          <a:lnRef idx="2">
+            <a:schemeClr val="accent1">
+              <a:shade val="50000"/>
+            </a:schemeClr>
+          </a:lnRef>
+          <a:fillRef idx="1">
+            <a:schemeClr val="accent1"/>
+          </a:fillRef>
+          <a:effectRef idx="0">
+            <a:schemeClr val="accent1"/>
+          </a:effectRef>
+          <a:fontRef idx="minor">
+            <a:schemeClr val="lt1"/>
+          </a:fontRef>
+        </p:style>
+        <p:txBody>
+          <a:bodyPr rtlCol="0" anchor="ctr"/>
+          <a:lstStyle/>
+          <a:p>
+            <a:pPr algn="ctr"/>
+            <a:endParaRPr kumimoji="1" lang="ja-JP" altLang="en-US">
+              <a:latin typeface="メイリオ" panose="020B0604030504040204" pitchFamily="50" charset="-128"/>
+              <a:ea typeface="メイリオ" panose="020B0604030504040204" pitchFamily="50" charset="-128"/>
+            </a:endParaRPr>
+          </a:p>
+        </p:txBody>
+      </p:sp>
+      <p:sp>
+        <p:nvSpPr>
+          <p:cNvPr id="77" name="矢印: 下 76">
+            <a:extLst>
+              <a:ext uri="{FF2B5EF4-FFF2-40B4-BE49-F238E27FC236}">
+                <a16:creationId xmlns:a16="http://schemas.microsoft.com/office/drawing/2014/main" id="{352D8898-158B-C32D-7ACA-D04AA3D7C0AA}"/>
+              </a:ext>
+            </a:extLst>
+          </p:cNvPr>
+          <p:cNvSpPr/>
+          <p:nvPr/>
+        </p:nvSpPr>
+        <p:spPr>
+          <a:xfrm rot="16200000">
+            <a:off x="3122463" y="26688769"/>
+            <a:ext cx="393442" cy="515541"/>
+          </a:xfrm>
+          <a:prstGeom prst="downArrow">
+            <a:avLst>
+              <a:gd name="adj1" fmla="val 50000"/>
+              <a:gd name="adj2" fmla="val 41625"/>
+            </a:avLst>
+          </a:prstGeom>
+        </p:spPr>
+        <p:style>
+          <a:lnRef idx="1">
+            <a:schemeClr val="dk1"/>
+          </a:lnRef>
+          <a:fillRef idx="2">
+            <a:schemeClr val="dk1"/>
+          </a:fillRef>
+          <a:effectRef idx="1">
+            <a:schemeClr val="dk1"/>
+          </a:effectRef>
+          <a:fontRef idx="minor">
+            <a:schemeClr val="dk1"/>
+          </a:fontRef>
+        </p:style>
+        <p:txBody>
+          <a:bodyPr rtlCol="0" anchor="ctr"/>
+          <a:lstStyle/>
+          <a:p>
+            <a:pPr algn="ctr"/>
+            <a:endParaRPr kumimoji="1" lang="ja-JP" altLang="en-US">
+              <a:latin typeface="メイリオ" panose="020B0604030504040204" pitchFamily="50" charset="-128"/>
+              <a:ea typeface="メイリオ" panose="020B0604030504040204" pitchFamily="50" charset="-128"/>
+            </a:endParaRPr>
+          </a:p>
+        </p:txBody>
+      </p:sp>
+      <p:sp>
+        <p:nvSpPr>
+          <p:cNvPr id="95" name="角丸四角形 20">
+            <a:extLst>
+              <a:ext uri="{FF2B5EF4-FFF2-40B4-BE49-F238E27FC236}">
+                <a16:creationId xmlns:a16="http://schemas.microsoft.com/office/drawing/2014/main" id="{3D47F9E4-D944-9784-2C67-40744B20FB2A}"/>
+              </a:ext>
+            </a:extLst>
+          </p:cNvPr>
+          <p:cNvSpPr/>
+          <p:nvPr/>
+        </p:nvSpPr>
+        <p:spPr>
+          <a:xfrm>
+            <a:off x="2480199" y="7558785"/>
+            <a:ext cx="1005444" cy="432048"/>
+          </a:xfrm>
+          <a:prstGeom prst="roundRect">
+            <a:avLst/>
+          </a:prstGeom>
+          <a:solidFill>
+            <a:schemeClr val="accent6"/>
+          </a:solidFill>
+          <a:ln w="19050"/>
+        </p:spPr>
+        <p:style>
+          <a:lnRef idx="3">
+            <a:schemeClr val="lt1"/>
+          </a:lnRef>
+          <a:fillRef idx="1">
+            <a:schemeClr val="accent2"/>
+          </a:fillRef>
+          <a:effectRef idx="1">
+            <a:schemeClr val="accent2"/>
+          </a:effectRef>
+          <a:fontRef idx="minor">
+            <a:schemeClr val="lt1"/>
+          </a:fontRef>
+        </p:style>
+        <p:txBody>
+          <a:bodyPr tIns="72000" bIns="0" rtlCol="0" anchor="ctr"/>
+          <a:lstStyle/>
+          <a:p>
+            <a:pPr marL="0" marR="0" lvl="0" indent="0" algn="ctr" defTabSz="914400" eaLnBrk="1" fontAlgn="auto" latinLnBrk="0" hangingPunct="1">
+              <a:lnSpc>
+                <a:spcPct val="100000"/>
+              </a:lnSpc>
+              <a:spcBef>
+                <a:spcPts val="0"/>
+              </a:spcBef>
+              <a:spcAft>
+                <a:spcPts val="0"/>
+              </a:spcAft>
+              <a:buClrTx/>
+              <a:buSzTx/>
+              <a:buFontTx/>
+              <a:buNone/>
+              <a:tabLst/>
+              <a:defRPr/>
+            </a:pPr>
+            <a:r>
+              <a:rPr kumimoji="0" lang="en-US" altLang="ja-JP" sz="2400" b="0" i="0" u="none" strike="noStrike" kern="0" cap="none" spc="0" normalizeH="0" baseline="0" noProof="0" dirty="0">
+                <a:ln>
+                  <a:noFill/>
+                </a:ln>
+                <a:solidFill>
+                  <a:schemeClr val="bg1"/>
+                </a:solidFill>
+                <a:effectLst/>
+                <a:uLnTx/>
+                <a:uFillTx/>
+                <a:latin typeface="メイリオ" panose="020B0604030504040204" pitchFamily="50" charset="-128"/>
+                <a:ea typeface="メイリオ" panose="020B0604030504040204" pitchFamily="50" charset="-128"/>
+                <a:cs typeface="メイリオ" pitchFamily="50" charset="-128"/>
+              </a:rPr>
+              <a:t>Unix</a:t>
+            </a:r>
+            <a:endParaRPr kumimoji="0" lang="ja-JP" altLang="en-US" sz="2800" b="0" i="0" u="none" strike="noStrike" kern="0" cap="none" spc="0" normalizeH="0" baseline="0" noProof="0" dirty="0">
+              <a:ln>
+                <a:noFill/>
+              </a:ln>
+              <a:solidFill>
+                <a:schemeClr val="bg1"/>
+              </a:solidFill>
+              <a:effectLst/>
+              <a:uLnTx/>
+              <a:uFillTx/>
+              <a:latin typeface="メイリオ" panose="020B0604030504040204" pitchFamily="50" charset="-128"/>
+              <a:ea typeface="メイリオ" panose="020B0604030504040204" pitchFamily="50" charset="-128"/>
+              <a:cs typeface="メイリオ" pitchFamily="50" charset="-128"/>
+            </a:endParaRPr>
+          </a:p>
+        </p:txBody>
+      </p:sp>
+      <p:sp>
+        <p:nvSpPr>
+          <p:cNvPr id="96" name="角丸四角形 20">
+            <a:extLst>
+              <a:ext uri="{FF2B5EF4-FFF2-40B4-BE49-F238E27FC236}">
+                <a16:creationId xmlns:a16="http://schemas.microsoft.com/office/drawing/2014/main" id="{11A5E4BE-0E3E-F663-3DAF-512F4B696C1E}"/>
+              </a:ext>
+            </a:extLst>
+          </p:cNvPr>
+          <p:cNvSpPr/>
+          <p:nvPr/>
+        </p:nvSpPr>
+        <p:spPr>
+          <a:xfrm>
+            <a:off x="1302622" y="3395602"/>
+            <a:ext cx="10458117" cy="1874323"/>
+          </a:xfrm>
+          <a:prstGeom prst="roundRect">
+            <a:avLst/>
+          </a:prstGeom>
+          <a:solidFill>
+            <a:schemeClr val="accent6"/>
+          </a:solidFill>
+          <a:ln w="19050"/>
+        </p:spPr>
+        <p:style>
+          <a:lnRef idx="3">
+            <a:schemeClr val="lt1"/>
+          </a:lnRef>
+          <a:fillRef idx="1">
+            <a:schemeClr val="accent2"/>
+          </a:fillRef>
+          <a:effectRef idx="1">
+            <a:schemeClr val="accent2"/>
+          </a:effectRef>
+          <a:fontRef idx="minor">
+            <a:schemeClr val="lt1"/>
+          </a:fontRef>
+        </p:style>
+        <p:txBody>
+          <a:bodyPr tIns="72000" bIns="0" rtlCol="0" anchor="ctr"/>
+          <a:lstStyle/>
+          <a:p>
+            <a:pPr marL="0" marR="0" lvl="0" indent="0" algn="ctr" defTabSz="914400" eaLnBrk="1" fontAlgn="auto" latinLnBrk="0" hangingPunct="1">
+              <a:lnSpc>
+                <a:spcPct val="100000"/>
+              </a:lnSpc>
+              <a:spcBef>
+                <a:spcPts val="0"/>
+              </a:spcBef>
+              <a:spcAft>
+                <a:spcPts val="0"/>
+              </a:spcAft>
+              <a:buClrTx/>
+              <a:buSzTx/>
+              <a:buFontTx/>
+              <a:buNone/>
+              <a:tabLst/>
+              <a:defRPr/>
+            </a:pPr>
+            <a:r>
+              <a:rPr kumimoji="0" lang="ja-JP" altLang="en-US" sz="6600" b="1" i="0" u="none" strike="noStrike" kern="0" cap="none" spc="0" normalizeH="0" baseline="0" noProof="0" dirty="0">
+                <a:ln>
+                  <a:noFill/>
+                </a:ln>
+                <a:solidFill>
+                  <a:schemeClr val="tx1"/>
+                </a:solidFill>
+                <a:effectLst/>
+                <a:uLnTx/>
+                <a:uFillTx/>
+                <a:latin typeface="メイリオ" panose="020B0604030504040204" pitchFamily="50" charset="-128"/>
+                <a:ea typeface="メイリオ" panose="020B0604030504040204" pitchFamily="50" charset="-128"/>
+                <a:cs typeface="メイリオ" panose="020B0604030504040204" pitchFamily="50" charset="-128"/>
+              </a:rPr>
+              <a:t>セキュリティ学習ゲーム</a:t>
+            </a:r>
+            <a:endParaRPr kumimoji="0" lang="ja-JP" altLang="en-US" sz="7200" b="1" i="0" u="none" strike="noStrike" kern="0" cap="none" spc="0" normalizeH="0" baseline="0" noProof="0" dirty="0">
+              <a:ln>
+                <a:noFill/>
+              </a:ln>
+              <a:solidFill>
+                <a:schemeClr val="tx1"/>
+              </a:solidFill>
+              <a:effectLst/>
+              <a:uLnTx/>
+              <a:uFillTx/>
+              <a:latin typeface="メイリオ" panose="020B0604030504040204" pitchFamily="50" charset="-128"/>
+              <a:ea typeface="メイリオ" panose="020B0604030504040204" pitchFamily="50" charset="-128"/>
+              <a:cs typeface="メイリオ" panose="020B0604030504040204" pitchFamily="50" charset="-128"/>
+            </a:endParaRPr>
+          </a:p>
+        </p:txBody>
+      </p:sp>
+      <p:sp>
+        <p:nvSpPr>
+          <p:cNvPr id="97" name="角丸四角形 20">
+            <a:extLst>
+              <a:ext uri="{FF2B5EF4-FFF2-40B4-BE49-F238E27FC236}">
+                <a16:creationId xmlns:a16="http://schemas.microsoft.com/office/drawing/2014/main" id="{233F191C-8C00-973D-FF87-BDE6B6D9495B}"/>
+              </a:ext>
+            </a:extLst>
+          </p:cNvPr>
+          <p:cNvSpPr/>
+          <p:nvPr/>
+        </p:nvSpPr>
+        <p:spPr>
+          <a:xfrm>
+            <a:off x="18703033" y="4170456"/>
+            <a:ext cx="10461375" cy="1874323"/>
+          </a:xfrm>
+          <a:prstGeom prst="roundRect">
+            <a:avLst/>
+          </a:prstGeom>
+          <a:solidFill>
+            <a:schemeClr val="accent6"/>
+          </a:solidFill>
+          <a:ln w="19050"/>
+        </p:spPr>
+        <p:style>
+          <a:lnRef idx="3">
+            <a:schemeClr val="lt1"/>
+          </a:lnRef>
+          <a:fillRef idx="1">
+            <a:schemeClr val="accent2"/>
+          </a:fillRef>
+          <a:effectRef idx="1">
+            <a:schemeClr val="accent2"/>
+          </a:effectRef>
+          <a:fontRef idx="minor">
+            <a:schemeClr val="lt1"/>
+          </a:fontRef>
+        </p:style>
+        <p:txBody>
+          <a:bodyPr tIns="72000" bIns="0" rtlCol="0" anchor="ctr"/>
+          <a:lstStyle/>
+          <a:p>
+            <a:pPr algn="ctr"/>
+            <a:r>
+              <a:rPr kumimoji="1" lang="ja-JP" altLang="en-US" sz="4800" dirty="0">
+                <a:latin typeface="メイリオ" panose="020B0604030504040204" pitchFamily="50" charset="-128"/>
+                <a:ea typeface="メイリオ" panose="020B0604030504040204" pitchFamily="50" charset="-128"/>
+              </a:rPr>
+              <a:t>学習駆動コース コンテンツゼミ</a:t>
+            </a:r>
+            <a:endParaRPr kumimoji="1" lang="en-US" altLang="ja-JP" sz="4800" dirty="0">
+              <a:latin typeface="メイリオ" panose="020B0604030504040204" pitchFamily="50" charset="-128"/>
+              <a:ea typeface="メイリオ" panose="020B0604030504040204" pitchFamily="50" charset="-128"/>
+            </a:endParaRPr>
+          </a:p>
+          <a:p>
+            <a:pPr algn="ctr"/>
+            <a:r>
+              <a:rPr kumimoji="1" lang="ja-JP" altLang="en-US" sz="4800" dirty="0">
+                <a:latin typeface="メイリオ" panose="020B0604030504040204" pitchFamily="50" charset="-128"/>
+                <a:ea typeface="メイリオ" panose="020B0604030504040204" pitchFamily="50" charset="-128"/>
+              </a:rPr>
+              <a:t>伊藤駿介</a:t>
+            </a:r>
+          </a:p>
+        </p:txBody>
+      </p:sp>
+      <p:grpSp>
+        <p:nvGrpSpPr>
+          <p:cNvPr id="50" name="グループ化 49">
+            <a:extLst>
+              <a:ext uri="{FF2B5EF4-FFF2-40B4-BE49-F238E27FC236}">
+                <a16:creationId xmlns:a16="http://schemas.microsoft.com/office/drawing/2014/main" id="{049A43BA-753B-8CFB-E04E-78E9D3F644DB}"/>
+              </a:ext>
+            </a:extLst>
+          </p:cNvPr>
+          <p:cNvGrpSpPr/>
+          <p:nvPr/>
+        </p:nvGrpSpPr>
+        <p:grpSpPr>
+          <a:xfrm>
+            <a:off x="3608626" y="25367363"/>
+            <a:ext cx="8059733" cy="3189884"/>
+            <a:chOff x="6169581" y="22790825"/>
+            <a:chExt cx="8059733" cy="3189884"/>
+          </a:xfrm>
+        </p:grpSpPr>
+        <p:sp>
+          <p:nvSpPr>
+            <p:cNvPr id="4" name="四角形: 角を丸くする 3">
+              <a:extLst>
+                <a:ext uri="{FF2B5EF4-FFF2-40B4-BE49-F238E27FC236}">
+                  <a16:creationId xmlns:a16="http://schemas.microsoft.com/office/drawing/2014/main" id="{AFE2AE96-071F-44C3-C072-68C20B652E6E}"/>
+                </a:ext>
+              </a:extLst>
+            </p:cNvPr>
+            <p:cNvSpPr/>
+            <p:nvPr/>
+          </p:nvSpPr>
+          <p:spPr>
+            <a:xfrm>
+              <a:off x="6169581" y="22790825"/>
+              <a:ext cx="8059733" cy="3189884"/>
+            </a:xfrm>
+            <a:prstGeom prst="roundRect">
+              <a:avLst>
+                <a:gd name="adj" fmla="val 2664"/>
+              </a:avLst>
+            </a:prstGeom>
+            <a:solidFill>
+              <a:schemeClr val="bg1"/>
+            </a:solidFill>
+            <a:ln w="38100">
+              <a:solidFill>
+                <a:srgbClr val="002060"/>
+              </a:solidFill>
+            </a:ln>
+          </p:spPr>
+          <p:style>
+            <a:lnRef idx="2">
+              <a:schemeClr val="accent4"/>
+            </a:lnRef>
+            <a:fillRef idx="1">
+              <a:schemeClr val="lt1"/>
+            </a:fillRef>
+            <a:effectRef idx="0">
+              <a:schemeClr val="accent4"/>
+            </a:effectRef>
+            <a:fontRef idx="minor">
+              <a:schemeClr val="dk1"/>
+            </a:fontRef>
+          </p:style>
+          <p:txBody>
+            <a:bodyPr vert="horz" tIns="72000" rtlCol="0" anchor="t"/>
+            <a:lstStyle/>
+            <a:p>
+              <a:r>
+                <a:rPr kumimoji="1" lang="ja-JP" altLang="en-US" sz="2400" b="1" dirty="0">
+                  <a:solidFill>
+                    <a:srgbClr val="002060"/>
+                  </a:solidFill>
+                  <a:latin typeface="メイリオ" panose="020B0604030504040204" pitchFamily="50" charset="-128"/>
+                  <a:ea typeface="メイリオ" panose="020B0604030504040204" pitchFamily="50" charset="-128"/>
+                </a:rPr>
+                <a:t>判定</a:t>
+              </a:r>
+            </a:p>
+          </p:txBody>
+        </p:sp>
+        <p:sp>
+          <p:nvSpPr>
+            <p:cNvPr id="34" name="楕円 33">
+              <a:extLst>
+                <a:ext uri="{FF2B5EF4-FFF2-40B4-BE49-F238E27FC236}">
+                  <a16:creationId xmlns:a16="http://schemas.microsoft.com/office/drawing/2014/main" id="{04896F05-CFC1-B9C8-3380-09389EFC38EF}"/>
+                </a:ext>
+              </a:extLst>
+            </p:cNvPr>
+            <p:cNvSpPr>
+              <a:spLocks noChangeAspect="1"/>
+            </p:cNvSpPr>
+            <p:nvPr/>
+          </p:nvSpPr>
+          <p:spPr>
+            <a:xfrm>
+              <a:off x="10668190" y="22790825"/>
+              <a:ext cx="202110" cy="202110"/>
+            </a:xfrm>
+            <a:prstGeom prst="ellipse">
+              <a:avLst/>
+            </a:prstGeom>
+            <a:noFill/>
+            <a:ln>
+              <a:noFill/>
+            </a:ln>
+          </p:spPr>
+          <p:style>
+            <a:lnRef idx="2">
+              <a:schemeClr val="accent1">
+                <a:shade val="50000"/>
+              </a:schemeClr>
+            </a:lnRef>
+            <a:fillRef idx="1">
+              <a:schemeClr val="accent1"/>
+            </a:fillRef>
+            <a:effectRef idx="0">
+              <a:schemeClr val="accent1"/>
+            </a:effectRef>
+            <a:fontRef idx="minor">
+              <a:schemeClr val="lt1"/>
+            </a:fontRef>
+          </p:style>
+          <p:txBody>
+            <a:bodyPr rtlCol="0" anchor="ctr"/>
+            <a:lstStyle/>
+            <a:p>
+              <a:pPr algn="ctr"/>
+              <a:endParaRPr kumimoji="1" lang="ja-JP" altLang="en-US">
+                <a:latin typeface="メイリオ" panose="020B0604030504040204" pitchFamily="50" charset="-128"/>
+                <a:ea typeface="メイリオ" panose="020B0604030504040204" pitchFamily="50" charset="-128"/>
+              </a:endParaRPr>
+            </a:p>
+          </p:txBody>
+        </p:sp>
+        <p:sp>
+          <p:nvSpPr>
+            <p:cNvPr id="35" name="楕円 34">
+              <a:extLst>
+                <a:ext uri="{FF2B5EF4-FFF2-40B4-BE49-F238E27FC236}">
+                  <a16:creationId xmlns:a16="http://schemas.microsoft.com/office/drawing/2014/main" id="{F61D9B67-D8BC-A093-AF49-F79485382E6F}"/>
+                </a:ext>
+              </a:extLst>
+            </p:cNvPr>
+            <p:cNvSpPr>
+              <a:spLocks noChangeAspect="1"/>
+            </p:cNvSpPr>
+            <p:nvPr/>
+          </p:nvSpPr>
+          <p:spPr>
+            <a:xfrm>
+              <a:off x="10906315" y="23491597"/>
+              <a:ext cx="202110" cy="202110"/>
+            </a:xfrm>
+            <a:prstGeom prst="ellipse">
+              <a:avLst/>
+            </a:prstGeom>
+            <a:noFill/>
+            <a:ln>
+              <a:noFill/>
+            </a:ln>
+          </p:spPr>
+          <p:style>
+            <a:lnRef idx="2">
+              <a:schemeClr val="accent1">
+                <a:shade val="50000"/>
+              </a:schemeClr>
+            </a:lnRef>
+            <a:fillRef idx="1">
+              <a:schemeClr val="accent1"/>
+            </a:fillRef>
+            <a:effectRef idx="0">
+              <a:schemeClr val="accent1"/>
+            </a:effectRef>
+            <a:fontRef idx="minor">
+              <a:schemeClr val="lt1"/>
+            </a:fontRef>
+          </p:style>
+          <p:txBody>
+            <a:bodyPr rtlCol="0" anchor="ctr"/>
+            <a:lstStyle/>
+            <a:p>
+              <a:pPr algn="ctr"/>
+              <a:endParaRPr kumimoji="1" lang="ja-JP" altLang="en-US">
+                <a:latin typeface="メイリオ" panose="020B0604030504040204" pitchFamily="50" charset="-128"/>
+                <a:ea typeface="メイリオ" panose="020B0604030504040204" pitchFamily="50" charset="-128"/>
+              </a:endParaRPr>
+            </a:p>
+          </p:txBody>
+        </p:sp>
+        <p:sp>
+          <p:nvSpPr>
+            <p:cNvPr id="36" name="楕円 35">
+              <a:extLst>
+                <a:ext uri="{FF2B5EF4-FFF2-40B4-BE49-F238E27FC236}">
+                  <a16:creationId xmlns:a16="http://schemas.microsoft.com/office/drawing/2014/main" id="{0D16AF07-9F07-F31E-3763-3E888077FC02}"/>
+                </a:ext>
+              </a:extLst>
+            </p:cNvPr>
+            <p:cNvSpPr>
+              <a:spLocks noChangeAspect="1"/>
+            </p:cNvSpPr>
+            <p:nvPr/>
+          </p:nvSpPr>
+          <p:spPr>
+            <a:xfrm>
+              <a:off x="10668190" y="24181997"/>
+              <a:ext cx="202110" cy="202110"/>
+            </a:xfrm>
+            <a:prstGeom prst="ellipse">
+              <a:avLst/>
+            </a:prstGeom>
+            <a:noFill/>
+            <a:ln>
+              <a:noFill/>
+            </a:ln>
+          </p:spPr>
+          <p:style>
+            <a:lnRef idx="2">
+              <a:schemeClr val="accent1">
+                <a:shade val="50000"/>
+              </a:schemeClr>
+            </a:lnRef>
+            <a:fillRef idx="1">
+              <a:schemeClr val="accent1"/>
+            </a:fillRef>
+            <a:effectRef idx="0">
+              <a:schemeClr val="accent1"/>
+            </a:effectRef>
+            <a:fontRef idx="minor">
+              <a:schemeClr val="lt1"/>
+            </a:fontRef>
+          </p:style>
+          <p:txBody>
+            <a:bodyPr rtlCol="0" anchor="ctr"/>
+            <a:lstStyle/>
+            <a:p>
+              <a:pPr algn="ctr"/>
+              <a:endParaRPr kumimoji="1" lang="ja-JP" altLang="en-US">
+                <a:latin typeface="メイリオ" panose="020B0604030504040204" pitchFamily="50" charset="-128"/>
+                <a:ea typeface="メイリオ" panose="020B0604030504040204" pitchFamily="50" charset="-128"/>
+              </a:endParaRPr>
+            </a:p>
+          </p:txBody>
+        </p:sp>
+        <p:sp>
+          <p:nvSpPr>
+            <p:cNvPr id="37" name="楕円 36">
+              <a:extLst>
+                <a:ext uri="{FF2B5EF4-FFF2-40B4-BE49-F238E27FC236}">
+                  <a16:creationId xmlns:a16="http://schemas.microsoft.com/office/drawing/2014/main" id="{A6C87254-CF7F-C66D-F77C-27CBBA33D944}"/>
+                </a:ext>
+              </a:extLst>
+            </p:cNvPr>
+            <p:cNvSpPr>
+              <a:spLocks noChangeAspect="1"/>
+            </p:cNvSpPr>
+            <p:nvPr/>
+          </p:nvSpPr>
+          <p:spPr>
+            <a:xfrm>
+              <a:off x="11446574" y="24867883"/>
+              <a:ext cx="202110" cy="202110"/>
+            </a:xfrm>
+            <a:prstGeom prst="ellipse">
+              <a:avLst/>
+            </a:prstGeom>
+            <a:noFill/>
+            <a:ln>
+              <a:noFill/>
+            </a:ln>
+          </p:spPr>
+          <p:style>
+            <a:lnRef idx="2">
+              <a:schemeClr val="accent1">
+                <a:shade val="50000"/>
+              </a:schemeClr>
+            </a:lnRef>
+            <a:fillRef idx="1">
+              <a:schemeClr val="accent1"/>
+            </a:fillRef>
+            <a:effectRef idx="0">
+              <a:schemeClr val="accent1"/>
+            </a:effectRef>
+            <a:fontRef idx="minor">
+              <a:schemeClr val="lt1"/>
+            </a:fontRef>
+          </p:style>
+          <p:txBody>
+            <a:bodyPr rtlCol="0" anchor="ctr"/>
+            <a:lstStyle/>
+            <a:p>
+              <a:pPr algn="ctr"/>
+              <a:endParaRPr kumimoji="1" lang="ja-JP" altLang="en-US">
+                <a:latin typeface="メイリオ" panose="020B0604030504040204" pitchFamily="50" charset="-128"/>
+                <a:ea typeface="メイリオ" panose="020B0604030504040204" pitchFamily="50" charset="-128"/>
+              </a:endParaRPr>
+            </a:p>
+          </p:txBody>
+        </p:sp>
+        <p:grpSp>
+          <p:nvGrpSpPr>
+            <p:cNvPr id="38" name="グループ化 37">
+              <a:extLst>
+                <a:ext uri="{FF2B5EF4-FFF2-40B4-BE49-F238E27FC236}">
+                  <a16:creationId xmlns:a16="http://schemas.microsoft.com/office/drawing/2014/main" id="{7CF17405-FCC1-199D-9CAC-8DADC00EE59C}"/>
+                </a:ext>
+              </a:extLst>
+            </p:cNvPr>
+            <p:cNvGrpSpPr/>
+            <p:nvPr/>
+          </p:nvGrpSpPr>
+          <p:grpSpPr>
+            <a:xfrm>
+              <a:off x="10692824" y="23297757"/>
+              <a:ext cx="3266979" cy="2533950"/>
+              <a:chOff x="5049413" y="2998231"/>
+              <a:chExt cx="1338657" cy="2533950"/>
+            </a:xfrm>
+          </p:grpSpPr>
+          <p:sp>
+            <p:nvSpPr>
+              <p:cNvPr id="39" name="四角形: 角を丸くする 38">
+                <a:extLst>
+                  <a:ext uri="{FF2B5EF4-FFF2-40B4-BE49-F238E27FC236}">
+                    <a16:creationId xmlns:a16="http://schemas.microsoft.com/office/drawing/2014/main" id="{53419B61-B22A-2F0C-3449-BEF93D8665C9}"/>
+                  </a:ext>
+                </a:extLst>
+              </p:cNvPr>
+              <p:cNvSpPr/>
+              <p:nvPr/>
+            </p:nvSpPr>
+            <p:spPr>
+              <a:xfrm>
+                <a:off x="5049413" y="2998231"/>
+                <a:ext cx="1338657" cy="2533950"/>
+              </a:xfrm>
+              <a:prstGeom prst="roundRect">
+                <a:avLst>
+                  <a:gd name="adj" fmla="val 10001"/>
+                </a:avLst>
+              </a:prstGeom>
+              <a:solidFill>
+                <a:schemeClr val="accent2">
+                  <a:lumMod val="20000"/>
+                  <a:lumOff val="80000"/>
+                </a:schemeClr>
+              </a:solidFill>
+              <a:ln w="28575">
+                <a:solidFill>
+                  <a:schemeClr val="accent2"/>
+                </a:solidFill>
+                <a:prstDash val="sysDash"/>
+              </a:ln>
+            </p:spPr>
+            <p:style>
+              <a:lnRef idx="2">
+                <a:schemeClr val="accent1">
+                  <a:shade val="50000"/>
+                </a:schemeClr>
+              </a:lnRef>
+              <a:fillRef idx="1">
+                <a:schemeClr val="accent1"/>
+              </a:fillRef>
+              <a:effectRef idx="0">
+                <a:schemeClr val="accent1"/>
+              </a:effectRef>
+              <a:fontRef idx="minor">
+                <a:schemeClr val="lt1"/>
+              </a:fontRef>
+            </p:style>
+            <p:txBody>
+              <a:bodyPr rtlCol="0" anchor="ctr"/>
+              <a:lstStyle/>
+              <a:p>
+                <a:pPr algn="ctr"/>
+                <a:endParaRPr kumimoji="1" lang="ja-JP" altLang="en-US" sz="3600" b="1" dirty="0">
+                  <a:solidFill>
+                    <a:schemeClr val="accent6"/>
+                  </a:solidFill>
+                  <a:latin typeface="メイリオ" panose="020B0604030504040204" pitchFamily="50" charset="-128"/>
+                  <a:ea typeface="メイリオ" panose="020B0604030504040204" pitchFamily="50" charset="-128"/>
+                </a:endParaRPr>
+              </a:p>
+            </p:txBody>
+          </p:sp>
+          <p:sp>
+            <p:nvSpPr>
+              <p:cNvPr id="40" name="四角形: 角を丸くする 39">
+                <a:extLst>
+                  <a:ext uri="{FF2B5EF4-FFF2-40B4-BE49-F238E27FC236}">
+                    <a16:creationId xmlns:a16="http://schemas.microsoft.com/office/drawing/2014/main" id="{07EE9AD9-41F1-6128-AF74-3B908806E578}"/>
+                  </a:ext>
+                </a:extLst>
+              </p:cNvPr>
+              <p:cNvSpPr/>
+              <p:nvPr/>
+            </p:nvSpPr>
+            <p:spPr>
+              <a:xfrm>
+                <a:off x="5233813" y="3631831"/>
+                <a:ext cx="969856" cy="516400"/>
+              </a:xfrm>
+              <a:prstGeom prst="roundRect">
+                <a:avLst/>
+              </a:prstGeom>
+              <a:solidFill>
+                <a:srgbClr val="FFF4CC"/>
+              </a:solidFill>
+              <a:ln w="19050">
+                <a:solidFill>
+                  <a:srgbClr val="FFB800"/>
+                </a:solidFill>
+              </a:ln>
+            </p:spPr>
+            <p:style>
+              <a:lnRef idx="1">
+                <a:schemeClr val="dk1"/>
+              </a:lnRef>
+              <a:fillRef idx="2">
+                <a:schemeClr val="dk1"/>
+              </a:fillRef>
+              <a:effectRef idx="1">
+                <a:schemeClr val="dk1"/>
+              </a:effectRef>
+              <a:fontRef idx="minor">
+                <a:schemeClr val="dk1"/>
+              </a:fontRef>
+            </p:style>
+            <p:txBody>
+              <a:bodyPr lIns="36000" tIns="36000" rIns="36000" bIns="0" rtlCol="0" anchor="ctr"/>
+              <a:lstStyle/>
+              <a:p>
+                <a:pPr algn="ctr"/>
+                <a:r>
+                  <a:rPr kumimoji="1" lang="en-US" altLang="ja-JP" sz="1600" dirty="0">
+                    <a:latin typeface="メイリオ" panose="020B0604030504040204" pitchFamily="50" charset="-128"/>
+                    <a:ea typeface="メイリオ" panose="020B0604030504040204" pitchFamily="50" charset="-128"/>
+                  </a:rPr>
+                  <a:t>Entropy</a:t>
+                </a:r>
+                <a:r>
+                  <a:rPr kumimoji="1" lang="ja-JP" altLang="en-US" sz="1600" dirty="0">
+                    <a:latin typeface="メイリオ" panose="020B0604030504040204" pitchFamily="50" charset="-128"/>
+                    <a:ea typeface="メイリオ" panose="020B0604030504040204" pitchFamily="50" charset="-128"/>
+                  </a:rPr>
+                  <a:t>スコア</a:t>
+                </a:r>
+                <a:r>
+                  <a:rPr kumimoji="1" lang="en-US" altLang="ja-JP" sz="1600" dirty="0">
+                    <a:latin typeface="メイリオ" panose="020B0604030504040204" pitchFamily="50" charset="-128"/>
+                    <a:ea typeface="メイリオ" panose="020B0604030504040204" pitchFamily="50" charset="-128"/>
+                  </a:rPr>
+                  <a:t>(</a:t>
+                </a:r>
+                <a:r>
+                  <a:rPr kumimoji="1" lang="ja-JP" altLang="en-US" sz="1600" dirty="0">
+                    <a:latin typeface="メイリオ" panose="020B0604030504040204" pitchFamily="50" charset="-128"/>
+                    <a:ea typeface="メイリオ" panose="020B0604030504040204" pitchFamily="50" charset="-128"/>
+                  </a:rPr>
+                  <a:t>複雑性</a:t>
+                </a:r>
+                <a:r>
+                  <a:rPr kumimoji="1" lang="en-US" altLang="ja-JP" sz="1600" dirty="0">
+                    <a:latin typeface="メイリオ" panose="020B0604030504040204" pitchFamily="50" charset="-128"/>
+                    <a:ea typeface="メイリオ" panose="020B0604030504040204" pitchFamily="50" charset="-128"/>
+                  </a:rPr>
+                  <a:t>)</a:t>
+                </a:r>
+                <a:endParaRPr kumimoji="1" lang="ja-JP" altLang="en-US" sz="1600" dirty="0">
+                  <a:latin typeface="メイリオ" panose="020B0604030504040204" pitchFamily="50" charset="-128"/>
+                  <a:ea typeface="メイリオ" panose="020B0604030504040204" pitchFamily="50" charset="-128"/>
+                </a:endParaRPr>
+              </a:p>
+            </p:txBody>
+          </p:sp>
+          <p:sp>
+            <p:nvSpPr>
+              <p:cNvPr id="41" name="四角形: 角を丸くする 40">
+                <a:extLst>
+                  <a:ext uri="{FF2B5EF4-FFF2-40B4-BE49-F238E27FC236}">
+                    <a16:creationId xmlns:a16="http://schemas.microsoft.com/office/drawing/2014/main" id="{2FD10AB9-16D3-B13D-57EA-85AF75189BAF}"/>
+                  </a:ext>
+                </a:extLst>
+              </p:cNvPr>
+              <p:cNvSpPr/>
+              <p:nvPr/>
+            </p:nvSpPr>
+            <p:spPr>
+              <a:xfrm>
+                <a:off x="5098394" y="4262427"/>
+                <a:ext cx="614703" cy="629519"/>
+              </a:xfrm>
+              <a:prstGeom prst="roundRect">
+                <a:avLst/>
+              </a:prstGeom>
+              <a:solidFill>
+                <a:srgbClr val="FFD9E6"/>
+              </a:solidFill>
+              <a:ln w="19050">
+                <a:solidFill>
+                  <a:srgbClr val="FF4D79"/>
+                </a:solidFill>
+              </a:ln>
+            </p:spPr>
+            <p:style>
+              <a:lnRef idx="1">
+                <a:schemeClr val="dk1"/>
+              </a:lnRef>
+              <a:fillRef idx="2">
+                <a:schemeClr val="dk1"/>
+              </a:fillRef>
+              <a:effectRef idx="1">
+                <a:schemeClr val="dk1"/>
+              </a:effectRef>
+              <a:fontRef idx="minor">
+                <a:schemeClr val="dk1"/>
+              </a:fontRef>
+            </p:style>
+            <p:txBody>
+              <a:bodyPr lIns="36000" tIns="36000" rIns="36000" bIns="0" rtlCol="0" anchor="ctr"/>
+              <a:lstStyle/>
+              <a:p>
+                <a:pPr algn="ctr"/>
+                <a:r>
+                  <a:rPr kumimoji="1" lang="ja-JP" altLang="en-US" sz="1600" dirty="0">
+                    <a:latin typeface="メイリオ" panose="020B0604030504040204" pitchFamily="50" charset="-128"/>
+                    <a:ea typeface="メイリオ" panose="020B0604030504040204" pitchFamily="50" charset="-128"/>
+                  </a:rPr>
+                  <a:t>リート文字</a:t>
+                </a:r>
+                <a:endParaRPr kumimoji="1" lang="en-US" altLang="ja-JP" sz="1600" dirty="0">
+                  <a:latin typeface="メイリオ" panose="020B0604030504040204" pitchFamily="50" charset="-128"/>
+                  <a:ea typeface="メイリオ" panose="020B0604030504040204" pitchFamily="50" charset="-128"/>
+                </a:endParaRPr>
+              </a:p>
+              <a:p>
+                <a:pPr algn="ctr"/>
+                <a:r>
+                  <a:rPr kumimoji="1" lang="en-US" altLang="ja-JP" sz="1600" dirty="0">
+                    <a:latin typeface="メイリオ" panose="020B0604030504040204" pitchFamily="50" charset="-128"/>
+                    <a:ea typeface="メイリオ" panose="020B0604030504040204" pitchFamily="50" charset="-128"/>
+                  </a:rPr>
+                  <a:t>(a</a:t>
+                </a:r>
+                <a:r>
+                  <a:rPr kumimoji="1" lang="ja-JP" altLang="en-US" sz="1600" dirty="0">
+                    <a:latin typeface="メイリオ" panose="020B0604030504040204" pitchFamily="50" charset="-128"/>
+                    <a:ea typeface="メイリオ" panose="020B0604030504040204" pitchFamily="50" charset="-128"/>
+                  </a:rPr>
+                  <a:t>→</a:t>
+                </a:r>
+                <a:r>
+                  <a:rPr kumimoji="1" lang="en-US" altLang="ja-JP" sz="1600" dirty="0">
+                    <a:latin typeface="メイリオ" panose="020B0604030504040204" pitchFamily="50" charset="-128"/>
+                    <a:ea typeface="メイリオ" panose="020B0604030504040204" pitchFamily="50" charset="-128"/>
+                  </a:rPr>
+                  <a:t>@</a:t>
+                </a:r>
+                <a:r>
+                  <a:rPr kumimoji="1" lang="ja-JP" altLang="en-US" sz="1600" dirty="0">
+                    <a:latin typeface="メイリオ" panose="020B0604030504040204" pitchFamily="50" charset="-128"/>
+                    <a:ea typeface="メイリオ" panose="020B0604030504040204" pitchFamily="50" charset="-128"/>
+                  </a:rPr>
+                  <a:t>，</a:t>
+                </a:r>
+                <a:r>
+                  <a:rPr kumimoji="1" lang="en-US" altLang="ja-JP" sz="1600" dirty="0">
+                    <a:latin typeface="メイリオ" panose="020B0604030504040204" pitchFamily="50" charset="-128"/>
+                    <a:ea typeface="メイリオ" panose="020B0604030504040204" pitchFamily="50" charset="-128"/>
+                  </a:rPr>
+                  <a:t>E</a:t>
+                </a:r>
+                <a:r>
+                  <a:rPr kumimoji="1" lang="ja-JP" altLang="en-US" sz="1600" dirty="0">
+                    <a:latin typeface="メイリオ" panose="020B0604030504040204" pitchFamily="50" charset="-128"/>
+                    <a:ea typeface="メイリオ" panose="020B0604030504040204" pitchFamily="50" charset="-128"/>
+                  </a:rPr>
+                  <a:t>→</a:t>
+                </a:r>
+                <a:r>
+                  <a:rPr kumimoji="1" lang="en-US" altLang="ja-JP" sz="1600" dirty="0">
+                    <a:latin typeface="メイリオ" panose="020B0604030504040204" pitchFamily="50" charset="-128"/>
+                    <a:ea typeface="メイリオ" panose="020B0604030504040204" pitchFamily="50" charset="-128"/>
+                  </a:rPr>
+                  <a:t>3)</a:t>
+                </a:r>
+                <a:endParaRPr kumimoji="1" lang="ja-JP" altLang="en-US" sz="1600" dirty="0">
+                  <a:latin typeface="メイリオ" panose="020B0604030504040204" pitchFamily="50" charset="-128"/>
+                  <a:ea typeface="メイリオ" panose="020B0604030504040204" pitchFamily="50" charset="-128"/>
+                </a:endParaRPr>
+              </a:p>
+            </p:txBody>
+          </p:sp>
+          <p:sp>
+            <p:nvSpPr>
+              <p:cNvPr id="42" name="四角形: 角を丸くする 41">
+                <a:extLst>
+                  <a:ext uri="{FF2B5EF4-FFF2-40B4-BE49-F238E27FC236}">
+                    <a16:creationId xmlns:a16="http://schemas.microsoft.com/office/drawing/2014/main" id="{E59D2348-C459-3E39-33FF-010C1A86EC38}"/>
+                  </a:ext>
+                </a:extLst>
+              </p:cNvPr>
+              <p:cNvSpPr/>
+              <p:nvPr/>
+            </p:nvSpPr>
+            <p:spPr>
+              <a:xfrm>
+                <a:off x="5765234" y="4253597"/>
+                <a:ext cx="586781" cy="629519"/>
+              </a:xfrm>
+              <a:prstGeom prst="roundRect">
+                <a:avLst/>
+              </a:prstGeom>
+              <a:solidFill>
+                <a:srgbClr val="FFD6D6"/>
+              </a:solidFill>
+              <a:ln w="19050">
+                <a:solidFill>
+                  <a:srgbClr val="CC0000"/>
+                </a:solidFill>
+              </a:ln>
+            </p:spPr>
+            <p:style>
+              <a:lnRef idx="1">
+                <a:schemeClr val="dk1"/>
+              </a:lnRef>
+              <a:fillRef idx="2">
+                <a:schemeClr val="dk1"/>
+              </a:fillRef>
+              <a:effectRef idx="1">
+                <a:schemeClr val="dk1"/>
+              </a:effectRef>
+              <a:fontRef idx="minor">
+                <a:schemeClr val="dk1"/>
+              </a:fontRef>
+            </p:style>
+            <p:txBody>
+              <a:bodyPr lIns="36000" tIns="36000" rIns="36000" bIns="0" rtlCol="0" anchor="ctr"/>
+              <a:lstStyle/>
+              <a:p>
+                <a:pPr algn="ctr"/>
+                <a:r>
+                  <a:rPr kumimoji="1" lang="ja-JP" altLang="en-US" sz="1600" dirty="0">
+                    <a:latin typeface="メイリオ" panose="020B0604030504040204" pitchFamily="50" charset="-128"/>
+                    <a:ea typeface="メイリオ" panose="020B0604030504040204" pitchFamily="50" charset="-128"/>
+                  </a:rPr>
+                  <a:t>キーなぞり</a:t>
+                </a:r>
+                <a:r>
+                  <a:rPr kumimoji="1" lang="en-US" altLang="ja-JP" sz="1600" dirty="0">
+                    <a:latin typeface="メイリオ" panose="020B0604030504040204" pitchFamily="50" charset="-128"/>
+                    <a:ea typeface="メイリオ" panose="020B0604030504040204" pitchFamily="50" charset="-128"/>
+                  </a:rPr>
+                  <a:t>(</a:t>
+                </a:r>
+                <a:r>
+                  <a:rPr kumimoji="1" lang="en-US" altLang="ja-JP" sz="1600" dirty="0" err="1">
+                    <a:latin typeface="メイリオ" panose="020B0604030504040204" pitchFamily="50" charset="-128"/>
+                    <a:ea typeface="メイリオ" panose="020B0604030504040204" pitchFamily="50" charset="-128"/>
+                  </a:rPr>
+                  <a:t>qwertyuiop</a:t>
+                </a:r>
+                <a:r>
+                  <a:rPr kumimoji="1" lang="en-US" altLang="ja-JP" sz="1600" dirty="0">
+                    <a:latin typeface="メイリオ" panose="020B0604030504040204" pitchFamily="50" charset="-128"/>
+                    <a:ea typeface="メイリオ" panose="020B0604030504040204" pitchFamily="50" charset="-128"/>
+                  </a:rPr>
+                  <a:t>)</a:t>
+                </a:r>
+                <a:endParaRPr kumimoji="1" lang="ja-JP" altLang="en-US" sz="1600" dirty="0">
+                  <a:latin typeface="メイリオ" panose="020B0604030504040204" pitchFamily="50" charset="-128"/>
+                  <a:ea typeface="メイリオ" panose="020B0604030504040204" pitchFamily="50" charset="-128"/>
+                </a:endParaRPr>
+              </a:p>
+            </p:txBody>
+          </p:sp>
+          <p:sp>
+            <p:nvSpPr>
+              <p:cNvPr id="43" name="四角形: 角を丸くする 42">
+                <a:extLst>
+                  <a:ext uri="{FF2B5EF4-FFF2-40B4-BE49-F238E27FC236}">
+                    <a16:creationId xmlns:a16="http://schemas.microsoft.com/office/drawing/2014/main" id="{DEF9F6DC-BBF0-B2AD-4B15-D61E76B584F5}"/>
+                  </a:ext>
+                </a:extLst>
+              </p:cNvPr>
+              <p:cNvSpPr/>
+              <p:nvPr/>
+            </p:nvSpPr>
+            <p:spPr>
+              <a:xfrm>
+                <a:off x="5098394" y="5021300"/>
+                <a:ext cx="886274" cy="401703"/>
+              </a:xfrm>
+              <a:prstGeom prst="roundRect">
+                <a:avLst/>
+              </a:prstGeom>
+              <a:solidFill>
+                <a:srgbClr val="FFE6CC"/>
+              </a:solidFill>
+              <a:ln w="19050">
+                <a:solidFill>
+                  <a:srgbClr val="FF8C00"/>
+                </a:solidFill>
+              </a:ln>
+            </p:spPr>
+            <p:style>
+              <a:lnRef idx="1">
+                <a:schemeClr val="dk1"/>
+              </a:lnRef>
+              <a:fillRef idx="2">
+                <a:schemeClr val="dk1"/>
+              </a:fillRef>
+              <a:effectRef idx="1">
+                <a:schemeClr val="dk1"/>
+              </a:effectRef>
+              <a:fontRef idx="minor">
+                <a:schemeClr val="dk1"/>
+              </a:fontRef>
+            </p:style>
+            <p:txBody>
+              <a:bodyPr lIns="36000" tIns="36000" rIns="36000" bIns="0" rtlCol="0" anchor="ctr"/>
+              <a:lstStyle/>
+              <a:p>
+                <a:pPr algn="ctr"/>
+                <a:r>
+                  <a:rPr kumimoji="1" lang="ja-JP" altLang="en-US" sz="1600" dirty="0">
+                    <a:latin typeface="メイリオ" panose="020B0604030504040204" pitchFamily="50" charset="-128"/>
+                    <a:ea typeface="メイリオ" panose="020B0604030504040204" pitchFamily="50" charset="-128"/>
+                  </a:rPr>
+                  <a:t>キーや単語の繰り返し</a:t>
+                </a:r>
+              </a:p>
+            </p:txBody>
+          </p:sp>
+          <p:sp>
+            <p:nvSpPr>
+              <p:cNvPr id="44" name="四角形: 角を丸くする 43">
+                <a:extLst>
+                  <a:ext uri="{FF2B5EF4-FFF2-40B4-BE49-F238E27FC236}">
+                    <a16:creationId xmlns:a16="http://schemas.microsoft.com/office/drawing/2014/main" id="{653A0553-3674-FBD4-DD6A-FDD35399CA9B}"/>
+                  </a:ext>
+                </a:extLst>
+              </p:cNvPr>
+              <p:cNvSpPr/>
+              <p:nvPr/>
+            </p:nvSpPr>
+            <p:spPr>
+              <a:xfrm>
+                <a:off x="6017666" y="5026968"/>
+                <a:ext cx="302511" cy="401703"/>
+              </a:xfrm>
+              <a:prstGeom prst="roundRect">
+                <a:avLst/>
+              </a:prstGeom>
+              <a:solidFill>
+                <a:srgbClr val="FFEDCC"/>
+              </a:solidFill>
+              <a:ln w="19050">
+                <a:solidFill>
+                  <a:srgbClr val="D4A017"/>
+                </a:solidFill>
+              </a:ln>
+            </p:spPr>
+            <p:style>
+              <a:lnRef idx="1">
+                <a:schemeClr val="dk1"/>
+              </a:lnRef>
+              <a:fillRef idx="2">
+                <a:schemeClr val="dk1"/>
+              </a:fillRef>
+              <a:effectRef idx="1">
+                <a:schemeClr val="dk1"/>
+              </a:effectRef>
+              <a:fontRef idx="minor">
+                <a:schemeClr val="dk1"/>
+              </a:fontRef>
+            </p:style>
+            <p:txBody>
+              <a:bodyPr lIns="36000" tIns="36000" rIns="36000" bIns="0" rtlCol="0" anchor="ctr"/>
+              <a:lstStyle/>
+              <a:p>
+                <a:pPr algn="ctr"/>
+                <a:r>
+                  <a:rPr kumimoji="1" lang="ja-JP" altLang="en-US" sz="1600" dirty="0">
+                    <a:latin typeface="メイリオ" panose="020B0604030504040204" pitchFamily="50" charset="-128"/>
+                    <a:ea typeface="メイリオ" panose="020B0604030504040204" pitchFamily="50" charset="-128"/>
+                  </a:rPr>
+                  <a:t>年月日</a:t>
+                </a:r>
+              </a:p>
+            </p:txBody>
+          </p:sp>
+        </p:grpSp>
+        <p:sp>
+          <p:nvSpPr>
+            <p:cNvPr id="51" name="楕円 50">
+              <a:extLst>
+                <a:ext uri="{FF2B5EF4-FFF2-40B4-BE49-F238E27FC236}">
+                  <a16:creationId xmlns:a16="http://schemas.microsoft.com/office/drawing/2014/main" id="{8FDE509E-5C32-CB8A-BB82-5DB22F4C24E9}"/>
+                </a:ext>
+              </a:extLst>
+            </p:cNvPr>
+            <p:cNvSpPr>
+              <a:spLocks noChangeAspect="1"/>
+            </p:cNvSpPr>
+            <p:nvPr/>
+          </p:nvSpPr>
+          <p:spPr>
+            <a:xfrm>
+              <a:off x="11244464" y="25567943"/>
+              <a:ext cx="202110" cy="202110"/>
+            </a:xfrm>
+            <a:prstGeom prst="ellipse">
+              <a:avLst/>
+            </a:prstGeom>
+            <a:noFill/>
+            <a:ln>
+              <a:noFill/>
+            </a:ln>
+          </p:spPr>
+          <p:style>
+            <a:lnRef idx="2">
+              <a:schemeClr val="accent1">
+                <a:shade val="50000"/>
+              </a:schemeClr>
+            </a:lnRef>
+            <a:fillRef idx="1">
+              <a:schemeClr val="accent1"/>
+            </a:fillRef>
+            <a:effectRef idx="0">
+              <a:schemeClr val="accent1"/>
+            </a:effectRef>
+            <a:fontRef idx="minor">
+              <a:schemeClr val="lt1"/>
+            </a:fontRef>
+          </p:style>
+          <p:txBody>
+            <a:bodyPr rtlCol="0" anchor="ctr"/>
+            <a:lstStyle/>
+            <a:p>
+              <a:pPr algn="ctr"/>
+              <a:endParaRPr kumimoji="1" lang="ja-JP" altLang="en-US">
+                <a:latin typeface="メイリオ" panose="020B0604030504040204" pitchFamily="50" charset="-128"/>
+                <a:ea typeface="メイリオ" panose="020B0604030504040204" pitchFamily="50" charset="-128"/>
+              </a:endParaRPr>
+            </a:p>
+          </p:txBody>
+        </p:sp>
+        <p:sp>
+          <p:nvSpPr>
+            <p:cNvPr id="69" name="四角形: 角を丸くする 68">
+              <a:extLst>
+                <a:ext uri="{FF2B5EF4-FFF2-40B4-BE49-F238E27FC236}">
+                  <a16:creationId xmlns:a16="http://schemas.microsoft.com/office/drawing/2014/main" id="{CD933139-4B54-8399-2617-EE8E0BEB0EA6}"/>
+                </a:ext>
+              </a:extLst>
+            </p:cNvPr>
+            <p:cNvSpPr/>
+            <p:nvPr/>
+          </p:nvSpPr>
+          <p:spPr>
+            <a:xfrm>
+              <a:off x="6279015" y="23297756"/>
+              <a:ext cx="4281149" cy="2533950"/>
+            </a:xfrm>
+            <a:prstGeom prst="roundRect">
+              <a:avLst>
+                <a:gd name="adj" fmla="val 12979"/>
+              </a:avLst>
+            </a:prstGeom>
+            <a:solidFill>
+              <a:schemeClr val="accent4">
+                <a:lumMod val="20000"/>
+                <a:lumOff val="80000"/>
+              </a:schemeClr>
+            </a:solidFill>
+            <a:ln w="28575">
+              <a:solidFill>
+                <a:schemeClr val="accent4"/>
+              </a:solidFill>
+              <a:prstDash val="sysDash"/>
+            </a:ln>
+          </p:spPr>
+          <p:style>
+            <a:lnRef idx="2">
+              <a:schemeClr val="accent1">
+                <a:shade val="50000"/>
+              </a:schemeClr>
+            </a:lnRef>
+            <a:fillRef idx="1">
+              <a:schemeClr val="accent1"/>
+            </a:fillRef>
+            <a:effectRef idx="0">
+              <a:schemeClr val="accent1"/>
+            </a:effectRef>
+            <a:fontRef idx="minor">
+              <a:schemeClr val="lt1"/>
+            </a:fontRef>
+          </p:style>
+          <p:txBody>
+            <a:bodyPr rtlCol="0" anchor="ctr"/>
+            <a:lstStyle/>
+            <a:p>
+              <a:pPr algn="ctr"/>
+              <a:endParaRPr kumimoji="1" lang="ja-JP" altLang="en-US" sz="3600" b="1" dirty="0">
+                <a:solidFill>
+                  <a:schemeClr val="accent6"/>
+                </a:solidFill>
+                <a:latin typeface="メイリオ" panose="020B0604030504040204" pitchFamily="50" charset="-128"/>
+                <a:ea typeface="メイリオ" panose="020B0604030504040204" pitchFamily="50" charset="-128"/>
+              </a:endParaRPr>
+            </a:p>
+          </p:txBody>
+        </p:sp>
+        <p:sp>
+          <p:nvSpPr>
+            <p:cNvPr id="98" name="四角形: 角を丸くする 97">
+              <a:extLst>
+                <a:ext uri="{FF2B5EF4-FFF2-40B4-BE49-F238E27FC236}">
+                  <a16:creationId xmlns:a16="http://schemas.microsoft.com/office/drawing/2014/main" id="{396B5877-1C56-74A6-54DF-168C86D72F3D}"/>
+                </a:ext>
+              </a:extLst>
+            </p:cNvPr>
+            <p:cNvSpPr/>
+            <p:nvPr/>
+          </p:nvSpPr>
+          <p:spPr>
+            <a:xfrm>
+              <a:off x="6655948" y="24307766"/>
+              <a:ext cx="1643097" cy="436788"/>
+            </a:xfrm>
+            <a:prstGeom prst="roundRect">
+              <a:avLst/>
+            </a:prstGeom>
+            <a:solidFill>
+              <a:srgbClr val="D9EAF7"/>
+            </a:solidFill>
+            <a:ln w="19050">
+              <a:solidFill>
+                <a:srgbClr val="0077B6"/>
+              </a:solidFill>
+            </a:ln>
+          </p:spPr>
+          <p:style>
+            <a:lnRef idx="1">
+              <a:schemeClr val="dk1"/>
+            </a:lnRef>
+            <a:fillRef idx="2">
+              <a:schemeClr val="dk1"/>
+            </a:fillRef>
+            <a:effectRef idx="1">
+              <a:schemeClr val="dk1"/>
+            </a:effectRef>
+            <a:fontRef idx="minor">
+              <a:schemeClr val="dk1"/>
+            </a:fontRef>
+          </p:style>
+          <p:txBody>
+            <a:bodyPr lIns="36000" tIns="36000" rIns="36000" bIns="0" rtlCol="0" anchor="ctr"/>
+            <a:lstStyle/>
+            <a:p>
+              <a:pPr algn="ctr"/>
+              <a:r>
+                <a:rPr kumimoji="1" lang="en-US" altLang="ja-JP" sz="1600" dirty="0">
+                  <a:latin typeface="メイリオ" panose="020B0604030504040204" pitchFamily="50" charset="-128"/>
+                  <a:ea typeface="メイリオ" panose="020B0604030504040204" pitchFamily="50" charset="-128"/>
+                </a:rPr>
+                <a:t>8</a:t>
+              </a:r>
+              <a:r>
+                <a:rPr kumimoji="1" lang="ja-JP" altLang="en-US" sz="1600" dirty="0">
+                  <a:latin typeface="メイリオ" panose="020B0604030504040204" pitchFamily="50" charset="-128"/>
+                  <a:ea typeface="メイリオ" panose="020B0604030504040204" pitchFamily="50" charset="-128"/>
+                </a:rPr>
+                <a:t>文字以上</a:t>
+              </a:r>
+            </a:p>
+          </p:txBody>
+        </p:sp>
+        <p:sp>
+          <p:nvSpPr>
+            <p:cNvPr id="99" name="四角形: 角を丸くする 98">
+              <a:extLst>
+                <a:ext uri="{FF2B5EF4-FFF2-40B4-BE49-F238E27FC236}">
+                  <a16:creationId xmlns:a16="http://schemas.microsoft.com/office/drawing/2014/main" id="{40AD831F-E5AC-0D11-5D12-2BA5CE409B55}"/>
+                </a:ext>
+              </a:extLst>
+            </p:cNvPr>
+            <p:cNvSpPr/>
+            <p:nvPr/>
+          </p:nvSpPr>
+          <p:spPr>
+            <a:xfrm>
+              <a:off x="8569482" y="24311644"/>
+              <a:ext cx="1643097" cy="432910"/>
+            </a:xfrm>
+            <a:prstGeom prst="roundRect">
+              <a:avLst/>
+            </a:prstGeom>
+            <a:solidFill>
+              <a:srgbClr val="D9EAF7"/>
+            </a:solidFill>
+            <a:ln w="19050">
+              <a:solidFill>
+                <a:srgbClr val="0077B6"/>
+              </a:solidFill>
+            </a:ln>
+          </p:spPr>
+          <p:style>
+            <a:lnRef idx="1">
+              <a:schemeClr val="dk1"/>
+            </a:lnRef>
+            <a:fillRef idx="2">
+              <a:schemeClr val="dk1"/>
+            </a:fillRef>
+            <a:effectRef idx="1">
+              <a:schemeClr val="dk1"/>
+            </a:effectRef>
+            <a:fontRef idx="minor">
+              <a:schemeClr val="dk1"/>
+            </a:fontRef>
+          </p:style>
+          <p:txBody>
+            <a:bodyPr lIns="36000" tIns="36000" rIns="36000" bIns="0" rtlCol="0" anchor="ctr"/>
+            <a:lstStyle/>
+            <a:p>
+              <a:pPr algn="ctr"/>
+              <a:r>
+                <a:rPr kumimoji="1" lang="en-US" altLang="ja-JP" sz="1600" dirty="0">
+                  <a:latin typeface="メイリオ" panose="020B0604030504040204" pitchFamily="50" charset="-128"/>
+                  <a:ea typeface="メイリオ" panose="020B0604030504040204" pitchFamily="50" charset="-128"/>
+                </a:rPr>
+                <a:t>ID</a:t>
+              </a:r>
+              <a:r>
+                <a:rPr kumimoji="1" lang="ja-JP" altLang="en-US" sz="1400" dirty="0">
+                  <a:latin typeface="メイリオ" panose="020B0604030504040204" pitchFamily="50" charset="-128"/>
+                  <a:ea typeface="メイリオ" panose="020B0604030504040204" pitchFamily="50" charset="-128"/>
+                </a:rPr>
+                <a:t>と</a:t>
+              </a:r>
+              <a:r>
+                <a:rPr kumimoji="1" lang="en-US" altLang="ja-JP" sz="1600" dirty="0">
+                  <a:latin typeface="メイリオ" panose="020B0604030504040204" pitchFamily="50" charset="-128"/>
+                  <a:ea typeface="メイリオ" panose="020B0604030504040204" pitchFamily="50" charset="-128"/>
+                </a:rPr>
+                <a:t>PW</a:t>
+              </a:r>
+              <a:r>
+                <a:rPr kumimoji="1" lang="ja-JP" altLang="en-US" sz="1600" dirty="0">
+                  <a:latin typeface="メイリオ" panose="020B0604030504040204" pitchFamily="50" charset="-128"/>
+                  <a:ea typeface="メイリオ" panose="020B0604030504040204" pitchFamily="50" charset="-128"/>
+                </a:rPr>
+                <a:t>が同じ</a:t>
+              </a:r>
+              <a:endParaRPr kumimoji="1" lang="en-US" altLang="ja-JP" sz="1600" dirty="0">
+                <a:latin typeface="メイリオ" panose="020B0604030504040204" pitchFamily="50" charset="-128"/>
+                <a:ea typeface="メイリオ" panose="020B0604030504040204" pitchFamily="50" charset="-128"/>
+              </a:endParaRPr>
+            </a:p>
+          </p:txBody>
+        </p:sp>
+        <p:grpSp>
+          <p:nvGrpSpPr>
+            <p:cNvPr id="47" name="グループ化 46">
+              <a:extLst>
+                <a:ext uri="{FF2B5EF4-FFF2-40B4-BE49-F238E27FC236}">
+                  <a16:creationId xmlns:a16="http://schemas.microsoft.com/office/drawing/2014/main" id="{EECD4FCD-27DC-741E-7868-F15B17B09EA2}"/>
+                </a:ext>
+              </a:extLst>
+            </p:cNvPr>
+            <p:cNvGrpSpPr/>
+            <p:nvPr/>
+          </p:nvGrpSpPr>
+          <p:grpSpPr>
+            <a:xfrm>
+              <a:off x="6458518" y="25055093"/>
+              <a:ext cx="3922141" cy="701550"/>
+              <a:chOff x="5386959" y="27717372"/>
+              <a:chExt cx="3922141" cy="701550"/>
+            </a:xfrm>
+          </p:grpSpPr>
+          <p:sp>
+            <p:nvSpPr>
+              <p:cNvPr id="33" name="四角形: 角を丸くする 32">
+                <a:extLst>
+                  <a:ext uri="{FF2B5EF4-FFF2-40B4-BE49-F238E27FC236}">
+                    <a16:creationId xmlns:a16="http://schemas.microsoft.com/office/drawing/2014/main" id="{BA1A0A1A-F2B2-7F5A-97BE-9E706FC52B0D}"/>
+                  </a:ext>
+                </a:extLst>
+              </p:cNvPr>
+              <p:cNvSpPr/>
+              <p:nvPr/>
+            </p:nvSpPr>
+            <p:spPr>
+              <a:xfrm>
+                <a:off x="5386959" y="27717372"/>
+                <a:ext cx="3922141" cy="701550"/>
+              </a:xfrm>
+              <a:prstGeom prst="roundRect">
+                <a:avLst/>
+              </a:prstGeom>
+              <a:solidFill>
+                <a:srgbClr val="E6F4EA"/>
+              </a:solidFill>
+              <a:ln w="19050"/>
+            </p:spPr>
+            <p:style>
+              <a:lnRef idx="1">
+                <a:schemeClr val="accent1"/>
+              </a:lnRef>
+              <a:fillRef idx="2">
+                <a:schemeClr val="accent1"/>
+              </a:fillRef>
+              <a:effectRef idx="1">
+                <a:schemeClr val="accent1"/>
+              </a:effectRef>
+              <a:fontRef idx="minor">
+                <a:schemeClr val="dk1"/>
+              </a:fontRef>
+            </p:style>
+            <p:txBody>
+              <a:bodyPr lIns="36000" tIns="36000" rIns="36000" bIns="0" rtlCol="0" anchor="ctr"/>
+              <a:lstStyle/>
+              <a:p>
+                <a:pPr algn="ctr"/>
+                <a:endParaRPr kumimoji="1" lang="ja-JP" altLang="en-US" sz="1600" dirty="0">
+                  <a:solidFill>
+                    <a:schemeClr val="tx1"/>
+                  </a:solidFill>
+                  <a:latin typeface="メイリオ" panose="020B0604030504040204" pitchFamily="50" charset="-128"/>
+                  <a:ea typeface="メイリオ" panose="020B0604030504040204" pitchFamily="50" charset="-128"/>
+                </a:endParaRPr>
+              </a:p>
+            </p:txBody>
+          </p:sp>
+          <p:sp>
+            <p:nvSpPr>
+              <p:cNvPr id="30" name="四角形: 角を丸くする 29">
+                <a:extLst>
+                  <a:ext uri="{FF2B5EF4-FFF2-40B4-BE49-F238E27FC236}">
+                    <a16:creationId xmlns:a16="http://schemas.microsoft.com/office/drawing/2014/main" id="{76470D3C-CF81-573C-D8B5-DAE86B8E5E83}"/>
+                  </a:ext>
+                </a:extLst>
+              </p:cNvPr>
+              <p:cNvSpPr/>
+              <p:nvPr/>
+            </p:nvSpPr>
+            <p:spPr>
+              <a:xfrm>
+                <a:off x="5476873" y="27999266"/>
+                <a:ext cx="1120910" cy="332335"/>
+              </a:xfrm>
+              <a:prstGeom prst="roundRect">
+                <a:avLst/>
+              </a:prstGeom>
+              <a:solidFill>
+                <a:srgbClr val="E6F4EA"/>
+              </a:solidFill>
+              <a:ln w="19050">
+                <a:solidFill>
+                  <a:srgbClr val="008000"/>
+                </a:solidFill>
+              </a:ln>
+            </p:spPr>
+            <p:style>
+              <a:lnRef idx="1">
+                <a:schemeClr val="dk1"/>
+              </a:lnRef>
+              <a:fillRef idx="2">
+                <a:schemeClr val="dk1"/>
+              </a:fillRef>
+              <a:effectRef idx="1">
+                <a:schemeClr val="dk1"/>
+              </a:effectRef>
+              <a:fontRef idx="minor">
+                <a:schemeClr val="dk1"/>
+              </a:fontRef>
+            </p:style>
+            <p:txBody>
+              <a:bodyPr lIns="36000" tIns="36000" rIns="36000" bIns="0" rtlCol="0" anchor="ctr"/>
+              <a:lstStyle/>
+              <a:p>
+                <a:pPr algn="ctr"/>
+                <a:r>
+                  <a:rPr kumimoji="1" lang="ja-JP" altLang="en-US" sz="1600" dirty="0">
+                    <a:solidFill>
+                      <a:schemeClr val="tx1"/>
+                    </a:solidFill>
+                    <a:latin typeface="メイリオ" panose="020B0604030504040204" pitchFamily="50" charset="-128"/>
+                    <a:ea typeface="メイリオ" panose="020B0604030504040204" pitchFamily="50" charset="-128"/>
+                  </a:rPr>
+                  <a:t>大</a:t>
+                </a:r>
+                <a:r>
+                  <a:rPr kumimoji="1" lang="en-US" altLang="ja-JP" sz="1600" dirty="0">
+                    <a:solidFill>
+                      <a:schemeClr val="tx1"/>
+                    </a:solidFill>
+                    <a:latin typeface="メイリオ" panose="020B0604030504040204" pitchFamily="50" charset="-128"/>
+                    <a:ea typeface="メイリオ" panose="020B0604030504040204" pitchFamily="50" charset="-128"/>
+                  </a:rPr>
+                  <a:t>/</a:t>
+                </a:r>
+                <a:r>
+                  <a:rPr kumimoji="1" lang="ja-JP" altLang="en-US" sz="1600" dirty="0">
+                    <a:solidFill>
+                      <a:schemeClr val="tx1"/>
+                    </a:solidFill>
+                    <a:latin typeface="メイリオ" panose="020B0604030504040204" pitchFamily="50" charset="-128"/>
+                    <a:ea typeface="メイリオ" panose="020B0604030504040204" pitchFamily="50" charset="-128"/>
+                  </a:rPr>
+                  <a:t>小文字</a:t>
+                </a:r>
+              </a:p>
+            </p:txBody>
+          </p:sp>
+          <p:sp>
+            <p:nvSpPr>
+              <p:cNvPr id="31" name="四角形: 角を丸くする 30">
+                <a:extLst>
+                  <a:ext uri="{FF2B5EF4-FFF2-40B4-BE49-F238E27FC236}">
+                    <a16:creationId xmlns:a16="http://schemas.microsoft.com/office/drawing/2014/main" id="{F975B9CF-A7FD-9FB6-8D59-D1E070A2F894}"/>
+                  </a:ext>
+                </a:extLst>
+              </p:cNvPr>
+              <p:cNvSpPr/>
+              <p:nvPr/>
+            </p:nvSpPr>
+            <p:spPr>
+              <a:xfrm>
+                <a:off x="6661325" y="27999266"/>
+                <a:ext cx="1222732" cy="332336"/>
+              </a:xfrm>
+              <a:prstGeom prst="roundRect">
+                <a:avLst/>
+              </a:prstGeom>
+              <a:solidFill>
+                <a:srgbClr val="E6F4EA"/>
+              </a:solidFill>
+              <a:ln w="19050">
+                <a:solidFill>
+                  <a:srgbClr val="008000"/>
+                </a:solidFill>
+              </a:ln>
+            </p:spPr>
+            <p:style>
+              <a:lnRef idx="1">
+                <a:schemeClr val="dk1"/>
+              </a:lnRef>
+              <a:fillRef idx="2">
+                <a:schemeClr val="dk1"/>
+              </a:fillRef>
+              <a:effectRef idx="1">
+                <a:schemeClr val="dk1"/>
+              </a:effectRef>
+              <a:fontRef idx="minor">
+                <a:schemeClr val="dk1"/>
+              </a:fontRef>
+            </p:style>
+            <p:txBody>
+              <a:bodyPr lIns="36000" tIns="36000" rIns="36000" bIns="0" rtlCol="0" anchor="ctr"/>
+              <a:lstStyle/>
+              <a:p>
+                <a:pPr algn="ctr"/>
+                <a:r>
+                  <a:rPr kumimoji="1" lang="ja-JP" altLang="en-US" sz="1600" dirty="0">
+                    <a:solidFill>
+                      <a:schemeClr val="tx1"/>
+                    </a:solidFill>
+                    <a:latin typeface="メイリオ" panose="020B0604030504040204" pitchFamily="50" charset="-128"/>
+                    <a:ea typeface="メイリオ" panose="020B0604030504040204" pitchFamily="50" charset="-128"/>
+                  </a:rPr>
+                  <a:t>記号</a:t>
+                </a:r>
+              </a:p>
+            </p:txBody>
+          </p:sp>
+          <p:sp>
+            <p:nvSpPr>
+              <p:cNvPr id="32" name="四角形: 角を丸くする 31">
+                <a:extLst>
+                  <a:ext uri="{FF2B5EF4-FFF2-40B4-BE49-F238E27FC236}">
+                    <a16:creationId xmlns:a16="http://schemas.microsoft.com/office/drawing/2014/main" id="{2DCE5F64-3671-CF20-170A-CC175849D595}"/>
+                  </a:ext>
+                </a:extLst>
+              </p:cNvPr>
+              <p:cNvSpPr/>
+              <p:nvPr/>
+            </p:nvSpPr>
+            <p:spPr>
+              <a:xfrm>
+                <a:off x="7947599" y="28008982"/>
+                <a:ext cx="1285434" cy="322619"/>
+              </a:xfrm>
+              <a:prstGeom prst="roundRect">
+                <a:avLst/>
+              </a:prstGeom>
+              <a:solidFill>
+                <a:srgbClr val="E6F4EA"/>
+              </a:solidFill>
+              <a:ln w="19050">
+                <a:solidFill>
+                  <a:srgbClr val="008000"/>
+                </a:solidFill>
+              </a:ln>
+            </p:spPr>
+            <p:style>
+              <a:lnRef idx="1">
+                <a:schemeClr val="dk1"/>
+              </a:lnRef>
+              <a:fillRef idx="2">
+                <a:schemeClr val="dk1"/>
+              </a:fillRef>
+              <a:effectRef idx="1">
+                <a:schemeClr val="dk1"/>
+              </a:effectRef>
+              <a:fontRef idx="minor">
+                <a:schemeClr val="dk1"/>
+              </a:fontRef>
+            </p:style>
+            <p:txBody>
+              <a:bodyPr lIns="36000" tIns="36000" rIns="36000" bIns="0" rtlCol="0" anchor="ctr"/>
+              <a:lstStyle/>
+              <a:p>
+                <a:pPr algn="ctr"/>
+                <a:r>
+                  <a:rPr kumimoji="1" lang="ja-JP" altLang="en-US" sz="1600" dirty="0">
+                    <a:solidFill>
+                      <a:schemeClr val="tx1"/>
+                    </a:solidFill>
+                    <a:latin typeface="メイリオ" panose="020B0604030504040204" pitchFamily="50" charset="-128"/>
+                    <a:ea typeface="メイリオ" panose="020B0604030504040204" pitchFamily="50" charset="-128"/>
+                  </a:rPr>
+                  <a:t>数字</a:t>
+                </a:r>
+              </a:p>
+            </p:txBody>
+          </p:sp>
+        </p:grpSp>
+        <p:sp>
+          <p:nvSpPr>
+            <p:cNvPr id="48" name="四角形: 角を丸くする 47">
+              <a:extLst>
+                <a:ext uri="{FF2B5EF4-FFF2-40B4-BE49-F238E27FC236}">
+                  <a16:creationId xmlns:a16="http://schemas.microsoft.com/office/drawing/2014/main" id="{E3D887F3-C4A8-0E8F-A5B4-C14CAD2A6161}"/>
+                </a:ext>
+              </a:extLst>
+            </p:cNvPr>
+            <p:cNvSpPr/>
+            <p:nvPr/>
+          </p:nvSpPr>
+          <p:spPr>
+            <a:xfrm>
+              <a:off x="11165161" y="23428792"/>
+              <a:ext cx="2366924" cy="378522"/>
+            </a:xfrm>
+            <a:prstGeom prst="roundRect">
+              <a:avLst/>
+            </a:prstGeom>
+            <a:solidFill>
+              <a:srgbClr val="FFE6CC"/>
+            </a:solidFill>
+            <a:ln w="19050">
+              <a:solidFill>
+                <a:srgbClr val="FF8C00"/>
+              </a:solidFill>
+            </a:ln>
+          </p:spPr>
+          <p:style>
+            <a:lnRef idx="1">
+              <a:schemeClr val="dk1"/>
+            </a:lnRef>
+            <a:fillRef idx="2">
+              <a:schemeClr val="dk1"/>
+            </a:fillRef>
+            <a:effectRef idx="1">
+              <a:schemeClr val="dk1"/>
+            </a:effectRef>
+            <a:fontRef idx="minor">
+              <a:schemeClr val="dk1"/>
+            </a:fontRef>
+          </p:style>
+          <p:txBody>
+            <a:bodyPr lIns="36000" tIns="36000" rIns="36000" bIns="0" rtlCol="0" anchor="ctr"/>
+            <a:lstStyle/>
+            <a:p>
+              <a:pPr algn="ctr"/>
+              <a:r>
+                <a:rPr kumimoji="1" lang="en-US" altLang="ja-JP" sz="1600" b="1" dirty="0" err="1">
+                  <a:latin typeface="メイリオ" panose="020B0604030504040204" pitchFamily="50" charset="-128"/>
+                  <a:ea typeface="メイリオ" panose="020B0604030504040204" pitchFamily="50" charset="-128"/>
+                </a:rPr>
+                <a:t>zxcvbn</a:t>
+              </a:r>
+              <a:r>
+                <a:rPr kumimoji="1" lang="en-US" altLang="ja-JP" sz="1600" b="1" dirty="0">
+                  <a:latin typeface="メイリオ" panose="020B0604030504040204" pitchFamily="50" charset="-128"/>
+                  <a:ea typeface="メイリオ" panose="020B0604030504040204" pitchFamily="50" charset="-128"/>
+                </a:rPr>
+                <a:t>-c</a:t>
+              </a:r>
+              <a:r>
+                <a:rPr kumimoji="1" lang="ja-JP" altLang="en-US" sz="1600" b="1" dirty="0">
+                  <a:latin typeface="メイリオ" panose="020B0604030504040204" pitchFamily="50" charset="-128"/>
+                  <a:ea typeface="メイリオ" panose="020B0604030504040204" pitchFamily="50" charset="-128"/>
+                </a:rPr>
+                <a:t>による評価</a:t>
+              </a:r>
+            </a:p>
+          </p:txBody>
+        </p:sp>
+        <p:sp>
+          <p:nvSpPr>
+            <p:cNvPr id="49" name="四角形: 角を丸くする 48">
+              <a:extLst>
+                <a:ext uri="{FF2B5EF4-FFF2-40B4-BE49-F238E27FC236}">
+                  <a16:creationId xmlns:a16="http://schemas.microsoft.com/office/drawing/2014/main" id="{EC7865B2-8340-7A14-AEF2-10020F80B723}"/>
+                </a:ext>
+              </a:extLst>
+            </p:cNvPr>
+            <p:cNvSpPr/>
+            <p:nvPr/>
+          </p:nvSpPr>
+          <p:spPr>
+            <a:xfrm>
+              <a:off x="6823425" y="23407631"/>
+              <a:ext cx="3041650" cy="747073"/>
+            </a:xfrm>
+            <a:prstGeom prst="roundRect">
+              <a:avLst/>
+            </a:prstGeom>
+            <a:solidFill>
+              <a:srgbClr val="F2F2F2"/>
+            </a:solidFill>
+            <a:ln w="19050">
+              <a:solidFill>
+                <a:srgbClr val="005A9C"/>
+              </a:solidFill>
+            </a:ln>
+          </p:spPr>
+          <p:style>
+            <a:lnRef idx="1">
+              <a:schemeClr val="dk1"/>
+            </a:lnRef>
+            <a:fillRef idx="2">
+              <a:schemeClr val="dk1"/>
+            </a:fillRef>
+            <a:effectRef idx="1">
+              <a:schemeClr val="dk1"/>
+            </a:effectRef>
+            <a:fontRef idx="minor">
+              <a:schemeClr val="dk1"/>
+            </a:fontRef>
+          </p:style>
+          <p:txBody>
+            <a:bodyPr lIns="36000" tIns="36000" rIns="36000" bIns="0" rtlCol="0" anchor="ctr"/>
+            <a:lstStyle/>
+            <a:p>
+              <a:pPr algn="ctr"/>
+              <a:r>
+                <a:rPr kumimoji="1" lang="en-US" altLang="ja-JP" sz="1600" b="1" dirty="0">
+                  <a:latin typeface="メイリオ" panose="020B0604030504040204" pitchFamily="50" charset="-128"/>
+                  <a:ea typeface="メイリオ" panose="020B0604030504040204" pitchFamily="50" charset="-128"/>
+                </a:rPr>
+                <a:t>Unreal Engine</a:t>
+              </a:r>
+              <a:r>
+                <a:rPr kumimoji="1" lang="ja-JP" altLang="en-US" sz="1600" b="1" dirty="0">
+                  <a:latin typeface="メイリオ" panose="020B0604030504040204" pitchFamily="50" charset="-128"/>
+                  <a:ea typeface="メイリオ" panose="020B0604030504040204" pitchFamily="50" charset="-128"/>
+                </a:rPr>
+                <a:t>上での評価</a:t>
+              </a:r>
+              <a:endParaRPr kumimoji="1" lang="en-US" altLang="ja-JP" sz="1600" b="1" dirty="0">
+                <a:latin typeface="メイリオ" panose="020B0604030504040204" pitchFamily="50" charset="-128"/>
+                <a:ea typeface="メイリオ" panose="020B0604030504040204" pitchFamily="50" charset="-128"/>
+              </a:endParaRPr>
+            </a:p>
+            <a:p>
+              <a:pPr algn="ctr"/>
+              <a:r>
+                <a:rPr kumimoji="1" lang="en-US" altLang="ja-JP" sz="1600" b="1" dirty="0">
+                  <a:latin typeface="メイリオ" panose="020B0604030504040204" pitchFamily="50" charset="-128"/>
+                  <a:ea typeface="メイリオ" panose="020B0604030504040204" pitchFamily="50" charset="-128"/>
+                </a:rPr>
+                <a:t>(NIST</a:t>
+              </a:r>
+              <a:r>
+                <a:rPr kumimoji="1" lang="ja-JP" altLang="en-US" sz="1600" b="1" dirty="0">
+                  <a:latin typeface="メイリオ" panose="020B0604030504040204" pitchFamily="50" charset="-128"/>
+                  <a:ea typeface="メイリオ" panose="020B0604030504040204" pitchFamily="50" charset="-128"/>
+                </a:rPr>
+                <a:t>準拠</a:t>
+              </a:r>
+              <a:r>
+                <a:rPr kumimoji="1" lang="en-US" altLang="ja-JP" sz="1600" b="1" dirty="0">
+                  <a:latin typeface="メイリオ" panose="020B0604030504040204" pitchFamily="50" charset="-128"/>
+                  <a:ea typeface="メイリオ" panose="020B0604030504040204" pitchFamily="50" charset="-128"/>
+                </a:rPr>
+                <a:t>)</a:t>
+              </a:r>
+              <a:endParaRPr kumimoji="1" lang="ja-JP" altLang="en-US" sz="1600" b="1" dirty="0">
+                <a:latin typeface="メイリオ" panose="020B0604030504040204" pitchFamily="50" charset="-128"/>
+                <a:ea typeface="メイリオ" panose="020B0604030504040204" pitchFamily="50" charset="-128"/>
+              </a:endParaRPr>
+            </a:p>
+          </p:txBody>
+        </p:sp>
+      </p:grpSp>
+      <p:sp>
+        <p:nvSpPr>
+          <p:cNvPr id="56" name="角丸四角形 20">
+            <a:extLst>
+              <a:ext uri="{FF2B5EF4-FFF2-40B4-BE49-F238E27FC236}">
+                <a16:creationId xmlns:a16="http://schemas.microsoft.com/office/drawing/2014/main" id="{EBCDDBED-EB45-47B8-6694-001CD6D9F70C}"/>
+              </a:ext>
+            </a:extLst>
+          </p:cNvPr>
+          <p:cNvSpPr/>
+          <p:nvPr/>
+        </p:nvSpPr>
+        <p:spPr>
+          <a:xfrm>
+            <a:off x="2016970" y="11026646"/>
+            <a:ext cx="9711801" cy="1128346"/>
+          </a:xfrm>
+          <a:prstGeom prst="roundRect">
+            <a:avLst/>
+          </a:prstGeom>
+          <a:solidFill>
+            <a:schemeClr val="accent6"/>
+          </a:solidFill>
+          <a:ln w="19050"/>
+        </p:spPr>
+        <p:style>
+          <a:lnRef idx="3">
+            <a:schemeClr val="lt1"/>
+          </a:lnRef>
+          <a:fillRef idx="1">
+            <a:schemeClr val="accent2"/>
+          </a:fillRef>
+          <a:effectRef idx="1">
+            <a:schemeClr val="accent2"/>
+          </a:effectRef>
+          <a:fontRef idx="minor">
+            <a:schemeClr val="lt1"/>
+          </a:fontRef>
+        </p:style>
+        <p:txBody>
+          <a:bodyPr tIns="72000" bIns="0" rtlCol="0" anchor="ctr"/>
+          <a:lstStyle/>
+          <a:p>
+            <a:pPr marL="0" marR="0" lvl="0" indent="0" algn="ctr" defTabSz="914400" eaLnBrk="1" fontAlgn="auto" latinLnBrk="0" hangingPunct="1">
+              <a:lnSpc>
+                <a:spcPct val="100000"/>
+              </a:lnSpc>
+              <a:spcBef>
+                <a:spcPts val="0"/>
+              </a:spcBef>
+              <a:spcAft>
+                <a:spcPts val="0"/>
+              </a:spcAft>
+              <a:buClrTx/>
+              <a:buSzTx/>
+              <a:buFontTx/>
+              <a:buNone/>
+              <a:tabLst/>
+              <a:defRPr/>
+            </a:pPr>
+            <a:r>
+              <a:rPr kumimoji="0" lang="ja-JP" altLang="en-US" sz="2400" b="0" i="0" u="none" strike="noStrike" kern="0" cap="none" spc="0" normalizeH="0" baseline="0" noProof="0" dirty="0">
+                <a:ln>
+                  <a:noFill/>
+                </a:ln>
+                <a:solidFill>
+                  <a:schemeClr val="tx1"/>
+                </a:solidFill>
+                <a:effectLst/>
+                <a:uLnTx/>
+                <a:uFillTx/>
+                <a:latin typeface="メイリオ" panose="020B0604030504040204" pitchFamily="50" charset="-128"/>
+                <a:ea typeface="メイリオ" panose="020B0604030504040204" pitchFamily="50" charset="-128"/>
+                <a:cs typeface="メイリオ" pitchFamily="50" charset="-128"/>
+              </a:rPr>
+              <a:t>「</a:t>
+            </a:r>
+            <a:r>
+              <a:rPr kumimoji="0" lang="en-US" altLang="ja-JP" sz="2400" b="0" i="0" u="none" strike="noStrike" kern="0" cap="none" spc="0" normalizeH="0" baseline="0" noProof="0" dirty="0">
+                <a:ln>
+                  <a:noFill/>
+                </a:ln>
+                <a:solidFill>
+                  <a:schemeClr val="tx1"/>
+                </a:solidFill>
+                <a:effectLst/>
+                <a:uLnTx/>
+                <a:uFillTx/>
+                <a:latin typeface="メイリオ" panose="020B0604030504040204" pitchFamily="50" charset="-128"/>
+                <a:ea typeface="メイリオ" panose="020B0604030504040204" pitchFamily="50" charset="-128"/>
+                <a:cs typeface="メイリオ" pitchFamily="50" charset="-128"/>
+              </a:rPr>
+              <a:t>P@ssword123</a:t>
+            </a:r>
+            <a:r>
+              <a:rPr kumimoji="0" lang="ja-JP" altLang="en-US" sz="2400" b="0" i="0" u="none" strike="noStrike" kern="0" cap="none" spc="0" normalizeH="0" baseline="0" noProof="0" dirty="0">
+                <a:ln>
+                  <a:noFill/>
+                </a:ln>
+                <a:solidFill>
+                  <a:schemeClr val="tx1"/>
+                </a:solidFill>
+                <a:effectLst/>
+                <a:uLnTx/>
+                <a:uFillTx/>
+                <a:latin typeface="メイリオ" panose="020B0604030504040204" pitchFamily="50" charset="-128"/>
+                <a:ea typeface="メイリオ" panose="020B0604030504040204" pitchFamily="50" charset="-128"/>
+                <a:cs typeface="メイリオ" pitchFamily="50" charset="-128"/>
+              </a:rPr>
+              <a:t>」は</a:t>
+            </a:r>
+            <a:r>
+              <a:rPr kumimoji="0" lang="ja-JP" altLang="en-US" sz="2400" b="1" i="0" u="none" strike="noStrike" kern="0" cap="none" spc="0" normalizeH="0" baseline="0" noProof="0" dirty="0">
+                <a:ln>
+                  <a:noFill/>
+                </a:ln>
+                <a:solidFill>
+                  <a:schemeClr val="tx1"/>
+                </a:solidFill>
+                <a:effectLst/>
+                <a:uLnTx/>
+                <a:uFillTx/>
+                <a:latin typeface="メイリオ" panose="020B0604030504040204" pitchFamily="50" charset="-128"/>
+                <a:ea typeface="メイリオ" panose="020B0604030504040204" pitchFamily="50" charset="-128"/>
+                <a:cs typeface="メイリオ" pitchFamily="50" charset="-128"/>
+              </a:rPr>
+              <a:t>大</a:t>
+            </a:r>
+            <a:r>
+              <a:rPr kumimoji="0" lang="en-US" altLang="ja-JP" sz="2400" b="1" i="0" u="none" strike="noStrike" kern="0" cap="none" spc="0" normalizeH="0" baseline="0" noProof="0" dirty="0">
+                <a:ln>
+                  <a:noFill/>
+                </a:ln>
+                <a:solidFill>
+                  <a:schemeClr val="tx1"/>
+                </a:solidFill>
+                <a:effectLst/>
+                <a:uLnTx/>
+                <a:uFillTx/>
+                <a:latin typeface="メイリオ" panose="020B0604030504040204" pitchFamily="50" charset="-128"/>
+                <a:ea typeface="メイリオ" panose="020B0604030504040204" pitchFamily="50" charset="-128"/>
+                <a:cs typeface="メイリオ" pitchFamily="50" charset="-128"/>
+              </a:rPr>
+              <a:t>/</a:t>
+            </a:r>
+            <a:r>
+              <a:rPr kumimoji="0" lang="ja-JP" altLang="en-US" sz="2400" b="1" i="0" u="none" strike="noStrike" kern="0" cap="none" spc="0" normalizeH="0" baseline="0" noProof="0" dirty="0">
+                <a:ln>
+                  <a:noFill/>
+                </a:ln>
+                <a:solidFill>
+                  <a:schemeClr val="tx1"/>
+                </a:solidFill>
+                <a:effectLst/>
+                <a:uLnTx/>
+                <a:uFillTx/>
+                <a:latin typeface="メイリオ" panose="020B0604030504040204" pitchFamily="50" charset="-128"/>
+                <a:ea typeface="メイリオ" panose="020B0604030504040204" pitchFamily="50" charset="-128"/>
+                <a:cs typeface="メイリオ" pitchFamily="50" charset="-128"/>
+              </a:rPr>
+              <a:t>小文字</a:t>
+            </a:r>
+            <a:r>
+              <a:rPr kumimoji="0" lang="ja-JP" altLang="en-US" sz="2400" b="0" i="0" u="none" strike="noStrike" kern="0" cap="none" spc="0" normalizeH="0" baseline="0" noProof="0" dirty="0">
+                <a:ln>
+                  <a:noFill/>
+                </a:ln>
+                <a:solidFill>
+                  <a:schemeClr val="tx1"/>
+                </a:solidFill>
+                <a:effectLst/>
+                <a:uLnTx/>
+                <a:uFillTx/>
+                <a:latin typeface="メイリオ" panose="020B0604030504040204" pitchFamily="50" charset="-128"/>
+                <a:ea typeface="メイリオ" panose="020B0604030504040204" pitchFamily="50" charset="-128"/>
+                <a:cs typeface="メイリオ" pitchFamily="50" charset="-128"/>
+              </a:rPr>
+              <a:t>，</a:t>
+            </a:r>
+            <a:r>
+              <a:rPr kumimoji="0" lang="ja-JP" altLang="en-US" sz="2400" b="1" i="0" u="none" strike="noStrike" kern="0" cap="none" spc="0" normalizeH="0" baseline="0" noProof="0" dirty="0">
+                <a:ln>
+                  <a:noFill/>
+                </a:ln>
+                <a:solidFill>
+                  <a:schemeClr val="tx1"/>
+                </a:solidFill>
+                <a:effectLst/>
+                <a:uLnTx/>
+                <a:uFillTx/>
+                <a:latin typeface="メイリオ" panose="020B0604030504040204" pitchFamily="50" charset="-128"/>
+                <a:ea typeface="メイリオ" panose="020B0604030504040204" pitchFamily="50" charset="-128"/>
+                <a:cs typeface="メイリオ" pitchFamily="50" charset="-128"/>
+              </a:rPr>
+              <a:t>数字</a:t>
+            </a:r>
+            <a:r>
+              <a:rPr kumimoji="0" lang="ja-JP" altLang="en-US" sz="2400" b="0" i="0" u="none" strike="noStrike" kern="0" cap="none" spc="0" normalizeH="0" baseline="0" noProof="0" dirty="0">
+                <a:ln>
+                  <a:noFill/>
+                </a:ln>
+                <a:solidFill>
+                  <a:schemeClr val="tx1"/>
+                </a:solidFill>
+                <a:effectLst/>
+                <a:uLnTx/>
+                <a:uFillTx/>
+                <a:latin typeface="メイリオ" panose="020B0604030504040204" pitchFamily="50" charset="-128"/>
+                <a:ea typeface="メイリオ" panose="020B0604030504040204" pitchFamily="50" charset="-128"/>
+                <a:cs typeface="メイリオ" pitchFamily="50" charset="-128"/>
+              </a:rPr>
+              <a:t>，</a:t>
+            </a:r>
+            <a:r>
+              <a:rPr kumimoji="0" lang="ja-JP" altLang="en-US" sz="2400" b="1" i="0" u="none" strike="noStrike" kern="0" cap="none" spc="0" normalizeH="0" baseline="0" noProof="0" dirty="0">
+                <a:ln>
+                  <a:noFill/>
+                </a:ln>
+                <a:solidFill>
+                  <a:schemeClr val="tx1"/>
+                </a:solidFill>
+                <a:effectLst/>
+                <a:uLnTx/>
+                <a:uFillTx/>
+                <a:latin typeface="メイリオ" panose="020B0604030504040204" pitchFamily="50" charset="-128"/>
+                <a:ea typeface="メイリオ" panose="020B0604030504040204" pitchFamily="50" charset="-128"/>
+                <a:cs typeface="メイリオ" pitchFamily="50" charset="-128"/>
+              </a:rPr>
+              <a:t>記号</a:t>
+            </a:r>
+            <a:r>
+              <a:rPr kumimoji="0" lang="ja-JP" altLang="en-US" sz="2400" b="0" i="0" u="none" strike="noStrike" kern="0" cap="none" spc="0" normalizeH="0" baseline="0" noProof="0" dirty="0">
+                <a:ln>
+                  <a:noFill/>
+                </a:ln>
+                <a:solidFill>
+                  <a:schemeClr val="tx1"/>
+                </a:solidFill>
+                <a:effectLst/>
+                <a:uLnTx/>
+                <a:uFillTx/>
+                <a:latin typeface="メイリオ" panose="020B0604030504040204" pitchFamily="50" charset="-128"/>
+                <a:ea typeface="メイリオ" panose="020B0604030504040204" pitchFamily="50" charset="-128"/>
+                <a:cs typeface="メイリオ" pitchFamily="50" charset="-128"/>
+              </a:rPr>
+              <a:t>を使用しているから</a:t>
+            </a:r>
+            <a:br>
+              <a:rPr kumimoji="0" lang="en-US" altLang="ja-JP" sz="2400" b="0" i="0" u="none" strike="noStrike" kern="0" cap="none" spc="0" normalizeH="0" baseline="0" noProof="0" dirty="0">
+                <a:ln>
+                  <a:noFill/>
+                </a:ln>
+                <a:solidFill>
+                  <a:schemeClr val="tx1"/>
+                </a:solidFill>
+                <a:effectLst/>
+                <a:uLnTx/>
+                <a:uFillTx/>
+                <a:latin typeface="メイリオ" panose="020B0604030504040204" pitchFamily="50" charset="-128"/>
+                <a:ea typeface="メイリオ" panose="020B0604030504040204" pitchFamily="50" charset="-128"/>
+                <a:cs typeface="メイリオ" pitchFamily="50" charset="-128"/>
+              </a:rPr>
+            </a:br>
+            <a:r>
+              <a:rPr kumimoji="0" lang="ja-JP" altLang="en-US" sz="2400" b="0" i="0" u="none" strike="noStrike" kern="0" cap="none" spc="0" normalizeH="0" baseline="0" noProof="0" dirty="0">
+                <a:ln>
+                  <a:noFill/>
+                </a:ln>
+                <a:solidFill>
+                  <a:schemeClr val="tx1"/>
+                </a:solidFill>
+                <a:effectLst/>
+                <a:uLnTx/>
+                <a:uFillTx/>
+                <a:latin typeface="メイリオ" panose="020B0604030504040204" pitchFamily="50" charset="-128"/>
+                <a:ea typeface="メイリオ" panose="020B0604030504040204" pitchFamily="50" charset="-128"/>
+                <a:cs typeface="メイリオ" pitchFamily="50" charset="-128"/>
+              </a:rPr>
+              <a:t>安全なパスワード</a:t>
+            </a:r>
+            <a:endParaRPr kumimoji="0" lang="ja-JP" altLang="en-US" sz="2800" b="0" i="0" u="none" strike="noStrike" kern="0" cap="none" spc="0" normalizeH="0" baseline="0" noProof="0" dirty="0">
+              <a:ln>
+                <a:noFill/>
+              </a:ln>
+              <a:solidFill>
+                <a:schemeClr val="tx1"/>
+              </a:solidFill>
+              <a:effectLst/>
+              <a:uLnTx/>
+              <a:uFillTx/>
+              <a:latin typeface="メイリオ" panose="020B0604030504040204" pitchFamily="50" charset="-128"/>
+              <a:ea typeface="メイリオ" panose="020B0604030504040204" pitchFamily="50" charset="-128"/>
+              <a:cs typeface="メイリオ" pitchFamily="50" charset="-128"/>
+            </a:endParaRPr>
+          </a:p>
+        </p:txBody>
+      </p:sp>
+      <p:pic>
+        <p:nvPicPr>
+          <p:cNvPr id="59" name="図 58">
+            <a:extLst>
+              <a:ext uri="{FF2B5EF4-FFF2-40B4-BE49-F238E27FC236}">
+                <a16:creationId xmlns:a16="http://schemas.microsoft.com/office/drawing/2014/main" id="{06C661BF-714A-186C-6D4D-4311ED5BE82C}"/>
+              </a:ext>
+            </a:extLst>
+          </p:cNvPr>
+          <p:cNvPicPr>
+            <a:picLocks noChangeAspect="1"/>
+          </p:cNvPicPr>
+          <p:nvPr/>
+        </p:nvPicPr>
+        <p:blipFill>
+          <a:blip r:embed="rId3"/>
+          <a:srcRect l="8346"/>
+          <a:stretch/>
+        </p:blipFill>
+        <p:spPr>
+          <a:xfrm>
+            <a:off x="1542362" y="20910811"/>
+            <a:ext cx="2035622" cy="2022949"/>
+          </a:xfrm>
+          <a:prstGeom prst="rect">
+            <a:avLst/>
+          </a:prstGeom>
+        </p:spPr>
+      </p:pic>
+      <p:pic>
+        <p:nvPicPr>
+          <p:cNvPr id="63" name="図 62">
+            <a:extLst>
+              <a:ext uri="{FF2B5EF4-FFF2-40B4-BE49-F238E27FC236}">
+                <a16:creationId xmlns:a16="http://schemas.microsoft.com/office/drawing/2014/main" id="{FA590627-1754-6AD0-950F-2D5CB54B046B}"/>
+              </a:ext>
+            </a:extLst>
+          </p:cNvPr>
+          <p:cNvPicPr>
+            <a:picLocks noChangeAspect="1"/>
+          </p:cNvPicPr>
+          <p:nvPr/>
+        </p:nvPicPr>
+        <p:blipFill>
+          <a:blip r:embed="rId4"/>
+          <a:stretch>
+            <a:fillRect/>
+          </a:stretch>
+        </p:blipFill>
+        <p:spPr>
+          <a:xfrm>
+            <a:off x="4094993" y="20910811"/>
+            <a:ext cx="2714714" cy="2037618"/>
+          </a:xfrm>
+          <a:prstGeom prst="rect">
+            <a:avLst/>
+          </a:prstGeom>
+        </p:spPr>
+      </p:pic>
+      <p:cxnSp>
+        <p:nvCxnSpPr>
+          <p:cNvPr id="65" name="直線コネクタ 64">
+            <a:extLst>
+              <a:ext uri="{FF2B5EF4-FFF2-40B4-BE49-F238E27FC236}">
+                <a16:creationId xmlns:a16="http://schemas.microsoft.com/office/drawing/2014/main" id="{9531F0D6-9DD1-00A1-7103-34FA8071F00B}"/>
+              </a:ext>
+            </a:extLst>
+          </p:cNvPr>
+          <p:cNvCxnSpPr>
+            <a:cxnSpLocks/>
+          </p:cNvCxnSpPr>
+          <p:nvPr/>
+        </p:nvCxnSpPr>
+        <p:spPr>
+          <a:xfrm>
+            <a:off x="767556" y="18953248"/>
+            <a:ext cx="28740100" cy="76485"/>
+          </a:xfrm>
+          <a:prstGeom prst="line">
+            <a:avLst/>
+          </a:prstGeom>
+          <a:ln w="76200">
+            <a:solidFill>
+              <a:schemeClr val="tx1"/>
+            </a:solidFill>
+          </a:ln>
+        </p:spPr>
+        <p:style>
+          <a:lnRef idx="1">
+            <a:schemeClr val="accent1"/>
+          </a:lnRef>
+          <a:fillRef idx="0">
+            <a:schemeClr val="accent1"/>
+          </a:fillRef>
+          <a:effectRef idx="0">
+            <a:schemeClr val="accent1"/>
+          </a:effectRef>
+          <a:fontRef idx="minor">
+            <a:schemeClr val="tx1"/>
+          </a:fontRef>
+        </p:style>
+      </p:cxnSp>
+      <p:sp>
+        <p:nvSpPr>
+          <p:cNvPr id="70" name="角丸四角形 20">
+            <a:extLst>
+              <a:ext uri="{FF2B5EF4-FFF2-40B4-BE49-F238E27FC236}">
+                <a16:creationId xmlns:a16="http://schemas.microsoft.com/office/drawing/2014/main" id="{9584F61D-1E70-CD5F-2A70-F071119C0F80}"/>
+              </a:ext>
+            </a:extLst>
+          </p:cNvPr>
+          <p:cNvSpPr/>
+          <p:nvPr/>
+        </p:nvSpPr>
+        <p:spPr>
+          <a:xfrm>
+            <a:off x="2081704" y="13224043"/>
+            <a:ext cx="9711801" cy="1128346"/>
+          </a:xfrm>
+          <a:prstGeom prst="roundRect">
+            <a:avLst/>
+          </a:prstGeom>
+          <a:solidFill>
+            <a:schemeClr val="accent6"/>
+          </a:solidFill>
+          <a:ln w="19050"/>
+        </p:spPr>
+        <p:style>
+          <a:lnRef idx="3">
+            <a:schemeClr val="lt1"/>
+          </a:lnRef>
+          <a:fillRef idx="1">
+            <a:schemeClr val="accent2"/>
+          </a:fillRef>
+          <a:effectRef idx="1">
+            <a:schemeClr val="accent2"/>
+          </a:effectRef>
+          <a:fontRef idx="minor">
+            <a:schemeClr val="lt1"/>
+          </a:fontRef>
+        </p:style>
+        <p:txBody>
+          <a:bodyPr tIns="72000" bIns="0" rtlCol="0" anchor="ctr"/>
+          <a:lstStyle/>
+          <a:p>
+            <a:pPr marL="0" marR="0" lvl="0" indent="0" algn="ctr" defTabSz="914400" eaLnBrk="1" fontAlgn="auto" latinLnBrk="0" hangingPunct="1">
+              <a:lnSpc>
+                <a:spcPct val="100000"/>
+              </a:lnSpc>
+              <a:spcBef>
+                <a:spcPts val="0"/>
+              </a:spcBef>
+              <a:spcAft>
+                <a:spcPts val="0"/>
+              </a:spcAft>
+              <a:buClrTx/>
+              <a:buSzTx/>
+              <a:buFontTx/>
+              <a:buNone/>
+              <a:tabLst/>
+              <a:defRPr/>
+            </a:pPr>
+            <a:r>
+              <a:rPr lang="ja-JP" altLang="en-US" sz="2400" kern="0" dirty="0">
+                <a:solidFill>
+                  <a:schemeClr val="tx1"/>
+                </a:solidFill>
+                <a:latin typeface="メイリオ" panose="020B0604030504040204" pitchFamily="50" charset="-128"/>
+                <a:ea typeface="メイリオ" panose="020B0604030504040204" pitchFamily="50" charset="-128"/>
+                <a:cs typeface="メイリオ" pitchFamily="50" charset="-128"/>
+              </a:rPr>
+              <a:t>出所不明の</a:t>
+            </a:r>
+            <a:r>
+              <a:rPr lang="en-US" altLang="ja-JP" sz="2400" kern="0" dirty="0">
+                <a:solidFill>
+                  <a:schemeClr val="tx1"/>
+                </a:solidFill>
+                <a:latin typeface="メイリオ" panose="020B0604030504040204" pitchFamily="50" charset="-128"/>
+                <a:ea typeface="メイリオ" panose="020B0604030504040204" pitchFamily="50" charset="-128"/>
+                <a:cs typeface="メイリオ" pitchFamily="50" charset="-128"/>
+              </a:rPr>
+              <a:t>USB</a:t>
+            </a:r>
+            <a:r>
+              <a:rPr lang="ja-JP" altLang="en-US" sz="2400" kern="0" dirty="0">
+                <a:solidFill>
+                  <a:schemeClr val="tx1"/>
+                </a:solidFill>
+                <a:latin typeface="メイリオ" panose="020B0604030504040204" pitchFamily="50" charset="-128"/>
+                <a:ea typeface="メイリオ" panose="020B0604030504040204" pitchFamily="50" charset="-128"/>
+                <a:cs typeface="メイリオ" pitchFamily="50" charset="-128"/>
+              </a:rPr>
+              <a:t>を差し込む</a:t>
+            </a:r>
+            <a:endParaRPr kumimoji="0" lang="ja-JP" altLang="en-US" sz="2800" b="0" i="0" u="none" strike="noStrike" kern="0" cap="none" spc="0" normalizeH="0" baseline="0" noProof="0" dirty="0">
+              <a:ln>
+                <a:noFill/>
+              </a:ln>
+              <a:solidFill>
+                <a:schemeClr val="tx1"/>
+              </a:solidFill>
+              <a:effectLst/>
+              <a:uLnTx/>
+              <a:uFillTx/>
+              <a:latin typeface="メイリオ" panose="020B0604030504040204" pitchFamily="50" charset="-128"/>
+              <a:ea typeface="メイリオ" panose="020B0604030504040204" pitchFamily="50" charset="-128"/>
+              <a:cs typeface="メイリオ" pitchFamily="50" charset="-128"/>
+            </a:endParaRPr>
+          </a:p>
+        </p:txBody>
+      </p:sp>
+      <p:cxnSp>
+        <p:nvCxnSpPr>
+          <p:cNvPr id="72" name="直線コネクタ 71">
+            <a:extLst>
+              <a:ext uri="{FF2B5EF4-FFF2-40B4-BE49-F238E27FC236}">
+                <a16:creationId xmlns:a16="http://schemas.microsoft.com/office/drawing/2014/main" id="{8CDB6F32-2A13-CF6E-BF4E-35D692D38BCC}"/>
+              </a:ext>
+            </a:extLst>
+          </p:cNvPr>
+          <p:cNvCxnSpPr/>
+          <p:nvPr/>
+        </p:nvCxnSpPr>
+        <p:spPr>
+          <a:xfrm>
+            <a:off x="15137606" y="8809489"/>
+            <a:ext cx="95909" cy="33659311"/>
+          </a:xfrm>
+          <a:prstGeom prst="line">
+            <a:avLst/>
+          </a:prstGeom>
+          <a:ln w="76200">
+            <a:solidFill>
+              <a:schemeClr val="tx1"/>
+            </a:solidFill>
+          </a:ln>
+        </p:spPr>
+        <p:style>
+          <a:lnRef idx="1">
+            <a:schemeClr val="accent1"/>
+          </a:lnRef>
+          <a:fillRef idx="0">
+            <a:schemeClr val="accent1"/>
+          </a:fillRef>
+          <a:effectRef idx="0">
+            <a:schemeClr val="accent1"/>
+          </a:effectRef>
+          <a:fontRef idx="minor">
+            <a:schemeClr val="tx1"/>
+          </a:fontRef>
+        </p:style>
+      </p:cxnSp>
+      <p:cxnSp>
+        <p:nvCxnSpPr>
+          <p:cNvPr id="73" name="直線コネクタ 72">
+            <a:extLst>
+              <a:ext uri="{FF2B5EF4-FFF2-40B4-BE49-F238E27FC236}">
+                <a16:creationId xmlns:a16="http://schemas.microsoft.com/office/drawing/2014/main" id="{D4F1DC86-55C5-8D59-D1DA-C36313C806C3}"/>
+              </a:ext>
+            </a:extLst>
+          </p:cNvPr>
+          <p:cNvCxnSpPr>
+            <a:cxnSpLocks/>
+          </p:cNvCxnSpPr>
+          <p:nvPr/>
+        </p:nvCxnSpPr>
+        <p:spPr>
+          <a:xfrm>
+            <a:off x="1302622" y="28860736"/>
+            <a:ext cx="28740100" cy="76485"/>
+          </a:xfrm>
+          <a:prstGeom prst="line">
+            <a:avLst/>
+          </a:prstGeom>
+          <a:ln w="76200">
+            <a:solidFill>
+              <a:schemeClr val="tx1"/>
+            </a:solidFill>
+          </a:ln>
+        </p:spPr>
+        <p:style>
+          <a:lnRef idx="1">
+            <a:schemeClr val="accent1"/>
+          </a:lnRef>
+          <a:fillRef idx="0">
+            <a:schemeClr val="accent1"/>
+          </a:fillRef>
+          <a:effectRef idx="0">
+            <a:schemeClr val="accent1"/>
+          </a:effectRef>
+          <a:fontRef idx="minor">
+            <a:schemeClr val="tx1"/>
+          </a:fontRef>
+        </p:style>
+      </p:cxnSp>
+      <p:sp>
+        <p:nvSpPr>
+          <p:cNvPr id="74" name="矢印: 下 73">
+            <a:extLst>
+              <a:ext uri="{FF2B5EF4-FFF2-40B4-BE49-F238E27FC236}">
+                <a16:creationId xmlns:a16="http://schemas.microsoft.com/office/drawing/2014/main" id="{700FFC7A-82F8-D850-1EB2-CC2B27E7EE32}"/>
+              </a:ext>
+            </a:extLst>
+          </p:cNvPr>
+          <p:cNvSpPr/>
+          <p:nvPr/>
+        </p:nvSpPr>
+        <p:spPr>
+          <a:xfrm rot="16200000">
+            <a:off x="11748590" y="26766525"/>
+            <a:ext cx="393442" cy="515541"/>
+          </a:xfrm>
+          <a:prstGeom prst="downArrow">
+            <a:avLst>
+              <a:gd name="adj1" fmla="val 50000"/>
+              <a:gd name="adj2" fmla="val 41625"/>
+            </a:avLst>
+          </a:prstGeom>
+        </p:spPr>
+        <p:style>
+          <a:lnRef idx="1">
+            <a:schemeClr val="dk1"/>
+          </a:lnRef>
+          <a:fillRef idx="2">
+            <a:schemeClr val="dk1"/>
+          </a:fillRef>
+          <a:effectRef idx="1">
+            <a:schemeClr val="dk1"/>
+          </a:effectRef>
+          <a:fontRef idx="minor">
+            <a:schemeClr val="dk1"/>
+          </a:fontRef>
+        </p:style>
+        <p:txBody>
+          <a:bodyPr rtlCol="0" anchor="ctr"/>
+          <a:lstStyle/>
+          <a:p>
+            <a:pPr algn="ctr"/>
+            <a:endParaRPr kumimoji="1" lang="ja-JP" altLang="en-US">
+              <a:latin typeface="メイリオ" panose="020B0604030504040204" pitchFamily="50" charset="-128"/>
+              <a:ea typeface="メイリオ" panose="020B0604030504040204" pitchFamily="50" charset="-128"/>
+            </a:endParaRPr>
+          </a:p>
+        </p:txBody>
+      </p:sp>
+      <p:sp>
+        <p:nvSpPr>
+          <p:cNvPr id="75" name="四角形: 角を丸くする 74">
+            <a:extLst>
+              <a:ext uri="{FF2B5EF4-FFF2-40B4-BE49-F238E27FC236}">
+                <a16:creationId xmlns:a16="http://schemas.microsoft.com/office/drawing/2014/main" id="{01204FFF-9B35-1199-E79A-83E23DA38DF7}"/>
+              </a:ext>
+            </a:extLst>
+          </p:cNvPr>
+          <p:cNvSpPr/>
+          <p:nvPr/>
+        </p:nvSpPr>
+        <p:spPr>
+          <a:xfrm>
+            <a:off x="12235891" y="26776518"/>
+            <a:ext cx="1788681" cy="495554"/>
+          </a:xfrm>
+          <a:prstGeom prst="roundRect">
+            <a:avLst>
+              <a:gd name="adj" fmla="val 8865"/>
+            </a:avLst>
+          </a:prstGeom>
+          <a:solidFill>
+            <a:schemeClr val="bg1"/>
+          </a:solidFill>
+          <a:ln w="38100">
+            <a:solidFill>
+              <a:srgbClr val="FF0000"/>
+            </a:solidFill>
+          </a:ln>
+        </p:spPr>
+        <p:style>
+          <a:lnRef idx="2">
+            <a:schemeClr val="accent4"/>
+          </a:lnRef>
+          <a:fillRef idx="1">
+            <a:schemeClr val="lt1"/>
+          </a:fillRef>
+          <a:effectRef idx="0">
+            <a:schemeClr val="accent4"/>
+          </a:effectRef>
+          <a:fontRef idx="minor">
+            <a:schemeClr val="dk1"/>
+          </a:fontRef>
+        </p:style>
+        <p:txBody>
+          <a:bodyPr vert="horz" tIns="72000" rIns="144000" rtlCol="0" anchor="t"/>
+          <a:lstStyle/>
+          <a:p>
+            <a:pPr algn="ctr"/>
+            <a:r>
+              <a:rPr kumimoji="1" lang="ja-JP" altLang="en-US" sz="2400" b="1" dirty="0">
+                <a:solidFill>
+                  <a:srgbClr val="FF0000"/>
+                </a:solidFill>
+                <a:latin typeface="メイリオ" panose="020B0604030504040204" pitchFamily="50" charset="-128"/>
+                <a:ea typeface="メイリオ" panose="020B0604030504040204" pitchFamily="50" charset="-128"/>
+              </a:rPr>
+              <a:t>脆弱</a:t>
+            </a:r>
+          </a:p>
+        </p:txBody>
+      </p:sp>
+      <p:sp>
+        <p:nvSpPr>
+          <p:cNvPr id="80" name="角丸四角形 135">
+            <a:extLst>
+              <a:ext uri="{FF2B5EF4-FFF2-40B4-BE49-F238E27FC236}">
+                <a16:creationId xmlns:a16="http://schemas.microsoft.com/office/drawing/2014/main" id="{B2DFE1C4-1FB6-8D87-190A-27E789F30FBC}"/>
+              </a:ext>
+            </a:extLst>
+          </p:cNvPr>
+          <p:cNvSpPr/>
+          <p:nvPr/>
+        </p:nvSpPr>
+        <p:spPr>
+          <a:xfrm>
+            <a:off x="4364618" y="27520043"/>
+            <a:ext cx="2988030" cy="293761"/>
+          </a:xfrm>
+          <a:prstGeom prst="roundRect">
+            <a:avLst/>
+          </a:prstGeom>
+          <a:solidFill>
+            <a:srgbClr val="D9EAF7"/>
+          </a:solidFill>
+          <a:ln>
+            <a:solidFill>
+              <a:srgbClr val="008000"/>
+            </a:solidFill>
+          </a:ln>
+        </p:spPr>
+        <p:style>
+          <a:lnRef idx="3">
+            <a:schemeClr val="lt1"/>
+          </a:lnRef>
+          <a:fillRef idx="1">
+            <a:schemeClr val="accent3"/>
+          </a:fillRef>
+          <a:effectRef idx="1">
+            <a:schemeClr val="accent3"/>
+          </a:effectRef>
+          <a:fontRef idx="minor">
+            <a:schemeClr val="lt1"/>
+          </a:fontRef>
+        </p:style>
+        <p:txBody>
+          <a:bodyPr lIns="0" tIns="72000" rIns="0" rtlCol="0" anchor="ctr"/>
+          <a:lstStyle>
+            <a:defPPr>
+              <a:defRPr lang="ja-JP"/>
+            </a:defPPr>
+            <a:lvl1pPr marL="0" algn="l" defTabSz="914400" rtl="0" eaLnBrk="1" latinLnBrk="0" hangingPunct="1">
+              <a:defRPr kumimoji="1" sz="1800" kern="1200">
+                <a:solidFill>
+                  <a:schemeClr val="lt1"/>
+                </a:solidFill>
+                <a:latin typeface="+mn-lt"/>
+                <a:ea typeface="+mn-ea"/>
+                <a:cs typeface="+mn-cs"/>
+              </a:defRPr>
+            </a:lvl1pPr>
+            <a:lvl2pPr marL="457200" algn="l" defTabSz="914400" rtl="0" eaLnBrk="1" latinLnBrk="0" hangingPunct="1">
+              <a:defRPr kumimoji="1" sz="1800" kern="1200">
+                <a:solidFill>
+                  <a:schemeClr val="lt1"/>
+                </a:solidFill>
+                <a:latin typeface="+mn-lt"/>
+                <a:ea typeface="+mn-ea"/>
+                <a:cs typeface="+mn-cs"/>
+              </a:defRPr>
+            </a:lvl2pPr>
+            <a:lvl3pPr marL="914400" algn="l" defTabSz="914400" rtl="0" eaLnBrk="1" latinLnBrk="0" hangingPunct="1">
+              <a:defRPr kumimoji="1" sz="1800" kern="1200">
+                <a:solidFill>
+                  <a:schemeClr val="lt1"/>
+                </a:solidFill>
+                <a:latin typeface="+mn-lt"/>
+                <a:ea typeface="+mn-ea"/>
+                <a:cs typeface="+mn-cs"/>
+              </a:defRPr>
+            </a:lvl3pPr>
+            <a:lvl4pPr marL="1371600" algn="l" defTabSz="914400" rtl="0" eaLnBrk="1" latinLnBrk="0" hangingPunct="1">
+              <a:defRPr kumimoji="1" sz="1800" kern="1200">
+                <a:solidFill>
+                  <a:schemeClr val="lt1"/>
+                </a:solidFill>
+                <a:latin typeface="+mn-lt"/>
+                <a:ea typeface="+mn-ea"/>
+                <a:cs typeface="+mn-cs"/>
+              </a:defRPr>
+            </a:lvl4pPr>
+            <a:lvl5pPr marL="1828800" algn="l" defTabSz="914400" rtl="0" eaLnBrk="1" latinLnBrk="0" hangingPunct="1">
+              <a:defRPr kumimoji="1" sz="1800" kern="1200">
+                <a:solidFill>
+                  <a:schemeClr val="lt1"/>
+                </a:solidFill>
+                <a:latin typeface="+mn-lt"/>
+                <a:ea typeface="+mn-ea"/>
+                <a:cs typeface="+mn-cs"/>
+              </a:defRPr>
+            </a:lvl5pPr>
+            <a:lvl6pPr marL="2286000" algn="l" defTabSz="914400" rtl="0" eaLnBrk="1" latinLnBrk="0" hangingPunct="1">
+              <a:defRPr kumimoji="1" sz="1800" kern="1200">
+                <a:solidFill>
+                  <a:schemeClr val="lt1"/>
+                </a:solidFill>
+                <a:latin typeface="+mn-lt"/>
+                <a:ea typeface="+mn-ea"/>
+                <a:cs typeface="+mn-cs"/>
+              </a:defRPr>
+            </a:lvl6pPr>
+            <a:lvl7pPr marL="2743200" algn="l" defTabSz="914400" rtl="0" eaLnBrk="1" latinLnBrk="0" hangingPunct="1">
+              <a:defRPr kumimoji="1" sz="1800" kern="1200">
+                <a:solidFill>
+                  <a:schemeClr val="lt1"/>
+                </a:solidFill>
+                <a:latin typeface="+mn-lt"/>
+                <a:ea typeface="+mn-ea"/>
+                <a:cs typeface="+mn-cs"/>
+              </a:defRPr>
+            </a:lvl7pPr>
+            <a:lvl8pPr marL="3200400" algn="l" defTabSz="914400" rtl="0" eaLnBrk="1" latinLnBrk="0" hangingPunct="1">
+              <a:defRPr kumimoji="1" sz="1800" kern="1200">
+                <a:solidFill>
+                  <a:schemeClr val="lt1"/>
+                </a:solidFill>
+                <a:latin typeface="+mn-lt"/>
+                <a:ea typeface="+mn-ea"/>
+                <a:cs typeface="+mn-cs"/>
+              </a:defRPr>
+            </a:lvl8pPr>
+            <a:lvl9pPr marL="3657600" algn="l" defTabSz="914400" rtl="0" eaLnBrk="1" latinLnBrk="0" hangingPunct="1">
+              <a:defRPr kumimoji="1" sz="1800" kern="1200">
+                <a:solidFill>
+                  <a:schemeClr val="lt1"/>
+                </a:solidFill>
+                <a:latin typeface="+mn-lt"/>
+                <a:ea typeface="+mn-ea"/>
+                <a:cs typeface="+mn-cs"/>
+              </a:defRPr>
+            </a:lvl9pPr>
+          </a:lstStyle>
+          <a:p>
+            <a:pPr algn="ctr"/>
+            <a:r>
+              <a:rPr lang="ja-JP" altLang="en-US" dirty="0">
+                <a:solidFill>
+                  <a:schemeClr val="tx1"/>
+                </a:solidFill>
+                <a:latin typeface="メイリオ" pitchFamily="50" charset="-128"/>
+                <a:ea typeface="メイリオ" pitchFamily="50" charset="-128"/>
+                <a:cs typeface="メイリオ" pitchFamily="50" charset="-128"/>
+              </a:rPr>
+              <a:t>使用回数</a:t>
+            </a:r>
+            <a:endParaRPr kumimoji="1" lang="ja-JP" altLang="en-US" sz="1400" dirty="0">
+              <a:solidFill>
+                <a:schemeClr val="tx1"/>
+              </a:solidFill>
+              <a:latin typeface="メイリオ" pitchFamily="50" charset="-128"/>
+              <a:ea typeface="メイリオ" pitchFamily="50" charset="-128"/>
+              <a:cs typeface="メイリオ" pitchFamily="50" charset="-128"/>
+            </a:endParaRPr>
+          </a:p>
+        </p:txBody>
+      </p:sp>
+      <p:sp>
+        <p:nvSpPr>
+          <p:cNvPr id="81" name="円/楕円 111">
+            <a:extLst>
+              <a:ext uri="{FF2B5EF4-FFF2-40B4-BE49-F238E27FC236}">
+                <a16:creationId xmlns:a16="http://schemas.microsoft.com/office/drawing/2014/main" id="{B6F673DD-CB17-04C3-3E59-C62D757FB690}"/>
+              </a:ext>
+            </a:extLst>
+          </p:cNvPr>
+          <p:cNvSpPr>
+            <a:spLocks noChangeAspect="1"/>
+          </p:cNvSpPr>
+          <p:nvPr/>
+        </p:nvSpPr>
+        <p:spPr>
+          <a:xfrm rot="20993983">
+            <a:off x="1752943" y="25285552"/>
+            <a:ext cx="1142846" cy="745604"/>
+          </a:xfrm>
+          <a:prstGeom prst="ellipse">
+            <a:avLst/>
+          </a:prstGeom>
+          <a:solidFill>
+            <a:schemeClr val="accent3"/>
+          </a:solidFill>
+          <a:ln w="12700">
+            <a:solidFill>
+              <a:schemeClr val="bg1"/>
+            </a:solidFill>
+          </a:ln>
+        </p:spPr>
+        <p:style>
+          <a:lnRef idx="2">
+            <a:schemeClr val="accent1">
+              <a:shade val="50000"/>
+            </a:schemeClr>
+          </a:lnRef>
+          <a:fillRef idx="1">
+            <a:schemeClr val="accent1"/>
+          </a:fillRef>
+          <a:effectRef idx="0">
+            <a:schemeClr val="accent1"/>
+          </a:effectRef>
+          <a:fontRef idx="minor">
+            <a:schemeClr val="lt1"/>
+          </a:fontRef>
+        </p:style>
+        <p:txBody>
+          <a:bodyPr lIns="0" tIns="108000" rIns="0" bIns="72000" rtlCol="0" anchor="ctr"/>
+          <a:lstStyle>
+            <a:defPPr>
+              <a:defRPr lang="ja-JP"/>
+            </a:defPPr>
+            <a:lvl1pPr marL="0" algn="l" defTabSz="914400" rtl="0" eaLnBrk="1" latinLnBrk="0" hangingPunct="1">
+              <a:defRPr kumimoji="1" sz="1800" kern="1200">
+                <a:solidFill>
+                  <a:schemeClr val="lt1"/>
+                </a:solidFill>
+                <a:latin typeface="+mn-lt"/>
+                <a:ea typeface="+mn-ea"/>
+                <a:cs typeface="+mn-cs"/>
+              </a:defRPr>
+            </a:lvl1pPr>
+            <a:lvl2pPr marL="457200" algn="l" defTabSz="914400" rtl="0" eaLnBrk="1" latinLnBrk="0" hangingPunct="1">
+              <a:defRPr kumimoji="1" sz="1800" kern="1200">
+                <a:solidFill>
+                  <a:schemeClr val="lt1"/>
+                </a:solidFill>
+                <a:latin typeface="+mn-lt"/>
+                <a:ea typeface="+mn-ea"/>
+                <a:cs typeface="+mn-cs"/>
+              </a:defRPr>
+            </a:lvl2pPr>
+            <a:lvl3pPr marL="914400" algn="l" defTabSz="914400" rtl="0" eaLnBrk="1" latinLnBrk="0" hangingPunct="1">
+              <a:defRPr kumimoji="1" sz="1800" kern="1200">
+                <a:solidFill>
+                  <a:schemeClr val="lt1"/>
+                </a:solidFill>
+                <a:latin typeface="+mn-lt"/>
+                <a:ea typeface="+mn-ea"/>
+                <a:cs typeface="+mn-cs"/>
+              </a:defRPr>
+            </a:lvl3pPr>
+            <a:lvl4pPr marL="1371600" algn="l" defTabSz="914400" rtl="0" eaLnBrk="1" latinLnBrk="0" hangingPunct="1">
+              <a:defRPr kumimoji="1" sz="1800" kern="1200">
+                <a:solidFill>
+                  <a:schemeClr val="lt1"/>
+                </a:solidFill>
+                <a:latin typeface="+mn-lt"/>
+                <a:ea typeface="+mn-ea"/>
+                <a:cs typeface="+mn-cs"/>
+              </a:defRPr>
+            </a:lvl4pPr>
+            <a:lvl5pPr marL="1828800" algn="l" defTabSz="914400" rtl="0" eaLnBrk="1" latinLnBrk="0" hangingPunct="1">
+              <a:defRPr kumimoji="1" sz="1800" kern="1200">
+                <a:solidFill>
+                  <a:schemeClr val="lt1"/>
+                </a:solidFill>
+                <a:latin typeface="+mn-lt"/>
+                <a:ea typeface="+mn-ea"/>
+                <a:cs typeface="+mn-cs"/>
+              </a:defRPr>
+            </a:lvl5pPr>
+            <a:lvl6pPr marL="2286000" algn="l" defTabSz="914400" rtl="0" eaLnBrk="1" latinLnBrk="0" hangingPunct="1">
+              <a:defRPr kumimoji="1" sz="1800" kern="1200">
+                <a:solidFill>
+                  <a:schemeClr val="lt1"/>
+                </a:solidFill>
+                <a:latin typeface="+mn-lt"/>
+                <a:ea typeface="+mn-ea"/>
+                <a:cs typeface="+mn-cs"/>
+              </a:defRPr>
+            </a:lvl6pPr>
+            <a:lvl7pPr marL="2743200" algn="l" defTabSz="914400" rtl="0" eaLnBrk="1" latinLnBrk="0" hangingPunct="1">
+              <a:defRPr kumimoji="1" sz="1800" kern="1200">
+                <a:solidFill>
+                  <a:schemeClr val="lt1"/>
+                </a:solidFill>
+                <a:latin typeface="+mn-lt"/>
+                <a:ea typeface="+mn-ea"/>
+                <a:cs typeface="+mn-cs"/>
+              </a:defRPr>
+            </a:lvl7pPr>
+            <a:lvl8pPr marL="3200400" algn="l" defTabSz="914400" rtl="0" eaLnBrk="1" latinLnBrk="0" hangingPunct="1">
+              <a:defRPr kumimoji="1" sz="1800" kern="1200">
+                <a:solidFill>
+                  <a:schemeClr val="lt1"/>
+                </a:solidFill>
+                <a:latin typeface="+mn-lt"/>
+                <a:ea typeface="+mn-ea"/>
+                <a:cs typeface="+mn-cs"/>
+              </a:defRPr>
+            </a:lvl8pPr>
+            <a:lvl9pPr marL="3657600" algn="l" defTabSz="914400" rtl="0" eaLnBrk="1" latinLnBrk="0" hangingPunct="1">
+              <a:defRPr kumimoji="1" sz="1800" kern="1200">
+                <a:solidFill>
+                  <a:schemeClr val="lt1"/>
+                </a:solidFill>
+                <a:latin typeface="+mn-lt"/>
+                <a:ea typeface="+mn-ea"/>
+                <a:cs typeface="+mn-cs"/>
+              </a:defRPr>
+            </a:lvl9pPr>
+          </a:lstStyle>
+          <a:p>
+            <a:pPr algn="ctr"/>
+            <a:r>
+              <a:rPr lang="ja-JP" altLang="en-US" sz="2000" b="1" dirty="0">
+                <a:latin typeface="Segoe UI" panose="020B0502040204020203" pitchFamily="34" charset="0"/>
+                <a:cs typeface="Segoe UI" panose="020B0502040204020203" pitchFamily="34" charset="0"/>
+              </a:rPr>
+              <a:t>問題点</a:t>
+            </a:r>
+            <a:endParaRPr kumimoji="1" lang="ja-JP" altLang="en-US" sz="2000" b="1" dirty="0">
+              <a:latin typeface="Segoe UI" panose="020B0502040204020203" pitchFamily="34" charset="0"/>
+              <a:cs typeface="Segoe UI" panose="020B0502040204020203" pitchFamily="34" charset="0"/>
+            </a:endParaRPr>
+          </a:p>
+        </p:txBody>
+      </p:sp>
+      <p:pic>
+        <p:nvPicPr>
+          <p:cNvPr id="83" name="図 82" descr="テキスト&#10;&#10;AI によって生成されたコンテンツは間違っている可能性があります。">
+            <a:extLst>
+              <a:ext uri="{FF2B5EF4-FFF2-40B4-BE49-F238E27FC236}">
+                <a16:creationId xmlns:a16="http://schemas.microsoft.com/office/drawing/2014/main" id="{53673AC7-3132-348B-2E0A-5F9222479F7E}"/>
+              </a:ext>
+            </a:extLst>
+          </p:cNvPr>
+          <p:cNvPicPr>
+            <a:picLocks noChangeAspect="1"/>
+          </p:cNvPicPr>
+          <p:nvPr/>
+        </p:nvPicPr>
+        <p:blipFill>
+          <a:blip r:embed="rId5">
+            <a:extLst>
+              <a:ext uri="{28A0092B-C50C-407E-A947-70E740481C1C}">
+                <a14:useLocalDpi xmlns:a14="http://schemas.microsoft.com/office/drawing/2010/main" val="0"/>
+              </a:ext>
+            </a:extLst>
+          </a:blip>
+          <a:stretch>
+            <a:fillRect/>
+          </a:stretch>
+        </p:blipFill>
+        <p:spPr>
+          <a:xfrm>
+            <a:off x="15860994" y="11679847"/>
+            <a:ext cx="4079598" cy="4953306"/>
+          </a:xfrm>
+          <a:prstGeom prst="rect">
+            <a:avLst/>
+          </a:prstGeom>
+        </p:spPr>
+      </p:pic>
+      <p:pic>
+        <p:nvPicPr>
+          <p:cNvPr id="1026" name="Picture 2" descr="Blueprint Optimization In Unreal (UE4/UE5) — Chris McCole">
+            <a:extLst>
+              <a:ext uri="{FF2B5EF4-FFF2-40B4-BE49-F238E27FC236}">
+                <a16:creationId xmlns:a16="http://schemas.microsoft.com/office/drawing/2014/main" id="{420BB4B8-FB69-0E87-0871-79F374A032B4}"/>
+              </a:ext>
+            </a:extLst>
+          </p:cNvPr>
+          <p:cNvPicPr>
+            <a:picLocks noChangeAspect="1" noChangeArrowheads="1"/>
+          </p:cNvPicPr>
+          <p:nvPr/>
+        </p:nvPicPr>
+        <p:blipFill>
+          <a:blip r:embed="rId6">
+            <a:extLst>
+              <a:ext uri="{28A0092B-C50C-407E-A947-70E740481C1C}">
+                <a14:useLocalDpi xmlns:a14="http://schemas.microsoft.com/office/drawing/2010/main" val="0"/>
+              </a:ext>
+            </a:extLst>
+          </a:blip>
+          <a:srcRect/>
+          <a:stretch>
+            <a:fillRect/>
+          </a:stretch>
+        </p:blipFill>
+        <p:spPr bwMode="auto">
+          <a:xfrm>
+            <a:off x="20319605" y="11880034"/>
+            <a:ext cx="5249969" cy="3191981"/>
+          </a:xfrm>
+          <a:prstGeom prst="rect">
+            <a:avLst/>
+          </a:prstGeom>
+          <a:noFill/>
+          <a:extLst>
+            <a:ext uri="{909E8E84-426E-40DD-AFC4-6F175D3DCCD1}">
+              <a14:hiddenFill xmlns:a14="http://schemas.microsoft.com/office/drawing/2010/main">
+                <a:solidFill>
+                  <a:srgbClr val="FFFFFF"/>
+                </a:solidFill>
+              </a14:hiddenFill>
+            </a:ext>
+          </a:extLst>
+        </p:spPr>
+      </p:pic>
+      <p:sp>
+        <p:nvSpPr>
+          <p:cNvPr id="84" name="テキスト ボックス 83">
+            <a:extLst>
+              <a:ext uri="{FF2B5EF4-FFF2-40B4-BE49-F238E27FC236}">
+                <a16:creationId xmlns:a16="http://schemas.microsoft.com/office/drawing/2014/main" id="{BE9AF133-940B-BEFB-32E0-3B36135EF308}"/>
+              </a:ext>
+            </a:extLst>
+          </p:cNvPr>
+          <p:cNvSpPr txBox="1"/>
+          <p:nvPr/>
+        </p:nvSpPr>
+        <p:spPr>
+          <a:xfrm>
+            <a:off x="19028720" y="15289836"/>
+            <a:ext cx="8089670" cy="875368"/>
+          </a:xfrm>
+          <a:prstGeom prst="rect">
+            <a:avLst/>
+          </a:prstGeom>
+          <a:noFill/>
+        </p:spPr>
+        <p:txBody>
+          <a:bodyPr wrap="square" rtlCol="0">
+            <a:spAutoFit/>
+          </a:bodyPr>
+          <a:lstStyle/>
+          <a:p>
+            <a:pPr algn="ctr"/>
+            <a:r>
+              <a:rPr kumimoji="1" lang="ja-JP" altLang="en-US" dirty="0">
+                <a:latin typeface="メイリオ" panose="020B0604030504040204" pitchFamily="50" charset="-128"/>
+                <a:ea typeface="メイリオ" panose="020B0604030504040204" pitchFamily="50" charset="-128"/>
+              </a:rPr>
+              <a:t>ほぼ</a:t>
+            </a:r>
+            <a:r>
+              <a:rPr kumimoji="1" lang="en-US" altLang="ja-JP" dirty="0" err="1">
+                <a:latin typeface="メイリオ" panose="020B0604030504040204" pitchFamily="50" charset="-128"/>
+                <a:ea typeface="メイリオ" panose="020B0604030504040204" pitchFamily="50" charset="-128"/>
+              </a:rPr>
+              <a:t>Blurprint</a:t>
+            </a:r>
+            <a:r>
+              <a:rPr kumimoji="1" lang="ja-JP" altLang="en-US" dirty="0">
+                <a:latin typeface="メイリオ" panose="020B0604030504040204" pitchFamily="50" charset="-128"/>
+                <a:ea typeface="メイリオ" panose="020B0604030504040204" pitchFamily="50" charset="-128"/>
+              </a:rPr>
+              <a:t>により開発</a:t>
+            </a:r>
+            <a:br>
+              <a:rPr kumimoji="1" lang="en-US" altLang="ja-JP" dirty="0">
+                <a:latin typeface="メイリオ" panose="020B0604030504040204" pitchFamily="50" charset="-128"/>
+                <a:ea typeface="メイリオ" panose="020B0604030504040204" pitchFamily="50" charset="-128"/>
+              </a:rPr>
+            </a:br>
+            <a:r>
+              <a:rPr kumimoji="1" lang="en-US" altLang="ja-JP" dirty="0">
+                <a:latin typeface="メイリオ" panose="020B0604030504040204" pitchFamily="50" charset="-128"/>
+                <a:ea typeface="メイリオ" panose="020B0604030504040204" pitchFamily="50" charset="-128"/>
+              </a:rPr>
+              <a:t>(</a:t>
+            </a:r>
+            <a:r>
+              <a:rPr kumimoji="1" lang="ja-JP" altLang="en-US" dirty="0">
+                <a:latin typeface="メイリオ" panose="020B0604030504040204" pitchFamily="50" charset="-128"/>
+                <a:ea typeface="メイリオ" panose="020B0604030504040204" pitchFamily="50" charset="-128"/>
+              </a:rPr>
+              <a:t>パスワードの解析のみ</a:t>
+            </a:r>
+            <a:r>
+              <a:rPr kumimoji="1" lang="en-US" altLang="ja-JP" dirty="0">
+                <a:latin typeface="メイリオ" panose="020B0604030504040204" pitchFamily="50" charset="-128"/>
+                <a:ea typeface="メイリオ" panose="020B0604030504040204" pitchFamily="50" charset="-128"/>
+              </a:rPr>
+              <a:t>C++</a:t>
+            </a:r>
+            <a:r>
+              <a:rPr kumimoji="1" lang="ja-JP" altLang="en-US" dirty="0">
+                <a:latin typeface="メイリオ" panose="020B0604030504040204" pitchFamily="50" charset="-128"/>
+                <a:ea typeface="メイリオ" panose="020B0604030504040204" pitchFamily="50" charset="-128"/>
+              </a:rPr>
+              <a:t>を使用</a:t>
+            </a:r>
+            <a:r>
+              <a:rPr kumimoji="1" lang="en-US" altLang="ja-JP" dirty="0">
+                <a:latin typeface="メイリオ" panose="020B0604030504040204" pitchFamily="50" charset="-128"/>
+                <a:ea typeface="メイリオ" panose="020B0604030504040204" pitchFamily="50" charset="-128"/>
+              </a:rPr>
+              <a:t>)</a:t>
+            </a:r>
+            <a:endParaRPr kumimoji="1" lang="ja-JP" altLang="en-US" dirty="0">
+              <a:latin typeface="メイリオ" panose="020B0604030504040204" pitchFamily="50" charset="-128"/>
+              <a:ea typeface="メイリオ" panose="020B0604030504040204" pitchFamily="50" charset="-128"/>
+            </a:endParaRPr>
+          </a:p>
+        </p:txBody>
+      </p:sp>
+      <p:sp>
+        <p:nvSpPr>
+          <p:cNvPr id="85" name="テキスト ボックス 84">
+            <a:extLst>
+              <a:ext uri="{FF2B5EF4-FFF2-40B4-BE49-F238E27FC236}">
+                <a16:creationId xmlns:a16="http://schemas.microsoft.com/office/drawing/2014/main" id="{F8587808-DB0D-4068-F93C-F4A182A8920A}"/>
+              </a:ext>
+            </a:extLst>
+          </p:cNvPr>
+          <p:cNvSpPr txBox="1"/>
+          <p:nvPr/>
+        </p:nvSpPr>
+        <p:spPr>
+          <a:xfrm>
+            <a:off x="19249552" y="10798535"/>
+            <a:ext cx="7756999" cy="875368"/>
+          </a:xfrm>
+          <a:prstGeom prst="rect">
+            <a:avLst/>
+          </a:prstGeom>
+          <a:noFill/>
+        </p:spPr>
+        <p:txBody>
+          <a:bodyPr wrap="square" rtlCol="0">
+            <a:spAutoFit/>
+          </a:bodyPr>
+          <a:lstStyle/>
+          <a:p>
+            <a:pPr algn="ctr"/>
+            <a:r>
+              <a:rPr kumimoji="1" lang="ja-JP" altLang="en-US" dirty="0">
+                <a:latin typeface="メイリオ" panose="020B0604030504040204" pitchFamily="50" charset="-128"/>
+                <a:ea typeface="メイリオ" panose="020B0604030504040204" pitchFamily="50" charset="-128"/>
+              </a:rPr>
+              <a:t>学習駆動コースの名のもと，使ったことがない</a:t>
+            </a:r>
+            <a:r>
+              <a:rPr kumimoji="1" lang="en-US" altLang="ja-JP" dirty="0">
+                <a:latin typeface="メイリオ" panose="020B0604030504040204" pitchFamily="50" charset="-128"/>
+                <a:ea typeface="メイリオ" panose="020B0604030504040204" pitchFamily="50" charset="-128"/>
+              </a:rPr>
+              <a:t>Unreal Engine</a:t>
+            </a:r>
+            <a:r>
+              <a:rPr kumimoji="1" lang="ja-JP" altLang="en-US" dirty="0">
+                <a:latin typeface="メイリオ" panose="020B0604030504040204" pitchFamily="50" charset="-128"/>
+                <a:ea typeface="メイリオ" panose="020B0604030504040204" pitchFamily="50" charset="-128"/>
+              </a:rPr>
+              <a:t>を採用</a:t>
+            </a:r>
+          </a:p>
+        </p:txBody>
+      </p:sp>
     </p:spTree>
     <p:extLst>
       <p:ext uri="{BB962C8B-B14F-4D97-AF65-F5344CB8AC3E}">

--- a/SH365ポスターテンプレート（A0).pptx
+++ b/SH365ポスターテンプレート（A0).pptx
@@ -5403,12 +5403,18 @@
             <a:pPr algn="ctr"/>
             <a:r>
               <a:rPr kumimoji="1" lang="ja-JP" altLang="en-US" sz="4800" dirty="0">
+                <a:solidFill>
+                  <a:schemeClr val="tx1"/>
+                </a:solidFill>
                 <a:latin typeface="メイリオ" panose="020B0604030504040204" pitchFamily="50" charset="-128"/>
                 <a:ea typeface="メイリオ" panose="020B0604030504040204" pitchFamily="50" charset="-128"/>
               </a:rPr>
               <a:t>学習駆動コース コンテンツゼミ</a:t>
             </a:r>
             <a:endParaRPr kumimoji="1" lang="en-US" altLang="ja-JP" sz="4800" dirty="0">
+              <a:solidFill>
+                <a:schemeClr val="tx1"/>
+              </a:solidFill>
               <a:latin typeface="メイリオ" panose="020B0604030504040204" pitchFamily="50" charset="-128"/>
               <a:ea typeface="メイリオ" panose="020B0604030504040204" pitchFamily="50" charset="-128"/>
             </a:endParaRPr>
@@ -5417,6 +5423,9 @@
             <a:pPr algn="ctr"/>
             <a:r>
               <a:rPr kumimoji="1" lang="ja-JP" altLang="en-US" sz="4800" dirty="0">
+                <a:solidFill>
+                  <a:schemeClr val="tx1"/>
+                </a:solidFill>
                 <a:latin typeface="メイリオ" panose="020B0604030504040204" pitchFamily="50" charset="-128"/>
                 <a:ea typeface="メイリオ" panose="020B0604030504040204" pitchFamily="50" charset="-128"/>
               </a:rPr>
@@ -6953,7 +6962,7 @@
         <p:spPr>
           <a:xfrm>
             <a:off x="2016970" y="11026646"/>
-            <a:ext cx="9711801" cy="1128346"/>
+            <a:ext cx="12269258" cy="1128346"/>
           </a:xfrm>
           <a:prstGeom prst="roundRect">
             <a:avLst/>
@@ -6999,7 +7008,7 @@
               <a:defRPr/>
             </a:pPr>
             <a:r>
-              <a:rPr kumimoji="0" lang="ja-JP" altLang="en-US" sz="2400" b="0" i="0" u="none" strike="noStrike" kern="0" cap="none" spc="0" normalizeH="0" baseline="0" noProof="0" dirty="0">
+              <a:rPr kumimoji="0" lang="ja-JP" altLang="en-US" sz="2800" b="0" i="0" u="none" strike="noStrike" kern="0" cap="none" spc="0" normalizeH="0" baseline="0" noProof="0" dirty="0">
                 <a:ln>
                   <a:noFill/>
                 </a:ln>
@@ -7016,7 +7025,7 @@
               <a:t>「</a:t>
             </a:r>
             <a:r>
-              <a:rPr kumimoji="0" lang="en-US" altLang="ja-JP" sz="2400" b="0" i="0" u="none" strike="noStrike" kern="0" cap="none" spc="0" normalizeH="0" baseline="0" noProof="0" dirty="0">
+              <a:rPr kumimoji="0" lang="en-US" altLang="ja-JP" sz="2800" b="0" i="0" u="none" strike="noStrike" kern="0" cap="none" spc="0" normalizeH="0" baseline="0" noProof="0" dirty="0">
                 <a:ln>
                   <a:noFill/>
                 </a:ln>
@@ -7033,7 +7042,7 @@
               <a:t>P@ssword123</a:t>
             </a:r>
             <a:r>
-              <a:rPr kumimoji="0" lang="ja-JP" altLang="en-US" sz="2400" b="0" i="0" u="none" strike="noStrike" kern="0" cap="none" spc="0" normalizeH="0" baseline="0" noProof="0" dirty="0">
+              <a:rPr kumimoji="0" lang="ja-JP" altLang="en-US" sz="2800" b="0" i="0" u="none" strike="noStrike" kern="0" cap="none" spc="0" normalizeH="0" baseline="0" noProof="0" dirty="0">
                 <a:ln>
                   <a:noFill/>
                 </a:ln>
@@ -7050,7 +7059,7 @@
               <a:t>」は</a:t>
             </a:r>
             <a:r>
-              <a:rPr kumimoji="0" lang="ja-JP" altLang="en-US" sz="2400" b="1" i="0" u="none" strike="noStrike" kern="0" cap="none" spc="0" normalizeH="0" baseline="0" noProof="0" dirty="0">
+              <a:rPr kumimoji="0" lang="ja-JP" altLang="en-US" sz="2800" b="1" i="0" u="none" strike="noStrike" kern="0" cap="none" spc="0" normalizeH="0" baseline="0" noProof="0" dirty="0">
                 <a:ln>
                   <a:noFill/>
                 </a:ln>
@@ -7067,7 +7076,7 @@
               <a:t>大</a:t>
             </a:r>
             <a:r>
-              <a:rPr kumimoji="0" lang="en-US" altLang="ja-JP" sz="2400" b="1" i="0" u="none" strike="noStrike" kern="0" cap="none" spc="0" normalizeH="0" baseline="0" noProof="0" dirty="0">
+              <a:rPr kumimoji="0" lang="en-US" altLang="ja-JP" sz="2800" b="1" i="0" u="none" strike="noStrike" kern="0" cap="none" spc="0" normalizeH="0" baseline="0" noProof="0" dirty="0">
                 <a:ln>
                   <a:noFill/>
                 </a:ln>
@@ -7084,7 +7093,7 @@
               <a:t>/</a:t>
             </a:r>
             <a:r>
-              <a:rPr kumimoji="0" lang="ja-JP" altLang="en-US" sz="2400" b="1" i="0" u="none" strike="noStrike" kern="0" cap="none" spc="0" normalizeH="0" baseline="0" noProof="0" dirty="0">
+              <a:rPr kumimoji="0" lang="ja-JP" altLang="en-US" sz="2800" b="1" i="0" u="none" strike="noStrike" kern="0" cap="none" spc="0" normalizeH="0" baseline="0" noProof="0" dirty="0">
                 <a:ln>
                   <a:noFill/>
                 </a:ln>
@@ -7101,7 +7110,7 @@
               <a:t>小文字</a:t>
             </a:r>
             <a:r>
-              <a:rPr kumimoji="0" lang="ja-JP" altLang="en-US" sz="2400" b="0" i="0" u="none" strike="noStrike" kern="0" cap="none" spc="0" normalizeH="0" baseline="0" noProof="0" dirty="0">
+              <a:rPr kumimoji="0" lang="ja-JP" altLang="en-US" sz="2800" b="0" i="0" u="none" strike="noStrike" kern="0" cap="none" spc="0" normalizeH="0" baseline="0" noProof="0" dirty="0">
                 <a:ln>
                   <a:noFill/>
                 </a:ln>
@@ -7118,7 +7127,7 @@
               <a:t>，</a:t>
             </a:r>
             <a:r>
-              <a:rPr kumimoji="0" lang="ja-JP" altLang="en-US" sz="2400" b="1" i="0" u="none" strike="noStrike" kern="0" cap="none" spc="0" normalizeH="0" baseline="0" noProof="0" dirty="0">
+              <a:rPr kumimoji="0" lang="ja-JP" altLang="en-US" sz="2800" b="1" i="0" u="none" strike="noStrike" kern="0" cap="none" spc="0" normalizeH="0" baseline="0" noProof="0" dirty="0">
                 <a:ln>
                   <a:noFill/>
                 </a:ln>
@@ -7135,7 +7144,7 @@
               <a:t>数字</a:t>
             </a:r>
             <a:r>
-              <a:rPr kumimoji="0" lang="ja-JP" altLang="en-US" sz="2400" b="0" i="0" u="none" strike="noStrike" kern="0" cap="none" spc="0" normalizeH="0" baseline="0" noProof="0" dirty="0">
+              <a:rPr kumimoji="0" lang="ja-JP" altLang="en-US" sz="2800" b="0" i="0" u="none" strike="noStrike" kern="0" cap="none" spc="0" normalizeH="0" baseline="0" noProof="0" dirty="0">
                 <a:ln>
                   <a:noFill/>
                 </a:ln>
@@ -7152,7 +7161,7 @@
               <a:t>，</a:t>
             </a:r>
             <a:r>
-              <a:rPr kumimoji="0" lang="ja-JP" altLang="en-US" sz="2400" b="1" i="0" u="none" strike="noStrike" kern="0" cap="none" spc="0" normalizeH="0" baseline="0" noProof="0" dirty="0">
+              <a:rPr kumimoji="0" lang="ja-JP" altLang="en-US" sz="2800" b="1" i="0" u="none" strike="noStrike" kern="0" cap="none" spc="0" normalizeH="0" baseline="0" noProof="0" dirty="0">
                 <a:ln>
                   <a:noFill/>
                 </a:ln>
@@ -7169,7 +7178,7 @@
               <a:t>記号</a:t>
             </a:r>
             <a:r>
-              <a:rPr kumimoji="0" lang="ja-JP" altLang="en-US" sz="2400" b="0" i="0" u="none" strike="noStrike" kern="0" cap="none" spc="0" normalizeH="0" baseline="0" noProof="0" dirty="0">
+              <a:rPr kumimoji="0" lang="ja-JP" altLang="en-US" sz="2800" b="0" i="0" u="none" strike="noStrike" kern="0" cap="none" spc="0" normalizeH="0" baseline="0" noProof="0" dirty="0">
                 <a:ln>
                   <a:noFill/>
                 </a:ln>
@@ -7186,7 +7195,7 @@
               <a:t>を使用しているから</a:t>
             </a:r>
             <a:br>
-              <a:rPr kumimoji="0" lang="en-US" altLang="ja-JP" sz="2400" b="0" i="0" u="none" strike="noStrike" kern="0" cap="none" spc="0" normalizeH="0" baseline="0" noProof="0" dirty="0">
+              <a:rPr kumimoji="0" lang="en-US" altLang="ja-JP" sz="2800" b="0" i="0" u="none" strike="noStrike" kern="0" cap="none" spc="0" normalizeH="0" baseline="0" noProof="0" dirty="0">
                 <a:ln>
                   <a:noFill/>
                 </a:ln>
@@ -7202,7 +7211,7 @@
               </a:rPr>
             </a:br>
             <a:r>
-              <a:rPr kumimoji="0" lang="ja-JP" altLang="en-US" sz="2400" b="0" i="0" u="none" strike="noStrike" kern="0" cap="none" spc="0" normalizeH="0" baseline="0" noProof="0" dirty="0">
+              <a:rPr kumimoji="0" lang="ja-JP" altLang="en-US" sz="2800" b="0" i="0" u="none" strike="noStrike" kern="0" cap="none" spc="0" normalizeH="0" baseline="0" noProof="0" dirty="0">
                 <a:ln>
                   <a:noFill/>
                 </a:ln>
@@ -7218,7 +7227,7 @@
               </a:rPr>
               <a:t>安全なパスワード</a:t>
             </a:r>
-            <a:endParaRPr kumimoji="0" lang="ja-JP" altLang="en-US" sz="2800" b="0" i="0" u="none" strike="noStrike" kern="0" cap="none" spc="0" normalizeH="0" baseline="0" noProof="0" dirty="0">
+            <a:endParaRPr kumimoji="0" lang="ja-JP" altLang="en-US" sz="3200" b="0" i="0" u="none" strike="noStrike" kern="0" cap="none" spc="0" normalizeH="0" baseline="0" noProof="0" dirty="0">
               <a:ln>
                 <a:noFill/>
               </a:ln>
@@ -7351,8 +7360,8 @@
         </p:nvSpPr>
         <p:spPr>
           <a:xfrm>
-            <a:off x="2081704" y="13224043"/>
-            <a:ext cx="9711801" cy="1128346"/>
+            <a:off x="2015494" y="12385521"/>
+            <a:ext cx="4941769" cy="1128346"/>
           </a:xfrm>
           <a:prstGeom prst="roundRect">
             <a:avLst/>
@@ -7398,7 +7407,7 @@
               <a:defRPr/>
             </a:pPr>
             <a:r>
-              <a:rPr lang="ja-JP" altLang="en-US" sz="2400" kern="0" dirty="0">
+              <a:rPr lang="ja-JP" altLang="en-US" sz="2800" kern="0" dirty="0">
                 <a:solidFill>
                   <a:schemeClr val="tx1"/>
                 </a:solidFill>
@@ -7409,7 +7418,7 @@
               <a:t>出所不明の</a:t>
             </a:r>
             <a:r>
-              <a:rPr lang="en-US" altLang="ja-JP" sz="2400" kern="0" dirty="0">
+              <a:rPr lang="en-US" altLang="ja-JP" sz="2800" kern="0" dirty="0">
                 <a:solidFill>
                   <a:schemeClr val="tx1"/>
                 </a:solidFill>
@@ -7420,7 +7429,7 @@
               <a:t>USB</a:t>
             </a:r>
             <a:r>
-              <a:rPr lang="ja-JP" altLang="en-US" sz="2400" kern="0" dirty="0">
+              <a:rPr lang="ja-JP" altLang="en-US" sz="2800" kern="0" dirty="0">
                 <a:solidFill>
                   <a:schemeClr val="tx1"/>
                 </a:solidFill>
@@ -7430,7 +7439,7 @@
               </a:rPr>
               <a:t>を差し込む</a:t>
             </a:r>
-            <a:endParaRPr kumimoji="0" lang="ja-JP" altLang="en-US" sz="2800" b="0" i="0" u="none" strike="noStrike" kern="0" cap="none" spc="0" normalizeH="0" baseline="0" noProof="0" dirty="0">
+            <a:endParaRPr kumimoji="0" lang="ja-JP" altLang="en-US" sz="3200" b="0" i="0" u="none" strike="noStrike" kern="0" cap="none" spc="0" normalizeH="0" baseline="0" noProof="0" dirty="0">
               <a:ln>
                 <a:noFill/>
               </a:ln>
@@ -7996,7 +8005,7 @@
         </p:blipFill>
         <p:spPr>
           <a:xfrm>
-            <a:off x="15860994" y="11679847"/>
+            <a:off x="15746742" y="12379549"/>
             <a:ext cx="4079598" cy="4953306"/>
           </a:xfrm>
           <a:prstGeom prst="rect">
@@ -8033,7 +8042,7 @@
         </p:blipFill>
         <p:spPr bwMode="auto">
           <a:xfrm>
-            <a:off x="20319605" y="11880034"/>
+            <a:off x="20575835" y="12735039"/>
             <a:ext cx="5249969" cy="3191981"/>
           </a:xfrm>
           <a:prstGeom prst="rect">
@@ -8065,7 +8074,7 @@
         </p:nvSpPr>
         <p:spPr>
           <a:xfrm>
-            <a:off x="19028720" y="15289836"/>
+            <a:off x="19703121" y="16752347"/>
             <a:ext cx="8089670" cy="875368"/>
           </a:xfrm>
           <a:prstGeom prst="rect">
@@ -8183,7 +8192,7 @@
                 <a:latin typeface="メイリオ" panose="020B0604030504040204" pitchFamily="50" charset="-128"/>
                 <a:ea typeface="メイリオ" panose="020B0604030504040204" pitchFamily="50" charset="-128"/>
               </a:rPr>
-              <a:t>学習駆動コースの名のもと，使ったことがない</a:t>
+              <a:t>学習駆動コースの名のもと，使用経験が少ない</a:t>
             </a:r>
             <a:r>
               <a:rPr kumimoji="1" lang="en-US" altLang="ja-JP" dirty="0">
@@ -8199,6 +8208,94 @@
               </a:rPr>
               <a:t>を採用</a:t>
             </a:r>
+          </a:p>
+        </p:txBody>
+      </p:sp>
+      <p:sp>
+        <p:nvSpPr>
+          <p:cNvPr id="5" name="角丸四角形 20">
+            <a:extLst>
+              <a:ext uri="{FF2B5EF4-FFF2-40B4-BE49-F238E27FC236}">
+                <a16:creationId xmlns:a16="http://schemas.microsoft.com/office/drawing/2014/main" id="{8AC8EE17-589E-A973-95E0-8FADDA2DF24C}"/>
+              </a:ext>
+            </a:extLst>
+          </p:cNvPr>
+          <p:cNvSpPr/>
+          <p:nvPr/>
+        </p:nvSpPr>
+        <p:spPr>
+          <a:xfrm>
+            <a:off x="7204664" y="12379549"/>
+            <a:ext cx="7081564" cy="1115362"/>
+          </a:xfrm>
+          <a:prstGeom prst="roundRect">
+            <a:avLst/>
+          </a:prstGeom>
+          <a:solidFill>
+            <a:schemeClr val="accent6"/>
+          </a:solidFill>
+          <a:ln w="19050"/>
+        </p:spPr>
+        <p:style>
+          <a:lnRef idx="3">
+            <a:schemeClr val="lt1"/>
+          </a:lnRef>
+          <a:fillRef idx="1">
+            <a:schemeClr val="accent2"/>
+          </a:fillRef>
+          <a:effectRef idx="1">
+            <a:schemeClr val="accent2"/>
+          </a:effectRef>
+          <a:fontRef idx="minor">
+            <a:schemeClr val="lt1"/>
+          </a:fontRef>
+        </p:style>
+        <p:txBody>
+          <a:bodyPr tIns="72000" bIns="0" rtlCol="0" anchor="ctr"/>
+          <a:lstStyle/>
+          <a:p>
+            <a:pPr marL="0" marR="0" lvl="0" indent="0" algn="ctr" defTabSz="914400" eaLnBrk="1" fontAlgn="auto" latinLnBrk="0" hangingPunct="1">
+              <a:lnSpc>
+                <a:spcPct val="100000"/>
+              </a:lnSpc>
+              <a:spcBef>
+                <a:spcPts val="0"/>
+              </a:spcBef>
+              <a:spcAft>
+                <a:spcPts val="0"/>
+              </a:spcAft>
+              <a:buClrTx/>
+              <a:buSzTx/>
+              <a:buFontTx/>
+              <a:buNone/>
+              <a:tabLst/>
+              <a:defRPr/>
+            </a:pPr>
+            <a:r>
+              <a:rPr lang="ja-JP" altLang="en-US" sz="2800" kern="0" dirty="0">
+                <a:solidFill>
+                  <a:schemeClr val="tx1"/>
+                </a:solidFill>
+                <a:latin typeface="メイリオ" panose="020B0604030504040204" pitchFamily="50" charset="-128"/>
+                <a:ea typeface="メイリオ" panose="020B0604030504040204" pitchFamily="50" charset="-128"/>
+                <a:cs typeface="メイリオ" pitchFamily="50" charset="-128"/>
+              </a:rPr>
+              <a:t>パスワードは定期的に変更したほうが良い</a:t>
+            </a:r>
+            <a:endParaRPr kumimoji="0" lang="ja-JP" altLang="en-US" sz="3200" b="0" i="0" u="none" strike="noStrike" kern="0" cap="none" spc="0" normalizeH="0" baseline="0" noProof="0" dirty="0">
+              <a:ln>
+                <a:noFill/>
+              </a:ln>
+              <a:solidFill>
+                <a:schemeClr val="tx1"/>
+              </a:solidFill>
+              <a:effectLst/>
+              <a:uLnTx/>
+              <a:uFillTx/>
+              <a:latin typeface="メイリオ" panose="020B0604030504040204" pitchFamily="50" charset="-128"/>
+              <a:ea typeface="メイリオ" panose="020B0604030504040204" pitchFamily="50" charset="-128"/>
+              <a:cs typeface="メイリオ" pitchFamily="50" charset="-128"/>
+            </a:endParaRPr>
           </a:p>
         </p:txBody>
       </p:sp>

--- a/SH365ポスターテンプレート（A0).pptx
+++ b/SH365ポスターテンプレート（A0).pptx
@@ -3886,49 +3886,32 @@
       </p:grpSpPr>
       <p:pic>
         <p:nvPicPr>
-          <p:cNvPr id="79" name="Picture 4">
+          <p:cNvPr id="19" name="図 18">
             <a:extLst>
               <a:ext uri="{FF2B5EF4-FFF2-40B4-BE49-F238E27FC236}">
-                <a16:creationId xmlns:a16="http://schemas.microsoft.com/office/drawing/2014/main" id="{54CBD651-ACE0-58F5-AF50-0A8A15874E58}"/>
+                <a16:creationId xmlns:a16="http://schemas.microsoft.com/office/drawing/2014/main" id="{3A6A8AD7-E8FD-597A-F11F-DA77BF81EC8C}"/>
               </a:ext>
             </a:extLst>
           </p:cNvPr>
           <p:cNvPicPr>
-            <a:picLocks noChangeAspect="1" noChangeArrowheads="1"/>
+            <a:picLocks noChangeAspect="1"/>
           </p:cNvPicPr>
           <p:nvPr/>
         </p:nvPicPr>
         <p:blipFill>
-          <a:blip r:embed="rId2">
-            <a:extLst>
-              <a:ext uri="{28A0092B-C50C-407E-A947-70E740481C1C}">
-                <a14:useLocalDpi xmlns:a14="http://schemas.microsoft.com/office/drawing/2010/main" val="0"/>
-              </a:ext>
-            </a:extLst>
-          </a:blip>
-          <a:srcRect/>
+          <a:blip r:embed="rId2"/>
           <a:stretch>
             <a:fillRect/>
           </a:stretch>
         </p:blipFill>
-        <p:spPr bwMode="auto">
-          <a:xfrm>
-            <a:off x="12940643" y="25713979"/>
-            <a:ext cx="1816608" cy="1816608"/>
+        <p:spPr>
+          <a:xfrm>
+            <a:off x="10644399" y="26189369"/>
+            <a:ext cx="4203362" cy="2062175"/>
           </a:xfrm>
           <a:prstGeom prst="rect">
             <a:avLst/>
           </a:prstGeom>
-          <a:noFill/>
-          <a:extLst>
-            <a:ext uri="{909E8E84-426E-40DD-AFC4-6F175D3DCCD1}">
-              <a14:hiddenFill xmlns:a14="http://schemas.microsoft.com/office/drawing/2010/main">
-                <a:solidFill>
-                  <a:srgbClr val="FFFFFF"/>
-                </a:solidFill>
-              </a14:hiddenFill>
-            </a:ext>
-          </a:extLst>
         </p:spPr>
       </p:pic>
       <p:pic>
@@ -3946,7 +3929,7 @@
           <p:nvPr/>
         </p:nvPicPr>
         <p:blipFill>
-          <a:blip r:embed="rId2">
+          <a:blip r:embed="rId3">
             <a:extLst>
               <a:ext uri="{28A0092B-C50C-407E-A947-70E740481C1C}">
                 <a14:useLocalDpi xmlns:a14="http://schemas.microsoft.com/office/drawing/2010/main" val="0"/>
@@ -4631,7 +4614,7 @@
         </p:nvSpPr>
         <p:spPr>
           <a:xfrm>
-            <a:off x="15467015" y="19343119"/>
+            <a:off x="18875306" y="19720107"/>
             <a:ext cx="7123410" cy="1107996"/>
           </a:xfrm>
           <a:prstGeom prst="rect">
@@ -4960,8 +4943,8 @@
         </p:nvSpPr>
         <p:spPr>
           <a:xfrm>
-            <a:off x="1272732" y="26714528"/>
-            <a:ext cx="1788681" cy="495554"/>
+            <a:off x="3455171" y="22980026"/>
+            <a:ext cx="1055039" cy="495554"/>
           </a:xfrm>
           <a:prstGeom prst="roundRect">
             <a:avLst>
@@ -5025,7 +5008,7 @@
         </p:nvSpPr>
         <p:spPr>
           <a:xfrm>
-            <a:off x="4140555" y="25235057"/>
+            <a:off x="4140555" y="24291781"/>
             <a:ext cx="112183" cy="112183"/>
           </a:xfrm>
           <a:prstGeom prst="ellipse">
@@ -5080,7 +5063,7 @@
         </p:nvSpPr>
         <p:spPr>
           <a:xfrm>
-            <a:off x="4138713" y="25365462"/>
+            <a:off x="4138713" y="24422186"/>
             <a:ext cx="112183" cy="112183"/>
           </a:xfrm>
           <a:prstGeom prst="ellipse">
@@ -5132,9 +5115,9 @@
           <p:nvPr/>
         </p:nvSpPr>
         <p:spPr>
-          <a:xfrm rot="16200000">
-            <a:off x="3122463" y="26688769"/>
-            <a:ext cx="393442" cy="515541"/>
+          <a:xfrm>
+            <a:off x="3696387" y="23557523"/>
+            <a:ext cx="569066" cy="635184"/>
           </a:xfrm>
           <a:prstGeom prst="downArrow">
             <a:avLst>
@@ -5448,10 +5431,10 @@
         </p:nvGrpSpPr>
         <p:grpSpPr>
           <a:xfrm>
-            <a:off x="3608626" y="25367363"/>
-            <a:ext cx="8059733" cy="3189884"/>
-            <a:chOff x="6169581" y="22790825"/>
-            <a:chExt cx="8059733" cy="3189884"/>
+            <a:off x="1397933" y="24271177"/>
+            <a:ext cx="7950090" cy="3189884"/>
+            <a:chOff x="6169582" y="22790825"/>
+            <a:chExt cx="7950090" cy="3189884"/>
           </a:xfrm>
         </p:grpSpPr>
         <p:sp>
@@ -5468,8 +5451,8 @@
           </p:nvSpPr>
           <p:spPr>
             <a:xfrm>
-              <a:off x="6169581" y="22790825"/>
-              <a:ext cx="8059733" cy="3189884"/>
+              <a:off x="6169582" y="22790825"/>
+              <a:ext cx="7950090" cy="3189884"/>
             </a:xfrm>
             <a:prstGeom prst="roundRect">
               <a:avLst>
@@ -7259,44 +7242,14 @@
           <p:nvPr/>
         </p:nvPicPr>
         <p:blipFill>
-          <a:blip r:embed="rId3"/>
+          <a:blip r:embed="rId4"/>
           <a:srcRect l="8346"/>
           <a:stretch/>
         </p:blipFill>
         <p:spPr>
           <a:xfrm>
-            <a:off x="1542362" y="20910811"/>
+            <a:off x="1133620" y="20408538"/>
             <a:ext cx="2035622" cy="2022949"/>
-          </a:xfrm>
-          <a:prstGeom prst="rect">
-            <a:avLst/>
-          </a:prstGeom>
-        </p:spPr>
-      </p:pic>
-      <p:pic>
-        <p:nvPicPr>
-          <p:cNvPr id="63" name="図 62">
-            <a:extLst>
-              <a:ext uri="{FF2B5EF4-FFF2-40B4-BE49-F238E27FC236}">
-                <a16:creationId xmlns:a16="http://schemas.microsoft.com/office/drawing/2014/main" id="{FA590627-1754-6AD0-950F-2D5CB54B046B}"/>
-              </a:ext>
-            </a:extLst>
-          </p:cNvPr>
-          <p:cNvPicPr>
-            <a:picLocks noChangeAspect="1"/>
-          </p:cNvPicPr>
-          <p:nvPr/>
-        </p:nvPicPr>
-        <p:blipFill>
-          <a:blip r:embed="rId4"/>
-          <a:stretch>
-            <a:fillRect/>
-          </a:stretch>
-        </p:blipFill>
-        <p:spPr>
-          <a:xfrm>
-            <a:off x="4094993" y="20910811"/>
-            <a:ext cx="2714714" cy="2037618"/>
           </a:xfrm>
           <a:prstGeom prst="rect">
             <a:avLst/>
@@ -7553,9 +7506,9 @@
           <p:nvPr/>
         </p:nvSpPr>
         <p:spPr>
-          <a:xfrm rot="16200000">
-            <a:off x="11748590" y="26766525"/>
-            <a:ext cx="393442" cy="515541"/>
+          <a:xfrm rot="10800000">
+            <a:off x="5023437" y="23365623"/>
+            <a:ext cx="531418" cy="807311"/>
           </a:xfrm>
           <a:prstGeom prst="downArrow">
             <a:avLst>
@@ -7604,8 +7557,8 @@
         </p:nvSpPr>
         <p:spPr>
           <a:xfrm>
-            <a:off x="12235891" y="26776518"/>
-            <a:ext cx="1788681" cy="495554"/>
+            <a:off x="5619741" y="23581280"/>
+            <a:ext cx="2718274" cy="495554"/>
           </a:xfrm>
           <a:prstGeom prst="roundRect">
             <a:avLst>
@@ -7648,7 +7601,7 @@
                 <a:latin typeface="メイリオ" panose="020B0604030504040204" pitchFamily="50" charset="-128"/>
                 <a:ea typeface="メイリオ" panose="020B0604030504040204" pitchFamily="50" charset="-128"/>
               </a:rPr>
-              <a:t>脆弱</a:t>
+              <a:t>脆弱であれば爆発</a:t>
             </a:r>
           </a:p>
         </p:txBody>
@@ -7667,7 +7620,7 @@
         </p:nvSpPr>
         <p:spPr>
           <a:xfrm>
-            <a:off x="4364618" y="27520043"/>
+            <a:off x="2179206" y="26422336"/>
             <a:ext cx="2988030" cy="293761"/>
           </a:xfrm>
           <a:prstGeom prst="roundRect">
@@ -7813,166 +7766,6 @@
               <a:latin typeface="メイリオ" pitchFamily="50" charset="-128"/>
               <a:ea typeface="メイリオ" pitchFamily="50" charset="-128"/>
               <a:cs typeface="メイリオ" pitchFamily="50" charset="-128"/>
-            </a:endParaRPr>
-          </a:p>
-        </p:txBody>
-      </p:sp>
-      <p:sp>
-        <p:nvSpPr>
-          <p:cNvPr id="81" name="円/楕円 111">
-            <a:extLst>
-              <a:ext uri="{FF2B5EF4-FFF2-40B4-BE49-F238E27FC236}">
-                <a16:creationId xmlns:a16="http://schemas.microsoft.com/office/drawing/2014/main" id="{B6F673DD-CB17-04C3-3E59-C62D757FB690}"/>
-              </a:ext>
-            </a:extLst>
-          </p:cNvPr>
-          <p:cNvSpPr>
-            <a:spLocks noChangeAspect="1"/>
-          </p:cNvSpPr>
-          <p:nvPr/>
-        </p:nvSpPr>
-        <p:spPr>
-          <a:xfrm rot="20993983">
-            <a:off x="1752943" y="25285552"/>
-            <a:ext cx="1142846" cy="745604"/>
-          </a:xfrm>
-          <a:prstGeom prst="ellipse">
-            <a:avLst/>
-          </a:prstGeom>
-          <a:solidFill>
-            <a:schemeClr val="accent3"/>
-          </a:solidFill>
-          <a:ln w="12700">
-            <a:solidFill>
-              <a:schemeClr val="bg1"/>
-            </a:solidFill>
-          </a:ln>
-        </p:spPr>
-        <p:style>
-          <a:lnRef idx="2">
-            <a:schemeClr val="accent1">
-              <a:shade val="50000"/>
-            </a:schemeClr>
-          </a:lnRef>
-          <a:fillRef idx="1">
-            <a:schemeClr val="accent1"/>
-          </a:fillRef>
-          <a:effectRef idx="0">
-            <a:schemeClr val="accent1"/>
-          </a:effectRef>
-          <a:fontRef idx="minor">
-            <a:schemeClr val="lt1"/>
-          </a:fontRef>
-        </p:style>
-        <p:txBody>
-          <a:bodyPr lIns="0" tIns="108000" rIns="0" bIns="72000" rtlCol="0" anchor="ctr"/>
-          <a:lstStyle>
-            <a:defPPr>
-              <a:defRPr lang="ja-JP"/>
-            </a:defPPr>
-            <a:lvl1pPr marL="0" algn="l" defTabSz="914400" rtl="0" eaLnBrk="1" latinLnBrk="0" hangingPunct="1">
-              <a:defRPr kumimoji="1" sz="1800" kern="1200">
-                <a:solidFill>
-                  <a:schemeClr val="lt1"/>
-                </a:solidFill>
-                <a:latin typeface="+mn-lt"/>
-                <a:ea typeface="+mn-ea"/>
-                <a:cs typeface="+mn-cs"/>
-              </a:defRPr>
-            </a:lvl1pPr>
-            <a:lvl2pPr marL="457200" algn="l" defTabSz="914400" rtl="0" eaLnBrk="1" latinLnBrk="0" hangingPunct="1">
-              <a:defRPr kumimoji="1" sz="1800" kern="1200">
-                <a:solidFill>
-                  <a:schemeClr val="lt1"/>
-                </a:solidFill>
-                <a:latin typeface="+mn-lt"/>
-                <a:ea typeface="+mn-ea"/>
-                <a:cs typeface="+mn-cs"/>
-              </a:defRPr>
-            </a:lvl2pPr>
-            <a:lvl3pPr marL="914400" algn="l" defTabSz="914400" rtl="0" eaLnBrk="1" latinLnBrk="0" hangingPunct="1">
-              <a:defRPr kumimoji="1" sz="1800" kern="1200">
-                <a:solidFill>
-                  <a:schemeClr val="lt1"/>
-                </a:solidFill>
-                <a:latin typeface="+mn-lt"/>
-                <a:ea typeface="+mn-ea"/>
-                <a:cs typeface="+mn-cs"/>
-              </a:defRPr>
-            </a:lvl3pPr>
-            <a:lvl4pPr marL="1371600" algn="l" defTabSz="914400" rtl="0" eaLnBrk="1" latinLnBrk="0" hangingPunct="1">
-              <a:defRPr kumimoji="1" sz="1800" kern="1200">
-                <a:solidFill>
-                  <a:schemeClr val="lt1"/>
-                </a:solidFill>
-                <a:latin typeface="+mn-lt"/>
-                <a:ea typeface="+mn-ea"/>
-                <a:cs typeface="+mn-cs"/>
-              </a:defRPr>
-            </a:lvl4pPr>
-            <a:lvl5pPr marL="1828800" algn="l" defTabSz="914400" rtl="0" eaLnBrk="1" latinLnBrk="0" hangingPunct="1">
-              <a:defRPr kumimoji="1" sz="1800" kern="1200">
-                <a:solidFill>
-                  <a:schemeClr val="lt1"/>
-                </a:solidFill>
-                <a:latin typeface="+mn-lt"/>
-                <a:ea typeface="+mn-ea"/>
-                <a:cs typeface="+mn-cs"/>
-              </a:defRPr>
-            </a:lvl5pPr>
-            <a:lvl6pPr marL="2286000" algn="l" defTabSz="914400" rtl="0" eaLnBrk="1" latinLnBrk="0" hangingPunct="1">
-              <a:defRPr kumimoji="1" sz="1800" kern="1200">
-                <a:solidFill>
-                  <a:schemeClr val="lt1"/>
-                </a:solidFill>
-                <a:latin typeface="+mn-lt"/>
-                <a:ea typeface="+mn-ea"/>
-                <a:cs typeface="+mn-cs"/>
-              </a:defRPr>
-            </a:lvl6pPr>
-            <a:lvl7pPr marL="2743200" algn="l" defTabSz="914400" rtl="0" eaLnBrk="1" latinLnBrk="0" hangingPunct="1">
-              <a:defRPr kumimoji="1" sz="1800" kern="1200">
-                <a:solidFill>
-                  <a:schemeClr val="lt1"/>
-                </a:solidFill>
-                <a:latin typeface="+mn-lt"/>
-                <a:ea typeface="+mn-ea"/>
-                <a:cs typeface="+mn-cs"/>
-              </a:defRPr>
-            </a:lvl7pPr>
-            <a:lvl8pPr marL="3200400" algn="l" defTabSz="914400" rtl="0" eaLnBrk="1" latinLnBrk="0" hangingPunct="1">
-              <a:defRPr kumimoji="1" sz="1800" kern="1200">
-                <a:solidFill>
-                  <a:schemeClr val="lt1"/>
-                </a:solidFill>
-                <a:latin typeface="+mn-lt"/>
-                <a:ea typeface="+mn-ea"/>
-                <a:cs typeface="+mn-cs"/>
-              </a:defRPr>
-            </a:lvl8pPr>
-            <a:lvl9pPr marL="3657600" algn="l" defTabSz="914400" rtl="0" eaLnBrk="1" latinLnBrk="0" hangingPunct="1">
-              <a:defRPr kumimoji="1" sz="1800" kern="1200">
-                <a:solidFill>
-                  <a:schemeClr val="lt1"/>
-                </a:solidFill>
-                <a:latin typeface="+mn-lt"/>
-                <a:ea typeface="+mn-ea"/>
-                <a:cs typeface="+mn-cs"/>
-              </a:defRPr>
-            </a:lvl9pPr>
-          </a:lstStyle>
-          <a:p>
-            <a:pPr algn="ctr"/>
-            <a:r>
-              <a:rPr lang="ja-JP" altLang="en-US" sz="2000" b="1" dirty="0">
-                <a:latin typeface="Segoe UI" panose="020B0502040204020203" pitchFamily="34" charset="0"/>
-                <a:cs typeface="Segoe UI" panose="020B0502040204020203" pitchFamily="34" charset="0"/>
-              </a:rPr>
-              <a:t>問題点</a:t>
-            </a:r>
-            <a:endParaRPr kumimoji="1" lang="ja-JP" altLang="en-US" sz="2000" b="1" dirty="0">
-              <a:latin typeface="Segoe UI" panose="020B0502040204020203" pitchFamily="34" charset="0"/>
-              <a:cs typeface="Segoe UI" panose="020B0502040204020203" pitchFamily="34" charset="0"/>
             </a:endParaRPr>
           </a:p>
         </p:txBody>
@@ -8299,6 +8092,1453 @@
           </a:p>
         </p:txBody>
       </p:sp>
+      <p:pic>
+        <p:nvPicPr>
+          <p:cNvPr id="9" name="図 8">
+            <a:extLst>
+              <a:ext uri="{FF2B5EF4-FFF2-40B4-BE49-F238E27FC236}">
+                <a16:creationId xmlns:a16="http://schemas.microsoft.com/office/drawing/2014/main" id="{7A438B03-DD7B-3EF4-8727-789811F71D00}"/>
+              </a:ext>
+            </a:extLst>
+          </p:cNvPr>
+          <p:cNvPicPr>
+            <a:picLocks noChangeAspect="1"/>
+          </p:cNvPicPr>
+          <p:nvPr/>
+        </p:nvPicPr>
+        <p:blipFill>
+          <a:blip r:embed="rId7"/>
+          <a:stretch>
+            <a:fillRect/>
+          </a:stretch>
+        </p:blipFill>
+        <p:spPr>
+          <a:xfrm>
+            <a:off x="2984730" y="20865344"/>
+            <a:ext cx="3546950" cy="2057863"/>
+          </a:xfrm>
+          <a:prstGeom prst="rect">
+            <a:avLst/>
+          </a:prstGeom>
+        </p:spPr>
+      </p:pic>
+      <p:pic>
+        <p:nvPicPr>
+          <p:cNvPr id="13" name="図 12">
+            <a:extLst>
+              <a:ext uri="{FF2B5EF4-FFF2-40B4-BE49-F238E27FC236}">
+                <a16:creationId xmlns:a16="http://schemas.microsoft.com/office/drawing/2014/main" id="{973EBEF0-C6C2-3D9A-8941-A645C34F641D}"/>
+              </a:ext>
+            </a:extLst>
+          </p:cNvPr>
+          <p:cNvPicPr>
+            <a:picLocks noChangeAspect="1"/>
+          </p:cNvPicPr>
+          <p:nvPr/>
+        </p:nvPicPr>
+        <p:blipFill>
+          <a:blip r:embed="rId8"/>
+          <a:stretch>
+            <a:fillRect/>
+          </a:stretch>
+        </p:blipFill>
+        <p:spPr>
+          <a:xfrm>
+            <a:off x="4945312" y="21282695"/>
+            <a:ext cx="3516169" cy="2062175"/>
+          </a:xfrm>
+          <a:prstGeom prst="rect">
+            <a:avLst/>
+          </a:prstGeom>
+        </p:spPr>
+      </p:pic>
+      <p:sp>
+        <p:nvSpPr>
+          <p:cNvPr id="7" name="図形 6">
+            <a:extLst>
+              <a:ext uri="{FF2B5EF4-FFF2-40B4-BE49-F238E27FC236}">
+                <a16:creationId xmlns:a16="http://schemas.microsoft.com/office/drawing/2014/main" id="{2D42EAAB-DEA6-0A20-A41E-8E3531DB52F2}"/>
+              </a:ext>
+            </a:extLst>
+          </p:cNvPr>
+          <p:cNvSpPr/>
+          <p:nvPr/>
+        </p:nvSpPr>
+        <p:spPr>
+          <a:xfrm rot="3261118">
+            <a:off x="3144174" y="20357372"/>
+            <a:ext cx="10340065" cy="5758844"/>
+          </a:xfrm>
+          <a:prstGeom prst="swooshArrow">
+            <a:avLst>
+              <a:gd name="adj1" fmla="val 14208"/>
+              <a:gd name="adj2" fmla="val 27060"/>
+            </a:avLst>
+          </a:prstGeom>
+          <a:effectLst>
+            <a:outerShdw blurRad="50800" dist="38100" dir="5400000" algn="t" rotWithShape="0">
+              <a:prstClr val="black">
+                <a:alpha val="40000"/>
+              </a:prstClr>
+            </a:outerShdw>
+          </a:effectLst>
+        </p:spPr>
+        <p:style>
+          <a:lnRef idx="2">
+            <a:schemeClr val="lt1">
+              <a:hueOff val="0"/>
+              <a:satOff val="0"/>
+              <a:lumOff val="0"/>
+              <a:alphaOff val="0"/>
+            </a:schemeClr>
+          </a:lnRef>
+          <a:fillRef idx="1">
+            <a:schemeClr val="accent1">
+              <a:hueOff val="0"/>
+              <a:satOff val="0"/>
+              <a:lumOff val="0"/>
+              <a:alphaOff val="0"/>
+            </a:schemeClr>
+          </a:fillRef>
+          <a:effectRef idx="0">
+            <a:schemeClr val="accent1">
+              <a:hueOff val="0"/>
+              <a:satOff val="0"/>
+              <a:lumOff val="0"/>
+              <a:alphaOff val="0"/>
+            </a:schemeClr>
+          </a:effectRef>
+          <a:fontRef idx="minor">
+            <a:schemeClr val="lt1"/>
+          </a:fontRef>
+        </p:style>
+        <p:txBody>
+          <a:bodyPr/>
+          <a:lstStyle/>
+          <a:p>
+            <a:endParaRPr lang="ja-JP" altLang="en-US" dirty="0"/>
+          </a:p>
+        </p:txBody>
+      </p:sp>
+      <p:sp>
+        <p:nvSpPr>
+          <p:cNvPr id="29" name="角丸四角形 45">
+            <a:extLst>
+              <a:ext uri="{FF2B5EF4-FFF2-40B4-BE49-F238E27FC236}">
+                <a16:creationId xmlns:a16="http://schemas.microsoft.com/office/drawing/2014/main" id="{6A6E8DE5-F34A-0877-45EF-BFA7470752E7}"/>
+              </a:ext>
+            </a:extLst>
+          </p:cNvPr>
+          <p:cNvSpPr/>
+          <p:nvPr/>
+        </p:nvSpPr>
+        <p:spPr>
+          <a:xfrm>
+            <a:off x="1507366" y="27901036"/>
+            <a:ext cx="4025577" cy="465732"/>
+          </a:xfrm>
+          <a:prstGeom prst="roundRect">
+            <a:avLst/>
+          </a:prstGeom>
+          <a:solidFill>
+            <a:schemeClr val="accent6">
+              <a:lumMod val="60000"/>
+              <a:lumOff val="40000"/>
+            </a:schemeClr>
+          </a:solidFill>
+        </p:spPr>
+        <p:style>
+          <a:lnRef idx="2">
+            <a:schemeClr val="accent1">
+              <a:shade val="15000"/>
+            </a:schemeClr>
+          </a:lnRef>
+          <a:fillRef idx="1">
+            <a:schemeClr val="accent1"/>
+          </a:fillRef>
+          <a:effectRef idx="0">
+            <a:schemeClr val="accent1"/>
+          </a:effectRef>
+          <a:fontRef idx="minor">
+            <a:schemeClr val="lt1"/>
+          </a:fontRef>
+        </p:style>
+        <p:txBody>
+          <a:bodyPr rtlCol="0" anchor="ctr"/>
+          <a:lstStyle/>
+          <a:p>
+            <a:pPr algn="ctr"/>
+            <a:r>
+              <a:rPr kumimoji="1" lang="en-US" altLang="ja-JP" sz="2000" b="1" dirty="0">
+                <a:solidFill>
+                  <a:schemeClr val="tx1"/>
+                </a:solidFill>
+                <a:latin typeface="Meiryo" panose="020B0604030504040204" pitchFamily="34" charset="-128"/>
+                <a:ea typeface="Meiryo" panose="020B0604030504040204" pitchFamily="34" charset="-128"/>
+              </a:rPr>
+              <a:t>“</a:t>
+            </a:r>
+            <a:r>
+              <a:rPr kumimoji="1" lang="ja-JP" altLang="en-US" sz="2000" b="1" dirty="0">
+                <a:solidFill>
+                  <a:schemeClr val="tx1"/>
+                </a:solidFill>
+                <a:latin typeface="Meiryo" panose="020B0604030504040204" pitchFamily="34" charset="-128"/>
+                <a:ea typeface="Meiryo" panose="020B0604030504040204" pitchFamily="34" charset="-128"/>
+              </a:rPr>
+              <a:t>パスワードマネージャー</a:t>
+            </a:r>
+            <a:r>
+              <a:rPr kumimoji="1" lang="en-US" altLang="ja-JP" sz="2000" b="1" dirty="0">
+                <a:solidFill>
+                  <a:schemeClr val="tx1"/>
+                </a:solidFill>
+                <a:latin typeface="Meiryo" panose="020B0604030504040204" pitchFamily="34" charset="-128"/>
+                <a:ea typeface="Meiryo" panose="020B0604030504040204" pitchFamily="34" charset="-128"/>
+              </a:rPr>
+              <a:t>”</a:t>
+            </a:r>
+            <a:endParaRPr kumimoji="1" lang="ja-JP" altLang="en-US" sz="2000" b="1" dirty="0">
+              <a:solidFill>
+                <a:schemeClr val="tx1"/>
+              </a:solidFill>
+              <a:latin typeface="Meiryo" panose="020B0604030504040204" pitchFamily="34" charset="-128"/>
+              <a:ea typeface="Meiryo" panose="020B0604030504040204" pitchFamily="34" charset="-128"/>
+            </a:endParaRPr>
+          </a:p>
+        </p:txBody>
+      </p:sp>
+      <p:pic>
+        <p:nvPicPr>
+          <p:cNvPr id="79" name="Picture 4">
+            <a:extLst>
+              <a:ext uri="{FF2B5EF4-FFF2-40B4-BE49-F238E27FC236}">
+                <a16:creationId xmlns:a16="http://schemas.microsoft.com/office/drawing/2014/main" id="{54CBD651-ACE0-58F5-AF50-0A8A15874E58}"/>
+              </a:ext>
+            </a:extLst>
+          </p:cNvPr>
+          <p:cNvPicPr>
+            <a:picLocks noChangeAspect="1" noChangeArrowheads="1"/>
+          </p:cNvPicPr>
+          <p:nvPr/>
+        </p:nvPicPr>
+        <p:blipFill>
+          <a:blip r:embed="rId3">
+            <a:extLst>
+              <a:ext uri="{28A0092B-C50C-407E-A947-70E740481C1C}">
+                <a14:useLocalDpi xmlns:a14="http://schemas.microsoft.com/office/drawing/2010/main" val="0"/>
+              </a:ext>
+            </a:extLst>
+          </a:blip>
+          <a:srcRect/>
+          <a:stretch>
+            <a:fillRect/>
+          </a:stretch>
+        </p:blipFill>
+        <p:spPr bwMode="auto">
+          <a:xfrm>
+            <a:off x="7571638" y="22112306"/>
+            <a:ext cx="1816608" cy="1816608"/>
+          </a:xfrm>
+          <a:prstGeom prst="rect">
+            <a:avLst/>
+          </a:prstGeom>
+          <a:noFill/>
+          <a:extLst>
+            <a:ext uri="{909E8E84-426E-40DD-AFC4-6F175D3DCCD1}">
+              <a14:hiddenFill xmlns:a14="http://schemas.microsoft.com/office/drawing/2010/main">
+                <a:solidFill>
+                  <a:srgbClr val="FFFFFF"/>
+                </a:solidFill>
+              </a14:hiddenFill>
+            </a:ext>
+          </a:extLst>
+        </p:spPr>
+      </p:pic>
+      <p:sp>
+        <p:nvSpPr>
+          <p:cNvPr id="46" name="四角形: 角を丸くする 45">
+            <a:extLst>
+              <a:ext uri="{FF2B5EF4-FFF2-40B4-BE49-F238E27FC236}">
+                <a16:creationId xmlns:a16="http://schemas.microsoft.com/office/drawing/2014/main" id="{91CF553B-1AB8-3C8E-78C0-A0CAA7897DAC}"/>
+              </a:ext>
+            </a:extLst>
+          </p:cNvPr>
+          <p:cNvSpPr/>
+          <p:nvPr/>
+        </p:nvSpPr>
+        <p:spPr>
+          <a:xfrm>
+            <a:off x="1157435" y="22476487"/>
+            <a:ext cx="1788681" cy="495554"/>
+          </a:xfrm>
+          <a:prstGeom prst="roundRect">
+            <a:avLst>
+              <a:gd name="adj" fmla="val 8865"/>
+            </a:avLst>
+          </a:prstGeom>
+          <a:solidFill>
+            <a:schemeClr val="bg1"/>
+          </a:solidFill>
+          <a:ln w="38100">
+            <a:solidFill>
+              <a:srgbClr val="0070C0"/>
+            </a:solidFill>
+          </a:ln>
+        </p:spPr>
+        <p:style>
+          <a:lnRef idx="2">
+            <a:schemeClr val="accent4"/>
+          </a:lnRef>
+          <a:fillRef idx="1">
+            <a:schemeClr val="lt1"/>
+          </a:fillRef>
+          <a:effectRef idx="0">
+            <a:schemeClr val="accent4"/>
+          </a:effectRef>
+          <a:fontRef idx="minor">
+            <a:schemeClr val="dk1"/>
+          </a:fontRef>
+        </p:style>
+        <p:txBody>
+          <a:bodyPr vert="horz" tIns="72000" rIns="144000" rtlCol="0" anchor="t"/>
+          <a:lstStyle/>
+          <a:p>
+            <a:pPr algn="ctr"/>
+            <a:r>
+              <a:rPr kumimoji="1" lang="ja-JP" altLang="en-US" sz="2400" b="1" dirty="0">
+                <a:solidFill>
+                  <a:srgbClr val="0070C0"/>
+                </a:solidFill>
+                <a:latin typeface="メイリオ" panose="020B0604030504040204" pitchFamily="50" charset="-128"/>
+                <a:ea typeface="メイリオ" panose="020B0604030504040204" pitchFamily="50" charset="-128"/>
+              </a:rPr>
+              <a:t>ルール説明</a:t>
+            </a:r>
+          </a:p>
+        </p:txBody>
+      </p:sp>
+      <p:sp>
+        <p:nvSpPr>
+          <p:cNvPr id="52" name="四角形: 角を丸くする 51">
+            <a:extLst>
+              <a:ext uri="{FF2B5EF4-FFF2-40B4-BE49-F238E27FC236}">
+                <a16:creationId xmlns:a16="http://schemas.microsoft.com/office/drawing/2014/main" id="{0A60A160-2946-EF6E-B91B-0911AFA2E99A}"/>
+              </a:ext>
+            </a:extLst>
+          </p:cNvPr>
+          <p:cNvSpPr/>
+          <p:nvPr/>
+        </p:nvSpPr>
+        <p:spPr>
+          <a:xfrm>
+            <a:off x="10827256" y="28308363"/>
+            <a:ext cx="3711347" cy="495554"/>
+          </a:xfrm>
+          <a:prstGeom prst="roundRect">
+            <a:avLst>
+              <a:gd name="adj" fmla="val 8865"/>
+            </a:avLst>
+          </a:prstGeom>
+          <a:solidFill>
+            <a:schemeClr val="bg1"/>
+          </a:solidFill>
+          <a:ln w="38100">
+            <a:solidFill>
+              <a:schemeClr val="accent6"/>
+            </a:solidFill>
+          </a:ln>
+        </p:spPr>
+        <p:style>
+          <a:lnRef idx="2">
+            <a:schemeClr val="accent4"/>
+          </a:lnRef>
+          <a:fillRef idx="1">
+            <a:schemeClr val="lt1"/>
+          </a:fillRef>
+          <a:effectRef idx="0">
+            <a:schemeClr val="accent4"/>
+          </a:effectRef>
+          <a:fontRef idx="minor">
+            <a:schemeClr val="dk1"/>
+          </a:fontRef>
+        </p:style>
+        <p:txBody>
+          <a:bodyPr vert="horz" tIns="72000" rIns="144000" rtlCol="0" anchor="t"/>
+          <a:lstStyle/>
+          <a:p>
+            <a:pPr algn="ctr"/>
+            <a:r>
+              <a:rPr kumimoji="1" lang="ja-JP" altLang="en-US" sz="2400" b="1" dirty="0">
+                <a:solidFill>
+                  <a:schemeClr val="accent6"/>
+                </a:solidFill>
+                <a:latin typeface="メイリオ" panose="020B0604030504040204" pitchFamily="50" charset="-128"/>
+                <a:ea typeface="メイリオ" panose="020B0604030504040204" pitchFamily="50" charset="-128"/>
+              </a:rPr>
+              <a:t>リザルトに判定結果</a:t>
+            </a:r>
+          </a:p>
+        </p:txBody>
+      </p:sp>
+      <p:sp>
+        <p:nvSpPr>
+          <p:cNvPr id="54" name="四角形: 角を丸くする 53">
+            <a:extLst>
+              <a:ext uri="{FF2B5EF4-FFF2-40B4-BE49-F238E27FC236}">
+                <a16:creationId xmlns:a16="http://schemas.microsoft.com/office/drawing/2014/main" id="{9B5213E3-FF60-2222-9AC3-56714B8049C3}"/>
+              </a:ext>
+            </a:extLst>
+          </p:cNvPr>
+          <p:cNvSpPr/>
+          <p:nvPr/>
+        </p:nvSpPr>
+        <p:spPr>
+          <a:xfrm>
+            <a:off x="1508714" y="28437578"/>
+            <a:ext cx="1285434" cy="322619"/>
+          </a:xfrm>
+          <a:prstGeom prst="roundRect">
+            <a:avLst/>
+          </a:prstGeom>
+          <a:solidFill>
+            <a:srgbClr val="E6F4EA"/>
+          </a:solidFill>
+          <a:ln w="19050">
+            <a:solidFill>
+              <a:srgbClr val="008000"/>
+            </a:solidFill>
+          </a:ln>
+        </p:spPr>
+        <p:style>
+          <a:lnRef idx="1">
+            <a:schemeClr val="dk1"/>
+          </a:lnRef>
+          <a:fillRef idx="2">
+            <a:schemeClr val="dk1"/>
+          </a:fillRef>
+          <a:effectRef idx="1">
+            <a:schemeClr val="dk1"/>
+          </a:effectRef>
+          <a:fontRef idx="minor">
+            <a:schemeClr val="dk1"/>
+          </a:fontRef>
+        </p:style>
+        <p:txBody>
+          <a:bodyPr lIns="36000" tIns="36000" rIns="36000" bIns="0" rtlCol="0" anchor="ctr"/>
+          <a:lstStyle/>
+          <a:p>
+            <a:pPr algn="ctr"/>
+            <a:r>
+              <a:rPr kumimoji="1" lang="ja-JP" altLang="en-US" sz="1600" dirty="0">
+                <a:solidFill>
+                  <a:schemeClr val="tx1"/>
+                </a:solidFill>
+                <a:latin typeface="メイリオ" panose="020B0604030504040204" pitchFamily="50" charset="-128"/>
+                <a:ea typeface="メイリオ" panose="020B0604030504040204" pitchFamily="50" charset="-128"/>
+              </a:rPr>
+              <a:t>存在</a:t>
+            </a:r>
+          </a:p>
+        </p:txBody>
+      </p:sp>
+      <p:sp>
+        <p:nvSpPr>
+          <p:cNvPr id="55" name="四角形: 角を丸くする 54">
+            <a:extLst>
+              <a:ext uri="{FF2B5EF4-FFF2-40B4-BE49-F238E27FC236}">
+                <a16:creationId xmlns:a16="http://schemas.microsoft.com/office/drawing/2014/main" id="{D210B9BF-D75F-7594-5FF1-5553AFFCD8AB}"/>
+              </a:ext>
+            </a:extLst>
+          </p:cNvPr>
+          <p:cNvSpPr/>
+          <p:nvPr/>
+        </p:nvSpPr>
+        <p:spPr>
+          <a:xfrm>
+            <a:off x="2874568" y="28441962"/>
+            <a:ext cx="1285434" cy="322619"/>
+          </a:xfrm>
+          <a:prstGeom prst="roundRect">
+            <a:avLst/>
+          </a:prstGeom>
+          <a:solidFill>
+            <a:srgbClr val="E6F4EA"/>
+          </a:solidFill>
+          <a:ln w="19050">
+            <a:solidFill>
+              <a:srgbClr val="008000"/>
+            </a:solidFill>
+          </a:ln>
+        </p:spPr>
+        <p:style>
+          <a:lnRef idx="1">
+            <a:schemeClr val="dk1"/>
+          </a:lnRef>
+          <a:fillRef idx="2">
+            <a:schemeClr val="dk1"/>
+          </a:fillRef>
+          <a:effectRef idx="1">
+            <a:schemeClr val="dk1"/>
+          </a:effectRef>
+          <a:fontRef idx="minor">
+            <a:schemeClr val="dk1"/>
+          </a:fontRef>
+        </p:style>
+        <p:txBody>
+          <a:bodyPr lIns="36000" tIns="36000" rIns="36000" bIns="0" rtlCol="0" anchor="ctr"/>
+          <a:lstStyle/>
+          <a:p>
+            <a:pPr algn="ctr"/>
+            <a:r>
+              <a:rPr kumimoji="1" lang="ja-JP" altLang="en-US" sz="1600" dirty="0">
+                <a:solidFill>
+                  <a:schemeClr val="tx1"/>
+                </a:solidFill>
+                <a:latin typeface="メイリオ" panose="020B0604030504040204" pitchFamily="50" charset="-128"/>
+                <a:ea typeface="メイリオ" panose="020B0604030504040204" pitchFamily="50" charset="-128"/>
+              </a:rPr>
+              <a:t>利便性</a:t>
+            </a:r>
+          </a:p>
+        </p:txBody>
+      </p:sp>
+      <p:sp>
+        <p:nvSpPr>
+          <p:cNvPr id="60" name="四角形: 角を丸くする 59">
+            <a:extLst>
+              <a:ext uri="{FF2B5EF4-FFF2-40B4-BE49-F238E27FC236}">
+                <a16:creationId xmlns:a16="http://schemas.microsoft.com/office/drawing/2014/main" id="{200B5812-CD6D-3365-5C5C-B69C06665B45}"/>
+              </a:ext>
+            </a:extLst>
+          </p:cNvPr>
+          <p:cNvSpPr/>
+          <p:nvPr/>
+        </p:nvSpPr>
+        <p:spPr>
+          <a:xfrm>
+            <a:off x="4240422" y="28439164"/>
+            <a:ext cx="1285434" cy="322619"/>
+          </a:xfrm>
+          <a:prstGeom prst="roundRect">
+            <a:avLst/>
+          </a:prstGeom>
+          <a:solidFill>
+            <a:srgbClr val="E6F4EA"/>
+          </a:solidFill>
+          <a:ln w="19050">
+            <a:solidFill>
+              <a:srgbClr val="008000"/>
+            </a:solidFill>
+          </a:ln>
+        </p:spPr>
+        <p:style>
+          <a:lnRef idx="1">
+            <a:schemeClr val="dk1"/>
+          </a:lnRef>
+          <a:fillRef idx="2">
+            <a:schemeClr val="dk1"/>
+          </a:fillRef>
+          <a:effectRef idx="1">
+            <a:schemeClr val="dk1"/>
+          </a:effectRef>
+          <a:fontRef idx="minor">
+            <a:schemeClr val="dk1"/>
+          </a:fontRef>
+        </p:style>
+        <p:txBody>
+          <a:bodyPr lIns="36000" tIns="36000" rIns="36000" bIns="0" rtlCol="0" anchor="ctr"/>
+          <a:lstStyle/>
+          <a:p>
+            <a:pPr algn="ctr"/>
+            <a:r>
+              <a:rPr kumimoji="1" lang="ja-JP" altLang="en-US" sz="1600" dirty="0">
+                <a:solidFill>
+                  <a:schemeClr val="tx1"/>
+                </a:solidFill>
+                <a:latin typeface="メイリオ" panose="020B0604030504040204" pitchFamily="50" charset="-128"/>
+                <a:ea typeface="メイリオ" panose="020B0604030504040204" pitchFamily="50" charset="-128"/>
+              </a:rPr>
+              <a:t>安全性</a:t>
+            </a:r>
+          </a:p>
+        </p:txBody>
+      </p:sp>
+      <p:pic>
+        <p:nvPicPr>
+          <p:cNvPr id="61" name="Picture 2" descr="何かを発見して驚く人たちのイラスト">
+            <a:extLst>
+              <a:ext uri="{FF2B5EF4-FFF2-40B4-BE49-F238E27FC236}">
+                <a16:creationId xmlns:a16="http://schemas.microsoft.com/office/drawing/2014/main" id="{4CBE226F-ACD2-4741-E38E-E77E0D8FE679}"/>
+              </a:ext>
+            </a:extLst>
+          </p:cNvPr>
+          <p:cNvPicPr>
+            <a:picLocks noChangeAspect="1" noChangeArrowheads="1"/>
+          </p:cNvPicPr>
+          <p:nvPr/>
+        </p:nvPicPr>
+        <p:blipFill>
+          <a:blip r:embed="rId9">
+            <a:extLst>
+              <a:ext uri="{28A0092B-C50C-407E-A947-70E740481C1C}">
+                <a14:useLocalDpi xmlns:a14="http://schemas.microsoft.com/office/drawing/2010/main" val="0"/>
+              </a:ext>
+            </a:extLst>
+          </a:blip>
+          <a:srcRect/>
+          <a:stretch>
+            <a:fillRect/>
+          </a:stretch>
+        </p:blipFill>
+        <p:spPr bwMode="auto">
+          <a:xfrm>
+            <a:off x="6117384" y="27271082"/>
+            <a:ext cx="1715729" cy="1715729"/>
+          </a:xfrm>
+          <a:prstGeom prst="rect">
+            <a:avLst/>
+          </a:prstGeom>
+          <a:noFill/>
+          <a:extLst>
+            <a:ext uri="{909E8E84-426E-40DD-AFC4-6F175D3DCCD1}">
+              <a14:hiddenFill xmlns:a14="http://schemas.microsoft.com/office/drawing/2010/main">
+                <a:solidFill>
+                  <a:srgbClr val="FFFFFF"/>
+                </a:solidFill>
+              </a14:hiddenFill>
+            </a:ext>
+          </a:extLst>
+        </p:spPr>
+      </p:pic>
+      <p:sp>
+        <p:nvSpPr>
+          <p:cNvPr id="62" name="テキスト ボックス 61">
+            <a:extLst>
+              <a:ext uri="{FF2B5EF4-FFF2-40B4-BE49-F238E27FC236}">
+                <a16:creationId xmlns:a16="http://schemas.microsoft.com/office/drawing/2014/main" id="{1285DF29-1913-9D7D-D24E-C43E32174C2C}"/>
+              </a:ext>
+            </a:extLst>
+          </p:cNvPr>
+          <p:cNvSpPr txBox="1"/>
+          <p:nvPr/>
+        </p:nvSpPr>
+        <p:spPr>
+          <a:xfrm>
+            <a:off x="5568745" y="28358841"/>
+            <a:ext cx="3271837" cy="461665"/>
+          </a:xfrm>
+          <a:prstGeom prst="rect">
+            <a:avLst/>
+          </a:prstGeom>
+          <a:solidFill>
+            <a:srgbClr val="ED7D31">
+              <a:alpha val="63922"/>
+            </a:srgbClr>
+          </a:solidFill>
+        </p:spPr>
+        <p:txBody>
+          <a:bodyPr wrap="square" rtlCol="0">
+            <a:spAutoFit/>
+          </a:bodyPr>
+          <a:lstStyle/>
+          <a:p>
+            <a:pPr algn="ctr"/>
+            <a:r>
+              <a:rPr kumimoji="1" lang="ja-JP" altLang="en-US" sz="2400" dirty="0">
+                <a:latin typeface="メイリオ" panose="020B0604030504040204" pitchFamily="50" charset="-128"/>
+                <a:ea typeface="メイリオ" panose="020B0604030504040204" pitchFamily="50" charset="-128"/>
+              </a:rPr>
+              <a:t>知る</a:t>
+            </a:r>
+            <a:r>
+              <a:rPr kumimoji="1" lang="en-US" altLang="ja-JP" sz="2400" dirty="0">
+                <a:latin typeface="メイリオ" panose="020B0604030504040204" pitchFamily="50" charset="-128"/>
+                <a:ea typeface="メイリオ" panose="020B0604030504040204" pitchFamily="50" charset="-128"/>
+              </a:rPr>
+              <a:t>”</a:t>
+            </a:r>
+            <a:r>
+              <a:rPr kumimoji="1" lang="ja-JP" altLang="en-US" sz="2400" dirty="0">
+                <a:latin typeface="メイリオ" panose="020B0604030504040204" pitchFamily="50" charset="-128"/>
+                <a:ea typeface="メイリオ" panose="020B0604030504040204" pitchFamily="50" charset="-128"/>
+              </a:rPr>
+              <a:t>きっかけ</a:t>
+            </a:r>
+            <a:r>
+              <a:rPr kumimoji="1" lang="en-US" altLang="ja-JP" sz="2400" dirty="0">
+                <a:latin typeface="メイリオ" panose="020B0604030504040204" pitchFamily="50" charset="-128"/>
+                <a:ea typeface="メイリオ" panose="020B0604030504040204" pitchFamily="50" charset="-128"/>
+              </a:rPr>
+              <a:t>”</a:t>
+            </a:r>
+            <a:r>
+              <a:rPr kumimoji="1" lang="ja-JP" altLang="en-US" sz="2400" dirty="0">
+                <a:latin typeface="メイリオ" panose="020B0604030504040204" pitchFamily="50" charset="-128"/>
+                <a:ea typeface="メイリオ" panose="020B0604030504040204" pitchFamily="50" charset="-128"/>
+              </a:rPr>
+              <a:t>に</a:t>
+            </a:r>
+          </a:p>
+        </p:txBody>
+      </p:sp>
+      <p:sp>
+        <p:nvSpPr>
+          <p:cNvPr id="81" name="円/楕円 111">
+            <a:extLst>
+              <a:ext uri="{FF2B5EF4-FFF2-40B4-BE49-F238E27FC236}">
+                <a16:creationId xmlns:a16="http://schemas.microsoft.com/office/drawing/2014/main" id="{B6F673DD-CB17-04C3-3E59-C62D757FB690}"/>
+              </a:ext>
+            </a:extLst>
+          </p:cNvPr>
+          <p:cNvSpPr>
+            <a:spLocks noChangeAspect="1"/>
+          </p:cNvSpPr>
+          <p:nvPr/>
+        </p:nvSpPr>
+        <p:spPr>
+          <a:xfrm rot="20587775">
+            <a:off x="824294" y="27589355"/>
+            <a:ext cx="1201590" cy="621134"/>
+          </a:xfrm>
+          <a:prstGeom prst="ellipse">
+            <a:avLst/>
+          </a:prstGeom>
+          <a:solidFill>
+            <a:srgbClr val="00B050"/>
+          </a:solidFill>
+          <a:ln w="12700">
+            <a:solidFill>
+              <a:schemeClr val="bg1"/>
+            </a:solidFill>
+          </a:ln>
+        </p:spPr>
+        <p:style>
+          <a:lnRef idx="2">
+            <a:schemeClr val="accent1">
+              <a:shade val="50000"/>
+            </a:schemeClr>
+          </a:lnRef>
+          <a:fillRef idx="1">
+            <a:schemeClr val="accent1"/>
+          </a:fillRef>
+          <a:effectRef idx="0">
+            <a:schemeClr val="accent1"/>
+          </a:effectRef>
+          <a:fontRef idx="minor">
+            <a:schemeClr val="lt1"/>
+          </a:fontRef>
+        </p:style>
+        <p:txBody>
+          <a:bodyPr lIns="0" tIns="108000" rIns="0" bIns="72000" rtlCol="0" anchor="ctr"/>
+          <a:lstStyle>
+            <a:defPPr>
+              <a:defRPr lang="ja-JP"/>
+            </a:defPPr>
+            <a:lvl1pPr marL="0" algn="l" defTabSz="914400" rtl="0" eaLnBrk="1" latinLnBrk="0" hangingPunct="1">
+              <a:defRPr kumimoji="1" sz="1800" kern="1200">
+                <a:solidFill>
+                  <a:schemeClr val="lt1"/>
+                </a:solidFill>
+                <a:latin typeface="+mn-lt"/>
+                <a:ea typeface="+mn-ea"/>
+                <a:cs typeface="+mn-cs"/>
+              </a:defRPr>
+            </a:lvl1pPr>
+            <a:lvl2pPr marL="457200" algn="l" defTabSz="914400" rtl="0" eaLnBrk="1" latinLnBrk="0" hangingPunct="1">
+              <a:defRPr kumimoji="1" sz="1800" kern="1200">
+                <a:solidFill>
+                  <a:schemeClr val="lt1"/>
+                </a:solidFill>
+                <a:latin typeface="+mn-lt"/>
+                <a:ea typeface="+mn-ea"/>
+                <a:cs typeface="+mn-cs"/>
+              </a:defRPr>
+            </a:lvl2pPr>
+            <a:lvl3pPr marL="914400" algn="l" defTabSz="914400" rtl="0" eaLnBrk="1" latinLnBrk="0" hangingPunct="1">
+              <a:defRPr kumimoji="1" sz="1800" kern="1200">
+                <a:solidFill>
+                  <a:schemeClr val="lt1"/>
+                </a:solidFill>
+                <a:latin typeface="+mn-lt"/>
+                <a:ea typeface="+mn-ea"/>
+                <a:cs typeface="+mn-cs"/>
+              </a:defRPr>
+            </a:lvl3pPr>
+            <a:lvl4pPr marL="1371600" algn="l" defTabSz="914400" rtl="0" eaLnBrk="1" latinLnBrk="0" hangingPunct="1">
+              <a:defRPr kumimoji="1" sz="1800" kern="1200">
+                <a:solidFill>
+                  <a:schemeClr val="lt1"/>
+                </a:solidFill>
+                <a:latin typeface="+mn-lt"/>
+                <a:ea typeface="+mn-ea"/>
+                <a:cs typeface="+mn-cs"/>
+              </a:defRPr>
+            </a:lvl4pPr>
+            <a:lvl5pPr marL="1828800" algn="l" defTabSz="914400" rtl="0" eaLnBrk="1" latinLnBrk="0" hangingPunct="1">
+              <a:defRPr kumimoji="1" sz="1800" kern="1200">
+                <a:solidFill>
+                  <a:schemeClr val="lt1"/>
+                </a:solidFill>
+                <a:latin typeface="+mn-lt"/>
+                <a:ea typeface="+mn-ea"/>
+                <a:cs typeface="+mn-cs"/>
+              </a:defRPr>
+            </a:lvl5pPr>
+            <a:lvl6pPr marL="2286000" algn="l" defTabSz="914400" rtl="0" eaLnBrk="1" latinLnBrk="0" hangingPunct="1">
+              <a:defRPr kumimoji="1" sz="1800" kern="1200">
+                <a:solidFill>
+                  <a:schemeClr val="lt1"/>
+                </a:solidFill>
+                <a:latin typeface="+mn-lt"/>
+                <a:ea typeface="+mn-ea"/>
+                <a:cs typeface="+mn-cs"/>
+              </a:defRPr>
+            </a:lvl6pPr>
+            <a:lvl7pPr marL="2743200" algn="l" defTabSz="914400" rtl="0" eaLnBrk="1" latinLnBrk="0" hangingPunct="1">
+              <a:defRPr kumimoji="1" sz="1800" kern="1200">
+                <a:solidFill>
+                  <a:schemeClr val="lt1"/>
+                </a:solidFill>
+                <a:latin typeface="+mn-lt"/>
+                <a:ea typeface="+mn-ea"/>
+                <a:cs typeface="+mn-cs"/>
+              </a:defRPr>
+            </a:lvl7pPr>
+            <a:lvl8pPr marL="3200400" algn="l" defTabSz="914400" rtl="0" eaLnBrk="1" latinLnBrk="0" hangingPunct="1">
+              <a:defRPr kumimoji="1" sz="1800" kern="1200">
+                <a:solidFill>
+                  <a:schemeClr val="lt1"/>
+                </a:solidFill>
+                <a:latin typeface="+mn-lt"/>
+                <a:ea typeface="+mn-ea"/>
+                <a:cs typeface="+mn-cs"/>
+              </a:defRPr>
+            </a:lvl8pPr>
+            <a:lvl9pPr marL="3657600" algn="l" defTabSz="914400" rtl="0" eaLnBrk="1" latinLnBrk="0" hangingPunct="1">
+              <a:defRPr kumimoji="1" sz="1800" kern="1200">
+                <a:solidFill>
+                  <a:schemeClr val="lt1"/>
+                </a:solidFill>
+                <a:latin typeface="+mn-lt"/>
+                <a:ea typeface="+mn-ea"/>
+                <a:cs typeface="+mn-cs"/>
+              </a:defRPr>
+            </a:lvl9pPr>
+          </a:lstStyle>
+          <a:p>
+            <a:pPr algn="ctr"/>
+            <a:r>
+              <a:rPr lang="ja-JP" altLang="en-US" sz="1600" b="1" dirty="0">
+                <a:latin typeface="Segoe UI" panose="020B0502040204020203" pitchFamily="34" charset="0"/>
+                <a:cs typeface="Segoe UI" panose="020B0502040204020203" pitchFamily="34" charset="0"/>
+              </a:rPr>
+              <a:t>アイテム</a:t>
+            </a:r>
+            <a:endParaRPr kumimoji="1" lang="ja-JP" altLang="en-US" sz="1600" b="1" dirty="0">
+              <a:latin typeface="Segoe UI" panose="020B0502040204020203" pitchFamily="34" charset="0"/>
+              <a:cs typeface="Segoe UI" panose="020B0502040204020203" pitchFamily="34" charset="0"/>
+            </a:endParaRPr>
+          </a:p>
+        </p:txBody>
+      </p:sp>
+      <p:grpSp>
+        <p:nvGrpSpPr>
+          <p:cNvPr id="117" name="グループ化 116">
+            <a:extLst>
+              <a:ext uri="{FF2B5EF4-FFF2-40B4-BE49-F238E27FC236}">
+                <a16:creationId xmlns:a16="http://schemas.microsoft.com/office/drawing/2014/main" id="{8B1880C8-23D2-F415-22DD-DF0CF1DDBFCB}"/>
+              </a:ext>
+            </a:extLst>
+          </p:cNvPr>
+          <p:cNvGrpSpPr/>
+          <p:nvPr/>
+        </p:nvGrpSpPr>
+        <p:grpSpPr>
+          <a:xfrm>
+            <a:off x="11709490" y="19174528"/>
+            <a:ext cx="3254066" cy="5500524"/>
+            <a:chOff x="11709490" y="19174528"/>
+            <a:chExt cx="3254066" cy="5500524"/>
+          </a:xfrm>
+        </p:grpSpPr>
+        <p:grpSp>
+          <p:nvGrpSpPr>
+            <p:cNvPr id="88" name="グループ化 87">
+              <a:extLst>
+                <a:ext uri="{FF2B5EF4-FFF2-40B4-BE49-F238E27FC236}">
+                  <a16:creationId xmlns:a16="http://schemas.microsoft.com/office/drawing/2014/main" id="{8C58BACE-C7B3-84CE-F992-604B6EECAB30}"/>
+                </a:ext>
+              </a:extLst>
+            </p:cNvPr>
+            <p:cNvGrpSpPr/>
+            <p:nvPr/>
+          </p:nvGrpSpPr>
+          <p:grpSpPr>
+            <a:xfrm>
+              <a:off x="11709490" y="19174528"/>
+              <a:ext cx="3254066" cy="5500524"/>
+              <a:chOff x="6169582" y="22790825"/>
+              <a:chExt cx="3279149" cy="5500524"/>
+            </a:xfrm>
+          </p:grpSpPr>
+          <p:sp>
+            <p:nvSpPr>
+              <p:cNvPr id="89" name="四角形: 角を丸くする 88">
+                <a:extLst>
+                  <a:ext uri="{FF2B5EF4-FFF2-40B4-BE49-F238E27FC236}">
+                    <a16:creationId xmlns:a16="http://schemas.microsoft.com/office/drawing/2014/main" id="{5DE43D5D-C602-628A-9D87-4CB68895DD83}"/>
+                  </a:ext>
+                </a:extLst>
+              </p:cNvPr>
+              <p:cNvSpPr/>
+              <p:nvPr/>
+            </p:nvSpPr>
+            <p:spPr>
+              <a:xfrm>
+                <a:off x="6169582" y="22790825"/>
+                <a:ext cx="3279149" cy="5500524"/>
+              </a:xfrm>
+              <a:prstGeom prst="roundRect">
+                <a:avLst>
+                  <a:gd name="adj" fmla="val 2664"/>
+                </a:avLst>
+              </a:prstGeom>
+              <a:solidFill>
+                <a:schemeClr val="bg1"/>
+              </a:solidFill>
+              <a:ln w="38100">
+                <a:solidFill>
+                  <a:srgbClr val="002060"/>
+                </a:solidFill>
+              </a:ln>
+            </p:spPr>
+            <p:style>
+              <a:lnRef idx="2">
+                <a:schemeClr val="accent4"/>
+              </a:lnRef>
+              <a:fillRef idx="1">
+                <a:schemeClr val="lt1"/>
+              </a:fillRef>
+              <a:effectRef idx="0">
+                <a:schemeClr val="accent4"/>
+              </a:effectRef>
+              <a:fontRef idx="minor">
+                <a:schemeClr val="dk1"/>
+              </a:fontRef>
+            </p:style>
+            <p:txBody>
+              <a:bodyPr vert="horz" tIns="72000" rtlCol="0" anchor="t"/>
+              <a:lstStyle/>
+              <a:p>
+                <a:r>
+                  <a:rPr kumimoji="1" lang="ja-JP" altLang="en-US" sz="2400" b="1" dirty="0">
+                    <a:solidFill>
+                      <a:srgbClr val="002060"/>
+                    </a:solidFill>
+                    <a:latin typeface="メイリオ" panose="020B0604030504040204" pitchFamily="50" charset="-128"/>
+                    <a:ea typeface="メイリオ" panose="020B0604030504040204" pitchFamily="50" charset="-128"/>
+                  </a:rPr>
+                  <a:t>レベル</a:t>
+                </a:r>
+              </a:p>
+            </p:txBody>
+          </p:sp>
+          <p:sp>
+            <p:nvSpPr>
+              <p:cNvPr id="101" name="四角形: 角を丸くする 100">
+                <a:extLst>
+                  <a:ext uri="{FF2B5EF4-FFF2-40B4-BE49-F238E27FC236}">
+                    <a16:creationId xmlns:a16="http://schemas.microsoft.com/office/drawing/2014/main" id="{91609BDA-0412-48E0-4CD2-5B5FB2E25070}"/>
+                  </a:ext>
+                </a:extLst>
+              </p:cNvPr>
+              <p:cNvSpPr/>
+              <p:nvPr/>
+            </p:nvSpPr>
+            <p:spPr>
+              <a:xfrm>
+                <a:off x="6279016" y="23297756"/>
+                <a:ext cx="3060964" cy="4890258"/>
+              </a:xfrm>
+              <a:prstGeom prst="roundRect">
+                <a:avLst>
+                  <a:gd name="adj" fmla="val 12979"/>
+                </a:avLst>
+              </a:prstGeom>
+              <a:solidFill>
+                <a:schemeClr val="accent4">
+                  <a:lumMod val="20000"/>
+                  <a:lumOff val="80000"/>
+                </a:schemeClr>
+              </a:solidFill>
+              <a:ln w="28575">
+                <a:solidFill>
+                  <a:schemeClr val="accent4"/>
+                </a:solidFill>
+                <a:prstDash val="sysDash"/>
+              </a:ln>
+            </p:spPr>
+            <p:style>
+              <a:lnRef idx="2">
+                <a:schemeClr val="accent1">
+                  <a:shade val="50000"/>
+                </a:schemeClr>
+              </a:lnRef>
+              <a:fillRef idx="1">
+                <a:schemeClr val="accent1"/>
+              </a:fillRef>
+              <a:effectRef idx="0">
+                <a:schemeClr val="accent1"/>
+              </a:effectRef>
+              <a:fontRef idx="minor">
+                <a:schemeClr val="lt1"/>
+              </a:fontRef>
+            </p:style>
+            <p:txBody>
+              <a:bodyPr rtlCol="0" anchor="ctr"/>
+              <a:lstStyle/>
+              <a:p>
+                <a:pPr algn="ctr"/>
+                <a:endParaRPr kumimoji="1" lang="ja-JP" altLang="en-US" sz="3600" b="1" dirty="0">
+                  <a:solidFill>
+                    <a:schemeClr val="accent6"/>
+                  </a:solidFill>
+                  <a:latin typeface="メイリオ" panose="020B0604030504040204" pitchFamily="50" charset="-128"/>
+                  <a:ea typeface="メイリオ" panose="020B0604030504040204" pitchFamily="50" charset="-128"/>
+                </a:endParaRPr>
+              </a:p>
+            </p:txBody>
+          </p:sp>
+        </p:grpSp>
+        <p:sp>
+          <p:nvSpPr>
+            <p:cNvPr id="67" name="四角形: 角を丸くする 66">
+              <a:extLst>
+                <a:ext uri="{FF2B5EF4-FFF2-40B4-BE49-F238E27FC236}">
+                  <a16:creationId xmlns:a16="http://schemas.microsoft.com/office/drawing/2014/main" id="{DC1F5209-E77C-3C69-B7AB-7EDAF34BEC4D}"/>
+                </a:ext>
+              </a:extLst>
+            </p:cNvPr>
+            <p:cNvSpPr/>
+            <p:nvPr/>
+          </p:nvSpPr>
+          <p:spPr>
+            <a:xfrm>
+              <a:off x="12009937" y="21618326"/>
+              <a:ext cx="1219651" cy="332335"/>
+            </a:xfrm>
+            <a:prstGeom prst="roundRect">
+              <a:avLst/>
+            </a:prstGeom>
+            <a:solidFill>
+              <a:srgbClr val="E6F4EA"/>
+            </a:solidFill>
+            <a:ln w="19050">
+              <a:solidFill>
+                <a:srgbClr val="008000"/>
+              </a:solidFill>
+            </a:ln>
+          </p:spPr>
+          <p:style>
+            <a:lnRef idx="1">
+              <a:schemeClr val="dk1"/>
+            </a:lnRef>
+            <a:fillRef idx="2">
+              <a:schemeClr val="dk1"/>
+            </a:fillRef>
+            <a:effectRef idx="1">
+              <a:schemeClr val="dk1"/>
+            </a:effectRef>
+            <a:fontRef idx="minor">
+              <a:schemeClr val="dk1"/>
+            </a:fontRef>
+          </p:style>
+          <p:txBody>
+            <a:bodyPr lIns="36000" tIns="36000" rIns="36000" bIns="0" rtlCol="0" anchor="ctr"/>
+            <a:lstStyle/>
+            <a:p>
+              <a:pPr algn="ctr"/>
+              <a:r>
+                <a:rPr kumimoji="1" lang="ja-JP" altLang="en-US" sz="1600" dirty="0">
+                  <a:solidFill>
+                    <a:schemeClr val="tx1"/>
+                  </a:solidFill>
+                  <a:latin typeface="メイリオ" panose="020B0604030504040204" pitchFamily="50" charset="-128"/>
+                  <a:ea typeface="メイリオ" panose="020B0604030504040204" pitchFamily="50" charset="-128"/>
+                </a:rPr>
+                <a:t>大</a:t>
+              </a:r>
+              <a:r>
+                <a:rPr kumimoji="1" lang="en-US" altLang="ja-JP" sz="1600" dirty="0">
+                  <a:solidFill>
+                    <a:schemeClr val="tx1"/>
+                  </a:solidFill>
+                  <a:latin typeface="メイリオ" panose="020B0604030504040204" pitchFamily="50" charset="-128"/>
+                  <a:ea typeface="メイリオ" panose="020B0604030504040204" pitchFamily="50" charset="-128"/>
+                </a:rPr>
+                <a:t>/</a:t>
+              </a:r>
+              <a:r>
+                <a:rPr kumimoji="1" lang="ja-JP" altLang="en-US" sz="1600" dirty="0">
+                  <a:solidFill>
+                    <a:schemeClr val="tx1"/>
+                  </a:solidFill>
+                  <a:latin typeface="メイリオ" panose="020B0604030504040204" pitchFamily="50" charset="-128"/>
+                  <a:ea typeface="メイリオ" panose="020B0604030504040204" pitchFamily="50" charset="-128"/>
+                </a:rPr>
+                <a:t>小文字</a:t>
+              </a:r>
+            </a:p>
+          </p:txBody>
+        </p:sp>
+        <p:sp>
+          <p:nvSpPr>
+            <p:cNvPr id="68" name="四角形: 角を丸くする 67">
+              <a:extLst>
+                <a:ext uri="{FF2B5EF4-FFF2-40B4-BE49-F238E27FC236}">
+                  <a16:creationId xmlns:a16="http://schemas.microsoft.com/office/drawing/2014/main" id="{2FF566C4-127B-70C9-ABEB-C615633457B4}"/>
+                </a:ext>
+              </a:extLst>
+            </p:cNvPr>
+            <p:cNvSpPr/>
+            <p:nvPr/>
+          </p:nvSpPr>
+          <p:spPr>
+            <a:xfrm>
+              <a:off x="12012318" y="21096984"/>
+              <a:ext cx="1222732" cy="332336"/>
+            </a:xfrm>
+            <a:prstGeom prst="roundRect">
+              <a:avLst/>
+            </a:prstGeom>
+            <a:solidFill>
+              <a:srgbClr val="E6F4EA"/>
+            </a:solidFill>
+            <a:ln w="19050">
+              <a:solidFill>
+                <a:srgbClr val="008000"/>
+              </a:solidFill>
+            </a:ln>
+          </p:spPr>
+          <p:style>
+            <a:lnRef idx="1">
+              <a:schemeClr val="dk1"/>
+            </a:lnRef>
+            <a:fillRef idx="2">
+              <a:schemeClr val="dk1"/>
+            </a:fillRef>
+            <a:effectRef idx="1">
+              <a:schemeClr val="dk1"/>
+            </a:effectRef>
+            <a:fontRef idx="minor">
+              <a:schemeClr val="dk1"/>
+            </a:fontRef>
+          </p:style>
+          <p:txBody>
+            <a:bodyPr lIns="36000" tIns="36000" rIns="36000" bIns="0" rtlCol="0" anchor="ctr"/>
+            <a:lstStyle/>
+            <a:p>
+              <a:pPr algn="ctr"/>
+              <a:r>
+                <a:rPr kumimoji="1" lang="ja-JP" altLang="en-US" sz="1600" dirty="0">
+                  <a:solidFill>
+                    <a:schemeClr val="tx1"/>
+                  </a:solidFill>
+                  <a:latin typeface="メイリオ" panose="020B0604030504040204" pitchFamily="50" charset="-128"/>
+                  <a:ea typeface="メイリオ" panose="020B0604030504040204" pitchFamily="50" charset="-128"/>
+                </a:rPr>
+                <a:t>記号</a:t>
+              </a:r>
+            </a:p>
+          </p:txBody>
+        </p:sp>
+        <p:sp>
+          <p:nvSpPr>
+            <p:cNvPr id="71" name="四角形: 角を丸くする 70">
+              <a:extLst>
+                <a:ext uri="{FF2B5EF4-FFF2-40B4-BE49-F238E27FC236}">
+                  <a16:creationId xmlns:a16="http://schemas.microsoft.com/office/drawing/2014/main" id="{76B39CE6-F97F-FC4E-A9F8-97435B53B051}"/>
+                </a:ext>
+              </a:extLst>
+            </p:cNvPr>
+            <p:cNvSpPr/>
+            <p:nvPr/>
+          </p:nvSpPr>
+          <p:spPr>
+            <a:xfrm>
+              <a:off x="13370590" y="21096984"/>
+              <a:ext cx="1285434" cy="332336"/>
+            </a:xfrm>
+            <a:prstGeom prst="roundRect">
+              <a:avLst/>
+            </a:prstGeom>
+            <a:solidFill>
+              <a:srgbClr val="E6F4EA"/>
+            </a:solidFill>
+            <a:ln w="19050">
+              <a:solidFill>
+                <a:srgbClr val="008000"/>
+              </a:solidFill>
+            </a:ln>
+          </p:spPr>
+          <p:style>
+            <a:lnRef idx="1">
+              <a:schemeClr val="dk1"/>
+            </a:lnRef>
+            <a:fillRef idx="2">
+              <a:schemeClr val="dk1"/>
+            </a:fillRef>
+            <a:effectRef idx="1">
+              <a:schemeClr val="dk1"/>
+            </a:effectRef>
+            <a:fontRef idx="minor">
+              <a:schemeClr val="dk1"/>
+            </a:fontRef>
+          </p:style>
+          <p:txBody>
+            <a:bodyPr lIns="36000" tIns="36000" rIns="36000" bIns="0" rtlCol="0" anchor="ctr"/>
+            <a:lstStyle/>
+            <a:p>
+              <a:pPr algn="ctr"/>
+              <a:r>
+                <a:rPr kumimoji="1" lang="ja-JP" altLang="en-US" sz="1600" dirty="0">
+                  <a:solidFill>
+                    <a:schemeClr val="tx1"/>
+                  </a:solidFill>
+                  <a:latin typeface="メイリオ" panose="020B0604030504040204" pitchFamily="50" charset="-128"/>
+                  <a:ea typeface="メイリオ" panose="020B0604030504040204" pitchFamily="50" charset="-128"/>
+                </a:rPr>
+                <a:t>数字</a:t>
+              </a:r>
+            </a:p>
+          </p:txBody>
+        </p:sp>
+        <p:sp>
+          <p:nvSpPr>
+            <p:cNvPr id="76" name="四角形: 角を丸くする 75">
+              <a:extLst>
+                <a:ext uri="{FF2B5EF4-FFF2-40B4-BE49-F238E27FC236}">
+                  <a16:creationId xmlns:a16="http://schemas.microsoft.com/office/drawing/2014/main" id="{B023A1C1-9CEF-DD01-63D2-FF2AE52AB7A0}"/>
+                </a:ext>
+              </a:extLst>
+            </p:cNvPr>
+            <p:cNvSpPr/>
+            <p:nvPr/>
+          </p:nvSpPr>
+          <p:spPr>
+            <a:xfrm>
+              <a:off x="12006857" y="20586557"/>
+              <a:ext cx="1222732" cy="332336"/>
+            </a:xfrm>
+            <a:prstGeom prst="roundRect">
+              <a:avLst/>
+            </a:prstGeom>
+            <a:solidFill>
+              <a:srgbClr val="D9EAF7"/>
+            </a:solidFill>
+            <a:ln w="19050">
+              <a:solidFill>
+                <a:srgbClr val="0077B6"/>
+              </a:solidFill>
+            </a:ln>
+          </p:spPr>
+          <p:style>
+            <a:lnRef idx="1">
+              <a:schemeClr val="dk1"/>
+            </a:lnRef>
+            <a:fillRef idx="2">
+              <a:schemeClr val="dk1"/>
+            </a:fillRef>
+            <a:effectRef idx="1">
+              <a:schemeClr val="dk1"/>
+            </a:effectRef>
+            <a:fontRef idx="minor">
+              <a:schemeClr val="dk1"/>
+            </a:fontRef>
+          </p:style>
+          <p:txBody>
+            <a:bodyPr lIns="36000" tIns="36000" rIns="36000" bIns="0" rtlCol="0" anchor="ctr"/>
+            <a:lstStyle/>
+            <a:p>
+              <a:pPr algn="ctr"/>
+              <a:r>
+                <a:rPr kumimoji="1" lang="en-US" altLang="ja-JP" sz="1600" dirty="0">
+                  <a:latin typeface="メイリオ" panose="020B0604030504040204" pitchFamily="50" charset="-128"/>
+                  <a:ea typeface="メイリオ" panose="020B0604030504040204" pitchFamily="50" charset="-128"/>
+                </a:rPr>
+                <a:t>10</a:t>
+              </a:r>
+              <a:r>
+                <a:rPr kumimoji="1" lang="ja-JP" altLang="en-US" sz="1600" dirty="0">
+                  <a:latin typeface="メイリオ" panose="020B0604030504040204" pitchFamily="50" charset="-128"/>
+                  <a:ea typeface="メイリオ" panose="020B0604030504040204" pitchFamily="50" charset="-128"/>
+                </a:rPr>
+                <a:t>文字以上</a:t>
+              </a:r>
+            </a:p>
+          </p:txBody>
+        </p:sp>
+        <p:sp>
+          <p:nvSpPr>
+            <p:cNvPr id="82" name="四角形: 角を丸くする 81">
+              <a:extLst>
+                <a:ext uri="{FF2B5EF4-FFF2-40B4-BE49-F238E27FC236}">
+                  <a16:creationId xmlns:a16="http://schemas.microsoft.com/office/drawing/2014/main" id="{AA32A4A7-91A3-02C4-DC8F-3C659C12826C}"/>
+                </a:ext>
+              </a:extLst>
+            </p:cNvPr>
+            <p:cNvSpPr/>
+            <p:nvPr/>
+          </p:nvSpPr>
+          <p:spPr>
+            <a:xfrm>
+              <a:off x="11993545" y="20021615"/>
+              <a:ext cx="2162943" cy="401703"/>
+            </a:xfrm>
+            <a:prstGeom prst="roundRect">
+              <a:avLst/>
+            </a:prstGeom>
+            <a:solidFill>
+              <a:srgbClr val="FFE6CC"/>
+            </a:solidFill>
+            <a:ln w="19050">
+              <a:solidFill>
+                <a:srgbClr val="FF8C00"/>
+              </a:solidFill>
+            </a:ln>
+          </p:spPr>
+          <p:style>
+            <a:lnRef idx="1">
+              <a:schemeClr val="dk1"/>
+            </a:lnRef>
+            <a:fillRef idx="2">
+              <a:schemeClr val="dk1"/>
+            </a:fillRef>
+            <a:effectRef idx="1">
+              <a:schemeClr val="dk1"/>
+            </a:effectRef>
+            <a:fontRef idx="minor">
+              <a:schemeClr val="dk1"/>
+            </a:fontRef>
+          </p:style>
+          <p:txBody>
+            <a:bodyPr lIns="36000" tIns="36000" rIns="36000" bIns="0" rtlCol="0" anchor="ctr"/>
+            <a:lstStyle/>
+            <a:p>
+              <a:pPr algn="ctr"/>
+              <a:r>
+                <a:rPr kumimoji="1" lang="ja-JP" altLang="en-US" sz="1600" dirty="0">
+                  <a:latin typeface="メイリオ" panose="020B0604030504040204" pitchFamily="50" charset="-128"/>
+                  <a:ea typeface="メイリオ" panose="020B0604030504040204" pitchFamily="50" charset="-128"/>
+                </a:rPr>
+                <a:t>制限なし</a:t>
+              </a:r>
+            </a:p>
+          </p:txBody>
+        </p:sp>
+      </p:grpSp>
+      <p:sp>
+        <p:nvSpPr>
+          <p:cNvPr id="118" name="吹き出し: 角を丸めた四角形 22">
+            <a:extLst>
+              <a:ext uri="{FF2B5EF4-FFF2-40B4-BE49-F238E27FC236}">
+                <a16:creationId xmlns:a16="http://schemas.microsoft.com/office/drawing/2014/main" id="{214E6312-7319-94C4-E31B-6A552AFB0759}"/>
+              </a:ext>
+            </a:extLst>
+          </p:cNvPr>
+          <p:cNvSpPr/>
+          <p:nvPr/>
+        </p:nvSpPr>
+        <p:spPr>
+          <a:xfrm>
+            <a:off x="9502741" y="19662195"/>
+            <a:ext cx="2035387" cy="699547"/>
+          </a:xfrm>
+          <a:prstGeom prst="wedgeRoundRectCallout">
+            <a:avLst>
+              <a:gd name="adj1" fmla="val 48827"/>
+              <a:gd name="adj2" fmla="val 89879"/>
+              <a:gd name="adj3" fmla="val 16667"/>
+            </a:avLst>
+          </a:prstGeom>
+          <a:ln w="19050"/>
+        </p:spPr>
+        <p:style>
+          <a:lnRef idx="3">
+            <a:schemeClr val="lt1"/>
+          </a:lnRef>
+          <a:fillRef idx="1">
+            <a:schemeClr val="accent5"/>
+          </a:fillRef>
+          <a:effectRef idx="1">
+            <a:schemeClr val="accent5"/>
+          </a:effectRef>
+          <a:fontRef idx="minor">
+            <a:schemeClr val="lt1"/>
+          </a:fontRef>
+        </p:style>
+        <p:txBody>
+          <a:bodyPr rtlCol="0" anchor="ctr"/>
+          <a:lstStyle/>
+          <a:p>
+            <a:pPr algn="ctr"/>
+            <a:r>
+              <a:rPr kumimoji="1" lang="en-US" altLang="ja-JP" sz="2000" b="1" dirty="0">
+                <a:solidFill>
+                  <a:schemeClr val="tx1"/>
+                </a:solidFill>
+              </a:rPr>
+              <a:t>FIT (9</a:t>
+            </a:r>
+            <a:r>
+              <a:rPr kumimoji="1" lang="ja-JP" altLang="en-US" sz="2000" b="1">
+                <a:solidFill>
+                  <a:schemeClr val="tx1"/>
+                </a:solidFill>
+              </a:rPr>
+              <a:t>月</a:t>
+            </a:r>
+            <a:r>
+              <a:rPr kumimoji="1" lang="en-US" altLang="ja-JP" sz="2000" b="1" dirty="0">
+                <a:solidFill>
+                  <a:schemeClr val="tx1"/>
+                </a:solidFill>
+              </a:rPr>
+              <a:t>)</a:t>
+            </a:r>
+            <a:r>
+              <a:rPr lang="ja-JP" altLang="en-US" sz="2000">
+                <a:solidFill>
+                  <a:schemeClr val="tx1"/>
+                </a:solidFill>
+              </a:rPr>
+              <a:t>にて</a:t>
+            </a:r>
+            <a:endParaRPr lang="en-US" altLang="ja-JP" sz="2000" dirty="0">
+              <a:solidFill>
+                <a:schemeClr val="tx1"/>
+              </a:solidFill>
+            </a:endParaRPr>
+          </a:p>
+          <a:p>
+            <a:pPr algn="ctr"/>
+            <a:r>
+              <a:rPr kumimoji="1" lang="ja-JP" altLang="en-US" sz="2000">
+                <a:solidFill>
+                  <a:schemeClr val="tx1"/>
+                </a:solidFill>
+              </a:rPr>
+              <a:t>発表予定</a:t>
+            </a:r>
+            <a:endParaRPr kumimoji="1" lang="ja-JP" altLang="en-US" sz="2000" dirty="0">
+              <a:solidFill>
+                <a:schemeClr val="tx1"/>
+              </a:solidFill>
+            </a:endParaRPr>
+          </a:p>
+        </p:txBody>
+      </p:sp>
     </p:spTree>
     <p:extLst>
       <p:ext uri="{BB962C8B-B14F-4D97-AF65-F5344CB8AC3E}">
@@ -8309,6 +9549,92 @@
   <p:clrMapOvr>
     <a:masterClrMapping/>
   </p:clrMapOvr>
+  <p:timing>
+    <p:tnLst>
+      <p:par>
+        <p:cTn id="1" dur="indefinite" restart="never" nodeType="tmRoot">
+          <p:childTnLst>
+            <p:seq concurrent="1" nextAc="seek">
+              <p:cTn id="2" dur="indefinite" nodeType="mainSeq">
+                <p:childTnLst>
+                  <p:par>
+                    <p:cTn id="3" fill="hold">
+                      <p:stCondLst>
+                        <p:cond delay="indefinite"/>
+                      </p:stCondLst>
+                      <p:childTnLst>
+                        <p:par>
+                          <p:cTn id="4" fill="hold">
+                            <p:stCondLst>
+                              <p:cond delay="0"/>
+                            </p:stCondLst>
+                            <p:childTnLst>
+                              <p:par>
+                                <p:cTn id="5" presetID="22" presetClass="entr" presetSubtype="4" fill="hold" grpId="0" nodeType="clickEffect">
+                                  <p:stCondLst>
+                                    <p:cond delay="0"/>
+                                  </p:stCondLst>
+                                  <p:childTnLst>
+                                    <p:set>
+                                      <p:cBhvr>
+                                        <p:cTn id="6" dur="1" fill="hold">
+                                          <p:stCondLst>
+                                            <p:cond delay="0"/>
+                                          </p:stCondLst>
+                                        </p:cTn>
+                                        <p:tgtEl>
+                                          <p:spTgt spid="118"/>
+                                        </p:tgtEl>
+                                        <p:attrNameLst>
+                                          <p:attrName>style.visibility</p:attrName>
+                                        </p:attrNameLst>
+                                      </p:cBhvr>
+                                      <p:to>
+                                        <p:strVal val="visible"/>
+                                      </p:to>
+                                    </p:set>
+                                    <p:animEffect transition="in" filter="wipe(down)">
+                                      <p:cBhvr>
+                                        <p:cTn id="7" dur="500"/>
+                                        <p:tgtEl>
+                                          <p:spTgt spid="118"/>
+                                        </p:tgtEl>
+                                      </p:cBhvr>
+                                    </p:animEffect>
+                                  </p:childTnLst>
+                                </p:cTn>
+                              </p:par>
+                            </p:childTnLst>
+                          </p:cTn>
+                        </p:par>
+                      </p:childTnLst>
+                    </p:cTn>
+                  </p:par>
+                </p:childTnLst>
+              </p:cTn>
+              <p:prevCondLst>
+                <p:cond evt="onPrev" delay="0">
+                  <p:tgtEl>
+                    <p:sldTgt/>
+                  </p:tgtEl>
+                </p:cond>
+              </p:prevCondLst>
+              <p:nextCondLst>
+                <p:cond evt="onNext" delay="0">
+                  <p:tgtEl>
+                    <p:sldTgt/>
+                  </p:tgtEl>
+                </p:cond>
+              </p:nextCondLst>
+            </p:seq>
+          </p:childTnLst>
+        </p:cTn>
+      </p:par>
+    </p:tnLst>
+    <p:bldLst>
+      <p:bldP spid="118" grpId="0" animBg="1"/>
+    </p:bldLst>
+  </p:timing>
 </p:sld>
 </file>
 

--- a/SH365ポスターテンプレート（A0).pptx
+++ b/SH365ポスターテンプレート（A0).pptx
@@ -257,7 +257,7 @@
           <a:p>
             <a:fld id="{9824D048-2932-4938-B209-F74D77CC75C5}" type="datetimeFigureOut">
               <a:rPr kumimoji="1" lang="ja-JP" altLang="en-US" smtClean="0"/>
-              <a:t>2025/2/14</a:t>
+              <a:t>2025/2/15</a:t>
             </a:fld>
             <a:endParaRPr kumimoji="1" lang="ja-JP" altLang="en-US"/>
           </a:p>
@@ -596,7 +596,7 @@
             <a:fld id="{9824D048-2932-4938-B209-F74D77CC75C5}" type="datetimeFigureOut">
               <a:rPr kumimoji="1" lang="ja-JP" altLang="en-US" sz="2806" smtClean="0"/>
               <a:pPr/>
-              <a:t>2025/2/14</a:t>
+              <a:t>2025/2/15</a:t>
             </a:fld>
             <a:endParaRPr kumimoji="1" lang="ja-JP" altLang="en-US" sz="2806"/>
           </a:p>
@@ -1038,7 +1038,7 @@
           <a:p>
             <a:fld id="{9824D048-2932-4938-B209-F74D77CC75C5}" type="datetimeFigureOut">
               <a:rPr kumimoji="1" lang="ja-JP" altLang="en-US" smtClean="0"/>
-              <a:t>2025/2/14</a:t>
+              <a:t>2025/2/15</a:t>
             </a:fld>
             <a:endParaRPr kumimoji="1" lang="ja-JP" altLang="en-US"/>
           </a:p>
@@ -1280,7 +1280,7 @@
           <a:p>
             <a:fld id="{9824D048-2932-4938-B209-F74D77CC75C5}" type="datetimeFigureOut">
               <a:rPr kumimoji="1" lang="ja-JP" altLang="en-US" smtClean="0"/>
-              <a:t>2025/2/14</a:t>
+              <a:t>2025/2/15</a:t>
             </a:fld>
             <a:endParaRPr kumimoji="1" lang="ja-JP" altLang="en-US"/>
           </a:p>
@@ -1759,7 +1759,7 @@
           <a:p>
             <a:fld id="{9824D048-2932-4938-B209-F74D77CC75C5}" type="datetimeFigureOut">
               <a:rPr kumimoji="1" lang="ja-JP" altLang="en-US" smtClean="0"/>
-              <a:t>2025/2/14</a:t>
+              <a:t>2025/2/15</a:t>
             </a:fld>
             <a:endParaRPr kumimoji="1" lang="ja-JP" altLang="en-US"/>
           </a:p>
@@ -2093,7 +2093,7 @@
           <a:p>
             <a:fld id="{9824D048-2932-4938-B209-F74D77CC75C5}" type="datetimeFigureOut">
               <a:rPr kumimoji="1" lang="ja-JP" altLang="en-US" smtClean="0"/>
-              <a:t>2025/2/14</a:t>
+              <a:t>2025/2/15</a:t>
             </a:fld>
             <a:endParaRPr kumimoji="1" lang="ja-JP" altLang="en-US"/>
           </a:p>
@@ -2563,7 +2563,7 @@
           <a:p>
             <a:fld id="{9824D048-2932-4938-B209-F74D77CC75C5}" type="datetimeFigureOut">
               <a:rPr kumimoji="1" lang="ja-JP" altLang="en-US" smtClean="0"/>
-              <a:t>2025/2/14</a:t>
+              <a:t>2025/2/15</a:t>
             </a:fld>
             <a:endParaRPr kumimoji="1" lang="ja-JP" altLang="en-US"/>
           </a:p>
@@ -2713,7 +2713,7 @@
           <a:p>
             <a:fld id="{9824D048-2932-4938-B209-F74D77CC75C5}" type="datetimeFigureOut">
               <a:rPr kumimoji="1" lang="ja-JP" altLang="en-US" smtClean="0"/>
-              <a:t>2025/2/14</a:t>
+              <a:t>2025/2/15</a:t>
             </a:fld>
             <a:endParaRPr kumimoji="1" lang="ja-JP" altLang="en-US"/>
           </a:p>
@@ -2832,7 +2832,7 @@
           <a:p>
             <a:fld id="{9824D048-2932-4938-B209-F74D77CC75C5}" type="datetimeFigureOut">
               <a:rPr kumimoji="1" lang="ja-JP" altLang="en-US" smtClean="0"/>
-              <a:t>2025/2/14</a:t>
+              <a:t>2025/2/15</a:t>
             </a:fld>
             <a:endParaRPr kumimoji="1" lang="ja-JP" altLang="en-US"/>
           </a:p>
@@ -3174,7 +3174,7 @@
           <a:p>
             <a:fld id="{9824D048-2932-4938-B209-F74D77CC75C5}" type="datetimeFigureOut">
               <a:rPr kumimoji="1" lang="ja-JP" altLang="en-US" smtClean="0"/>
-              <a:t>2025/2/14</a:t>
+              <a:t>2025/2/15</a:t>
             </a:fld>
             <a:endParaRPr kumimoji="1" lang="ja-JP" altLang="en-US"/>
           </a:p>
@@ -3464,7 +3464,7 @@
           <a:p>
             <a:fld id="{9824D048-2932-4938-B209-F74D77CC75C5}" type="datetimeFigureOut">
               <a:rPr kumimoji="1" lang="ja-JP" altLang="en-US" smtClean="0"/>
-              <a:t>2025/2/14</a:t>
+              <a:t>2025/2/15</a:t>
             </a:fld>
             <a:endParaRPr kumimoji="1" lang="ja-JP" altLang="en-US"/>
           </a:p>
@@ -3884,6 +3884,136 @@
           <a:chExt cx="0" cy="0"/>
         </a:xfrm>
       </p:grpSpPr>
+      <p:sp>
+        <p:nvSpPr>
+          <p:cNvPr id="1031" name="四角形: 角を丸くする 1030">
+            <a:extLst>
+              <a:ext uri="{FF2B5EF4-FFF2-40B4-BE49-F238E27FC236}">
+                <a16:creationId xmlns:a16="http://schemas.microsoft.com/office/drawing/2014/main" id="{86ED038A-D703-44E9-9EA3-B48A85C80DB6}"/>
+              </a:ext>
+            </a:extLst>
+          </p:cNvPr>
+          <p:cNvSpPr/>
+          <p:nvPr/>
+        </p:nvSpPr>
+        <p:spPr>
+          <a:xfrm>
+            <a:off x="1352637" y="10969138"/>
+            <a:ext cx="12987328" cy="4133183"/>
+          </a:xfrm>
+          <a:prstGeom prst="roundRect">
+            <a:avLst>
+              <a:gd name="adj" fmla="val 8051"/>
+            </a:avLst>
+          </a:prstGeom>
+        </p:spPr>
+        <p:style>
+          <a:lnRef idx="2">
+            <a:schemeClr val="accent1">
+              <a:shade val="15000"/>
+            </a:schemeClr>
+          </a:lnRef>
+          <a:fillRef idx="1">
+            <a:schemeClr val="accent1"/>
+          </a:fillRef>
+          <a:effectRef idx="0">
+            <a:schemeClr val="accent1"/>
+          </a:effectRef>
+          <a:fontRef idx="minor">
+            <a:schemeClr val="lt1"/>
+          </a:fontRef>
+        </p:style>
+        <p:txBody>
+          <a:bodyPr rtlCol="0" anchor="ctr"/>
+          <a:lstStyle/>
+          <a:p>
+            <a:pPr algn="ctr"/>
+            <a:endParaRPr kumimoji="1" lang="ja-JP" altLang="en-US"/>
+          </a:p>
+        </p:txBody>
+      </p:sp>
+      <p:cxnSp>
+        <p:nvCxnSpPr>
+          <p:cNvPr id="14" name="直線コネクタ 13">
+            <a:extLst>
+              <a:ext uri="{FF2B5EF4-FFF2-40B4-BE49-F238E27FC236}">
+                <a16:creationId xmlns:a16="http://schemas.microsoft.com/office/drawing/2014/main" id="{27E83B1B-67EA-EF0A-348C-C38C10201DA8}"/>
+              </a:ext>
+            </a:extLst>
+          </p:cNvPr>
+          <p:cNvCxnSpPr>
+            <a:cxnSpLocks/>
+          </p:cNvCxnSpPr>
+          <p:nvPr/>
+        </p:nvCxnSpPr>
+        <p:spPr>
+          <a:xfrm>
+            <a:off x="11242675" y="21230667"/>
+            <a:ext cx="3575050" cy="0"/>
+          </a:xfrm>
+          <a:prstGeom prst="line">
+            <a:avLst/>
+          </a:prstGeom>
+          <a:ln w="28575">
+            <a:prstDash val="dash"/>
+          </a:ln>
+        </p:spPr>
+        <p:style>
+          <a:lnRef idx="1">
+            <a:schemeClr val="accent1"/>
+          </a:lnRef>
+          <a:fillRef idx="0">
+            <a:schemeClr val="accent1"/>
+          </a:fillRef>
+          <a:effectRef idx="0">
+            <a:schemeClr val="accent1"/>
+          </a:effectRef>
+          <a:fontRef idx="minor">
+            <a:schemeClr val="tx1"/>
+          </a:fontRef>
+        </p:style>
+      </p:cxnSp>
+      <p:cxnSp>
+        <p:nvCxnSpPr>
+          <p:cNvPr id="11" name="直線コネクタ 10">
+            <a:extLst>
+              <a:ext uri="{FF2B5EF4-FFF2-40B4-BE49-F238E27FC236}">
+                <a16:creationId xmlns:a16="http://schemas.microsoft.com/office/drawing/2014/main" id="{FA937437-F27B-7528-38B2-F9C1B6648DDB}"/>
+              </a:ext>
+            </a:extLst>
+          </p:cNvPr>
+          <p:cNvCxnSpPr>
+            <a:cxnSpLocks/>
+          </p:cNvCxnSpPr>
+          <p:nvPr/>
+        </p:nvCxnSpPr>
+        <p:spPr>
+          <a:xfrm>
+            <a:off x="11242675" y="20789342"/>
+            <a:ext cx="3543300" cy="0"/>
+          </a:xfrm>
+          <a:prstGeom prst="line">
+            <a:avLst/>
+          </a:prstGeom>
+          <a:ln w="28575">
+            <a:prstDash val="dash"/>
+          </a:ln>
+        </p:spPr>
+        <p:style>
+          <a:lnRef idx="1">
+            <a:schemeClr val="accent1"/>
+          </a:lnRef>
+          <a:fillRef idx="0">
+            <a:schemeClr val="accent1"/>
+          </a:fillRef>
+          <a:effectRef idx="0">
+            <a:schemeClr val="accent1"/>
+          </a:effectRef>
+          <a:fontRef idx="minor">
+            <a:schemeClr val="tx1"/>
+          </a:fontRef>
+        </p:style>
+      </p:cxnSp>
       <p:pic>
         <p:nvPicPr>
           <p:cNvPr id="19" name="図 18">
@@ -3976,7 +4106,7 @@
         <p:spPr>
           <a:xfrm>
             <a:off x="11040380" y="4395072"/>
-            <a:ext cx="8386270" cy="2754600"/>
+            <a:ext cx="8386270" cy="5416868"/>
           </a:xfrm>
           <a:prstGeom prst="rect">
             <a:avLst/>
@@ -4013,6 +4143,20 @@
                 <a:ea typeface="メイリオ" panose="020B0604030504040204" pitchFamily="50" charset="-128"/>
               </a:rPr>
               <a:t>FE</a:t>
+            </a:r>
+            <a:r>
+              <a:rPr kumimoji="1" lang="ja-JP" altLang="en-US" sz="17300" b="1" i="1" dirty="0">
+                <a:latin typeface="メイリオ" panose="020B0604030504040204" pitchFamily="50" charset="-128"/>
+                <a:ea typeface="メイリオ" panose="020B0604030504040204" pitchFamily="50" charset="-128"/>
+              </a:rPr>
+              <a:t> </a:t>
+            </a:r>
+            <a:r>
+              <a:rPr kumimoji="1" lang="en-US" altLang="ja-JP" sz="17300" b="1" i="1" dirty="0">
+                <a:latin typeface="メイリオ" panose="020B0604030504040204" pitchFamily="50" charset="-128"/>
+                <a:ea typeface="メイリオ" panose="020B0604030504040204" pitchFamily="50" charset="-128"/>
+              </a:rPr>
+              <a:t>PARTY</a:t>
             </a:r>
             <a:endParaRPr kumimoji="1" lang="ja-JP" altLang="en-US" sz="17300" b="1" i="1" dirty="0">
               <a:latin typeface="メイリオ" panose="020B0604030504040204" pitchFamily="50" charset="-128"/>
@@ -4035,7 +4179,7 @@
         </p:nvSpPr>
         <p:spPr>
           <a:xfrm>
-            <a:off x="1400783" y="6556443"/>
+            <a:off x="1400783" y="6458462"/>
             <a:ext cx="27665464" cy="769441"/>
           </a:xfrm>
           <a:prstGeom prst="rect">
@@ -4490,7 +4634,7 @@
         </p:nvSpPr>
         <p:spPr>
           <a:xfrm>
-            <a:off x="1832916" y="9979144"/>
+            <a:off x="1514799" y="9960303"/>
             <a:ext cx="7105532" cy="1107996"/>
           </a:xfrm>
           <a:prstGeom prst="rect">
@@ -4506,7 +4650,7 @@
           <a:p>
             <a:pPr algn="ctr"/>
             <a:r>
-              <a:rPr kumimoji="1" lang="ja-JP" altLang="en-US" sz="6600" dirty="0">
+              <a:rPr kumimoji="1" lang="ja-JP" altLang="en-US" sz="6600" b="1" u="sng" dirty="0">
                 <a:latin typeface="メイリオ" panose="020B0604030504040204" pitchFamily="50" charset="-128"/>
                 <a:ea typeface="メイリオ" panose="020B0604030504040204" pitchFamily="50" charset="-128"/>
               </a:rPr>
@@ -4614,7 +4758,7 @@
         </p:nvSpPr>
         <p:spPr>
           <a:xfrm>
-            <a:off x="18875306" y="19720107"/>
+            <a:off x="15269313" y="19258741"/>
             <a:ext cx="7123410" cy="1107996"/>
           </a:xfrm>
           <a:prstGeom prst="rect">
@@ -4750,179 +4894,6 @@
               <a:t>$</a:t>
             </a:r>
             <a:endParaRPr kumimoji="1" lang="ja-JP" altLang="en-US" sz="6600" b="1" u="sng" dirty="0">
-              <a:latin typeface="メイリオ" panose="020B0604030504040204" pitchFamily="50" charset="-128"/>
-              <a:ea typeface="メイリオ" panose="020B0604030504040204" pitchFamily="50" charset="-128"/>
-            </a:endParaRPr>
-          </a:p>
-        </p:txBody>
-      </p:sp>
-      <p:sp>
-        <p:nvSpPr>
-          <p:cNvPr id="3" name="テキスト ボックス 2">
-            <a:extLst>
-              <a:ext uri="{FF2B5EF4-FFF2-40B4-BE49-F238E27FC236}">
-                <a16:creationId xmlns:a16="http://schemas.microsoft.com/office/drawing/2014/main" id="{CE0F5EF3-73E7-FBF7-84B7-39965304B161}"/>
-              </a:ext>
-            </a:extLst>
-          </p:cNvPr>
-          <p:cNvSpPr txBox="1"/>
-          <p:nvPr/>
-        </p:nvSpPr>
-        <p:spPr>
-          <a:xfrm>
-            <a:off x="1680734" y="14286246"/>
-            <a:ext cx="12585448" cy="4399025"/>
-          </a:xfrm>
-          <a:prstGeom prst="rect">
-            <a:avLst/>
-          </a:prstGeom>
-          <a:noFill/>
-        </p:spPr>
-        <p:txBody>
-          <a:bodyPr wrap="square" rtlCol="0">
-            <a:spAutoFit/>
-          </a:bodyPr>
-          <a:lstStyle/>
-          <a:p>
-            <a:r>
-              <a:rPr kumimoji="1" lang="ja-JP" altLang="en-US" dirty="0">
-                <a:latin typeface="メイリオ" panose="020B0604030504040204" pitchFamily="50" charset="-128"/>
-                <a:ea typeface="メイリオ" panose="020B0604030504040204" pitchFamily="50" charset="-128"/>
-              </a:rPr>
-              <a:t>・「</a:t>
-            </a:r>
-            <a:r>
-              <a:rPr kumimoji="1" lang="en-US" altLang="ja-JP" dirty="0" err="1">
-                <a:latin typeface="メイリオ" panose="020B0604030504040204" pitchFamily="50" charset="-128"/>
-                <a:ea typeface="メイリオ" panose="020B0604030504040204" pitchFamily="50" charset="-128"/>
-              </a:rPr>
-              <a:t>p@ssword</a:t>
-            </a:r>
-            <a:r>
-              <a:rPr kumimoji="1" lang="ja-JP" altLang="en-US" dirty="0">
-                <a:latin typeface="メイリオ" panose="020B0604030504040204" pitchFamily="50" charset="-128"/>
-                <a:ea typeface="メイリオ" panose="020B0604030504040204" pitchFamily="50" charset="-128"/>
-              </a:rPr>
-              <a:t>」は記号を含んでいるから安全なパスワードだね</a:t>
-            </a:r>
-            <a:endParaRPr kumimoji="1" lang="en-US" altLang="ja-JP" dirty="0">
-              <a:latin typeface="メイリオ" panose="020B0604030504040204" pitchFamily="50" charset="-128"/>
-              <a:ea typeface="メイリオ" panose="020B0604030504040204" pitchFamily="50" charset="-128"/>
-            </a:endParaRPr>
-          </a:p>
-          <a:p>
-            <a:r>
-              <a:rPr kumimoji="1" lang="ja-JP" altLang="en-US" dirty="0">
-                <a:latin typeface="メイリオ" panose="020B0604030504040204" pitchFamily="50" charset="-128"/>
-                <a:ea typeface="メイリオ" panose="020B0604030504040204" pitchFamily="50" charset="-128"/>
-              </a:rPr>
-              <a:t>安全だと思い込んでいても，安全ではないことがある</a:t>
-            </a:r>
-            <a:endParaRPr kumimoji="1" lang="en-US" altLang="ja-JP" dirty="0">
-              <a:latin typeface="メイリオ" panose="020B0604030504040204" pitchFamily="50" charset="-128"/>
-              <a:ea typeface="メイリオ" panose="020B0604030504040204" pitchFamily="50" charset="-128"/>
-            </a:endParaRPr>
-          </a:p>
-          <a:p>
-            <a:endParaRPr kumimoji="1" lang="en-US" altLang="ja-JP" dirty="0">
-              <a:latin typeface="メイリオ" panose="020B0604030504040204" pitchFamily="50" charset="-128"/>
-              <a:ea typeface="メイリオ" panose="020B0604030504040204" pitchFamily="50" charset="-128"/>
-            </a:endParaRPr>
-          </a:p>
-          <a:p>
-            <a:r>
-              <a:rPr kumimoji="1" lang="ja-JP" altLang="en-US" dirty="0">
-                <a:latin typeface="メイリオ" panose="020B0604030504040204" pitchFamily="50" charset="-128"/>
-                <a:ea typeface="メイリオ" panose="020B0604030504040204" pitchFamily="50" charset="-128"/>
-              </a:rPr>
-              <a:t>・出所不明の</a:t>
-            </a:r>
-            <a:r>
-              <a:rPr kumimoji="1" lang="en-US" altLang="ja-JP" dirty="0">
-                <a:latin typeface="メイリオ" panose="020B0604030504040204" pitchFamily="50" charset="-128"/>
-                <a:ea typeface="メイリオ" panose="020B0604030504040204" pitchFamily="50" charset="-128"/>
-              </a:rPr>
-              <a:t>USB</a:t>
-            </a:r>
-            <a:r>
-              <a:rPr kumimoji="1" lang="ja-JP" altLang="en-US" dirty="0">
-                <a:latin typeface="メイリオ" panose="020B0604030504040204" pitchFamily="50" charset="-128"/>
-                <a:ea typeface="メイリオ" panose="020B0604030504040204" pitchFamily="50" charset="-128"/>
-              </a:rPr>
-              <a:t>を差し込む</a:t>
-            </a:r>
-            <a:endParaRPr kumimoji="1" lang="en-US" altLang="ja-JP" dirty="0">
-              <a:latin typeface="メイリオ" panose="020B0604030504040204" pitchFamily="50" charset="-128"/>
-              <a:ea typeface="メイリオ" panose="020B0604030504040204" pitchFamily="50" charset="-128"/>
-            </a:endParaRPr>
-          </a:p>
-          <a:p>
-            <a:r>
-              <a:rPr kumimoji="1" lang="en-US" altLang="ja-JP" dirty="0">
-                <a:latin typeface="メイリオ" panose="020B0604030504040204" pitchFamily="50" charset="-128"/>
-                <a:ea typeface="メイリオ" panose="020B0604030504040204" pitchFamily="50" charset="-128"/>
-              </a:rPr>
-              <a:t>USB</a:t>
-            </a:r>
-            <a:r>
-              <a:rPr kumimoji="1" lang="ja-JP" altLang="en-US" dirty="0">
-                <a:latin typeface="メイリオ" panose="020B0604030504040204" pitchFamily="50" charset="-128"/>
-                <a:ea typeface="メイリオ" panose="020B0604030504040204" pitchFamily="50" charset="-128"/>
-              </a:rPr>
-              <a:t>に仕組まれたランサムウェアに感染し，ファイルを暗号化され，身代金を要求される</a:t>
-            </a:r>
-            <a:endParaRPr kumimoji="1" lang="en-US" altLang="ja-JP" dirty="0">
-              <a:latin typeface="メイリオ" panose="020B0604030504040204" pitchFamily="50" charset="-128"/>
-              <a:ea typeface="メイリオ" panose="020B0604030504040204" pitchFamily="50" charset="-128"/>
-            </a:endParaRPr>
-          </a:p>
-          <a:p>
-            <a:endParaRPr kumimoji="1" lang="en-US" altLang="ja-JP" dirty="0">
-              <a:latin typeface="メイリオ" panose="020B0604030504040204" pitchFamily="50" charset="-128"/>
-              <a:ea typeface="メイリオ" panose="020B0604030504040204" pitchFamily="50" charset="-128"/>
-            </a:endParaRPr>
-          </a:p>
-          <a:p>
-            <a:r>
-              <a:rPr kumimoji="1" lang="ja-JP" altLang="en-US" dirty="0">
-                <a:latin typeface="メイリオ" panose="020B0604030504040204" pitchFamily="50" charset="-128"/>
-                <a:ea typeface="メイリオ" panose="020B0604030504040204" pitchFamily="50" charset="-128"/>
-              </a:rPr>
-              <a:t>・複雑なパスワードは覚えるのが大変だから使いまわしちゃおう！</a:t>
-            </a:r>
-            <a:endParaRPr kumimoji="1" lang="en-US" altLang="ja-JP" dirty="0">
-              <a:latin typeface="メイリオ" panose="020B0604030504040204" pitchFamily="50" charset="-128"/>
-              <a:ea typeface="メイリオ" panose="020B0604030504040204" pitchFamily="50" charset="-128"/>
-            </a:endParaRPr>
-          </a:p>
-          <a:p>
-            <a:r>
-              <a:rPr kumimoji="1" lang="ja-JP" altLang="en-US" dirty="0">
-                <a:latin typeface="メイリオ" panose="020B0604030504040204" pitchFamily="50" charset="-128"/>
-                <a:ea typeface="メイリオ" panose="020B0604030504040204" pitchFamily="50" charset="-128"/>
-              </a:rPr>
-              <a:t>一つのサービスから流出すると，芋づる式にほかのサービスが乗っ取られる可能性が</a:t>
-            </a:r>
-            <a:endParaRPr kumimoji="1" lang="en-US" altLang="ja-JP" dirty="0">
-              <a:latin typeface="メイリオ" panose="020B0604030504040204" pitchFamily="50" charset="-128"/>
-              <a:ea typeface="メイリオ" panose="020B0604030504040204" pitchFamily="50" charset="-128"/>
-            </a:endParaRPr>
-          </a:p>
-          <a:p>
-            <a:endParaRPr kumimoji="1" lang="en-US" altLang="ja-JP" dirty="0">
-              <a:latin typeface="メイリオ" panose="020B0604030504040204" pitchFamily="50" charset="-128"/>
-              <a:ea typeface="メイリオ" panose="020B0604030504040204" pitchFamily="50" charset="-128"/>
-            </a:endParaRPr>
-          </a:p>
-          <a:p>
-            <a:r>
-              <a:rPr kumimoji="1" lang="ja-JP" altLang="en-US" dirty="0">
-                <a:latin typeface="メイリオ" panose="020B0604030504040204" pitchFamily="50" charset="-128"/>
-                <a:ea typeface="メイリオ" panose="020B0604030504040204" pitchFamily="50" charset="-128"/>
-              </a:rPr>
-              <a:t>基本的なセキュリティ知識があれば防ぐことができる事故が多い！</a:t>
-            </a:r>
-            <a:endParaRPr kumimoji="1" lang="en-US" altLang="ja-JP" dirty="0">
               <a:latin typeface="メイリオ" panose="020B0604030504040204" pitchFamily="50" charset="-128"/>
               <a:ea typeface="メイリオ" panose="020B0604030504040204" pitchFamily="50" charset="-128"/>
             </a:endParaRPr>
@@ -6944,8 +6915,8 @@
         </p:nvSpPr>
         <p:spPr>
           <a:xfrm>
-            <a:off x="2016970" y="11026646"/>
-            <a:ext cx="12269258" cy="1128346"/>
+            <a:off x="1607973" y="11104216"/>
+            <a:ext cx="7327041" cy="1249237"/>
           </a:xfrm>
           <a:prstGeom prst="roundRect">
             <a:avLst/>
@@ -7018,7 +6989,7 @@
                 <a:effectLst/>
                 <a:uLnTx/>
                 <a:uFillTx/>
-                <a:latin typeface="メイリオ" panose="020B0604030504040204" pitchFamily="50" charset="-128"/>
+                <a:latin typeface="Consolas" panose="020B0609020204030204" pitchFamily="49" charset="0"/>
                 <a:ea typeface="メイリオ" panose="020B0604030504040204" pitchFamily="50" charset="-128"/>
                 <a:cs typeface="メイリオ" pitchFamily="50" charset="-128"/>
               </a:rPr>
@@ -7041,6 +7012,39 @@
               </a:rPr>
               <a:t>」は</a:t>
             </a:r>
+            <a:endParaRPr kumimoji="0" lang="en-US" altLang="ja-JP" sz="2800" b="0" i="0" u="none" strike="noStrike" kern="0" cap="none" spc="0" normalizeH="0" baseline="0" noProof="0" dirty="0">
+              <a:ln>
+                <a:noFill/>
+              </a:ln>
+              <a:solidFill>
+                <a:schemeClr val="tx1"/>
+              </a:solidFill>
+              <a:effectLst/>
+              <a:uLnTx/>
+              <a:uFillTx/>
+              <a:latin typeface="メイリオ" panose="020B0604030504040204" pitchFamily="50" charset="-128"/>
+              <a:ea typeface="メイリオ" panose="020B0604030504040204" pitchFamily="50" charset="-128"/>
+              <a:cs typeface="メイリオ" pitchFamily="50" charset="-128"/>
+            </a:endParaRPr>
+          </a:p>
+          <a:p>
+            <a:pPr marL="0" marR="0" lvl="0" indent="0" algn="ctr" defTabSz="914400" eaLnBrk="1" fontAlgn="auto" latinLnBrk="0" hangingPunct="1">
+              <a:lnSpc>
+                <a:spcPct val="100000"/>
+              </a:lnSpc>
+              <a:spcBef>
+                <a:spcPts val="0"/>
+              </a:spcBef>
+              <a:spcAft>
+                <a:spcPts val="0"/>
+              </a:spcAft>
+              <a:buClrTx/>
+              <a:buSzTx/>
+              <a:buFontTx/>
+              <a:buNone/>
+              <a:tabLst/>
+              <a:defRPr/>
+            </a:pPr>
             <a:r>
               <a:rPr kumimoji="0" lang="ja-JP" altLang="en-US" sz="2800" b="1" i="0" u="none" strike="noStrike" kern="0" cap="none" spc="0" normalizeH="0" baseline="0" noProof="0" dirty="0">
                 <a:ln>
@@ -7313,8 +7317,8 @@
         </p:nvSpPr>
         <p:spPr>
           <a:xfrm>
-            <a:off x="2015494" y="12385521"/>
-            <a:ext cx="4941769" cy="1128346"/>
+            <a:off x="9023001" y="11114035"/>
+            <a:ext cx="4941769" cy="1265514"/>
           </a:xfrm>
           <a:prstGeom prst="roundRect">
             <a:avLst/>
@@ -7360,7 +7364,7 @@
               <a:defRPr/>
             </a:pPr>
             <a:r>
-              <a:rPr lang="ja-JP" altLang="en-US" sz="2800" kern="0" dirty="0">
+              <a:rPr lang="ja-JP" altLang="en-US" sz="2800" b="1" kern="0" dirty="0">
                 <a:solidFill>
                   <a:schemeClr val="tx1"/>
                 </a:solidFill>
@@ -7371,7 +7375,7 @@
               <a:t>出所不明の</a:t>
             </a:r>
             <a:r>
-              <a:rPr lang="en-US" altLang="ja-JP" sz="2800" kern="0" dirty="0">
+              <a:rPr lang="en-US" altLang="ja-JP" sz="2800" b="1" kern="0" dirty="0">
                 <a:solidFill>
                   <a:schemeClr val="tx1"/>
                 </a:solidFill>
@@ -7545,69 +7549,6 @@
       </p:sp>
       <p:sp>
         <p:nvSpPr>
-          <p:cNvPr id="75" name="四角形: 角を丸くする 74">
-            <a:extLst>
-              <a:ext uri="{FF2B5EF4-FFF2-40B4-BE49-F238E27FC236}">
-                <a16:creationId xmlns:a16="http://schemas.microsoft.com/office/drawing/2014/main" id="{01204FFF-9B35-1199-E79A-83E23DA38DF7}"/>
-              </a:ext>
-            </a:extLst>
-          </p:cNvPr>
-          <p:cNvSpPr/>
-          <p:nvPr/>
-        </p:nvSpPr>
-        <p:spPr>
-          <a:xfrm>
-            <a:off x="5619741" y="23581280"/>
-            <a:ext cx="2718274" cy="495554"/>
-          </a:xfrm>
-          <a:prstGeom prst="roundRect">
-            <a:avLst>
-              <a:gd name="adj" fmla="val 8865"/>
-            </a:avLst>
-          </a:prstGeom>
-          <a:solidFill>
-            <a:schemeClr val="bg1"/>
-          </a:solidFill>
-          <a:ln w="38100">
-            <a:solidFill>
-              <a:srgbClr val="FF0000"/>
-            </a:solidFill>
-          </a:ln>
-        </p:spPr>
-        <p:style>
-          <a:lnRef idx="2">
-            <a:schemeClr val="accent4"/>
-          </a:lnRef>
-          <a:fillRef idx="1">
-            <a:schemeClr val="lt1"/>
-          </a:fillRef>
-          <a:effectRef idx="0">
-            <a:schemeClr val="accent4"/>
-          </a:effectRef>
-          <a:fontRef idx="minor">
-            <a:schemeClr val="dk1"/>
-          </a:fontRef>
-        </p:style>
-        <p:txBody>
-          <a:bodyPr vert="horz" tIns="72000" rIns="144000" rtlCol="0" anchor="t"/>
-          <a:lstStyle/>
-          <a:p>
-            <a:pPr algn="ctr"/>
-            <a:r>
-              <a:rPr kumimoji="1" lang="ja-JP" altLang="en-US" sz="2400" b="1" dirty="0">
-                <a:solidFill>
-                  <a:srgbClr val="FF0000"/>
-                </a:solidFill>
-                <a:latin typeface="メイリオ" panose="020B0604030504040204" pitchFamily="50" charset="-128"/>
-                <a:ea typeface="メイリオ" panose="020B0604030504040204" pitchFamily="50" charset="-128"/>
-              </a:rPr>
-              <a:t>脆弱であれば爆発</a:t>
-            </a:r>
-          </a:p>
-        </p:txBody>
-      </p:sp>
-      <p:sp>
-        <p:nvSpPr>
           <p:cNvPr id="80" name="角丸四角形 135">
             <a:extLst>
               <a:ext uri="{FF2B5EF4-FFF2-40B4-BE49-F238E27FC236}">
@@ -7753,9 +7694,9 @@
                 <a:solidFill>
                   <a:schemeClr val="tx1"/>
                 </a:solidFill>
-                <a:latin typeface="メイリオ" pitchFamily="50" charset="-128"/>
-                <a:ea typeface="メイリオ" pitchFamily="50" charset="-128"/>
-                <a:cs typeface="メイリオ" pitchFamily="50" charset="-128"/>
+                <a:latin typeface="メイリオ" panose="020B0604030504040204" pitchFamily="50" charset="-128"/>
+                <a:ea typeface="メイリオ" panose="020B0604030504040204" pitchFamily="50" charset="-128"/>
+                <a:cs typeface="メイリオ" panose="020B0604030504040204" pitchFamily="50" charset="-128"/>
               </a:rPr>
               <a:t>使用回数</a:t>
             </a:r>
@@ -7763,9 +7704,9 @@
               <a:solidFill>
                 <a:schemeClr val="tx1"/>
               </a:solidFill>
-              <a:latin typeface="メイリオ" pitchFamily="50" charset="-128"/>
-              <a:ea typeface="メイリオ" pitchFamily="50" charset="-128"/>
-              <a:cs typeface="メイリオ" pitchFamily="50" charset="-128"/>
+              <a:latin typeface="メイリオ" panose="020B0604030504040204" pitchFamily="50" charset="-128"/>
+              <a:ea typeface="メイリオ" panose="020B0604030504040204" pitchFamily="50" charset="-128"/>
+              <a:cs typeface="メイリオ" panose="020B0604030504040204" pitchFamily="50" charset="-128"/>
             </a:endParaRPr>
           </a:p>
         </p:txBody>
@@ -8018,7 +7959,7 @@
         </p:nvSpPr>
         <p:spPr>
           <a:xfrm>
-            <a:off x="7204664" y="12379549"/>
+            <a:off x="4311685" y="12572891"/>
             <a:ext cx="7081564" cy="1115362"/>
           </a:xfrm>
           <a:prstGeom prst="roundRect">
@@ -8065,15 +8006,26 @@
               <a:defRPr/>
             </a:pPr>
             <a:r>
+              <a:rPr lang="ja-JP" altLang="en-US" sz="2800" b="1" kern="0" dirty="0">
+                <a:solidFill>
+                  <a:schemeClr val="tx1"/>
+                </a:solidFill>
+                <a:latin typeface="メイリオ" panose="020B0604030504040204" pitchFamily="50" charset="-128"/>
+                <a:ea typeface="メイリオ" panose="020B0604030504040204" pitchFamily="50" charset="-128"/>
+                <a:cs typeface="メイリオ" panose="020B0604030504040204" pitchFamily="50" charset="-128"/>
+              </a:rPr>
+              <a:t>パスワードは定期的に変更</a:t>
+            </a:r>
+            <a:r>
               <a:rPr lang="ja-JP" altLang="en-US" sz="2800" kern="0" dirty="0">
                 <a:solidFill>
                   <a:schemeClr val="tx1"/>
                 </a:solidFill>
                 <a:latin typeface="メイリオ" panose="020B0604030504040204" pitchFamily="50" charset="-128"/>
                 <a:ea typeface="メイリオ" panose="020B0604030504040204" pitchFamily="50" charset="-128"/>
-                <a:cs typeface="メイリオ" pitchFamily="50" charset="-128"/>
-              </a:rPr>
-              <a:t>パスワードは定期的に変更したほうが良い</a:t>
+                <a:cs typeface="メイリオ" panose="020B0604030504040204" pitchFamily="50" charset="-128"/>
+              </a:rPr>
+              <a:t>したほうが良い</a:t>
             </a:r>
             <a:endParaRPr kumimoji="0" lang="ja-JP" altLang="en-US" sz="3200" b="0" i="0" u="none" strike="noStrike" kern="0" cap="none" spc="0" normalizeH="0" baseline="0" noProof="0" dirty="0">
               <a:ln>
@@ -8087,7 +8039,7 @@
               <a:uFillTx/>
               <a:latin typeface="メイリオ" panose="020B0604030504040204" pitchFamily="50" charset="-128"/>
               <a:ea typeface="メイリオ" panose="020B0604030504040204" pitchFamily="50" charset="-128"/>
-              <a:cs typeface="メイリオ" pitchFamily="50" charset="-128"/>
+              <a:cs typeface="メイリオ" panose="020B0604030504040204" pitchFamily="50" charset="-128"/>
             </a:endParaRPr>
           </a:p>
         </p:txBody>
@@ -8216,7 +8168,10 @@
           <a:bodyPr/>
           <a:lstStyle/>
           <a:p>
-            <a:endParaRPr lang="ja-JP" altLang="en-US" dirty="0"/>
+            <a:endParaRPr lang="ja-JP" altLang="en-US" dirty="0">
+              <a:latin typeface="メイリオ" panose="020B0604030504040204" pitchFamily="50" charset="-128"/>
+              <a:ea typeface="メイリオ" panose="020B0604030504040204" pitchFamily="50" charset="-128"/>
+            </a:endParaRPr>
           </a:p>
         </p:txBody>
       </p:sp>
@@ -8273,8 +8228,8 @@
                 <a:solidFill>
                   <a:schemeClr val="tx1"/>
                 </a:solidFill>
-                <a:latin typeface="Meiryo" panose="020B0604030504040204" pitchFamily="34" charset="-128"/>
-                <a:ea typeface="Meiryo" panose="020B0604030504040204" pitchFamily="34" charset="-128"/>
+                <a:latin typeface="メイリオ" panose="020B0604030504040204" pitchFamily="50" charset="-128"/>
+                <a:ea typeface="メイリオ" panose="020B0604030504040204" pitchFamily="50" charset="-128"/>
               </a:rPr>
               <a:t>“</a:t>
             </a:r>
@@ -8283,8 +8238,8 @@
                 <a:solidFill>
                   <a:schemeClr val="tx1"/>
                 </a:solidFill>
-                <a:latin typeface="Meiryo" panose="020B0604030504040204" pitchFamily="34" charset="-128"/>
-                <a:ea typeface="Meiryo" panose="020B0604030504040204" pitchFamily="34" charset="-128"/>
+                <a:latin typeface="メイリオ" panose="020B0604030504040204" pitchFamily="50" charset="-128"/>
+                <a:ea typeface="メイリオ" panose="020B0604030504040204" pitchFamily="50" charset="-128"/>
               </a:rPr>
               <a:t>パスワードマネージャー</a:t>
             </a:r>
@@ -8293,8 +8248,8 @@
                 <a:solidFill>
                   <a:schemeClr val="tx1"/>
                 </a:solidFill>
-                <a:latin typeface="Meiryo" panose="020B0604030504040204" pitchFamily="34" charset="-128"/>
-                <a:ea typeface="Meiryo" panose="020B0604030504040204" pitchFamily="34" charset="-128"/>
+                <a:latin typeface="メイリオ" panose="020B0604030504040204" pitchFamily="50" charset="-128"/>
+                <a:ea typeface="メイリオ" panose="020B0604030504040204" pitchFamily="50" charset="-128"/>
               </a:rPr>
               <a:t>”</a:t>
             </a:r>
@@ -8302,8 +8257,8 @@
               <a:solidFill>
                 <a:schemeClr val="tx1"/>
               </a:solidFill>
-              <a:latin typeface="Meiryo" panose="020B0604030504040204" pitchFamily="34" charset="-128"/>
-              <a:ea typeface="Meiryo" panose="020B0604030504040204" pitchFamily="34" charset="-128"/>
+              <a:latin typeface="メイリオ" panose="020B0604030504040204" pitchFamily="50" charset="-128"/>
+              <a:ea typeface="メイリオ" panose="020B0604030504040204" pitchFamily="50" charset="-128"/>
             </a:endParaRPr>
           </a:p>
         </p:txBody>
@@ -8337,7 +8292,7 @@
         </p:blipFill>
         <p:spPr bwMode="auto">
           <a:xfrm>
-            <a:off x="7571638" y="22112306"/>
+            <a:off x="7380087" y="22523298"/>
             <a:ext cx="1816608" cy="1816608"/>
           </a:xfrm>
           <a:prstGeom prst="rect">
@@ -8693,7 +8648,7 @@
         </p:blipFill>
         <p:spPr bwMode="auto">
           <a:xfrm>
-            <a:off x="6117384" y="27271082"/>
+            <a:off x="7689595" y="27276037"/>
             <a:ext cx="1715729" cy="1715729"/>
           </a:xfrm>
           <a:prstGeom prst="rect">
@@ -8711,77 +8666,6 @@
           </a:extLst>
         </p:spPr>
       </p:pic>
-      <p:sp>
-        <p:nvSpPr>
-          <p:cNvPr id="62" name="テキスト ボックス 61">
-            <a:extLst>
-              <a:ext uri="{FF2B5EF4-FFF2-40B4-BE49-F238E27FC236}">
-                <a16:creationId xmlns:a16="http://schemas.microsoft.com/office/drawing/2014/main" id="{1285DF29-1913-9D7D-D24E-C43E32174C2C}"/>
-              </a:ext>
-            </a:extLst>
-          </p:cNvPr>
-          <p:cNvSpPr txBox="1"/>
-          <p:nvPr/>
-        </p:nvSpPr>
-        <p:spPr>
-          <a:xfrm>
-            <a:off x="5568745" y="28358841"/>
-            <a:ext cx="3271837" cy="461665"/>
-          </a:xfrm>
-          <a:prstGeom prst="rect">
-            <a:avLst/>
-          </a:prstGeom>
-          <a:solidFill>
-            <a:srgbClr val="ED7D31">
-              <a:alpha val="63922"/>
-            </a:srgbClr>
-          </a:solidFill>
-        </p:spPr>
-        <p:txBody>
-          <a:bodyPr wrap="square" rtlCol="0">
-            <a:spAutoFit/>
-          </a:bodyPr>
-          <a:lstStyle/>
-          <a:p>
-            <a:pPr algn="ctr"/>
-            <a:r>
-              <a:rPr kumimoji="1" lang="ja-JP" altLang="en-US" sz="2400" dirty="0">
-                <a:latin typeface="メイリオ" panose="020B0604030504040204" pitchFamily="50" charset="-128"/>
-                <a:ea typeface="メイリオ" panose="020B0604030504040204" pitchFamily="50" charset="-128"/>
-              </a:rPr>
-              <a:t>知る</a:t>
-            </a:r>
-            <a:r>
-              <a:rPr kumimoji="1" lang="en-US" altLang="ja-JP" sz="2400" dirty="0">
-                <a:latin typeface="メイリオ" panose="020B0604030504040204" pitchFamily="50" charset="-128"/>
-                <a:ea typeface="メイリオ" panose="020B0604030504040204" pitchFamily="50" charset="-128"/>
-              </a:rPr>
-              <a:t>”</a:t>
-            </a:r>
-            <a:r>
-              <a:rPr kumimoji="1" lang="ja-JP" altLang="en-US" sz="2400" dirty="0">
-                <a:latin typeface="メイリオ" panose="020B0604030504040204" pitchFamily="50" charset="-128"/>
-                <a:ea typeface="メイリオ" panose="020B0604030504040204" pitchFamily="50" charset="-128"/>
-              </a:rPr>
-              <a:t>きっかけ</a:t>
-            </a:r>
-            <a:r>
-              <a:rPr kumimoji="1" lang="en-US" altLang="ja-JP" sz="2400" dirty="0">
-                <a:latin typeface="メイリオ" panose="020B0604030504040204" pitchFamily="50" charset="-128"/>
-                <a:ea typeface="メイリオ" panose="020B0604030504040204" pitchFamily="50" charset="-128"/>
-              </a:rPr>
-              <a:t>”</a:t>
-            </a:r>
-            <a:r>
-              <a:rPr kumimoji="1" lang="ja-JP" altLang="en-US" sz="2400" dirty="0">
-                <a:latin typeface="メイリオ" panose="020B0604030504040204" pitchFamily="50" charset="-128"/>
-                <a:ea typeface="メイリオ" panose="020B0604030504040204" pitchFamily="50" charset="-128"/>
-              </a:rPr>
-              <a:t>に</a:t>
-            </a:r>
-          </a:p>
-        </p:txBody>
-      </p:sp>
       <p:sp>
         <p:nvSpPr>
           <p:cNvPr id="81" name="円/楕円 111">
@@ -8930,13 +8814,15 @@
             <a:pPr algn="ctr"/>
             <a:r>
               <a:rPr lang="ja-JP" altLang="en-US" sz="1600" b="1" dirty="0">
-                <a:latin typeface="Segoe UI" panose="020B0502040204020203" pitchFamily="34" charset="0"/>
+                <a:latin typeface="メイリオ" panose="020B0604030504040204" pitchFamily="50" charset="-128"/>
+                <a:ea typeface="メイリオ" panose="020B0604030504040204" pitchFamily="50" charset="-128"/>
                 <a:cs typeface="Segoe UI" panose="020B0502040204020203" pitchFamily="34" charset="0"/>
               </a:rPr>
               <a:t>アイテム</a:t>
             </a:r>
             <a:endParaRPr kumimoji="1" lang="ja-JP" altLang="en-US" sz="1600" b="1" dirty="0">
-              <a:latin typeface="Segoe UI" panose="020B0502040204020203" pitchFamily="34" charset="0"/>
+              <a:latin typeface="メイリオ" panose="020B0604030504040204" pitchFamily="50" charset="-128"/>
+              <a:ea typeface="メイリオ" panose="020B0604030504040204" pitchFamily="50" charset="-128"/>
               <a:cs typeface="Segoe UI" panose="020B0502040204020203" pitchFamily="34" charset="0"/>
             </a:endParaRPr>
           </a:p>
@@ -8956,10 +8842,10 @@
         </p:nvGrpSpPr>
         <p:grpSpPr>
           <a:xfrm>
-            <a:off x="11709490" y="19174528"/>
-            <a:ext cx="3254066" cy="5500524"/>
-            <a:chOff x="11709490" y="19174528"/>
-            <a:chExt cx="3254066" cy="5500524"/>
+            <a:off x="11170806" y="19189610"/>
+            <a:ext cx="3784708" cy="4285970"/>
+            <a:chOff x="11170806" y="19189610"/>
+            <a:chExt cx="3784708" cy="4285970"/>
           </a:xfrm>
         </p:grpSpPr>
         <p:grpSp>
@@ -8976,10 +8862,10 @@
           </p:nvGrpSpPr>
           <p:grpSpPr>
             <a:xfrm>
-              <a:off x="11709490" y="19174528"/>
-              <a:ext cx="3254066" cy="5500524"/>
-              <a:chOff x="6169582" y="22790825"/>
-              <a:chExt cx="3279149" cy="5500524"/>
+              <a:off x="11170806" y="19189610"/>
+              <a:ext cx="3784708" cy="4285970"/>
+              <a:chOff x="5626745" y="22805907"/>
+              <a:chExt cx="3813881" cy="4285970"/>
             </a:xfrm>
           </p:grpSpPr>
           <p:sp>
@@ -8996,17 +8882,15 @@
             </p:nvSpPr>
             <p:spPr>
               <a:xfrm>
-                <a:off x="6169582" y="22790825"/>
-                <a:ext cx="3279149" cy="5500524"/>
+                <a:off x="5626745" y="22805907"/>
+                <a:ext cx="3813881" cy="4285970"/>
               </a:xfrm>
               <a:prstGeom prst="roundRect">
                 <a:avLst>
                   <a:gd name="adj" fmla="val 2664"/>
                 </a:avLst>
               </a:prstGeom>
-              <a:solidFill>
-                <a:schemeClr val="bg1"/>
-              </a:solidFill>
+              <a:noFill/>
               <a:ln w="38100">
                 <a:solidFill>
                   <a:srgbClr val="002060"/>
@@ -9058,8 +8942,8 @@
             </p:nvSpPr>
             <p:spPr>
               <a:xfrm>
-                <a:off x="6279016" y="23297756"/>
-                <a:ext cx="3060964" cy="4890258"/>
+                <a:off x="6131230" y="25885579"/>
+                <a:ext cx="3103469" cy="1096341"/>
               </a:xfrm>
               <a:prstGeom prst="roundRect">
                 <a:avLst>
@@ -9067,10 +8951,7 @@
                 </a:avLst>
               </a:prstGeom>
               <a:solidFill>
-                <a:schemeClr val="accent4">
-                  <a:lumMod val="20000"/>
-                  <a:lumOff val="80000"/>
-                </a:schemeClr>
+                <a:srgbClr val="FFF5E1"/>
               </a:solidFill>
               <a:ln w="28575">
                 <a:solidFill>
@@ -9100,7 +8981,7 @@
               <a:lstStyle/>
               <a:p>
                 <a:pPr algn="ctr"/>
-                <a:endParaRPr kumimoji="1" lang="ja-JP" altLang="en-US" sz="3600" b="1" dirty="0">
+                <a:endParaRPr kumimoji="1" lang="ja-JP" altLang="en-US" sz="1800" dirty="0">
                   <a:solidFill>
                     <a:schemeClr val="accent6"/>
                   </a:solidFill>
@@ -9125,8 +9006,8 @@
           </p:nvSpPr>
           <p:spPr>
             <a:xfrm>
-              <a:off x="12009937" y="21618326"/>
-              <a:ext cx="1219651" cy="332335"/>
+              <a:off x="13715863" y="21301037"/>
+              <a:ext cx="1017924" cy="332335"/>
             </a:xfrm>
             <a:prstGeom prst="roundRect">
               <a:avLst/>
@@ -9206,8 +9087,8 @@
           </p:nvSpPr>
           <p:spPr>
             <a:xfrm>
-              <a:off x="12012318" y="21096984"/>
-              <a:ext cx="1222732" cy="332336"/>
+              <a:off x="13148851" y="20848061"/>
+              <a:ext cx="513907" cy="785311"/>
             </a:xfrm>
             <a:prstGeom prst="roundRect">
               <a:avLst/>
@@ -9267,8 +9148,8 @@
           </p:nvSpPr>
           <p:spPr>
             <a:xfrm>
-              <a:off x="13370590" y="21096984"/>
-              <a:ext cx="1285434" cy="332336"/>
+              <a:off x="12566334" y="20847098"/>
+              <a:ext cx="524379" cy="786274"/>
             </a:xfrm>
             <a:prstGeom prst="roundRect">
               <a:avLst/>
@@ -9316,6 +9197,64 @@
         </p:sp>
         <p:sp>
           <p:nvSpPr>
+            <p:cNvPr id="82" name="四角形: 角を丸くする 81">
+              <a:extLst>
+                <a:ext uri="{FF2B5EF4-FFF2-40B4-BE49-F238E27FC236}">
+                  <a16:creationId xmlns:a16="http://schemas.microsoft.com/office/drawing/2014/main" id="{AA32A4A7-91A3-02C4-DC8F-3C659C12826C}"/>
+                </a:ext>
+              </a:extLst>
+            </p:cNvPr>
+            <p:cNvSpPr/>
+            <p:nvPr/>
+          </p:nvSpPr>
+          <p:spPr>
+            <a:xfrm>
+              <a:off x="11687321" y="19857289"/>
+              <a:ext cx="2997782" cy="401703"/>
+            </a:xfrm>
+            <a:prstGeom prst="roundRect">
+              <a:avLst/>
+            </a:prstGeom>
+            <a:solidFill>
+              <a:srgbClr val="FFE6CC"/>
+            </a:solidFill>
+            <a:ln w="19050">
+              <a:solidFill>
+                <a:srgbClr val="FF8C00"/>
+              </a:solidFill>
+            </a:ln>
+          </p:spPr>
+          <p:style>
+            <a:lnRef idx="1">
+              <a:schemeClr val="dk1"/>
+            </a:lnRef>
+            <a:fillRef idx="2">
+              <a:schemeClr val="dk1"/>
+            </a:fillRef>
+            <a:effectRef idx="1">
+              <a:schemeClr val="dk1"/>
+            </a:effectRef>
+            <a:fontRef idx="minor">
+              <a:schemeClr val="dk1"/>
+            </a:fontRef>
+          </p:style>
+          <p:txBody>
+            <a:bodyPr lIns="36000" tIns="36000" rIns="36000" bIns="0" rtlCol="0" anchor="ctr"/>
+            <a:lstStyle/>
+            <a:p>
+              <a:pPr algn="ctr"/>
+              <a:r>
+                <a:rPr kumimoji="1" lang="ja-JP" altLang="en-US" sz="1600" dirty="0">
+                  <a:latin typeface="メイリオ" panose="020B0604030504040204" pitchFamily="50" charset="-128"/>
+                  <a:ea typeface="メイリオ" panose="020B0604030504040204" pitchFamily="50" charset="-128"/>
+                </a:rPr>
+                <a:t>制限なし</a:t>
+              </a:r>
+            </a:p>
+          </p:txBody>
+        </p:sp>
+        <p:sp>
+          <p:nvSpPr>
             <p:cNvPr id="76" name="四角形: 角を丸くする 75">
               <a:extLst>
                 <a:ext uri="{FF2B5EF4-FFF2-40B4-BE49-F238E27FC236}">
@@ -9328,8 +9267,8 @@
           </p:nvSpPr>
           <p:spPr>
             <a:xfrm>
-              <a:off x="12006857" y="20586557"/>
-              <a:ext cx="1222732" cy="332336"/>
+              <a:off x="11687321" y="20355148"/>
+              <a:ext cx="820875" cy="1299004"/>
             </a:xfrm>
             <a:prstGeom prst="roundRect">
               <a:avLst/>
@@ -9379,71 +9318,95 @@
             </a:p>
           </p:txBody>
         </p:sp>
-        <p:sp>
-          <p:nvSpPr>
-            <p:cNvPr id="82" name="四角形: 角を丸くする 81">
-              <a:extLst>
-                <a:ext uri="{FF2B5EF4-FFF2-40B4-BE49-F238E27FC236}">
-                  <a16:creationId xmlns:a16="http://schemas.microsoft.com/office/drawing/2014/main" id="{AA32A4A7-91A3-02C4-DC8F-3C659C12826C}"/>
-                </a:ext>
-              </a:extLst>
-            </p:cNvPr>
-            <p:cNvSpPr/>
-            <p:nvPr/>
-          </p:nvSpPr>
-          <p:spPr>
-            <a:xfrm>
-              <a:off x="11993545" y="20021615"/>
-              <a:ext cx="2162943" cy="401703"/>
-            </a:xfrm>
-            <a:prstGeom prst="roundRect">
-              <a:avLst/>
-            </a:prstGeom>
-            <a:solidFill>
-              <a:srgbClr val="FFE6CC"/>
-            </a:solidFill>
-            <a:ln w="19050">
-              <a:solidFill>
-                <a:srgbClr val="FF8C00"/>
-              </a:solidFill>
-            </a:ln>
-          </p:spPr>
-          <p:style>
-            <a:lnRef idx="1">
-              <a:schemeClr val="dk1"/>
-            </a:lnRef>
-            <a:fillRef idx="2">
-              <a:schemeClr val="dk1"/>
-            </a:fillRef>
-            <a:effectRef idx="1">
-              <a:schemeClr val="dk1"/>
-            </a:effectRef>
-            <a:fontRef idx="minor">
-              <a:schemeClr val="dk1"/>
-            </a:fontRef>
-          </p:style>
-          <p:txBody>
-            <a:bodyPr lIns="36000" tIns="36000" rIns="36000" bIns="0" rtlCol="0" anchor="ctr"/>
-            <a:lstStyle/>
-            <a:p>
-              <a:pPr algn="ctr"/>
-              <a:r>
-                <a:rPr kumimoji="1" lang="ja-JP" altLang="en-US" sz="1600" dirty="0">
-                  <a:latin typeface="メイリオ" panose="020B0604030504040204" pitchFamily="50" charset="-128"/>
-                  <a:ea typeface="メイリオ" panose="020B0604030504040204" pitchFamily="50" charset="-128"/>
-                </a:rPr>
-                <a:t>制限なし</a:t>
-              </a:r>
-            </a:p>
-          </p:txBody>
-        </p:sp>
       </p:grpSp>
+      <p:cxnSp>
+        <p:nvCxnSpPr>
+          <p:cNvPr id="10" name="直線コネクタ 9">
+            <a:extLst>
+              <a:ext uri="{FF2B5EF4-FFF2-40B4-BE49-F238E27FC236}">
+                <a16:creationId xmlns:a16="http://schemas.microsoft.com/office/drawing/2014/main" id="{8E6754A4-D054-F7F4-F18E-04FE34DCC7F6}"/>
+              </a:ext>
+            </a:extLst>
+          </p:cNvPr>
+          <p:cNvCxnSpPr>
+            <a:cxnSpLocks/>
+          </p:cNvCxnSpPr>
+          <p:nvPr/>
+        </p:nvCxnSpPr>
+        <p:spPr>
+          <a:xfrm>
+            <a:off x="11242675" y="20316267"/>
+            <a:ext cx="3575050" cy="0"/>
+          </a:xfrm>
+          <a:prstGeom prst="line">
+            <a:avLst/>
+          </a:prstGeom>
+          <a:ln w="28575">
+            <a:prstDash val="dash"/>
+          </a:ln>
+        </p:spPr>
+        <p:style>
+          <a:lnRef idx="1">
+            <a:schemeClr val="accent1"/>
+          </a:lnRef>
+          <a:fillRef idx="0">
+            <a:schemeClr val="accent1"/>
+          </a:fillRef>
+          <a:effectRef idx="0">
+            <a:schemeClr val="accent1"/>
+          </a:effectRef>
+          <a:fontRef idx="minor">
+            <a:schemeClr val="tx1"/>
+          </a:fontRef>
+        </p:style>
+      </p:cxnSp>
+      <p:cxnSp>
+        <p:nvCxnSpPr>
+          <p:cNvPr id="26" name="直線コネクタ 25">
+            <a:extLst>
+              <a:ext uri="{FF2B5EF4-FFF2-40B4-BE49-F238E27FC236}">
+                <a16:creationId xmlns:a16="http://schemas.microsoft.com/office/drawing/2014/main" id="{BE731FAC-3226-555C-C9E3-DA679BB4FA89}"/>
+              </a:ext>
+            </a:extLst>
+          </p:cNvPr>
+          <p:cNvCxnSpPr>
+            <a:cxnSpLocks/>
+          </p:cNvCxnSpPr>
+          <p:nvPr/>
+        </p:nvCxnSpPr>
+        <p:spPr>
+          <a:xfrm>
+            <a:off x="11242675" y="21703742"/>
+            <a:ext cx="3575050" cy="0"/>
+          </a:xfrm>
+          <a:prstGeom prst="line">
+            <a:avLst/>
+          </a:prstGeom>
+          <a:ln w="28575">
+            <a:prstDash val="dash"/>
+          </a:ln>
+        </p:spPr>
+        <p:style>
+          <a:lnRef idx="1">
+            <a:schemeClr val="accent1"/>
+          </a:lnRef>
+          <a:fillRef idx="0">
+            <a:schemeClr val="accent1"/>
+          </a:fillRef>
+          <a:effectRef idx="0">
+            <a:schemeClr val="accent1"/>
+          </a:effectRef>
+          <a:fontRef idx="minor">
+            <a:schemeClr val="tx1"/>
+          </a:fontRef>
+        </p:style>
+      </p:cxnSp>
       <p:sp>
         <p:nvSpPr>
-          <p:cNvPr id="118" name="吹き出し: 角を丸めた四角形 22">
+          <p:cNvPr id="100" name="四角形: 角を丸くする 99">
             <a:extLst>
               <a:ext uri="{FF2B5EF4-FFF2-40B4-BE49-F238E27FC236}">
-                <a16:creationId xmlns:a16="http://schemas.microsoft.com/office/drawing/2014/main" id="{214E6312-7319-94C4-E31B-6A552AFB0759}"/>
+                <a16:creationId xmlns:a16="http://schemas.microsoft.com/office/drawing/2014/main" id="{EAF81493-1130-712A-1F1E-2A5311BA1769}"/>
               </a:ext>
             </a:extLst>
           </p:cNvPr>
@@ -9452,13 +9415,1248 @@
         </p:nvSpPr>
         <p:spPr>
           <a:xfrm>
-            <a:off x="9502741" y="19662195"/>
+            <a:off x="11687321" y="21764112"/>
+            <a:ext cx="3063841" cy="401703"/>
+          </a:xfrm>
+          <a:prstGeom prst="roundRect">
+            <a:avLst/>
+          </a:prstGeom>
+          <a:solidFill>
+            <a:srgbClr val="FFE6CC"/>
+          </a:solidFill>
+          <a:ln w="19050">
+            <a:solidFill>
+              <a:srgbClr val="FF8C00"/>
+            </a:solidFill>
+          </a:ln>
+        </p:spPr>
+        <p:style>
+          <a:lnRef idx="1">
+            <a:schemeClr val="dk1"/>
+          </a:lnRef>
+          <a:fillRef idx="2">
+            <a:schemeClr val="dk1"/>
+          </a:fillRef>
+          <a:effectRef idx="1">
+            <a:schemeClr val="dk1"/>
+          </a:effectRef>
+          <a:fontRef idx="minor">
+            <a:schemeClr val="dk1"/>
+          </a:fontRef>
+        </p:style>
+        <p:txBody>
+          <a:bodyPr lIns="36000" tIns="36000" rIns="36000" bIns="0" rtlCol="0" anchor="ctr"/>
+          <a:lstStyle/>
+          <a:p>
+            <a:pPr algn="ctr"/>
+            <a:r>
+              <a:rPr kumimoji="1" lang="en-US" altLang="ja-JP" sz="1600" dirty="0">
+                <a:latin typeface="メイリオ" panose="020B0604030504040204" pitchFamily="50" charset="-128"/>
+                <a:ea typeface="メイリオ" panose="020B0604030504040204" pitchFamily="50" charset="-128"/>
+              </a:rPr>
+              <a:t>Lv1~4</a:t>
+            </a:r>
+            <a:r>
+              <a:rPr kumimoji="1" lang="ja-JP" altLang="en-US" sz="1600" dirty="0">
+                <a:latin typeface="メイリオ" panose="020B0604030504040204" pitchFamily="50" charset="-128"/>
+                <a:ea typeface="メイリオ" panose="020B0604030504040204" pitchFamily="50" charset="-128"/>
+              </a:rPr>
+              <a:t>の使いまわし</a:t>
+            </a:r>
+          </a:p>
+        </p:txBody>
+      </p:sp>
+      <p:sp>
+        <p:nvSpPr>
+          <p:cNvPr id="102" name="四角形: 角を丸くする 101">
+            <a:extLst>
+              <a:ext uri="{FF2B5EF4-FFF2-40B4-BE49-F238E27FC236}">
+                <a16:creationId xmlns:a16="http://schemas.microsoft.com/office/drawing/2014/main" id="{AC6B6423-610F-71A8-CD6D-4D44052F0321}"/>
+              </a:ext>
+            </a:extLst>
+          </p:cNvPr>
+          <p:cNvSpPr/>
+          <p:nvPr/>
+        </p:nvSpPr>
+        <p:spPr>
+          <a:xfrm>
+            <a:off x="11236360" y="19890631"/>
+            <a:ext cx="380018" cy="370069"/>
+          </a:xfrm>
+          <a:prstGeom prst="roundRect">
+            <a:avLst>
+              <a:gd name="adj" fmla="val 8865"/>
+            </a:avLst>
+          </a:prstGeom>
+          <a:solidFill>
+            <a:schemeClr val="bg1"/>
+          </a:solidFill>
+          <a:ln w="38100">
+            <a:solidFill>
+              <a:schemeClr val="accent2"/>
+            </a:solidFill>
+          </a:ln>
+        </p:spPr>
+        <p:style>
+          <a:lnRef idx="2">
+            <a:schemeClr val="accent4"/>
+          </a:lnRef>
+          <a:fillRef idx="1">
+            <a:schemeClr val="lt1"/>
+          </a:fillRef>
+          <a:effectRef idx="0">
+            <a:schemeClr val="accent4"/>
+          </a:effectRef>
+          <a:fontRef idx="minor">
+            <a:schemeClr val="dk1"/>
+          </a:fontRef>
+        </p:style>
+        <p:txBody>
+          <a:bodyPr vert="horz" wrap="square" lIns="0" tIns="36000" rIns="0" bIns="0" rtlCol="0" anchor="t"/>
+          <a:lstStyle/>
+          <a:p>
+            <a:pPr algn="ctr"/>
+            <a:r>
+              <a:rPr kumimoji="1" lang="en-US" altLang="ja-JP" sz="2400" b="1" dirty="0">
+                <a:solidFill>
+                  <a:schemeClr val="accent2"/>
+                </a:solidFill>
+                <a:latin typeface="メイリオ" panose="020B0604030504040204" pitchFamily="50" charset="-128"/>
+                <a:ea typeface="メイリオ" panose="020B0604030504040204" pitchFamily="50" charset="-128"/>
+              </a:rPr>
+              <a:t>1</a:t>
+            </a:r>
+            <a:endParaRPr kumimoji="1" lang="ja-JP" altLang="en-US" sz="2400" b="1" dirty="0">
+              <a:solidFill>
+                <a:schemeClr val="accent2"/>
+              </a:solidFill>
+              <a:latin typeface="メイリオ" panose="020B0604030504040204" pitchFamily="50" charset="-128"/>
+              <a:ea typeface="メイリオ" panose="020B0604030504040204" pitchFamily="50" charset="-128"/>
+            </a:endParaRPr>
+          </a:p>
+        </p:txBody>
+      </p:sp>
+      <p:sp>
+        <p:nvSpPr>
+          <p:cNvPr id="103" name="四角形: 角を丸くする 102">
+            <a:extLst>
+              <a:ext uri="{FF2B5EF4-FFF2-40B4-BE49-F238E27FC236}">
+                <a16:creationId xmlns:a16="http://schemas.microsoft.com/office/drawing/2014/main" id="{A8A3A2B3-8759-DDE4-F47B-1EC739B61A03}"/>
+              </a:ext>
+            </a:extLst>
+          </p:cNvPr>
+          <p:cNvSpPr/>
+          <p:nvPr/>
+        </p:nvSpPr>
+        <p:spPr>
+          <a:xfrm>
+            <a:off x="11236360" y="20363295"/>
+            <a:ext cx="380018" cy="370069"/>
+          </a:xfrm>
+          <a:prstGeom prst="roundRect">
+            <a:avLst>
+              <a:gd name="adj" fmla="val 8865"/>
+            </a:avLst>
+          </a:prstGeom>
+          <a:solidFill>
+            <a:schemeClr val="bg1"/>
+          </a:solidFill>
+          <a:ln w="38100">
+            <a:solidFill>
+              <a:schemeClr val="accent2"/>
+            </a:solidFill>
+          </a:ln>
+        </p:spPr>
+        <p:style>
+          <a:lnRef idx="2">
+            <a:schemeClr val="accent4"/>
+          </a:lnRef>
+          <a:fillRef idx="1">
+            <a:schemeClr val="lt1"/>
+          </a:fillRef>
+          <a:effectRef idx="0">
+            <a:schemeClr val="accent4"/>
+          </a:effectRef>
+          <a:fontRef idx="minor">
+            <a:schemeClr val="dk1"/>
+          </a:fontRef>
+        </p:style>
+        <p:txBody>
+          <a:bodyPr vert="horz" lIns="0" tIns="36000" rIns="0" bIns="0" rtlCol="0" anchor="t"/>
+          <a:lstStyle/>
+          <a:p>
+            <a:pPr algn="ctr"/>
+            <a:r>
+              <a:rPr kumimoji="1" lang="en-US" altLang="ja-JP" sz="2400" b="1" dirty="0">
+                <a:solidFill>
+                  <a:schemeClr val="accent2"/>
+                </a:solidFill>
+                <a:latin typeface="メイリオ" panose="020B0604030504040204" pitchFamily="50" charset="-128"/>
+                <a:ea typeface="メイリオ" panose="020B0604030504040204" pitchFamily="50" charset="-128"/>
+              </a:rPr>
+              <a:t>2</a:t>
+            </a:r>
+            <a:endParaRPr kumimoji="1" lang="ja-JP" altLang="en-US" sz="2400" b="1" dirty="0">
+              <a:solidFill>
+                <a:schemeClr val="accent2"/>
+              </a:solidFill>
+              <a:latin typeface="メイリオ" panose="020B0604030504040204" pitchFamily="50" charset="-128"/>
+              <a:ea typeface="メイリオ" panose="020B0604030504040204" pitchFamily="50" charset="-128"/>
+            </a:endParaRPr>
+          </a:p>
+        </p:txBody>
+      </p:sp>
+      <p:sp>
+        <p:nvSpPr>
+          <p:cNvPr id="104" name="四角形: 角を丸くする 103">
+            <a:extLst>
+              <a:ext uri="{FF2B5EF4-FFF2-40B4-BE49-F238E27FC236}">
+                <a16:creationId xmlns:a16="http://schemas.microsoft.com/office/drawing/2014/main" id="{E43EACF8-99A0-5091-C8AB-B3D65551228F}"/>
+              </a:ext>
+            </a:extLst>
+          </p:cNvPr>
+          <p:cNvSpPr/>
+          <p:nvPr/>
+        </p:nvSpPr>
+        <p:spPr>
+          <a:xfrm>
+            <a:off x="11236360" y="20824970"/>
+            <a:ext cx="380018" cy="370069"/>
+          </a:xfrm>
+          <a:prstGeom prst="roundRect">
+            <a:avLst>
+              <a:gd name="adj" fmla="val 8865"/>
+            </a:avLst>
+          </a:prstGeom>
+          <a:solidFill>
+            <a:schemeClr val="bg1"/>
+          </a:solidFill>
+          <a:ln w="38100">
+            <a:solidFill>
+              <a:schemeClr val="accent2"/>
+            </a:solidFill>
+          </a:ln>
+        </p:spPr>
+        <p:style>
+          <a:lnRef idx="2">
+            <a:schemeClr val="accent4"/>
+          </a:lnRef>
+          <a:fillRef idx="1">
+            <a:schemeClr val="lt1"/>
+          </a:fillRef>
+          <a:effectRef idx="0">
+            <a:schemeClr val="accent4"/>
+          </a:effectRef>
+          <a:fontRef idx="minor">
+            <a:schemeClr val="dk1"/>
+          </a:fontRef>
+        </p:style>
+        <p:txBody>
+          <a:bodyPr vert="horz" lIns="0" tIns="36000" rIns="0" bIns="0" rtlCol="0" anchor="t"/>
+          <a:lstStyle/>
+          <a:p>
+            <a:pPr algn="ctr"/>
+            <a:r>
+              <a:rPr kumimoji="1" lang="en-US" altLang="ja-JP" sz="2400" b="1" dirty="0">
+                <a:solidFill>
+                  <a:schemeClr val="accent2"/>
+                </a:solidFill>
+                <a:latin typeface="メイリオ" panose="020B0604030504040204" pitchFamily="50" charset="-128"/>
+                <a:ea typeface="メイリオ" panose="020B0604030504040204" pitchFamily="50" charset="-128"/>
+              </a:rPr>
+              <a:t>3</a:t>
+            </a:r>
+            <a:endParaRPr kumimoji="1" lang="ja-JP" altLang="en-US" sz="2400" b="1" dirty="0">
+              <a:solidFill>
+                <a:schemeClr val="accent2"/>
+              </a:solidFill>
+              <a:latin typeface="メイリオ" panose="020B0604030504040204" pitchFamily="50" charset="-128"/>
+              <a:ea typeface="メイリオ" panose="020B0604030504040204" pitchFamily="50" charset="-128"/>
+            </a:endParaRPr>
+          </a:p>
+        </p:txBody>
+      </p:sp>
+      <p:sp>
+        <p:nvSpPr>
+          <p:cNvPr id="105" name="四角形: 角を丸くする 104">
+            <a:extLst>
+              <a:ext uri="{FF2B5EF4-FFF2-40B4-BE49-F238E27FC236}">
+                <a16:creationId xmlns:a16="http://schemas.microsoft.com/office/drawing/2014/main" id="{C428A692-6428-923F-2DF3-D04D31DB4EFC}"/>
+              </a:ext>
+            </a:extLst>
+          </p:cNvPr>
+          <p:cNvSpPr/>
+          <p:nvPr/>
+        </p:nvSpPr>
+        <p:spPr>
+          <a:xfrm>
+            <a:off x="11236360" y="21277695"/>
+            <a:ext cx="380018" cy="370069"/>
+          </a:xfrm>
+          <a:prstGeom prst="roundRect">
+            <a:avLst>
+              <a:gd name="adj" fmla="val 8865"/>
+            </a:avLst>
+          </a:prstGeom>
+          <a:solidFill>
+            <a:schemeClr val="bg1"/>
+          </a:solidFill>
+          <a:ln w="38100">
+            <a:solidFill>
+              <a:schemeClr val="accent2"/>
+            </a:solidFill>
+          </a:ln>
+        </p:spPr>
+        <p:style>
+          <a:lnRef idx="2">
+            <a:schemeClr val="accent4"/>
+          </a:lnRef>
+          <a:fillRef idx="1">
+            <a:schemeClr val="lt1"/>
+          </a:fillRef>
+          <a:effectRef idx="0">
+            <a:schemeClr val="accent4"/>
+          </a:effectRef>
+          <a:fontRef idx="minor">
+            <a:schemeClr val="dk1"/>
+          </a:fontRef>
+        </p:style>
+        <p:txBody>
+          <a:bodyPr vert="horz" lIns="0" tIns="36000" rIns="0" bIns="0" rtlCol="0" anchor="t"/>
+          <a:lstStyle/>
+          <a:p>
+            <a:pPr algn="ctr"/>
+            <a:r>
+              <a:rPr kumimoji="1" lang="en-US" altLang="ja-JP" sz="2400" b="1" dirty="0">
+                <a:solidFill>
+                  <a:schemeClr val="accent2"/>
+                </a:solidFill>
+                <a:latin typeface="メイリオ" panose="020B0604030504040204" pitchFamily="50" charset="-128"/>
+                <a:ea typeface="メイリオ" panose="020B0604030504040204" pitchFamily="50" charset="-128"/>
+              </a:rPr>
+              <a:t>4</a:t>
+            </a:r>
+            <a:endParaRPr kumimoji="1" lang="ja-JP" altLang="en-US" sz="2400" b="1" dirty="0">
+              <a:solidFill>
+                <a:schemeClr val="accent2"/>
+              </a:solidFill>
+              <a:latin typeface="メイリオ" panose="020B0604030504040204" pitchFamily="50" charset="-128"/>
+              <a:ea typeface="メイリオ" panose="020B0604030504040204" pitchFamily="50" charset="-128"/>
+            </a:endParaRPr>
+          </a:p>
+        </p:txBody>
+      </p:sp>
+      <p:sp>
+        <p:nvSpPr>
+          <p:cNvPr id="106" name="四角形: 角を丸くする 105">
+            <a:extLst>
+              <a:ext uri="{FF2B5EF4-FFF2-40B4-BE49-F238E27FC236}">
+                <a16:creationId xmlns:a16="http://schemas.microsoft.com/office/drawing/2014/main" id="{CE98F6B1-7E12-DDE6-77A8-6770FDA2C255}"/>
+              </a:ext>
+            </a:extLst>
+          </p:cNvPr>
+          <p:cNvSpPr/>
+          <p:nvPr/>
+        </p:nvSpPr>
+        <p:spPr>
+          <a:xfrm>
+            <a:off x="11233324" y="21739369"/>
+            <a:ext cx="380018" cy="370069"/>
+          </a:xfrm>
+          <a:prstGeom prst="roundRect">
+            <a:avLst>
+              <a:gd name="adj" fmla="val 8865"/>
+            </a:avLst>
+          </a:prstGeom>
+          <a:solidFill>
+            <a:schemeClr val="bg1"/>
+          </a:solidFill>
+          <a:ln w="38100">
+            <a:solidFill>
+              <a:schemeClr val="accent2"/>
+            </a:solidFill>
+          </a:ln>
+        </p:spPr>
+        <p:style>
+          <a:lnRef idx="2">
+            <a:schemeClr val="accent4"/>
+          </a:lnRef>
+          <a:fillRef idx="1">
+            <a:schemeClr val="lt1"/>
+          </a:fillRef>
+          <a:effectRef idx="0">
+            <a:schemeClr val="accent4"/>
+          </a:effectRef>
+          <a:fontRef idx="minor">
+            <a:schemeClr val="dk1"/>
+          </a:fontRef>
+        </p:style>
+        <p:txBody>
+          <a:bodyPr vert="horz" lIns="0" tIns="36000" rIns="0" bIns="0" rtlCol="0" anchor="t"/>
+          <a:lstStyle/>
+          <a:p>
+            <a:pPr algn="ctr"/>
+            <a:r>
+              <a:rPr kumimoji="1" lang="en-US" altLang="ja-JP" sz="2400" b="1" dirty="0">
+                <a:solidFill>
+                  <a:schemeClr val="accent2"/>
+                </a:solidFill>
+                <a:latin typeface="メイリオ" panose="020B0604030504040204" pitchFamily="50" charset="-128"/>
+                <a:ea typeface="メイリオ" panose="020B0604030504040204" pitchFamily="50" charset="-128"/>
+              </a:rPr>
+              <a:t>5</a:t>
+            </a:r>
+            <a:endParaRPr kumimoji="1" lang="ja-JP" altLang="en-US" sz="2400" b="1" dirty="0">
+              <a:solidFill>
+                <a:schemeClr val="accent2"/>
+              </a:solidFill>
+              <a:latin typeface="メイリオ" panose="020B0604030504040204" pitchFamily="50" charset="-128"/>
+              <a:ea typeface="メイリオ" panose="020B0604030504040204" pitchFamily="50" charset="-128"/>
+            </a:endParaRPr>
+          </a:p>
+        </p:txBody>
+      </p:sp>
+      <p:sp>
+        <p:nvSpPr>
+          <p:cNvPr id="107" name="四角形: 角を丸くする 106">
+            <a:extLst>
+              <a:ext uri="{FF2B5EF4-FFF2-40B4-BE49-F238E27FC236}">
+                <a16:creationId xmlns:a16="http://schemas.microsoft.com/office/drawing/2014/main" id="{3A0E9ABE-E8AD-1D55-B6CD-E50812580C7D}"/>
+              </a:ext>
+            </a:extLst>
+          </p:cNvPr>
+          <p:cNvSpPr/>
+          <p:nvPr/>
+        </p:nvSpPr>
+        <p:spPr>
+          <a:xfrm>
+            <a:off x="11229734" y="22283699"/>
+            <a:ext cx="380018" cy="370069"/>
+          </a:xfrm>
+          <a:prstGeom prst="roundRect">
+            <a:avLst>
+              <a:gd name="adj" fmla="val 8865"/>
+            </a:avLst>
+          </a:prstGeom>
+          <a:solidFill>
+            <a:schemeClr val="bg1"/>
+          </a:solidFill>
+          <a:ln w="38100">
+            <a:solidFill>
+              <a:schemeClr val="accent2"/>
+            </a:solidFill>
+          </a:ln>
+        </p:spPr>
+        <p:style>
+          <a:lnRef idx="2">
+            <a:schemeClr val="accent4"/>
+          </a:lnRef>
+          <a:fillRef idx="1">
+            <a:schemeClr val="lt1"/>
+          </a:fillRef>
+          <a:effectRef idx="0">
+            <a:schemeClr val="accent4"/>
+          </a:effectRef>
+          <a:fontRef idx="minor">
+            <a:schemeClr val="dk1"/>
+          </a:fontRef>
+        </p:style>
+        <p:txBody>
+          <a:bodyPr vert="horz" lIns="0" tIns="36000" rIns="0" bIns="0" rtlCol="0" anchor="t"/>
+          <a:lstStyle/>
+          <a:p>
+            <a:pPr algn="ctr"/>
+            <a:r>
+              <a:rPr kumimoji="1" lang="en-US" altLang="ja-JP" sz="2400" b="1" dirty="0">
+                <a:solidFill>
+                  <a:schemeClr val="accent2"/>
+                </a:solidFill>
+                <a:latin typeface="メイリオ" panose="020B0604030504040204" pitchFamily="50" charset="-128"/>
+                <a:ea typeface="メイリオ" panose="020B0604030504040204" pitchFamily="50" charset="-128"/>
+              </a:rPr>
+              <a:t>6</a:t>
+            </a:r>
+            <a:endParaRPr kumimoji="1" lang="ja-JP" altLang="en-US" sz="2400" b="1" dirty="0">
+              <a:solidFill>
+                <a:schemeClr val="accent2"/>
+              </a:solidFill>
+              <a:latin typeface="メイリオ" panose="020B0604030504040204" pitchFamily="50" charset="-128"/>
+              <a:ea typeface="メイリオ" panose="020B0604030504040204" pitchFamily="50" charset="-128"/>
+            </a:endParaRPr>
+          </a:p>
+        </p:txBody>
+      </p:sp>
+      <p:sp>
+        <p:nvSpPr>
+          <p:cNvPr id="108" name="四角形: 角を丸くする 107">
+            <a:extLst>
+              <a:ext uri="{FF2B5EF4-FFF2-40B4-BE49-F238E27FC236}">
+                <a16:creationId xmlns:a16="http://schemas.microsoft.com/office/drawing/2014/main" id="{2B4538E8-334A-95F1-9508-9F85487BC204}"/>
+              </a:ext>
+            </a:extLst>
+          </p:cNvPr>
+          <p:cNvSpPr/>
+          <p:nvPr/>
+        </p:nvSpPr>
+        <p:spPr>
+          <a:xfrm>
+            <a:off x="13123678" y="22986747"/>
+            <a:ext cx="513907" cy="317263"/>
+          </a:xfrm>
+          <a:prstGeom prst="roundRect">
+            <a:avLst/>
+          </a:prstGeom>
+          <a:solidFill>
+            <a:srgbClr val="E6F4EA"/>
+          </a:solidFill>
+          <a:ln w="19050">
+            <a:solidFill>
+              <a:srgbClr val="008000"/>
+            </a:solidFill>
+          </a:ln>
+        </p:spPr>
+        <p:style>
+          <a:lnRef idx="1">
+            <a:schemeClr val="dk1"/>
+          </a:lnRef>
+          <a:fillRef idx="2">
+            <a:schemeClr val="dk1"/>
+          </a:fillRef>
+          <a:effectRef idx="1">
+            <a:schemeClr val="dk1"/>
+          </a:effectRef>
+          <a:fontRef idx="minor">
+            <a:schemeClr val="dk1"/>
+          </a:fontRef>
+        </p:style>
+        <p:txBody>
+          <a:bodyPr lIns="36000" tIns="36000" rIns="36000" bIns="0" rtlCol="0" anchor="ctr"/>
+          <a:lstStyle/>
+          <a:p>
+            <a:pPr algn="ctr"/>
+            <a:r>
+              <a:rPr kumimoji="1" lang="ja-JP" altLang="en-US" sz="1600" dirty="0">
+                <a:solidFill>
+                  <a:schemeClr val="tx1"/>
+                </a:solidFill>
+                <a:latin typeface="メイリオ" panose="020B0604030504040204" pitchFamily="50" charset="-128"/>
+                <a:ea typeface="メイリオ" panose="020B0604030504040204" pitchFamily="50" charset="-128"/>
+              </a:rPr>
+              <a:t>記号</a:t>
+            </a:r>
+          </a:p>
+        </p:txBody>
+      </p:sp>
+      <p:sp>
+        <p:nvSpPr>
+          <p:cNvPr id="109" name="四角形: 角を丸くする 108">
+            <a:extLst>
+              <a:ext uri="{FF2B5EF4-FFF2-40B4-BE49-F238E27FC236}">
+                <a16:creationId xmlns:a16="http://schemas.microsoft.com/office/drawing/2014/main" id="{ABDE8850-1549-F595-8813-26728F00342A}"/>
+              </a:ext>
+            </a:extLst>
+          </p:cNvPr>
+          <p:cNvSpPr/>
+          <p:nvPr/>
+        </p:nvSpPr>
+        <p:spPr>
+          <a:xfrm>
+            <a:off x="12553809" y="22986747"/>
+            <a:ext cx="524379" cy="317652"/>
+          </a:xfrm>
+          <a:prstGeom prst="roundRect">
+            <a:avLst/>
+          </a:prstGeom>
+          <a:solidFill>
+            <a:srgbClr val="E6F4EA"/>
+          </a:solidFill>
+          <a:ln w="19050">
+            <a:solidFill>
+              <a:srgbClr val="008000"/>
+            </a:solidFill>
+          </a:ln>
+        </p:spPr>
+        <p:style>
+          <a:lnRef idx="1">
+            <a:schemeClr val="dk1"/>
+          </a:lnRef>
+          <a:fillRef idx="2">
+            <a:schemeClr val="dk1"/>
+          </a:fillRef>
+          <a:effectRef idx="1">
+            <a:schemeClr val="dk1"/>
+          </a:effectRef>
+          <a:fontRef idx="minor">
+            <a:schemeClr val="dk1"/>
+          </a:fontRef>
+        </p:style>
+        <p:txBody>
+          <a:bodyPr lIns="36000" tIns="36000" rIns="36000" bIns="0" rtlCol="0" anchor="ctr"/>
+          <a:lstStyle/>
+          <a:p>
+            <a:pPr algn="ctr"/>
+            <a:r>
+              <a:rPr kumimoji="1" lang="ja-JP" altLang="en-US" sz="1600" dirty="0">
+                <a:solidFill>
+                  <a:schemeClr val="tx1"/>
+                </a:solidFill>
+                <a:latin typeface="メイリオ" panose="020B0604030504040204" pitchFamily="50" charset="-128"/>
+                <a:ea typeface="メイリオ" panose="020B0604030504040204" pitchFamily="50" charset="-128"/>
+              </a:rPr>
+              <a:t>数字</a:t>
+            </a:r>
+          </a:p>
+        </p:txBody>
+      </p:sp>
+      <p:sp>
+        <p:nvSpPr>
+          <p:cNvPr id="110" name="四角形: 角を丸くする 109">
+            <a:extLst>
+              <a:ext uri="{FF2B5EF4-FFF2-40B4-BE49-F238E27FC236}">
+                <a16:creationId xmlns:a16="http://schemas.microsoft.com/office/drawing/2014/main" id="{A57D40C3-1FC4-C1DA-2F5B-BD0422267D59}"/>
+              </a:ext>
+            </a:extLst>
+          </p:cNvPr>
+          <p:cNvSpPr/>
+          <p:nvPr/>
+        </p:nvSpPr>
+        <p:spPr>
+          <a:xfrm>
+            <a:off x="11714736" y="22802459"/>
+            <a:ext cx="796881" cy="524793"/>
+          </a:xfrm>
+          <a:prstGeom prst="roundRect">
+            <a:avLst/>
+          </a:prstGeom>
+          <a:solidFill>
+            <a:srgbClr val="D9EAF7"/>
+          </a:solidFill>
+          <a:ln w="19050">
+            <a:solidFill>
+              <a:srgbClr val="0077B6"/>
+            </a:solidFill>
+          </a:ln>
+        </p:spPr>
+        <p:style>
+          <a:lnRef idx="1">
+            <a:schemeClr val="dk1"/>
+          </a:lnRef>
+          <a:fillRef idx="2">
+            <a:schemeClr val="dk1"/>
+          </a:fillRef>
+          <a:effectRef idx="1">
+            <a:schemeClr val="dk1"/>
+          </a:effectRef>
+          <a:fontRef idx="minor">
+            <a:schemeClr val="dk1"/>
+          </a:fontRef>
+        </p:style>
+        <p:txBody>
+          <a:bodyPr lIns="36000" tIns="36000" rIns="36000" bIns="0" rtlCol="0" anchor="ctr"/>
+          <a:lstStyle/>
+          <a:p>
+            <a:pPr algn="ctr"/>
+            <a:r>
+              <a:rPr kumimoji="1" lang="en-US" altLang="ja-JP" sz="1600" dirty="0">
+                <a:latin typeface="メイリオ" panose="020B0604030504040204" pitchFamily="50" charset="-128"/>
+                <a:ea typeface="メイリオ" panose="020B0604030504040204" pitchFamily="50" charset="-128"/>
+              </a:rPr>
+              <a:t>10</a:t>
+            </a:r>
+            <a:r>
+              <a:rPr kumimoji="1" lang="ja-JP" altLang="en-US" sz="1600" dirty="0">
+                <a:latin typeface="メイリオ" panose="020B0604030504040204" pitchFamily="50" charset="-128"/>
+                <a:ea typeface="メイリオ" panose="020B0604030504040204" pitchFamily="50" charset="-128"/>
+              </a:rPr>
+              <a:t>文字以上</a:t>
+            </a:r>
+          </a:p>
+        </p:txBody>
+      </p:sp>
+      <p:sp>
+        <p:nvSpPr>
+          <p:cNvPr id="111" name="四角形: 角を丸くする 110">
+            <a:extLst>
+              <a:ext uri="{FF2B5EF4-FFF2-40B4-BE49-F238E27FC236}">
+                <a16:creationId xmlns:a16="http://schemas.microsoft.com/office/drawing/2014/main" id="{46C62B82-B912-6796-E037-8FFB7C56EB90}"/>
+              </a:ext>
+            </a:extLst>
+          </p:cNvPr>
+          <p:cNvSpPr/>
+          <p:nvPr/>
+        </p:nvSpPr>
+        <p:spPr>
+          <a:xfrm>
+            <a:off x="13677191" y="22986747"/>
+            <a:ext cx="1017924" cy="332335"/>
+          </a:xfrm>
+          <a:prstGeom prst="roundRect">
+            <a:avLst/>
+          </a:prstGeom>
+          <a:solidFill>
+            <a:srgbClr val="E6F4EA"/>
+          </a:solidFill>
+          <a:ln w="19050">
+            <a:solidFill>
+              <a:srgbClr val="008000"/>
+            </a:solidFill>
+          </a:ln>
+        </p:spPr>
+        <p:style>
+          <a:lnRef idx="1">
+            <a:schemeClr val="dk1"/>
+          </a:lnRef>
+          <a:fillRef idx="2">
+            <a:schemeClr val="dk1"/>
+          </a:fillRef>
+          <a:effectRef idx="1">
+            <a:schemeClr val="dk1"/>
+          </a:effectRef>
+          <a:fontRef idx="minor">
+            <a:schemeClr val="dk1"/>
+          </a:fontRef>
+        </p:style>
+        <p:txBody>
+          <a:bodyPr lIns="36000" tIns="36000" rIns="36000" bIns="0" rtlCol="0" anchor="ctr"/>
+          <a:lstStyle/>
+          <a:p>
+            <a:pPr algn="ctr"/>
+            <a:r>
+              <a:rPr kumimoji="1" lang="ja-JP" altLang="en-US" sz="1600" dirty="0">
+                <a:solidFill>
+                  <a:schemeClr val="tx1"/>
+                </a:solidFill>
+                <a:latin typeface="メイリオ" panose="020B0604030504040204" pitchFamily="50" charset="-128"/>
+                <a:ea typeface="メイリオ" panose="020B0604030504040204" pitchFamily="50" charset="-128"/>
+              </a:rPr>
+              <a:t>大</a:t>
+            </a:r>
+            <a:r>
+              <a:rPr kumimoji="1" lang="en-US" altLang="ja-JP" sz="1600" dirty="0">
+                <a:solidFill>
+                  <a:schemeClr val="tx1"/>
+                </a:solidFill>
+                <a:latin typeface="メイリオ" panose="020B0604030504040204" pitchFamily="50" charset="-128"/>
+                <a:ea typeface="メイリオ" panose="020B0604030504040204" pitchFamily="50" charset="-128"/>
+              </a:rPr>
+              <a:t>/</a:t>
+            </a:r>
+            <a:r>
+              <a:rPr kumimoji="1" lang="ja-JP" altLang="en-US" sz="1600" dirty="0">
+                <a:solidFill>
+                  <a:schemeClr val="tx1"/>
+                </a:solidFill>
+                <a:latin typeface="メイリオ" panose="020B0604030504040204" pitchFamily="50" charset="-128"/>
+                <a:ea typeface="メイリオ" panose="020B0604030504040204" pitchFamily="50" charset="-128"/>
+              </a:rPr>
+              <a:t>小文字</a:t>
+            </a:r>
+          </a:p>
+        </p:txBody>
+      </p:sp>
+      <p:sp>
+        <p:nvSpPr>
+          <p:cNvPr id="112" name="四角形: 角を丸くする 111">
+            <a:extLst>
+              <a:ext uri="{FF2B5EF4-FFF2-40B4-BE49-F238E27FC236}">
+                <a16:creationId xmlns:a16="http://schemas.microsoft.com/office/drawing/2014/main" id="{9981D607-7840-0610-1A2E-8853D4BABCE9}"/>
+              </a:ext>
+            </a:extLst>
+          </p:cNvPr>
+          <p:cNvSpPr/>
+          <p:nvPr/>
+        </p:nvSpPr>
+        <p:spPr>
+          <a:xfrm>
+            <a:off x="11732397" y="22337836"/>
+            <a:ext cx="2938505" cy="401703"/>
+          </a:xfrm>
+          <a:prstGeom prst="roundRect">
+            <a:avLst/>
+          </a:prstGeom>
+          <a:solidFill>
+            <a:srgbClr val="FFE6CC"/>
+          </a:solidFill>
+          <a:ln w="19050">
+            <a:solidFill>
+              <a:srgbClr val="FF8C00"/>
+            </a:solidFill>
+          </a:ln>
+        </p:spPr>
+        <p:style>
+          <a:lnRef idx="1">
+            <a:schemeClr val="dk1"/>
+          </a:lnRef>
+          <a:fillRef idx="2">
+            <a:schemeClr val="dk1"/>
+          </a:fillRef>
+          <a:effectRef idx="1">
+            <a:schemeClr val="dk1"/>
+          </a:effectRef>
+          <a:fontRef idx="minor">
+            <a:schemeClr val="dk1"/>
+          </a:fontRef>
+        </p:style>
+        <p:txBody>
+          <a:bodyPr lIns="36000" tIns="36000" rIns="36000" bIns="0" rtlCol="0" anchor="ctr"/>
+          <a:lstStyle/>
+          <a:p>
+            <a:pPr algn="ctr"/>
+            <a:r>
+              <a:rPr kumimoji="1" lang="en-US" altLang="ja-JP" sz="1600" dirty="0" err="1">
+                <a:latin typeface="メイリオ" panose="020B0604030504040204" pitchFamily="50" charset="-128"/>
+                <a:ea typeface="メイリオ" panose="020B0604030504040204" pitchFamily="50" charset="-128"/>
+              </a:rPr>
+              <a:t>zxcvbn</a:t>
+            </a:r>
+            <a:r>
+              <a:rPr kumimoji="1" lang="en-US" altLang="ja-JP" sz="1600" dirty="0">
+                <a:latin typeface="メイリオ" panose="020B0604030504040204" pitchFamily="50" charset="-128"/>
+                <a:ea typeface="メイリオ" panose="020B0604030504040204" pitchFamily="50" charset="-128"/>
+              </a:rPr>
+              <a:t> Entropy 30</a:t>
+            </a:r>
+            <a:r>
+              <a:rPr kumimoji="1" lang="ja-JP" altLang="en-US" sz="1600" dirty="0">
+                <a:latin typeface="メイリオ" panose="020B0604030504040204" pitchFamily="50" charset="-128"/>
+                <a:ea typeface="メイリオ" panose="020B0604030504040204" pitchFamily="50" charset="-128"/>
+              </a:rPr>
+              <a:t>以上</a:t>
+            </a:r>
+          </a:p>
+        </p:txBody>
+      </p:sp>
+      <p:sp>
+        <p:nvSpPr>
+          <p:cNvPr id="121" name="テキスト ボックス 120">
+            <a:extLst>
+              <a:ext uri="{FF2B5EF4-FFF2-40B4-BE49-F238E27FC236}">
+                <a16:creationId xmlns:a16="http://schemas.microsoft.com/office/drawing/2014/main" id="{AD35B081-A1E0-E4EB-8DF9-75CC72230F05}"/>
+              </a:ext>
+            </a:extLst>
+          </p:cNvPr>
+          <p:cNvSpPr txBox="1"/>
+          <p:nvPr/>
+        </p:nvSpPr>
+        <p:spPr>
+          <a:xfrm>
+            <a:off x="7910310" y="20562608"/>
+            <a:ext cx="2779713" cy="903700"/>
+          </a:xfrm>
+          <a:prstGeom prst="rect">
+            <a:avLst/>
+          </a:prstGeom>
+          <a:solidFill>
+            <a:schemeClr val="accent2">
+              <a:lumMod val="20000"/>
+              <a:lumOff val="80000"/>
+            </a:schemeClr>
+          </a:solidFill>
+          <a:ln>
+            <a:noFill/>
+          </a:ln>
+        </p:spPr>
+        <p:style>
+          <a:lnRef idx="3">
+            <a:schemeClr val="lt1"/>
+          </a:lnRef>
+          <a:fillRef idx="1">
+            <a:schemeClr val="accent2"/>
+          </a:fillRef>
+          <a:effectRef idx="1">
+            <a:schemeClr val="accent2"/>
+          </a:effectRef>
+          <a:fontRef idx="minor">
+            <a:schemeClr val="lt1"/>
+          </a:fontRef>
+        </p:style>
+        <p:txBody>
+          <a:bodyPr wrap="square" tIns="72000" bIns="0" rtlCol="0">
+            <a:spAutoFit/>
+          </a:bodyPr>
+          <a:lstStyle/>
+          <a:p>
+            <a:pPr algn="ctr"/>
+            <a:r>
+              <a:rPr lang="ja-JP" altLang="en-US" sz="1800" b="1" dirty="0">
+                <a:ln w="12700">
+                  <a:noFill/>
+                </a:ln>
+                <a:solidFill>
+                  <a:schemeClr val="accent2"/>
+                </a:solidFill>
+                <a:latin typeface="メイリオ" panose="020B0604030504040204" pitchFamily="50" charset="-128"/>
+                <a:ea typeface="メイリオ" panose="020B0604030504040204" pitchFamily="50" charset="-128"/>
+              </a:rPr>
+              <a:t>条件を満たす</a:t>
+            </a:r>
+            <a:endParaRPr lang="en-US" altLang="ja-JP" sz="1800" b="1" dirty="0">
+              <a:ln w="12700">
+                <a:noFill/>
+              </a:ln>
+              <a:solidFill>
+                <a:schemeClr val="accent2"/>
+              </a:solidFill>
+              <a:latin typeface="メイリオ" panose="020B0604030504040204" pitchFamily="50" charset="-128"/>
+              <a:ea typeface="メイリオ" panose="020B0604030504040204" pitchFamily="50" charset="-128"/>
+            </a:endParaRPr>
+          </a:p>
+          <a:p>
+            <a:pPr algn="ctr"/>
+            <a:r>
+              <a:rPr lang="ja-JP" altLang="en-US" sz="1800" b="1" dirty="0">
+                <a:ln w="12700">
+                  <a:noFill/>
+                </a:ln>
+                <a:solidFill>
+                  <a:schemeClr val="accent2"/>
+                </a:solidFill>
+                <a:latin typeface="メイリオ" panose="020B0604030504040204" pitchFamily="50" charset="-128"/>
+                <a:ea typeface="メイリオ" panose="020B0604030504040204" pitchFamily="50" charset="-128"/>
+              </a:rPr>
+              <a:t>脆弱なパスワードを入力</a:t>
+            </a:r>
+            <a:endParaRPr lang="en-US" altLang="ja-JP" sz="1800" b="1" dirty="0">
+              <a:ln w="12700">
+                <a:noFill/>
+              </a:ln>
+              <a:solidFill>
+                <a:schemeClr val="accent2"/>
+              </a:solidFill>
+              <a:latin typeface="メイリオ" panose="020B0604030504040204" pitchFamily="50" charset="-128"/>
+              <a:ea typeface="メイリオ" panose="020B0604030504040204" pitchFamily="50" charset="-128"/>
+            </a:endParaRPr>
+          </a:p>
+          <a:p>
+            <a:pPr algn="ctr"/>
+            <a:r>
+              <a:rPr lang="ja-JP" altLang="en-US" sz="1800" b="1" dirty="0">
+                <a:ln w="12700">
+                  <a:noFill/>
+                </a:ln>
+                <a:solidFill>
+                  <a:schemeClr val="accent2"/>
+                </a:solidFill>
+                <a:latin typeface="メイリオ" panose="020B0604030504040204" pitchFamily="50" charset="-128"/>
+                <a:ea typeface="メイリオ" panose="020B0604030504040204" pitchFamily="50" charset="-128"/>
+              </a:rPr>
+              <a:t>→特徴を理解</a:t>
+            </a:r>
+            <a:endParaRPr kumimoji="1" lang="en-US" altLang="ja-JP" sz="1800" b="1" dirty="0">
+              <a:ln w="12700">
+                <a:noFill/>
+              </a:ln>
+              <a:solidFill>
+                <a:schemeClr val="accent2"/>
+              </a:solidFill>
+              <a:latin typeface="メイリオ" panose="020B0604030504040204" pitchFamily="50" charset="-128"/>
+              <a:ea typeface="メイリオ" panose="020B0604030504040204" pitchFamily="50" charset="-128"/>
+            </a:endParaRPr>
+          </a:p>
+        </p:txBody>
+      </p:sp>
+      <p:sp>
+        <p:nvSpPr>
+          <p:cNvPr id="122" name="左中かっこ 121">
+            <a:extLst>
+              <a:ext uri="{FF2B5EF4-FFF2-40B4-BE49-F238E27FC236}">
+                <a16:creationId xmlns:a16="http://schemas.microsoft.com/office/drawing/2014/main" id="{5278DEFC-FADB-26A9-C3D6-F582DA5CC403}"/>
+              </a:ext>
+            </a:extLst>
+          </p:cNvPr>
+          <p:cNvSpPr/>
+          <p:nvPr/>
+        </p:nvSpPr>
+        <p:spPr>
+          <a:xfrm>
+            <a:off x="10690023" y="19897117"/>
+            <a:ext cx="481744" cy="2212320"/>
+          </a:xfrm>
+          <a:prstGeom prst="leftBrace">
+            <a:avLst>
+              <a:gd name="adj1" fmla="val 8333"/>
+              <a:gd name="adj2" fmla="val 50574"/>
+            </a:avLst>
+          </a:prstGeom>
+          <a:ln w="38100">
+            <a:solidFill>
+              <a:srgbClr val="ED7D31"/>
+            </a:solidFill>
+          </a:ln>
+        </p:spPr>
+        <p:style>
+          <a:lnRef idx="1">
+            <a:schemeClr val="accent1"/>
+          </a:lnRef>
+          <a:fillRef idx="0">
+            <a:schemeClr val="accent1"/>
+          </a:fillRef>
+          <a:effectRef idx="0">
+            <a:schemeClr val="accent1"/>
+          </a:effectRef>
+          <a:fontRef idx="minor">
+            <a:schemeClr val="tx1"/>
+          </a:fontRef>
+        </p:style>
+        <p:txBody>
+          <a:bodyPr rtlCol="0" anchor="ctr"/>
+          <a:lstStyle/>
+          <a:p>
+            <a:pPr algn="ctr"/>
+            <a:endParaRPr kumimoji="1" lang="ja-JP" altLang="en-US"/>
+          </a:p>
+        </p:txBody>
+      </p:sp>
+      <p:sp>
+        <p:nvSpPr>
+          <p:cNvPr id="123" name="テキスト ボックス 122">
+            <a:extLst>
+              <a:ext uri="{FF2B5EF4-FFF2-40B4-BE49-F238E27FC236}">
+                <a16:creationId xmlns:a16="http://schemas.microsoft.com/office/drawing/2014/main" id="{D113C5DF-62D5-A7E6-2B4B-1B3328C5F9A8}"/>
+              </a:ext>
+            </a:extLst>
+          </p:cNvPr>
+          <p:cNvSpPr txBox="1"/>
+          <p:nvPr/>
+        </p:nvSpPr>
+        <p:spPr>
+          <a:xfrm>
+            <a:off x="8584126" y="22151536"/>
+            <a:ext cx="2516046" cy="903700"/>
+          </a:xfrm>
+          <a:prstGeom prst="rect">
+            <a:avLst/>
+          </a:prstGeom>
+          <a:solidFill>
+            <a:schemeClr val="accent2">
+              <a:lumMod val="20000"/>
+              <a:lumOff val="80000"/>
+            </a:schemeClr>
+          </a:solidFill>
+          <a:ln>
+            <a:noFill/>
+          </a:ln>
+        </p:spPr>
+        <p:style>
+          <a:lnRef idx="3">
+            <a:schemeClr val="lt1"/>
+          </a:lnRef>
+          <a:fillRef idx="1">
+            <a:schemeClr val="accent2"/>
+          </a:fillRef>
+          <a:effectRef idx="1">
+            <a:schemeClr val="accent2"/>
+          </a:effectRef>
+          <a:fontRef idx="minor">
+            <a:schemeClr val="lt1"/>
+          </a:fontRef>
+        </p:style>
+        <p:txBody>
+          <a:bodyPr wrap="square" tIns="72000" bIns="0" rtlCol="0">
+            <a:spAutoFit/>
+          </a:bodyPr>
+          <a:lstStyle/>
+          <a:p>
+            <a:pPr algn="ctr"/>
+            <a:r>
+              <a:rPr kumimoji="1" lang="ja-JP" altLang="en-US" sz="1800" b="1" dirty="0">
+                <a:ln w="12700">
+                  <a:noFill/>
+                </a:ln>
+                <a:solidFill>
+                  <a:schemeClr val="accent2"/>
+                </a:solidFill>
+                <a:latin typeface="メイリオ" panose="020B0604030504040204" pitchFamily="50" charset="-128"/>
+                <a:ea typeface="メイリオ" panose="020B0604030504040204" pitchFamily="50" charset="-128"/>
+              </a:rPr>
+              <a:t>最後に</a:t>
+            </a:r>
+            <a:endParaRPr kumimoji="1" lang="en-US" altLang="ja-JP" sz="1800" b="1" dirty="0">
+              <a:ln w="12700">
+                <a:noFill/>
+              </a:ln>
+              <a:solidFill>
+                <a:schemeClr val="accent2"/>
+              </a:solidFill>
+              <a:latin typeface="メイリオ" panose="020B0604030504040204" pitchFamily="50" charset="-128"/>
+              <a:ea typeface="メイリオ" panose="020B0604030504040204" pitchFamily="50" charset="-128"/>
+            </a:endParaRPr>
+          </a:p>
+          <a:p>
+            <a:pPr algn="ctr"/>
+            <a:r>
+              <a:rPr kumimoji="1" lang="ja-JP" altLang="en-US" sz="1800" b="1" dirty="0">
+                <a:ln w="12700">
+                  <a:noFill/>
+                </a:ln>
+                <a:solidFill>
+                  <a:schemeClr val="accent2"/>
+                </a:solidFill>
+                <a:latin typeface="メイリオ" panose="020B0604030504040204" pitchFamily="50" charset="-128"/>
+                <a:ea typeface="メイリオ" panose="020B0604030504040204" pitchFamily="50" charset="-128"/>
+              </a:rPr>
+              <a:t>脆弱でないパスワード</a:t>
+            </a:r>
+            <a:endParaRPr kumimoji="1" lang="en-US" altLang="ja-JP" sz="1800" b="1" dirty="0">
+              <a:ln w="12700">
+                <a:noFill/>
+              </a:ln>
+              <a:solidFill>
+                <a:schemeClr val="accent2"/>
+              </a:solidFill>
+              <a:latin typeface="メイリオ" panose="020B0604030504040204" pitchFamily="50" charset="-128"/>
+              <a:ea typeface="メイリオ" panose="020B0604030504040204" pitchFamily="50" charset="-128"/>
+            </a:endParaRPr>
+          </a:p>
+          <a:p>
+            <a:pPr algn="ctr"/>
+            <a:r>
+              <a:rPr kumimoji="1" lang="ja-JP" altLang="en-US" sz="1800" b="1" dirty="0">
+                <a:ln w="12700">
+                  <a:noFill/>
+                </a:ln>
+                <a:solidFill>
+                  <a:schemeClr val="accent2"/>
+                </a:solidFill>
+                <a:latin typeface="メイリオ" panose="020B0604030504040204" pitchFamily="50" charset="-128"/>
+                <a:ea typeface="メイリオ" panose="020B0604030504040204" pitchFamily="50" charset="-128"/>
+              </a:rPr>
+              <a:t>を考えさせる</a:t>
+            </a:r>
+            <a:endParaRPr kumimoji="1" lang="en-US" altLang="ja-JP" sz="1800" b="1" dirty="0">
+              <a:ln w="12700">
+                <a:noFill/>
+              </a:ln>
+              <a:solidFill>
+                <a:schemeClr val="accent2"/>
+              </a:solidFill>
+              <a:latin typeface="メイリオ" panose="020B0604030504040204" pitchFamily="50" charset="-128"/>
+              <a:ea typeface="メイリオ" panose="020B0604030504040204" pitchFamily="50" charset="-128"/>
+            </a:endParaRPr>
+          </a:p>
+        </p:txBody>
+      </p:sp>
+      <p:sp>
+        <p:nvSpPr>
+          <p:cNvPr id="75" name="四角形: 角を丸くする 74">
+            <a:extLst>
+              <a:ext uri="{FF2B5EF4-FFF2-40B4-BE49-F238E27FC236}">
+                <a16:creationId xmlns:a16="http://schemas.microsoft.com/office/drawing/2014/main" id="{01204FFF-9B35-1199-E79A-83E23DA38DF7}"/>
+              </a:ext>
+            </a:extLst>
+          </p:cNvPr>
+          <p:cNvSpPr/>
+          <p:nvPr/>
+        </p:nvSpPr>
+        <p:spPr>
+          <a:xfrm>
+            <a:off x="5302662" y="23570909"/>
+            <a:ext cx="3635786" cy="495554"/>
+          </a:xfrm>
+          <a:prstGeom prst="roundRect">
+            <a:avLst>
+              <a:gd name="adj" fmla="val 8865"/>
+            </a:avLst>
+          </a:prstGeom>
+          <a:solidFill>
+            <a:schemeClr val="bg1"/>
+          </a:solidFill>
+          <a:ln w="38100">
+            <a:solidFill>
+              <a:srgbClr val="FF0000"/>
+            </a:solidFill>
+          </a:ln>
+        </p:spPr>
+        <p:style>
+          <a:lnRef idx="2">
+            <a:schemeClr val="accent4"/>
+          </a:lnRef>
+          <a:fillRef idx="1">
+            <a:schemeClr val="lt1"/>
+          </a:fillRef>
+          <a:effectRef idx="0">
+            <a:schemeClr val="accent4"/>
+          </a:effectRef>
+          <a:fontRef idx="minor">
+            <a:schemeClr val="dk1"/>
+          </a:fontRef>
+        </p:style>
+        <p:txBody>
+          <a:bodyPr vert="horz" tIns="72000" rIns="144000" rtlCol="0" anchor="t"/>
+          <a:lstStyle/>
+          <a:p>
+            <a:pPr algn="ctr"/>
+            <a:r>
+              <a:rPr kumimoji="1" lang="ja-JP" altLang="en-US" sz="2400" b="1" dirty="0">
+                <a:solidFill>
+                  <a:srgbClr val="FF0000"/>
+                </a:solidFill>
+                <a:latin typeface="メイリオ" panose="020B0604030504040204" pitchFamily="50" charset="-128"/>
+                <a:ea typeface="メイリオ" panose="020B0604030504040204" pitchFamily="50" charset="-128"/>
+              </a:rPr>
+              <a:t>脆弱であれば爆発</a:t>
+            </a:r>
+            <a:r>
+              <a:rPr kumimoji="1" lang="en-US" altLang="ja-JP" sz="2400" b="1" dirty="0">
+                <a:solidFill>
+                  <a:srgbClr val="FF0000"/>
+                </a:solidFill>
+                <a:latin typeface="メイリオ" panose="020B0604030504040204" pitchFamily="50" charset="-128"/>
+                <a:ea typeface="メイリオ" panose="020B0604030504040204" pitchFamily="50" charset="-128"/>
+              </a:rPr>
+              <a:t>(</a:t>
+            </a:r>
+            <a:r>
+              <a:rPr kumimoji="1" lang="ja-JP" altLang="en-US" sz="2400" b="1" dirty="0">
+                <a:solidFill>
+                  <a:srgbClr val="FF0000"/>
+                </a:solidFill>
+                <a:latin typeface="メイリオ" panose="020B0604030504040204" pitchFamily="50" charset="-128"/>
+                <a:ea typeface="メイリオ" panose="020B0604030504040204" pitchFamily="50" charset="-128"/>
+              </a:rPr>
+              <a:t>成功</a:t>
+            </a:r>
+            <a:r>
+              <a:rPr kumimoji="1" lang="en-US" altLang="ja-JP" sz="2400" b="1" dirty="0">
+                <a:solidFill>
+                  <a:srgbClr val="FF0000"/>
+                </a:solidFill>
+                <a:latin typeface="メイリオ" panose="020B0604030504040204" pitchFamily="50" charset="-128"/>
+                <a:ea typeface="メイリオ" panose="020B0604030504040204" pitchFamily="50" charset="-128"/>
+              </a:rPr>
+              <a:t>)</a:t>
+            </a:r>
+            <a:endParaRPr kumimoji="1" lang="ja-JP" altLang="en-US" sz="2400" b="1" dirty="0">
+              <a:solidFill>
+                <a:srgbClr val="FF0000"/>
+              </a:solidFill>
+              <a:latin typeface="メイリオ" panose="020B0604030504040204" pitchFamily="50" charset="-128"/>
+              <a:ea typeface="メイリオ" panose="020B0604030504040204" pitchFamily="50" charset="-128"/>
+            </a:endParaRPr>
+          </a:p>
+        </p:txBody>
+      </p:sp>
+      <p:sp>
+        <p:nvSpPr>
+          <p:cNvPr id="124" name="吹き出し: 角を丸めた四角形 22">
+            <a:extLst>
+              <a:ext uri="{FF2B5EF4-FFF2-40B4-BE49-F238E27FC236}">
+                <a16:creationId xmlns:a16="http://schemas.microsoft.com/office/drawing/2014/main" id="{2DAF32F1-BA28-A640-3AF1-8C3657CC303D}"/>
+              </a:ext>
+            </a:extLst>
+          </p:cNvPr>
+          <p:cNvSpPr/>
+          <p:nvPr/>
+        </p:nvSpPr>
+        <p:spPr>
+          <a:xfrm>
+            <a:off x="5593138" y="27550148"/>
             <a:ext cx="2035387" cy="699547"/>
           </a:xfrm>
           <a:prstGeom prst="wedgeRoundRectCallout">
             <a:avLst>
-              <a:gd name="adj1" fmla="val 48827"/>
-              <a:gd name="adj2" fmla="val 89879"/>
+              <a:gd name="adj1" fmla="val -42895"/>
+              <a:gd name="adj2" fmla="val 91694"/>
               <a:gd name="adj3" fmla="val 16667"/>
             </a:avLst>
           </a:prstGeom>
@@ -9484,57 +10682,1009 @@
           <a:p>
             <a:pPr algn="ctr"/>
             <a:r>
-              <a:rPr kumimoji="1" lang="en-US" altLang="ja-JP" sz="2000" b="1" dirty="0">
+              <a:rPr kumimoji="1" lang="ja-JP" altLang="en-US" sz="2000" b="1" dirty="0">
                 <a:solidFill>
                   <a:schemeClr val="tx1"/>
                 </a:solidFill>
               </a:rPr>
-              <a:t>FIT (9</a:t>
-            </a:r>
-            <a:r>
-              <a:rPr kumimoji="1" lang="ja-JP" altLang="en-US" sz="2000" b="1">
-                <a:solidFill>
-                  <a:schemeClr val="tx1"/>
-                </a:solidFill>
-              </a:rPr>
-              <a:t>月</a:t>
-            </a:r>
-            <a:r>
-              <a:rPr kumimoji="1" lang="en-US" altLang="ja-JP" sz="2000" b="1" dirty="0">
-                <a:solidFill>
-                  <a:schemeClr val="tx1"/>
-                </a:solidFill>
-              </a:rPr>
-              <a:t>)</a:t>
-            </a:r>
-            <a:r>
-              <a:rPr lang="ja-JP" altLang="en-US" sz="2000">
-                <a:solidFill>
-                  <a:schemeClr val="tx1"/>
-                </a:solidFill>
-              </a:rPr>
-              <a:t>にて</a:t>
-            </a:r>
-            <a:endParaRPr lang="en-US" altLang="ja-JP" sz="2000" dirty="0">
+              <a:t>知るきっかけに</a:t>
+            </a:r>
+            <a:endParaRPr kumimoji="1" lang="ja-JP" altLang="en-US" sz="2000" dirty="0">
               <a:solidFill>
                 <a:schemeClr val="tx1"/>
               </a:solidFill>
             </a:endParaRPr>
           </a:p>
+        </p:txBody>
+      </p:sp>
+      <p:cxnSp>
+        <p:nvCxnSpPr>
+          <p:cNvPr id="125" name="直線コネクタ 124">
+            <a:extLst>
+              <a:ext uri="{FF2B5EF4-FFF2-40B4-BE49-F238E27FC236}">
+                <a16:creationId xmlns:a16="http://schemas.microsoft.com/office/drawing/2014/main" id="{36681E16-F4B5-F5DF-F300-6812D1C7751F}"/>
+              </a:ext>
+            </a:extLst>
+          </p:cNvPr>
+          <p:cNvCxnSpPr>
+            <a:cxnSpLocks/>
+          </p:cNvCxnSpPr>
+          <p:nvPr/>
+        </p:nvCxnSpPr>
+        <p:spPr>
+          <a:xfrm>
+            <a:off x="11255375" y="22210154"/>
+            <a:ext cx="3575050" cy="0"/>
+          </a:xfrm>
+          <a:prstGeom prst="line">
+            <a:avLst/>
+          </a:prstGeom>
+          <a:ln w="28575">
+            <a:prstDash val="dash"/>
+          </a:ln>
+        </p:spPr>
+        <p:style>
+          <a:lnRef idx="1">
+            <a:schemeClr val="accent1"/>
+          </a:lnRef>
+          <a:fillRef idx="0">
+            <a:schemeClr val="accent1"/>
+          </a:fillRef>
+          <a:effectRef idx="0">
+            <a:schemeClr val="accent1"/>
+          </a:effectRef>
+          <a:fontRef idx="minor">
+            <a:schemeClr val="tx1"/>
+          </a:fontRef>
+        </p:style>
+      </p:cxnSp>
+      <p:pic>
+        <p:nvPicPr>
+          <p:cNvPr id="1027" name="Picture 2" descr="OKサインを出す人のイラスト（女性）">
+            <a:extLst>
+              <a:ext uri="{FF2B5EF4-FFF2-40B4-BE49-F238E27FC236}">
+                <a16:creationId xmlns:a16="http://schemas.microsoft.com/office/drawing/2014/main" id="{95C4385A-3AC2-D780-55AA-AE643A2B8EC9}"/>
+              </a:ext>
+            </a:extLst>
+          </p:cNvPr>
+          <p:cNvPicPr>
+            <a:picLocks noChangeAspect="1" noChangeArrowheads="1"/>
+          </p:cNvPicPr>
+          <p:nvPr/>
+        </p:nvPicPr>
+        <p:blipFill>
+          <a:blip r:embed="rId10">
+            <a:extLst>
+              <a:ext uri="{28A0092B-C50C-407E-A947-70E740481C1C}">
+                <a14:useLocalDpi xmlns:a14="http://schemas.microsoft.com/office/drawing/2010/main" val="0"/>
+              </a:ext>
+            </a:extLst>
+          </a:blip>
+          <a:srcRect/>
+          <a:stretch>
+            <a:fillRect/>
+          </a:stretch>
+        </p:blipFill>
+        <p:spPr bwMode="auto">
+          <a:xfrm>
+            <a:off x="669225" y="11668384"/>
+            <a:ext cx="1789509" cy="1950418"/>
+          </a:xfrm>
+          <a:prstGeom prst="rect">
+            <a:avLst/>
+          </a:prstGeom>
+          <a:noFill/>
+          <a:extLst>
+            <a:ext uri="{909E8E84-426E-40DD-AFC4-6F175D3DCCD1}">
+              <a14:hiddenFill xmlns:a14="http://schemas.microsoft.com/office/drawing/2010/main">
+                <a:solidFill>
+                  <a:srgbClr val="FFFFFF"/>
+                </a:solidFill>
+              </a14:hiddenFill>
+            </a:ext>
+          </a:extLst>
+        </p:spPr>
+      </p:pic>
+      <p:pic>
+        <p:nvPicPr>
+          <p:cNvPr id="1029" name="Picture 4" descr="USB端末を持つ手のイラスト（USBメモリ）">
+            <a:extLst>
+              <a:ext uri="{FF2B5EF4-FFF2-40B4-BE49-F238E27FC236}">
+                <a16:creationId xmlns:a16="http://schemas.microsoft.com/office/drawing/2014/main" id="{A121ABB6-7F34-DD79-1E97-E70B3FEE1F5D}"/>
+              </a:ext>
+            </a:extLst>
+          </p:cNvPr>
+          <p:cNvPicPr>
+            <a:picLocks noChangeAspect="1" noChangeArrowheads="1"/>
+          </p:cNvPicPr>
+          <p:nvPr/>
+        </p:nvPicPr>
+        <p:blipFill>
+          <a:blip r:embed="rId11">
+            <a:extLst>
+              <a:ext uri="{28A0092B-C50C-407E-A947-70E740481C1C}">
+                <a14:useLocalDpi xmlns:a14="http://schemas.microsoft.com/office/drawing/2010/main" val="0"/>
+              </a:ext>
+            </a:extLst>
+          </a:blip>
+          <a:srcRect/>
+          <a:stretch>
+            <a:fillRect/>
+          </a:stretch>
+        </p:blipFill>
+        <p:spPr bwMode="auto">
+          <a:xfrm>
+            <a:off x="12969106" y="11687387"/>
+            <a:ext cx="2356546" cy="1266643"/>
+          </a:xfrm>
+          <a:prstGeom prst="rect">
+            <a:avLst/>
+          </a:prstGeom>
+          <a:noFill/>
+          <a:extLst>
+            <a:ext uri="{909E8E84-426E-40DD-AFC4-6F175D3DCCD1}">
+              <a14:hiddenFill xmlns:a14="http://schemas.microsoft.com/office/drawing/2010/main">
+                <a:solidFill>
+                  <a:srgbClr val="FFFFFF"/>
+                </a:solidFill>
+              </a14:hiddenFill>
+            </a:ext>
+          </a:extLst>
+        </p:spPr>
+      </p:pic>
+      <p:pic>
+        <p:nvPicPr>
+          <p:cNvPr id="1030" name="Picture 6" descr="パソコンのパスワードのイラスト（セキュリティー）">
+            <a:extLst>
+              <a:ext uri="{FF2B5EF4-FFF2-40B4-BE49-F238E27FC236}">
+                <a16:creationId xmlns:a16="http://schemas.microsoft.com/office/drawing/2014/main" id="{31871A76-6BBC-604F-4B87-BE81EEBE7561}"/>
+              </a:ext>
+            </a:extLst>
+          </p:cNvPr>
+          <p:cNvPicPr>
+            <a:picLocks noChangeAspect="1" noChangeArrowheads="1"/>
+          </p:cNvPicPr>
+          <p:nvPr/>
+        </p:nvPicPr>
+        <p:blipFill>
+          <a:blip r:embed="rId12">
+            <a:extLst>
+              <a:ext uri="{28A0092B-C50C-407E-A947-70E740481C1C}">
+                <a14:useLocalDpi xmlns:a14="http://schemas.microsoft.com/office/drawing/2010/main" val="0"/>
+              </a:ext>
+            </a:extLst>
+          </a:blip>
+          <a:srcRect/>
+          <a:stretch>
+            <a:fillRect/>
+          </a:stretch>
+        </p:blipFill>
+        <p:spPr bwMode="auto">
+          <a:xfrm>
+            <a:off x="11051318" y="12552483"/>
+            <a:ext cx="1772866" cy="1342946"/>
+          </a:xfrm>
+          <a:prstGeom prst="rect">
+            <a:avLst/>
+          </a:prstGeom>
+          <a:noFill/>
+          <a:extLst>
+            <a:ext uri="{909E8E84-426E-40DD-AFC4-6F175D3DCCD1}">
+              <a14:hiddenFill xmlns:a14="http://schemas.microsoft.com/office/drawing/2010/main">
+                <a:solidFill>
+                  <a:srgbClr val="FFFFFF"/>
+                </a:solidFill>
+              </a14:hiddenFill>
+            </a:ext>
+          </a:extLst>
+        </p:spPr>
+      </p:pic>
+      <p:sp>
+        <p:nvSpPr>
+          <p:cNvPr id="1033" name="テキスト ボックス 1032">
+            <a:extLst>
+              <a:ext uri="{FF2B5EF4-FFF2-40B4-BE49-F238E27FC236}">
+                <a16:creationId xmlns:a16="http://schemas.microsoft.com/office/drawing/2014/main" id="{7B1CBDA4-C79D-E77A-78A6-D148EADFEA0D}"/>
+              </a:ext>
+            </a:extLst>
+          </p:cNvPr>
+          <p:cNvSpPr txBox="1"/>
+          <p:nvPr/>
+        </p:nvSpPr>
+        <p:spPr>
+          <a:xfrm>
+            <a:off x="3760824" y="13985076"/>
+            <a:ext cx="8543216" cy="1077218"/>
+          </a:xfrm>
+          <a:prstGeom prst="rect">
+            <a:avLst/>
+          </a:prstGeom>
+          <a:noFill/>
+        </p:spPr>
+        <p:txBody>
+          <a:bodyPr wrap="square" rtlCol="0">
+            <a:spAutoFit/>
+          </a:bodyPr>
+          <a:lstStyle/>
           <a:p>
             <a:pPr algn="ctr"/>
             <a:r>
-              <a:rPr kumimoji="1" lang="ja-JP" altLang="en-US" sz="2000">
-                <a:solidFill>
-                  <a:schemeClr val="tx1"/>
-                </a:solidFill>
-              </a:rPr>
-              <a:t>発表予定</a:t>
-            </a:r>
-            <a:endParaRPr kumimoji="1" lang="ja-JP" altLang="en-US" sz="2000" dirty="0">
+              <a:rPr kumimoji="1" lang="ja-JP" altLang="en-US" sz="3200" dirty="0">
+                <a:latin typeface="メイリオ" panose="020B0604030504040204" pitchFamily="50" charset="-128"/>
+                <a:ea typeface="メイリオ" panose="020B0604030504040204" pitchFamily="50" charset="-128"/>
+              </a:rPr>
+              <a:t>安全だと思っていることが，</a:t>
+            </a:r>
+            <a:endParaRPr kumimoji="1" lang="en-US" altLang="ja-JP" sz="3200" dirty="0">
+              <a:latin typeface="メイリオ" panose="020B0604030504040204" pitchFamily="50" charset="-128"/>
+              <a:ea typeface="メイリオ" panose="020B0604030504040204" pitchFamily="50" charset="-128"/>
+            </a:endParaRPr>
+          </a:p>
+          <a:p>
+            <a:pPr algn="ctr"/>
+            <a:r>
+              <a:rPr kumimoji="1" lang="ja-JP" altLang="en-US" sz="3200" dirty="0">
+                <a:latin typeface="メイリオ" panose="020B0604030504040204" pitchFamily="50" charset="-128"/>
+                <a:ea typeface="メイリオ" panose="020B0604030504040204" pitchFamily="50" charset="-128"/>
+              </a:rPr>
+              <a:t>実は安全ではないと気づけない</a:t>
+            </a:r>
+          </a:p>
+        </p:txBody>
+      </p:sp>
+      <p:pic>
+        <p:nvPicPr>
+          <p:cNvPr id="1034" name="Picture 8" descr="据置型ゲーム機で遊ぶ子供達のイラスト（男の子・スマホ型）">
+            <a:extLst>
+              <a:ext uri="{FF2B5EF4-FFF2-40B4-BE49-F238E27FC236}">
+                <a16:creationId xmlns:a16="http://schemas.microsoft.com/office/drawing/2014/main" id="{87FA4306-FF8E-4A8E-0E24-D8C447FD5F9E}"/>
+              </a:ext>
+            </a:extLst>
+          </p:cNvPr>
+          <p:cNvPicPr>
+            <a:picLocks noChangeAspect="1" noChangeArrowheads="1"/>
+          </p:cNvPicPr>
+          <p:nvPr/>
+        </p:nvPicPr>
+        <p:blipFill>
+          <a:blip r:embed="rId13">
+            <a:extLst>
+              <a:ext uri="{28A0092B-C50C-407E-A947-70E740481C1C}">
+                <a14:useLocalDpi xmlns:a14="http://schemas.microsoft.com/office/drawing/2010/main" val="0"/>
+              </a:ext>
+            </a:extLst>
+          </a:blip>
+          <a:srcRect/>
+          <a:stretch>
+            <a:fillRect/>
+          </a:stretch>
+        </p:blipFill>
+        <p:spPr bwMode="auto">
+          <a:xfrm>
+            <a:off x="13341135" y="16281651"/>
+            <a:ext cx="1329767" cy="1329767"/>
+          </a:xfrm>
+          <a:prstGeom prst="rect">
+            <a:avLst/>
+          </a:prstGeom>
+          <a:noFill/>
+          <a:extLst>
+            <a:ext uri="{909E8E84-426E-40DD-AFC4-6F175D3DCCD1}">
+              <a14:hiddenFill xmlns:a14="http://schemas.microsoft.com/office/drawing/2010/main">
+                <a:solidFill>
+                  <a:srgbClr val="FFFFFF"/>
+                </a:solidFill>
+              </a14:hiddenFill>
+            </a:ext>
+          </a:extLst>
+        </p:spPr>
+      </p:pic>
+      <p:pic>
+        <p:nvPicPr>
+          <p:cNvPr id="1035" name="Picture 10" descr="スマートフォンでゲームをやる子供のイラスト（女の子・横）">
+            <a:extLst>
+              <a:ext uri="{FF2B5EF4-FFF2-40B4-BE49-F238E27FC236}">
+                <a16:creationId xmlns:a16="http://schemas.microsoft.com/office/drawing/2014/main" id="{13C47B2A-827B-35DB-5745-27973707CE47}"/>
+              </a:ext>
+            </a:extLst>
+          </p:cNvPr>
+          <p:cNvPicPr>
+            <a:picLocks noChangeAspect="1" noChangeArrowheads="1"/>
+          </p:cNvPicPr>
+          <p:nvPr/>
+        </p:nvPicPr>
+        <p:blipFill>
+          <a:blip r:embed="rId14">
+            <a:extLst>
+              <a:ext uri="{28A0092B-C50C-407E-A947-70E740481C1C}">
+                <a14:useLocalDpi xmlns:a14="http://schemas.microsoft.com/office/drawing/2010/main" val="0"/>
+              </a:ext>
+            </a:extLst>
+          </a:blip>
+          <a:srcRect/>
+          <a:stretch>
+            <a:fillRect/>
+          </a:stretch>
+        </p:blipFill>
+        <p:spPr bwMode="auto">
+          <a:xfrm>
+            <a:off x="11541401" y="15949515"/>
+            <a:ext cx="1839230" cy="1655307"/>
+          </a:xfrm>
+          <a:prstGeom prst="rect">
+            <a:avLst/>
+          </a:prstGeom>
+          <a:noFill/>
+          <a:extLst>
+            <a:ext uri="{909E8E84-426E-40DD-AFC4-6F175D3DCCD1}">
+              <a14:hiddenFill xmlns:a14="http://schemas.microsoft.com/office/drawing/2010/main">
+                <a:solidFill>
+                  <a:srgbClr val="FFFFFF"/>
+                </a:solidFill>
+              </a14:hiddenFill>
+            </a:ext>
+          </a:extLst>
+        </p:spPr>
+      </p:pic>
+      <p:pic>
+        <p:nvPicPr>
+          <p:cNvPr id="1036" name="Picture 12" descr="ゲームのコントローラーのイラスト">
+            <a:extLst>
+              <a:ext uri="{FF2B5EF4-FFF2-40B4-BE49-F238E27FC236}">
+                <a16:creationId xmlns:a16="http://schemas.microsoft.com/office/drawing/2014/main" id="{70C81AA2-6392-9671-D346-E32351EE063B}"/>
+              </a:ext>
+            </a:extLst>
+          </p:cNvPr>
+          <p:cNvPicPr>
+            <a:picLocks noChangeAspect="1" noChangeArrowheads="1"/>
+          </p:cNvPicPr>
+          <p:nvPr/>
+        </p:nvPicPr>
+        <p:blipFill>
+          <a:blip r:embed="rId15">
+            <a:extLst>
+              <a:ext uri="{28A0092B-C50C-407E-A947-70E740481C1C}">
+                <a14:useLocalDpi xmlns:a14="http://schemas.microsoft.com/office/drawing/2010/main" val="0"/>
+              </a:ext>
+            </a:extLst>
+          </a:blip>
+          <a:srcRect/>
+          <a:stretch>
+            <a:fillRect/>
+          </a:stretch>
+        </p:blipFill>
+        <p:spPr bwMode="auto">
+          <a:xfrm>
+            <a:off x="9648459" y="15769479"/>
+            <a:ext cx="1991880" cy="1991880"/>
+          </a:xfrm>
+          <a:prstGeom prst="rect">
+            <a:avLst/>
+          </a:prstGeom>
+          <a:noFill/>
+          <a:extLst>
+            <a:ext uri="{909E8E84-426E-40DD-AFC4-6F175D3DCCD1}">
+              <a14:hiddenFill xmlns:a14="http://schemas.microsoft.com/office/drawing/2010/main">
+                <a:solidFill>
+                  <a:srgbClr val="FFFFFF"/>
+                </a:solidFill>
+              </a14:hiddenFill>
+            </a:ext>
+          </a:extLst>
+        </p:spPr>
+      </p:pic>
+      <p:pic>
+        <p:nvPicPr>
+          <p:cNvPr id="1038" name="Picture 14" descr="やる気のない勉強のイラスト">
+            <a:extLst>
+              <a:ext uri="{FF2B5EF4-FFF2-40B4-BE49-F238E27FC236}">
+                <a16:creationId xmlns:a16="http://schemas.microsoft.com/office/drawing/2014/main" id="{F2F2F3A4-56DF-5002-5D85-A94F0782A854}"/>
+              </a:ext>
+            </a:extLst>
+          </p:cNvPr>
+          <p:cNvPicPr>
+            <a:picLocks noChangeAspect="1" noChangeArrowheads="1"/>
+          </p:cNvPicPr>
+          <p:nvPr/>
+        </p:nvPicPr>
+        <p:blipFill>
+          <a:blip r:embed="rId16">
+            <a:extLst>
+              <a:ext uri="{28A0092B-C50C-407E-A947-70E740481C1C}">
+                <a14:useLocalDpi xmlns:a14="http://schemas.microsoft.com/office/drawing/2010/main" val="0"/>
+              </a:ext>
+            </a:extLst>
+          </a:blip>
+          <a:srcRect/>
+          <a:stretch>
+            <a:fillRect/>
+          </a:stretch>
+        </p:blipFill>
+        <p:spPr bwMode="auto">
+          <a:xfrm>
+            <a:off x="4758205" y="16744254"/>
+            <a:ext cx="1876797" cy="1801725"/>
+          </a:xfrm>
+          <a:prstGeom prst="rect">
+            <a:avLst/>
+          </a:prstGeom>
+          <a:noFill/>
+          <a:extLst>
+            <a:ext uri="{909E8E84-426E-40DD-AFC4-6F175D3DCCD1}">
+              <a14:hiddenFill xmlns:a14="http://schemas.microsoft.com/office/drawing/2010/main">
+                <a:solidFill>
+                  <a:srgbClr val="FFFFFF"/>
+                </a:solidFill>
+              </a14:hiddenFill>
+            </a:ext>
+          </a:extLst>
+        </p:spPr>
+      </p:pic>
+      <p:pic>
+        <p:nvPicPr>
+          <p:cNvPr id="1040" name="Picture 16" descr="勉強が不調な人のイラスト（男性）">
+            <a:extLst>
+              <a:ext uri="{FF2B5EF4-FFF2-40B4-BE49-F238E27FC236}">
+                <a16:creationId xmlns:a16="http://schemas.microsoft.com/office/drawing/2014/main" id="{2005DA57-EE43-D0E2-1999-BE5C5B7521F8}"/>
+              </a:ext>
+            </a:extLst>
+          </p:cNvPr>
+          <p:cNvPicPr>
+            <a:picLocks noChangeAspect="1" noChangeArrowheads="1"/>
+          </p:cNvPicPr>
+          <p:nvPr/>
+        </p:nvPicPr>
+        <p:blipFill>
+          <a:blip r:embed="rId17">
+            <a:extLst>
+              <a:ext uri="{28A0092B-C50C-407E-A947-70E740481C1C}">
+                <a14:useLocalDpi xmlns:a14="http://schemas.microsoft.com/office/drawing/2010/main" val="0"/>
+              </a:ext>
+            </a:extLst>
+          </a:blip>
+          <a:srcRect/>
+          <a:stretch>
+            <a:fillRect/>
+          </a:stretch>
+        </p:blipFill>
+        <p:spPr bwMode="auto">
+          <a:xfrm>
+            <a:off x="6367668" y="16367998"/>
+            <a:ext cx="2100209" cy="2100209"/>
+          </a:xfrm>
+          <a:prstGeom prst="rect">
+            <a:avLst/>
+          </a:prstGeom>
+          <a:noFill/>
+          <a:extLst>
+            <a:ext uri="{909E8E84-426E-40DD-AFC4-6F175D3DCCD1}">
+              <a14:hiddenFill xmlns:a14="http://schemas.microsoft.com/office/drawing/2010/main">
+                <a:solidFill>
+                  <a:srgbClr val="FFFFFF"/>
+                </a:solidFill>
+              </a14:hiddenFill>
+            </a:ext>
+          </a:extLst>
+        </p:spPr>
+      </p:pic>
+      <p:grpSp>
+        <p:nvGrpSpPr>
+          <p:cNvPr id="1041" name="グループ化 1040">
+            <a:extLst>
+              <a:ext uri="{FF2B5EF4-FFF2-40B4-BE49-F238E27FC236}">
+                <a16:creationId xmlns:a16="http://schemas.microsoft.com/office/drawing/2014/main" id="{D19EB72F-7B6F-6AA8-78A6-45DBE3639076}"/>
+              </a:ext>
+            </a:extLst>
+          </p:cNvPr>
+          <p:cNvGrpSpPr/>
+          <p:nvPr/>
+        </p:nvGrpSpPr>
+        <p:grpSpPr>
+          <a:xfrm>
+            <a:off x="9418866" y="17738225"/>
+            <a:ext cx="5201341" cy="1010110"/>
+            <a:chOff x="4959100" y="3825336"/>
+            <a:chExt cx="3778138" cy="1010110"/>
+          </a:xfrm>
+        </p:grpSpPr>
+        <p:grpSp>
+          <p:nvGrpSpPr>
+            <p:cNvPr id="1042" name="グループ化 1041">
+              <a:extLst>
+                <a:ext uri="{FF2B5EF4-FFF2-40B4-BE49-F238E27FC236}">
+                  <a16:creationId xmlns:a16="http://schemas.microsoft.com/office/drawing/2014/main" id="{4B85254C-1532-7BA1-B089-7AA5302B9B0B}"/>
+                </a:ext>
+              </a:extLst>
+            </p:cNvPr>
+            <p:cNvGrpSpPr/>
+            <p:nvPr/>
+          </p:nvGrpSpPr>
+          <p:grpSpPr>
+            <a:xfrm>
+              <a:off x="5213532" y="3825336"/>
+              <a:ext cx="3523706" cy="985859"/>
+              <a:chOff x="510138" y="940764"/>
+              <a:chExt cx="3523706" cy="985859"/>
+            </a:xfrm>
+          </p:grpSpPr>
+          <p:sp>
+            <p:nvSpPr>
+              <p:cNvPr id="1044" name="角丸四角形 110">
+                <a:extLst>
+                  <a:ext uri="{FF2B5EF4-FFF2-40B4-BE49-F238E27FC236}">
+                    <a16:creationId xmlns:a16="http://schemas.microsoft.com/office/drawing/2014/main" id="{9CD3988B-0601-CDBF-9728-4ABB781254DB}"/>
+                  </a:ext>
+                </a:extLst>
+              </p:cNvPr>
+              <p:cNvSpPr/>
+              <p:nvPr/>
+            </p:nvSpPr>
+            <p:spPr>
+              <a:xfrm>
+                <a:off x="638193" y="1095625"/>
+                <a:ext cx="3395651" cy="830998"/>
+              </a:xfrm>
+              <a:prstGeom prst="roundRect">
+                <a:avLst>
+                  <a:gd name="adj" fmla="val 9406"/>
+                </a:avLst>
+              </a:prstGeom>
               <a:solidFill>
-                <a:schemeClr val="tx1"/>
+                <a:schemeClr val="bg1"/>
               </a:solidFill>
+              <a:ln w="38100">
+                <a:solidFill>
+                  <a:srgbClr val="FF5050"/>
+                </a:solidFill>
+              </a:ln>
+            </p:spPr>
+            <p:style>
+              <a:lnRef idx="2">
+                <a:schemeClr val="accent1">
+                  <a:shade val="50000"/>
+                </a:schemeClr>
+              </a:lnRef>
+              <a:fillRef idx="1">
+                <a:schemeClr val="accent1"/>
+              </a:fillRef>
+              <a:effectRef idx="0">
+                <a:schemeClr val="accent1"/>
+              </a:effectRef>
+              <a:fontRef idx="minor">
+                <a:schemeClr val="lt1"/>
+              </a:fontRef>
+            </p:style>
+            <p:txBody>
+              <a:bodyPr rtlCol="0" anchor="ctr"/>
+              <a:lstStyle/>
+              <a:p>
+                <a:pPr algn="ctr"/>
+                <a:endParaRPr kumimoji="1" lang="ja-JP" altLang="en-US" dirty="0"/>
+              </a:p>
+            </p:txBody>
+          </p:sp>
+          <p:sp>
+            <p:nvSpPr>
+              <p:cNvPr id="1045" name="円/楕円 111">
+                <a:extLst>
+                  <a:ext uri="{FF2B5EF4-FFF2-40B4-BE49-F238E27FC236}">
+                    <a16:creationId xmlns:a16="http://schemas.microsoft.com/office/drawing/2014/main" id="{0C06BCDB-D6A7-3EA3-F42A-C90AF8CFD9E5}"/>
+                  </a:ext>
+                </a:extLst>
+              </p:cNvPr>
+              <p:cNvSpPr>
+                <a:spLocks noChangeAspect="1"/>
+              </p:cNvSpPr>
+              <p:nvPr/>
+            </p:nvSpPr>
+            <p:spPr>
+              <a:xfrm rot="20777591">
+                <a:off x="510138" y="940764"/>
+                <a:ext cx="1052613" cy="577740"/>
+              </a:xfrm>
+              <a:prstGeom prst="ellipse">
+                <a:avLst/>
+              </a:prstGeom>
+              <a:solidFill>
+                <a:srgbClr val="FF5050"/>
+              </a:solidFill>
+              <a:ln w="12700">
+                <a:solidFill>
+                  <a:schemeClr val="bg1"/>
+                </a:solidFill>
+              </a:ln>
+            </p:spPr>
+            <p:style>
+              <a:lnRef idx="2">
+                <a:schemeClr val="accent1">
+                  <a:shade val="50000"/>
+                </a:schemeClr>
+              </a:lnRef>
+              <a:fillRef idx="1">
+                <a:schemeClr val="accent1"/>
+              </a:fillRef>
+              <a:effectRef idx="0">
+                <a:schemeClr val="accent1"/>
+              </a:effectRef>
+              <a:fontRef idx="minor">
+                <a:schemeClr val="lt1"/>
+              </a:fontRef>
+            </p:style>
+            <p:txBody>
+              <a:bodyPr lIns="0" rIns="0" bIns="72000" rtlCol="0" anchor="ctr"/>
+              <a:lstStyle/>
+              <a:p>
+                <a:pPr algn="ctr"/>
+                <a:r>
+                  <a:rPr lang="en-US" altLang="ja-JP" sz="2400" b="1" dirty="0">
+                    <a:latin typeface="Segoe UI" panose="020B0502040204020203" pitchFamily="34" charset="0"/>
+                    <a:cs typeface="Segoe UI" panose="020B0502040204020203" pitchFamily="34" charset="0"/>
+                  </a:rPr>
+                  <a:t>Point</a:t>
+                </a:r>
+                <a:endParaRPr kumimoji="1" lang="ja-JP" altLang="en-US" sz="2400" b="1" dirty="0">
+                  <a:latin typeface="Segoe UI" panose="020B0502040204020203" pitchFamily="34" charset="0"/>
+                  <a:cs typeface="Segoe UI" panose="020B0502040204020203" pitchFamily="34" charset="0"/>
+                </a:endParaRPr>
+              </a:p>
+            </p:txBody>
+          </p:sp>
+        </p:grpSp>
+        <p:sp>
+          <p:nvSpPr>
+            <p:cNvPr id="1043" name="テキスト ボックス 1042">
+              <a:extLst>
+                <a:ext uri="{FF2B5EF4-FFF2-40B4-BE49-F238E27FC236}">
+                  <a16:creationId xmlns:a16="http://schemas.microsoft.com/office/drawing/2014/main" id="{7CD12284-1056-BA87-52A1-95FAC6506C4C}"/>
+                </a:ext>
+              </a:extLst>
+            </p:cNvPr>
+            <p:cNvSpPr txBox="1"/>
+            <p:nvPr/>
+          </p:nvSpPr>
+          <p:spPr>
+            <a:xfrm>
+              <a:off x="4959100" y="4004449"/>
+              <a:ext cx="3711009" cy="830997"/>
+            </a:xfrm>
+            <a:prstGeom prst="rect">
+              <a:avLst/>
+            </a:prstGeom>
+            <a:noFill/>
+          </p:spPr>
+          <p:txBody>
+            <a:bodyPr wrap="square" rtlCol="0">
+              <a:spAutoFit/>
+            </a:bodyPr>
+            <a:lstStyle/>
+            <a:p>
+              <a:pPr algn="r"/>
+              <a:r>
+                <a:rPr kumimoji="1" lang="ja-JP" altLang="en-US" sz="2400" b="1" dirty="0">
+                  <a:solidFill>
+                    <a:schemeClr val="accent2"/>
+                  </a:solidFill>
+                </a:rPr>
+                <a:t>ハードルを下げるために</a:t>
+              </a:r>
+              <a:endParaRPr kumimoji="1" lang="en-US" altLang="ja-JP" sz="2400" b="1" dirty="0">
+                <a:solidFill>
+                  <a:schemeClr val="accent2"/>
+                </a:solidFill>
+              </a:endParaRPr>
+            </a:p>
+            <a:p>
+              <a:pPr algn="r"/>
+              <a:r>
+                <a:rPr kumimoji="1" lang="ja-JP" altLang="en-US" sz="2400" b="1" dirty="0">
+                  <a:solidFill>
+                    <a:schemeClr val="accent2"/>
+                  </a:solidFill>
+                </a:rPr>
+                <a:t>ゲームで学習できるように！</a:t>
+              </a:r>
+              <a:endParaRPr kumimoji="1" lang="ja-JP" altLang="en-US" sz="2200" b="1" dirty="0">
+                <a:solidFill>
+                  <a:schemeClr val="accent2"/>
+                </a:solidFill>
+              </a:endParaRPr>
+            </a:p>
+          </p:txBody>
+        </p:sp>
+      </p:grpSp>
+      <p:sp>
+        <p:nvSpPr>
+          <p:cNvPr id="1046" name="テキスト ボックス 1045">
+            <a:extLst>
+              <a:ext uri="{FF2B5EF4-FFF2-40B4-BE49-F238E27FC236}">
+                <a16:creationId xmlns:a16="http://schemas.microsoft.com/office/drawing/2014/main" id="{9272D917-A076-03EE-B210-34F99CB834C2}"/>
+              </a:ext>
+            </a:extLst>
+          </p:cNvPr>
+          <p:cNvSpPr txBox="1"/>
+          <p:nvPr/>
+        </p:nvSpPr>
+        <p:spPr>
+          <a:xfrm>
+            <a:off x="4753404" y="18389736"/>
+            <a:ext cx="3556552" cy="415498"/>
+          </a:xfrm>
+          <a:prstGeom prst="rect">
+            <a:avLst/>
+          </a:prstGeom>
+          <a:solidFill>
+            <a:schemeClr val="accent6">
+              <a:lumMod val="20000"/>
+              <a:lumOff val="80000"/>
+            </a:schemeClr>
+          </a:solidFill>
+        </p:spPr>
+        <p:txBody>
+          <a:bodyPr wrap="square" bIns="0" rtlCol="0">
+            <a:spAutoFit/>
+          </a:bodyPr>
+          <a:lstStyle/>
+          <a:p>
+            <a:r>
+              <a:rPr kumimoji="1" lang="en-US" altLang="ja-JP" sz="2400" dirty="0">
+                <a:latin typeface="メイリオ" panose="020B0604030504040204" pitchFamily="50" charset="-128"/>
+                <a:ea typeface="メイリオ" panose="020B0604030504040204" pitchFamily="50" charset="-128"/>
+              </a:rPr>
+              <a:t>“</a:t>
+            </a:r>
+            <a:r>
+              <a:rPr kumimoji="1" lang="ja-JP" altLang="en-US" sz="2400" dirty="0">
+                <a:latin typeface="メイリオ" panose="020B0604030504040204" pitchFamily="50" charset="-128"/>
+                <a:ea typeface="メイリオ" panose="020B0604030504040204" pitchFamily="50" charset="-128"/>
+              </a:rPr>
+              <a:t>学習</a:t>
+            </a:r>
+            <a:r>
+              <a:rPr kumimoji="1" lang="en-US" altLang="ja-JP" sz="2400" dirty="0">
+                <a:latin typeface="メイリオ" panose="020B0604030504040204" pitchFamily="50" charset="-128"/>
+                <a:ea typeface="メイリオ" panose="020B0604030504040204" pitchFamily="50" charset="-128"/>
+              </a:rPr>
+              <a:t>”</a:t>
+            </a:r>
+            <a:r>
+              <a:rPr kumimoji="1" lang="ja-JP" altLang="en-US" sz="2400" dirty="0">
+                <a:latin typeface="メイリオ" panose="020B0604030504040204" pitchFamily="50" charset="-128"/>
+                <a:ea typeface="メイリオ" panose="020B0604030504040204" pitchFamily="50" charset="-128"/>
+              </a:rPr>
+              <a:t>のハードルが高い</a:t>
+            </a:r>
+          </a:p>
+        </p:txBody>
+      </p:sp>
+      <p:sp>
+        <p:nvSpPr>
+          <p:cNvPr id="1047" name="矢印: 右 1046">
+            <a:extLst>
+              <a:ext uri="{FF2B5EF4-FFF2-40B4-BE49-F238E27FC236}">
+                <a16:creationId xmlns:a16="http://schemas.microsoft.com/office/drawing/2014/main" id="{30F6B0DD-1856-DA80-300E-81877457D805}"/>
+              </a:ext>
+            </a:extLst>
+          </p:cNvPr>
+          <p:cNvSpPr/>
+          <p:nvPr/>
+        </p:nvSpPr>
+        <p:spPr>
+          <a:xfrm>
+            <a:off x="8341816" y="16683267"/>
+            <a:ext cx="967301" cy="1286105"/>
+          </a:xfrm>
+          <a:prstGeom prst="rightArrow">
+            <a:avLst/>
+          </a:prstGeom>
+        </p:spPr>
+        <p:style>
+          <a:lnRef idx="2">
+            <a:schemeClr val="accent1">
+              <a:shade val="15000"/>
+            </a:schemeClr>
+          </a:lnRef>
+          <a:fillRef idx="1">
+            <a:schemeClr val="accent1"/>
+          </a:fillRef>
+          <a:effectRef idx="0">
+            <a:schemeClr val="accent1"/>
+          </a:effectRef>
+          <a:fontRef idx="minor">
+            <a:schemeClr val="lt1"/>
+          </a:fontRef>
+        </p:style>
+        <p:txBody>
+          <a:bodyPr rtlCol="0" anchor="ctr"/>
+          <a:lstStyle/>
+          <a:p>
+            <a:pPr algn="ctr"/>
+            <a:endParaRPr kumimoji="1" lang="ja-JP" altLang="en-US"/>
+          </a:p>
+        </p:txBody>
+      </p:sp>
+      <p:pic>
+        <p:nvPicPr>
+          <p:cNvPr id="1048" name="Picture 18" descr="アドバイスをする人のイラスト（女性）">
+            <a:extLst>
+              <a:ext uri="{FF2B5EF4-FFF2-40B4-BE49-F238E27FC236}">
+                <a16:creationId xmlns:a16="http://schemas.microsoft.com/office/drawing/2014/main" id="{3FD690EF-BB11-50CF-E156-4088E311EB5C}"/>
+              </a:ext>
+            </a:extLst>
+          </p:cNvPr>
+          <p:cNvPicPr>
+            <a:picLocks noChangeAspect="1" noChangeArrowheads="1"/>
+          </p:cNvPicPr>
+          <p:nvPr/>
+        </p:nvPicPr>
+        <p:blipFill>
+          <a:blip r:embed="rId18">
+            <a:extLst>
+              <a:ext uri="{28A0092B-C50C-407E-A947-70E740481C1C}">
+                <a14:useLocalDpi xmlns:a14="http://schemas.microsoft.com/office/drawing/2010/main" val="0"/>
+              </a:ext>
+            </a:extLst>
+          </a:blip>
+          <a:srcRect/>
+          <a:stretch>
+            <a:fillRect/>
+          </a:stretch>
+        </p:blipFill>
+        <p:spPr bwMode="auto">
+          <a:xfrm>
+            <a:off x="2211739" y="16059734"/>
+            <a:ext cx="2208327" cy="2208327"/>
+          </a:xfrm>
+          <a:prstGeom prst="rect">
+            <a:avLst/>
+          </a:prstGeom>
+          <a:noFill/>
+          <a:extLst>
+            <a:ext uri="{909E8E84-426E-40DD-AFC4-6F175D3DCCD1}">
+              <a14:hiddenFill xmlns:a14="http://schemas.microsoft.com/office/drawing/2010/main">
+                <a:solidFill>
+                  <a:srgbClr val="FFFFFF"/>
+                </a:solidFill>
+              </a14:hiddenFill>
+            </a:ext>
+          </a:extLst>
+        </p:spPr>
+      </p:pic>
+      <p:sp>
+        <p:nvSpPr>
+          <p:cNvPr id="1049" name="テキスト ボックス 1048">
+            <a:extLst>
+              <a:ext uri="{FF2B5EF4-FFF2-40B4-BE49-F238E27FC236}">
+                <a16:creationId xmlns:a16="http://schemas.microsoft.com/office/drawing/2014/main" id="{5EE40A24-8F40-0CE8-DB1B-952E9D4E8763}"/>
+              </a:ext>
+            </a:extLst>
+          </p:cNvPr>
+          <p:cNvSpPr txBox="1"/>
+          <p:nvPr/>
+        </p:nvSpPr>
+        <p:spPr>
+          <a:xfrm>
+            <a:off x="1476943" y="15303715"/>
+            <a:ext cx="4848570" cy="784830"/>
+          </a:xfrm>
+          <a:prstGeom prst="rect">
+            <a:avLst/>
+          </a:prstGeom>
+          <a:solidFill>
+            <a:schemeClr val="accent6">
+              <a:lumMod val="20000"/>
+              <a:lumOff val="80000"/>
+            </a:schemeClr>
+          </a:solidFill>
+        </p:spPr>
+        <p:txBody>
+          <a:bodyPr wrap="square" bIns="0" rtlCol="0">
+            <a:spAutoFit/>
+          </a:bodyPr>
+          <a:lstStyle/>
+          <a:p>
+            <a:pPr algn="ctr"/>
+            <a:r>
+              <a:rPr kumimoji="1" lang="ja-JP" altLang="en-US" sz="2400" dirty="0">
+                <a:latin typeface="メイリオ" panose="020B0604030504040204" pitchFamily="50" charset="-128"/>
+                <a:ea typeface="メイリオ" panose="020B0604030504040204" pitchFamily="50" charset="-128"/>
+              </a:rPr>
+              <a:t>セキュリティについて学習すると</a:t>
+            </a:r>
+            <a:endParaRPr kumimoji="1" lang="en-US" altLang="ja-JP" sz="2400" dirty="0">
+              <a:latin typeface="メイリオ" panose="020B0604030504040204" pitchFamily="50" charset="-128"/>
+              <a:ea typeface="メイリオ" panose="020B0604030504040204" pitchFamily="50" charset="-128"/>
+            </a:endParaRPr>
+          </a:p>
+          <a:p>
+            <a:pPr algn="ctr"/>
+            <a:r>
+              <a:rPr kumimoji="1" lang="ja-JP" altLang="en-US" sz="2400" dirty="0">
+                <a:latin typeface="メイリオ" panose="020B0604030504040204" pitchFamily="50" charset="-128"/>
+                <a:ea typeface="メイリオ" panose="020B0604030504040204" pitchFamily="50" charset="-128"/>
+              </a:rPr>
+              <a:t>解決だが</a:t>
+            </a:r>
+            <a:r>
+              <a:rPr kumimoji="1" lang="en-US" altLang="ja-JP" sz="2400" dirty="0">
+                <a:latin typeface="メイリオ" panose="020B0604030504040204" pitchFamily="50" charset="-128"/>
+                <a:ea typeface="メイリオ" panose="020B0604030504040204" pitchFamily="50" charset="-128"/>
+              </a:rPr>
+              <a:t>…</a:t>
+            </a:r>
+            <a:endParaRPr kumimoji="1" lang="ja-JP" altLang="en-US" sz="2400" dirty="0">
+              <a:latin typeface="メイリオ" panose="020B0604030504040204" pitchFamily="50" charset="-128"/>
+              <a:ea typeface="メイリオ" panose="020B0604030504040204" pitchFamily="50" charset="-128"/>
+            </a:endParaRPr>
+          </a:p>
+        </p:txBody>
+      </p:sp>
+      <p:sp>
+        <p:nvSpPr>
+          <p:cNvPr id="1050" name="図形 1049">
+            <a:extLst>
+              <a:ext uri="{FF2B5EF4-FFF2-40B4-BE49-F238E27FC236}">
+                <a16:creationId xmlns:a16="http://schemas.microsoft.com/office/drawing/2014/main" id="{8152B364-5CAF-2181-D339-8F55CB0EB44D}"/>
+              </a:ext>
+            </a:extLst>
+          </p:cNvPr>
+          <p:cNvSpPr/>
+          <p:nvPr/>
+        </p:nvSpPr>
+        <p:spPr>
+          <a:xfrm rot="3261118">
+            <a:off x="4894274" y="16045306"/>
+            <a:ext cx="1321161" cy="982039"/>
+          </a:xfrm>
+          <a:prstGeom prst="swooshArrow">
+            <a:avLst>
+              <a:gd name="adj1" fmla="val 22846"/>
+              <a:gd name="adj2" fmla="val 31739"/>
+            </a:avLst>
+          </a:prstGeom>
+          <a:effectLst>
+            <a:outerShdw blurRad="50800" dist="38100" dir="5400000" algn="t" rotWithShape="0">
+              <a:prstClr val="black">
+                <a:alpha val="40000"/>
+              </a:prstClr>
+            </a:outerShdw>
+          </a:effectLst>
+        </p:spPr>
+        <p:style>
+          <a:lnRef idx="2">
+            <a:schemeClr val="lt1">
+              <a:hueOff val="0"/>
+              <a:satOff val="0"/>
+              <a:lumOff val="0"/>
+              <a:alphaOff val="0"/>
+            </a:schemeClr>
+          </a:lnRef>
+          <a:fillRef idx="1">
+            <a:schemeClr val="accent1">
+              <a:hueOff val="0"/>
+              <a:satOff val="0"/>
+              <a:lumOff val="0"/>
+              <a:alphaOff val="0"/>
+            </a:schemeClr>
+          </a:fillRef>
+          <a:effectRef idx="0">
+            <a:schemeClr val="accent1">
+              <a:hueOff val="0"/>
+              <a:satOff val="0"/>
+              <a:lumOff val="0"/>
+              <a:alphaOff val="0"/>
+            </a:schemeClr>
+          </a:effectRef>
+          <a:fontRef idx="minor">
+            <a:schemeClr val="lt1"/>
+          </a:fontRef>
+        </p:style>
+        <p:txBody>
+          <a:bodyPr/>
+          <a:lstStyle/>
+          <a:p>
+            <a:endParaRPr lang="ja-JP" altLang="en-US" dirty="0">
+              <a:latin typeface="メイリオ" panose="020B0604030504040204" pitchFamily="50" charset="-128"/>
+              <a:ea typeface="メイリオ" panose="020B0604030504040204" pitchFamily="50" charset="-128"/>
             </a:endParaRPr>
           </a:p>
         </p:txBody>
@@ -9583,7 +11733,7 @@
                                           </p:stCondLst>
                                         </p:cTn>
                                         <p:tgtEl>
-                                          <p:spTgt spid="118"/>
+                                          <p:spTgt spid="121"/>
                                         </p:tgtEl>
                                         <p:attrNameLst>
                                           <p:attrName>style.visibility</p:attrName>
@@ -9597,7 +11747,254 @@
                                       <p:cBhvr>
                                         <p:cTn id="7" dur="500"/>
                                         <p:tgtEl>
-                                          <p:spTgt spid="118"/>
+                                          <p:spTgt spid="121"/>
+                                        </p:tgtEl>
+                                      </p:cBhvr>
+                                    </p:animEffect>
+                                  </p:childTnLst>
+                                </p:cTn>
+                              </p:par>
+                            </p:childTnLst>
+                          </p:cTn>
+                        </p:par>
+                      </p:childTnLst>
+                    </p:cTn>
+                  </p:par>
+                  <p:par>
+                    <p:cTn id="8" fill="hold">
+                      <p:stCondLst>
+                        <p:cond delay="indefinite"/>
+                      </p:stCondLst>
+                      <p:childTnLst>
+                        <p:par>
+                          <p:cTn id="9" fill="hold">
+                            <p:stCondLst>
+                              <p:cond delay="0"/>
+                            </p:stCondLst>
+                            <p:childTnLst>
+                              <p:par>
+                                <p:cTn id="10" presetID="22" presetClass="entr" presetSubtype="4" fill="hold" grpId="0" nodeType="clickEffect">
+                                  <p:stCondLst>
+                                    <p:cond delay="0"/>
+                                  </p:stCondLst>
+                                  <p:childTnLst>
+                                    <p:set>
+                                      <p:cBhvr>
+                                        <p:cTn id="11" dur="1" fill="hold">
+                                          <p:stCondLst>
+                                            <p:cond delay="0"/>
+                                          </p:stCondLst>
+                                        </p:cTn>
+                                        <p:tgtEl>
+                                          <p:spTgt spid="123"/>
+                                        </p:tgtEl>
+                                        <p:attrNameLst>
+                                          <p:attrName>style.visibility</p:attrName>
+                                        </p:attrNameLst>
+                                      </p:cBhvr>
+                                      <p:to>
+                                        <p:strVal val="visible"/>
+                                      </p:to>
+                                    </p:set>
+                                    <p:animEffect transition="in" filter="wipe(down)">
+                                      <p:cBhvr>
+                                        <p:cTn id="12" dur="500"/>
+                                        <p:tgtEl>
+                                          <p:spTgt spid="123"/>
+                                        </p:tgtEl>
+                                      </p:cBhvr>
+                                    </p:animEffect>
+                                  </p:childTnLst>
+                                </p:cTn>
+                              </p:par>
+                            </p:childTnLst>
+                          </p:cTn>
+                        </p:par>
+                      </p:childTnLst>
+                    </p:cTn>
+                  </p:par>
+                  <p:par>
+                    <p:cTn id="13" fill="hold">
+                      <p:stCondLst>
+                        <p:cond delay="indefinite"/>
+                      </p:stCondLst>
+                      <p:childTnLst>
+                        <p:par>
+                          <p:cTn id="14" fill="hold">
+                            <p:stCondLst>
+                              <p:cond delay="0"/>
+                            </p:stCondLst>
+                            <p:childTnLst>
+                              <p:par>
+                                <p:cTn id="15" presetID="22" presetClass="entr" presetSubtype="4" fill="hold" grpId="0" nodeType="clickEffect">
+                                  <p:stCondLst>
+                                    <p:cond delay="0"/>
+                                  </p:stCondLst>
+                                  <p:childTnLst>
+                                    <p:set>
+                                      <p:cBhvr>
+                                        <p:cTn id="16" dur="1" fill="hold">
+                                          <p:stCondLst>
+                                            <p:cond delay="0"/>
+                                          </p:stCondLst>
+                                        </p:cTn>
+                                        <p:tgtEl>
+                                          <p:spTgt spid="124"/>
+                                        </p:tgtEl>
+                                        <p:attrNameLst>
+                                          <p:attrName>style.visibility</p:attrName>
+                                        </p:attrNameLst>
+                                      </p:cBhvr>
+                                      <p:to>
+                                        <p:strVal val="visible"/>
+                                      </p:to>
+                                    </p:set>
+                                    <p:animEffect transition="in" filter="wipe(down)">
+                                      <p:cBhvr>
+                                        <p:cTn id="17" dur="500"/>
+                                        <p:tgtEl>
+                                          <p:spTgt spid="124"/>
+                                        </p:tgtEl>
+                                      </p:cBhvr>
+                                    </p:animEffect>
+                                  </p:childTnLst>
+                                </p:cTn>
+                              </p:par>
+                            </p:childTnLst>
+                          </p:cTn>
+                        </p:par>
+                      </p:childTnLst>
+                    </p:cTn>
+                  </p:par>
+                  <p:par>
+                    <p:cTn id="18" fill="hold">
+                      <p:stCondLst>
+                        <p:cond delay="indefinite"/>
+                      </p:stCondLst>
+                      <p:childTnLst>
+                        <p:par>
+                          <p:cTn id="19" fill="hold">
+                            <p:stCondLst>
+                              <p:cond delay="0"/>
+                            </p:stCondLst>
+                            <p:childTnLst>
+                              <p:par>
+                                <p:cTn id="20" presetID="22" presetClass="entr" presetSubtype="4" fill="hold" nodeType="clickEffect">
+                                  <p:stCondLst>
+                                    <p:cond delay="0"/>
+                                  </p:stCondLst>
+                                  <p:childTnLst>
+                                    <p:set>
+                                      <p:cBhvr>
+                                        <p:cTn id="21" dur="1" fill="hold">
+                                          <p:stCondLst>
+                                            <p:cond delay="0"/>
+                                          </p:stCondLst>
+                                        </p:cTn>
+                                        <p:tgtEl>
+                                          <p:spTgt spid="1041"/>
+                                        </p:tgtEl>
+                                        <p:attrNameLst>
+                                          <p:attrName>style.visibility</p:attrName>
+                                        </p:attrNameLst>
+                                      </p:cBhvr>
+                                      <p:to>
+                                        <p:strVal val="visible"/>
+                                      </p:to>
+                                    </p:set>
+                                    <p:animEffect transition="in" filter="wipe(down)">
+                                      <p:cBhvr>
+                                        <p:cTn id="22" dur="500"/>
+                                        <p:tgtEl>
+                                          <p:spTgt spid="1041"/>
+                                        </p:tgtEl>
+                                      </p:cBhvr>
+                                    </p:animEffect>
+                                  </p:childTnLst>
+                                </p:cTn>
+                              </p:par>
+                            </p:childTnLst>
+                          </p:cTn>
+                        </p:par>
+                        <p:par>
+                          <p:cTn id="23" fill="hold">
+                            <p:stCondLst>
+                              <p:cond delay="500"/>
+                            </p:stCondLst>
+                            <p:childTnLst>
+                              <p:par>
+                                <p:cTn id="24" presetID="22" presetClass="entr" presetSubtype="1" fill="hold" grpId="0" nodeType="afterEffect">
+                                  <p:stCondLst>
+                                    <p:cond delay="0"/>
+                                  </p:stCondLst>
+                                  <p:childTnLst>
+                                    <p:set>
+                                      <p:cBhvr>
+                                        <p:cTn id="25" dur="1" fill="hold">
+                                          <p:stCondLst>
+                                            <p:cond delay="0"/>
+                                          </p:stCondLst>
+                                        </p:cTn>
+                                        <p:tgtEl>
+                                          <p:spTgt spid="1046"/>
+                                        </p:tgtEl>
+                                        <p:attrNameLst>
+                                          <p:attrName>style.visibility</p:attrName>
+                                        </p:attrNameLst>
+                                      </p:cBhvr>
+                                      <p:to>
+                                        <p:strVal val="visible"/>
+                                      </p:to>
+                                    </p:set>
+                                    <p:animEffect transition="in" filter="wipe(up)">
+                                      <p:cBhvr>
+                                        <p:cTn id="26" dur="500"/>
+                                        <p:tgtEl>
+                                          <p:spTgt spid="1046"/>
+                                        </p:tgtEl>
+                                      </p:cBhvr>
+                                    </p:animEffect>
+                                  </p:childTnLst>
+                                </p:cTn>
+                              </p:par>
+                            </p:childTnLst>
+                          </p:cTn>
+                        </p:par>
+                        <p:par>
+                          <p:cTn id="27" fill="hold">
+                            <p:stCondLst>
+                              <p:cond delay="1000"/>
+                            </p:stCondLst>
+                            <p:childTnLst>
+                              <p:par>
+                                <p:cTn id="28" presetID="22" presetClass="entr" presetSubtype="1" fill="hold" grpId="0" nodeType="afterEffect">
+                                  <p:stCondLst>
+                                    <p:cond delay="0"/>
+                                  </p:stCondLst>
+                                  <p:childTnLst>
+                                    <p:set>
+                                      <p:cBhvr>
+                                        <p:cTn id="29" dur="1" fill="hold">
+                                          <p:stCondLst>
+                                            <p:cond delay="0"/>
+                                          </p:stCondLst>
+                                        </p:cTn>
+                                        <p:tgtEl>
+                                          <p:spTgt spid="1049"/>
+                                        </p:tgtEl>
+                                        <p:attrNameLst>
+                                          <p:attrName>style.visibility</p:attrName>
+                                        </p:attrNameLst>
+                                      </p:cBhvr>
+                                      <p:to>
+                                        <p:strVal val="visible"/>
+                                      </p:to>
+                                    </p:set>
+                                    <p:animEffect transition="in" filter="wipe(up)">
+                                      <p:cBhvr>
+                                        <p:cTn id="30" dur="500"/>
+                                        <p:tgtEl>
+                                          <p:spTgt spid="1049"/>
                                         </p:tgtEl>
                                       </p:cBhvr>
                                     </p:animEffect>
@@ -9632,7 +12029,11 @@
       </p:par>
     </p:tnLst>
     <p:bldLst>
-      <p:bldP spid="118" grpId="0" animBg="1"/>
+      <p:bldP spid="121" grpId="0" animBg="1"/>
+      <p:bldP spid="123" grpId="0" animBg="1"/>
+      <p:bldP spid="124" grpId="0" animBg="1"/>
+      <p:bldP spid="1046" grpId="0" animBg="1"/>
+      <p:bldP spid="1049" grpId="0" animBg="1"/>
     </p:bldLst>
   </p:timing>
 </p:sld>
